--- a/文档/各种图.pptx
+++ b/文档/各种图.pptx
@@ -6,6 +6,7 @@
   </p:sldMasterIdLst>
   <p:sldIdLst>
     <p:sldId id="256" r:id="rId2"/>
+    <p:sldId id="257" r:id="rId3"/>
   </p:sldIdLst>
   <p:sldSz cx="12192000" cy="6858000"/>
   <p:notesSz cx="6858000" cy="9144000"/>
@@ -104,6 +105,11 @@
       </a:defRPr>
     </a:lvl9pPr>
   </p:defaultTextStyle>
+  <p:extLst>
+    <p:ext uri="{EFAFB233-063F-42B5-8137-9DF3F51BA10A}">
+      <p15:sldGuideLst xmlns:p15="http://schemas.microsoft.com/office/powerpoint/2012/main"/>
+    </p:ext>
+  </p:extLst>
 </p:presentation>
 </file>
 
@@ -111,8 +117,8 @@
 <pc:chgInfo xmlns:a="http://schemas.openxmlformats.org/drawingml/2006/main" xmlns:r="http://schemas.openxmlformats.org/officeDocument/2006/relationships" xmlns:ac="http://schemas.microsoft.com/office/drawing/2013/main/command" xmlns:pc="http://schemas.microsoft.com/office/powerpoint/2013/main/command">
   <pc:docChgLst>
     <pc:chgData name="王 家才" userId="863c4bbfb9f47078" providerId="LiveId" clId="{3EB35533-EDE6-4421-9AB6-CD29FFE35FE3}"/>
-    <pc:docChg chg="undo custSel modSld">
-      <pc:chgData name="王 家才" userId="863c4bbfb9f47078" providerId="LiveId" clId="{3EB35533-EDE6-4421-9AB6-CD29FFE35FE3}" dt="2019-05-29T08:14:25.834" v="31" actId="1076"/>
+    <pc:docChg chg="undo custSel addSld modSld">
+      <pc:chgData name="王 家才" userId="863c4bbfb9f47078" providerId="LiveId" clId="{3EB35533-EDE6-4421-9AB6-CD29FFE35FE3}" dt="2019-05-30T07:16:45.271" v="278" actId="478"/>
       <pc:docMkLst>
         <pc:docMk/>
       </pc:docMkLst>
@@ -152,6 +158,1013 @@
             <pc:docMk/>
             <pc:sldMk cId="1663696670" sldId="256"/>
             <ac:cxnSpMk id="27" creationId="{3346734D-69A4-4E4E-89F5-11580E0268BB}"/>
+          </ac:cxnSpMkLst>
+        </pc:cxnChg>
+      </pc:sldChg>
+      <pc:sldChg chg="addSp delSp modSp add">
+        <pc:chgData name="王 家才" userId="863c4bbfb9f47078" providerId="LiveId" clId="{3EB35533-EDE6-4421-9AB6-CD29FFE35FE3}" dt="2019-05-30T07:16:45.271" v="278" actId="478"/>
+        <pc:sldMkLst>
+          <pc:docMk/>
+          <pc:sldMk cId="551038706" sldId="257"/>
+        </pc:sldMkLst>
+        <pc:spChg chg="del">
+          <ac:chgData name="王 家才" userId="863c4bbfb9f47078" providerId="LiveId" clId="{3EB35533-EDE6-4421-9AB6-CD29FFE35FE3}" dt="2019-05-30T06:39:06.949" v="33" actId="478"/>
+          <ac:spMkLst>
+            <pc:docMk/>
+            <pc:sldMk cId="551038706" sldId="257"/>
+            <ac:spMk id="2" creationId="{4D70696D-32F7-4A4A-BC14-6C1C26A5A81A}"/>
+          </ac:spMkLst>
+        </pc:spChg>
+        <pc:spChg chg="del">
+          <ac:chgData name="王 家才" userId="863c4bbfb9f47078" providerId="LiveId" clId="{3EB35533-EDE6-4421-9AB6-CD29FFE35FE3}" dt="2019-05-30T06:39:06.949" v="33" actId="478"/>
+          <ac:spMkLst>
+            <pc:docMk/>
+            <pc:sldMk cId="551038706" sldId="257"/>
+            <ac:spMk id="3" creationId="{32AE115C-1A27-45DD-AE0E-8A7BC2023FF2}"/>
+          </ac:spMkLst>
+        </pc:spChg>
+        <pc:spChg chg="add mod">
+          <ac:chgData name="王 家才" userId="863c4bbfb9f47078" providerId="LiveId" clId="{3EB35533-EDE6-4421-9AB6-CD29FFE35FE3}" dt="2019-05-30T06:52:01.274" v="151" actId="692"/>
+          <ac:spMkLst>
+            <pc:docMk/>
+            <pc:sldMk cId="551038706" sldId="257"/>
+            <ac:spMk id="7" creationId="{77C492CA-7EB5-4B6F-95A5-58913282C951}"/>
+          </ac:spMkLst>
+        </pc:spChg>
+        <pc:spChg chg="add mod">
+          <ac:chgData name="王 家才" userId="863c4bbfb9f47078" providerId="LiveId" clId="{3EB35533-EDE6-4421-9AB6-CD29FFE35FE3}" dt="2019-05-30T06:50:49.444" v="142" actId="1076"/>
+          <ac:spMkLst>
+            <pc:docMk/>
+            <pc:sldMk cId="551038706" sldId="257"/>
+            <ac:spMk id="13" creationId="{2E90D0BA-AC9D-431A-B2C0-31ABB595DA59}"/>
+          </ac:spMkLst>
+        </pc:spChg>
+        <pc:spChg chg="add mod">
+          <ac:chgData name="王 家才" userId="863c4bbfb9f47078" providerId="LiveId" clId="{3EB35533-EDE6-4421-9AB6-CD29FFE35FE3}" dt="2019-05-30T06:50:53.330" v="143" actId="1076"/>
+          <ac:spMkLst>
+            <pc:docMk/>
+            <pc:sldMk cId="551038706" sldId="257"/>
+            <ac:spMk id="14" creationId="{13AE3B4F-3A9A-4001-BBFE-3E79C6EF4CA8}"/>
+          </ac:spMkLst>
+        </pc:spChg>
+        <pc:spChg chg="add mod">
+          <ac:chgData name="王 家才" userId="863c4bbfb9f47078" providerId="LiveId" clId="{3EB35533-EDE6-4421-9AB6-CD29FFE35FE3}" dt="2019-05-30T06:52:20.502" v="182"/>
+          <ac:spMkLst>
+            <pc:docMk/>
+            <pc:sldMk cId="551038706" sldId="257"/>
+            <ac:spMk id="15" creationId="{C4D74B47-C864-45C7-8011-E528B3D628B4}"/>
+          </ac:spMkLst>
+        </pc:spChg>
+        <pc:spChg chg="add del mod">
+          <ac:chgData name="王 家才" userId="863c4bbfb9f47078" providerId="LiveId" clId="{3EB35533-EDE6-4421-9AB6-CD29FFE35FE3}" dt="2019-05-30T06:57:27.732" v="207" actId="478"/>
+          <ac:spMkLst>
+            <pc:docMk/>
+            <pc:sldMk cId="551038706" sldId="257"/>
+            <ac:spMk id="16" creationId="{372B4677-AB82-4665-A4F6-CBEFE0BEDEB1}"/>
+          </ac:spMkLst>
+        </pc:spChg>
+        <pc:spChg chg="add del mod">
+          <ac:chgData name="王 家才" userId="863c4bbfb9f47078" providerId="LiveId" clId="{3EB35533-EDE6-4421-9AB6-CD29FFE35FE3}" dt="2019-05-30T06:57:27.732" v="207" actId="478"/>
+          <ac:spMkLst>
+            <pc:docMk/>
+            <pc:sldMk cId="551038706" sldId="257"/>
+            <ac:spMk id="17" creationId="{71ED664A-6CE0-45FB-80FC-5923F7AC7558}"/>
+          </ac:spMkLst>
+        </pc:spChg>
+        <pc:spChg chg="add del mod">
+          <ac:chgData name="王 家才" userId="863c4bbfb9f47078" providerId="LiveId" clId="{3EB35533-EDE6-4421-9AB6-CD29FFE35FE3}" dt="2019-05-30T06:57:27.732" v="207" actId="478"/>
+          <ac:spMkLst>
+            <pc:docMk/>
+            <pc:sldMk cId="551038706" sldId="257"/>
+            <ac:spMk id="19" creationId="{774BA216-19AE-42D7-9156-636E44285C08}"/>
+          </ac:spMkLst>
+        </pc:spChg>
+        <pc:spChg chg="add mod">
+          <ac:chgData name="王 家才" userId="863c4bbfb9f47078" providerId="LiveId" clId="{3EB35533-EDE6-4421-9AB6-CD29FFE35FE3}" dt="2019-05-30T06:54:50.600" v="201" actId="1076"/>
+          <ac:spMkLst>
+            <pc:docMk/>
+            <pc:sldMk cId="551038706" sldId="257"/>
+            <ac:spMk id="101" creationId="{D96419EF-6C63-4ECD-8142-475EFBE6E9D9}"/>
+          </ac:spMkLst>
+        </pc:spChg>
+        <pc:spChg chg="add mod">
+          <ac:chgData name="王 家才" userId="863c4bbfb9f47078" providerId="LiveId" clId="{3EB35533-EDE6-4421-9AB6-CD29FFE35FE3}" dt="2019-05-30T06:54:54.193" v="202" actId="1076"/>
+          <ac:spMkLst>
+            <pc:docMk/>
+            <pc:sldMk cId="551038706" sldId="257"/>
+            <ac:spMk id="102" creationId="{01823FE9-62C8-40EB-9A70-2A0F38573982}"/>
+          </ac:spMkLst>
+        </pc:spChg>
+        <pc:spChg chg="add mod">
+          <ac:chgData name="王 家才" userId="863c4bbfb9f47078" providerId="LiveId" clId="{3EB35533-EDE6-4421-9AB6-CD29FFE35FE3}" dt="2019-05-30T07:01:46.685" v="230" actId="1582"/>
+          <ac:spMkLst>
+            <pc:docMk/>
+            <pc:sldMk cId="551038706" sldId="257"/>
+            <ac:spMk id="107" creationId="{642D30A8-0211-43B2-B255-672D6ADC8892}"/>
+          </ac:spMkLst>
+        </pc:spChg>
+        <pc:spChg chg="add mod">
+          <ac:chgData name="王 家才" userId="863c4bbfb9f47078" providerId="LiveId" clId="{3EB35533-EDE6-4421-9AB6-CD29FFE35FE3}" dt="2019-05-30T07:01:01.119" v="228" actId="1076"/>
+          <ac:spMkLst>
+            <pc:docMk/>
+            <pc:sldMk cId="551038706" sldId="257"/>
+            <ac:spMk id="110" creationId="{D87012FD-8130-4AE3-97CC-00C2C3A0E473}"/>
+          </ac:spMkLst>
+        </pc:spChg>
+        <pc:grpChg chg="add mod">
+          <ac:chgData name="王 家才" userId="863c4bbfb9f47078" providerId="LiveId" clId="{3EB35533-EDE6-4421-9AB6-CD29FFE35FE3}" dt="2019-05-30T06:48:37.240" v="116" actId="164"/>
+          <ac:grpSpMkLst>
+            <pc:docMk/>
+            <pc:sldMk cId="551038706" sldId="257"/>
+            <ac:grpSpMk id="4" creationId="{62BACEA8-4D91-4334-B84D-1152C99C9376}"/>
+          </ac:grpSpMkLst>
+        </pc:grpChg>
+        <pc:grpChg chg="add mod">
+          <ac:chgData name="王 家才" userId="863c4bbfb9f47078" providerId="LiveId" clId="{3EB35533-EDE6-4421-9AB6-CD29FFE35FE3}" dt="2019-05-30T06:48:43.109" v="117" actId="164"/>
+          <ac:grpSpMkLst>
+            <pc:docMk/>
+            <pc:sldMk cId="551038706" sldId="257"/>
+            <ac:grpSpMk id="10" creationId="{C6CB8AD7-A895-4429-B06E-03368746993D}"/>
+          </ac:grpSpMkLst>
+        </pc:grpChg>
+        <pc:grpChg chg="add del mod">
+          <ac:chgData name="王 家才" userId="863c4bbfb9f47078" providerId="LiveId" clId="{3EB35533-EDE6-4421-9AB6-CD29FFE35FE3}" dt="2019-05-30T06:46:48.238" v="96" actId="165"/>
+          <ac:grpSpMkLst>
+            <pc:docMk/>
+            <pc:sldMk cId="551038706" sldId="257"/>
+            <ac:grpSpMk id="37" creationId="{A59BA372-73BC-4715-A18D-67C005FEC16F}"/>
+          </ac:grpSpMkLst>
+        </pc:grpChg>
+        <pc:grpChg chg="add mod">
+          <ac:chgData name="王 家才" userId="863c4bbfb9f47078" providerId="LiveId" clId="{3EB35533-EDE6-4421-9AB6-CD29FFE35FE3}" dt="2019-05-30T06:47:24.240" v="105" actId="164"/>
+          <ac:grpSpMkLst>
+            <pc:docMk/>
+            <pc:sldMk cId="551038706" sldId="257"/>
+            <ac:grpSpMk id="76" creationId="{1CCABC1F-82C0-4DCC-9656-3E0D950803D6}"/>
+          </ac:grpSpMkLst>
+        </pc:grpChg>
+        <pc:grpChg chg="add mod">
+          <ac:chgData name="王 家才" userId="863c4bbfb9f47078" providerId="LiveId" clId="{3EB35533-EDE6-4421-9AB6-CD29FFE35FE3}" dt="2019-05-30T06:48:43.109" v="117" actId="164"/>
+          <ac:grpSpMkLst>
+            <pc:docMk/>
+            <pc:sldMk cId="551038706" sldId="257"/>
+            <ac:grpSpMk id="91" creationId="{C50791F9-D906-4AB6-952F-159E5C9B9AFE}"/>
+          </ac:grpSpMkLst>
+        </pc:grpChg>
+        <pc:grpChg chg="add mod">
+          <ac:chgData name="王 家才" userId="863c4bbfb9f47078" providerId="LiveId" clId="{3EB35533-EDE6-4421-9AB6-CD29FFE35FE3}" dt="2019-05-30T06:56:30.424" v="206" actId="1076"/>
+          <ac:grpSpMkLst>
+            <pc:docMk/>
+            <pc:sldMk cId="551038706" sldId="257"/>
+            <ac:grpSpMk id="92" creationId="{70328A11-CF64-4A9D-800D-48C23171DDFE}"/>
+          </ac:grpSpMkLst>
+        </pc:grpChg>
+        <pc:grpChg chg="add mod">
+          <ac:chgData name="王 家才" userId="863c4bbfb9f47078" providerId="LiveId" clId="{3EB35533-EDE6-4421-9AB6-CD29FFE35FE3}" dt="2019-05-30T06:50:20.136" v="137" actId="1076"/>
+          <ac:grpSpMkLst>
+            <pc:docMk/>
+            <pc:sldMk cId="551038706" sldId="257"/>
+            <ac:grpSpMk id="93" creationId="{FA2D2CDF-D5B5-4107-A45C-1C3A02C96707}"/>
+          </ac:grpSpMkLst>
+        </pc:grpChg>
+        <pc:grpChg chg="add del mod">
+          <ac:chgData name="王 家才" userId="863c4bbfb9f47078" providerId="LiveId" clId="{3EB35533-EDE6-4421-9AB6-CD29FFE35FE3}" dt="2019-05-30T07:04:28.414" v="262" actId="165"/>
+          <ac:grpSpMkLst>
+            <pc:docMk/>
+            <pc:sldMk cId="551038706" sldId="257"/>
+            <ac:grpSpMk id="162" creationId="{BD866B4B-65CE-439A-81BB-123B692F12C5}"/>
+          </ac:grpSpMkLst>
+        </pc:grpChg>
+        <pc:grpChg chg="add del mod">
+          <ac:chgData name="王 家才" userId="863c4bbfb9f47078" providerId="LiveId" clId="{3EB35533-EDE6-4421-9AB6-CD29FFE35FE3}" dt="2019-05-30T07:04:54.773" v="267" actId="165"/>
+          <ac:grpSpMkLst>
+            <pc:docMk/>
+            <pc:sldMk cId="551038706" sldId="257"/>
+            <ac:grpSpMk id="163" creationId="{FAD3B3A5-8CB4-44F2-8C68-DE77C3D29FC2}"/>
+          </ac:grpSpMkLst>
+        </pc:grpChg>
+        <pc:grpChg chg="add mod">
+          <ac:chgData name="王 家才" userId="863c4bbfb9f47078" providerId="LiveId" clId="{3EB35533-EDE6-4421-9AB6-CD29FFE35FE3}" dt="2019-05-30T07:05:48.141" v="277" actId="14100"/>
+          <ac:grpSpMkLst>
+            <pc:docMk/>
+            <pc:sldMk cId="551038706" sldId="257"/>
+            <ac:grpSpMk id="164" creationId="{C7A222EE-D149-4602-9B8F-55C60F85B8C3}"/>
+          </ac:grpSpMkLst>
+        </pc:grpChg>
+        <pc:cxnChg chg="add mod">
+          <ac:chgData name="王 家才" userId="863c4bbfb9f47078" providerId="LiveId" clId="{3EB35533-EDE6-4421-9AB6-CD29FFE35FE3}" dt="2019-05-30T07:02:40.478" v="232" actId="692"/>
+          <ac:cxnSpMkLst>
+            <pc:docMk/>
+            <pc:sldMk cId="551038706" sldId="257"/>
+            <ac:cxnSpMk id="8" creationId="{7AA6BF19-9753-4D1B-8E68-CC9E30758870}"/>
+          </ac:cxnSpMkLst>
+        </pc:cxnChg>
+        <pc:cxnChg chg="add mod">
+          <ac:chgData name="王 家才" userId="863c4bbfb9f47078" providerId="LiveId" clId="{3EB35533-EDE6-4421-9AB6-CD29FFE35FE3}" dt="2019-05-30T06:56:23.605" v="204" actId="14100"/>
+          <ac:cxnSpMkLst>
+            <pc:docMk/>
+            <pc:sldMk cId="551038706" sldId="257"/>
+            <ac:cxnSpMk id="9" creationId="{E74684C6-9BCE-42F0-B44B-5BB9ACDDFA4E}"/>
+          </ac:cxnSpMkLst>
+        </pc:cxnChg>
+        <pc:cxnChg chg="add del mod">
+          <ac:chgData name="王 家才" userId="863c4bbfb9f47078" providerId="LiveId" clId="{3EB35533-EDE6-4421-9AB6-CD29FFE35FE3}" dt="2019-05-30T06:57:27.732" v="207" actId="478"/>
+          <ac:cxnSpMkLst>
+            <pc:docMk/>
+            <pc:sldMk cId="551038706" sldId="257"/>
+            <ac:cxnSpMk id="18" creationId="{37445C4E-2A2E-452E-BEF0-2D46A0E839CE}"/>
+          </ac:cxnSpMkLst>
+        </pc:cxnChg>
+        <pc:cxnChg chg="add mod">
+          <ac:chgData name="王 家才" userId="863c4bbfb9f47078" providerId="LiveId" clId="{3EB35533-EDE6-4421-9AB6-CD29FFE35FE3}" dt="2019-05-30T06:48:37.240" v="116" actId="164"/>
+          <ac:cxnSpMkLst>
+            <pc:docMk/>
+            <pc:sldMk cId="551038706" sldId="257"/>
+            <ac:cxnSpMk id="21" creationId="{92C679EF-0D83-413E-9C32-DC0AF7ECFA09}"/>
+          </ac:cxnSpMkLst>
+        </pc:cxnChg>
+        <pc:cxnChg chg="add del mod">
+          <ac:chgData name="王 家才" userId="863c4bbfb9f47078" providerId="LiveId" clId="{3EB35533-EDE6-4421-9AB6-CD29FFE35FE3}" dt="2019-05-30T06:43:13.155" v="68" actId="478"/>
+          <ac:cxnSpMkLst>
+            <pc:docMk/>
+            <pc:sldMk cId="551038706" sldId="257"/>
+            <ac:cxnSpMk id="25" creationId="{2506C99B-ADCB-4289-92C9-D45DC1243033}"/>
+          </ac:cxnSpMkLst>
+        </pc:cxnChg>
+        <pc:cxnChg chg="add del mod topLvl">
+          <ac:chgData name="王 家才" userId="863c4bbfb9f47078" providerId="LiveId" clId="{3EB35533-EDE6-4421-9AB6-CD29FFE35FE3}" dt="2019-05-30T06:47:44.958" v="113" actId="478"/>
+          <ac:cxnSpMkLst>
+            <pc:docMk/>
+            <pc:sldMk cId="551038706" sldId="257"/>
+            <ac:cxnSpMk id="27" creationId="{35F4A669-8143-4F50-B5EC-70C1931773CD}"/>
+          </ac:cxnSpMkLst>
+        </pc:cxnChg>
+        <pc:cxnChg chg="add del mod topLvl">
+          <ac:chgData name="王 家才" userId="863c4bbfb9f47078" providerId="LiveId" clId="{3EB35533-EDE6-4421-9AB6-CD29FFE35FE3}" dt="2019-05-30T06:47:44.958" v="113" actId="478"/>
+          <ac:cxnSpMkLst>
+            <pc:docMk/>
+            <pc:sldMk cId="551038706" sldId="257"/>
+            <ac:cxnSpMk id="28" creationId="{66EAF479-B738-4C5D-9A74-A0855A61DE86}"/>
+          </ac:cxnSpMkLst>
+        </pc:cxnChg>
+        <pc:cxnChg chg="add del mod topLvl">
+          <ac:chgData name="王 家才" userId="863c4bbfb9f47078" providerId="LiveId" clId="{3EB35533-EDE6-4421-9AB6-CD29FFE35FE3}" dt="2019-05-30T06:47:44.958" v="113" actId="478"/>
+          <ac:cxnSpMkLst>
+            <pc:docMk/>
+            <pc:sldMk cId="551038706" sldId="257"/>
+            <ac:cxnSpMk id="29" creationId="{E125193E-B069-42FD-A3AA-335FF0F044A1}"/>
+          </ac:cxnSpMkLst>
+        </pc:cxnChg>
+        <pc:cxnChg chg="add del mod topLvl">
+          <ac:chgData name="王 家才" userId="863c4bbfb9f47078" providerId="LiveId" clId="{3EB35533-EDE6-4421-9AB6-CD29FFE35FE3}" dt="2019-05-30T06:47:44.958" v="113" actId="478"/>
+          <ac:cxnSpMkLst>
+            <pc:docMk/>
+            <pc:sldMk cId="551038706" sldId="257"/>
+            <ac:cxnSpMk id="30" creationId="{D78D9731-66FE-4668-BC49-8BC216ED5BB7}"/>
+          </ac:cxnSpMkLst>
+        </pc:cxnChg>
+        <pc:cxnChg chg="add del mod topLvl">
+          <ac:chgData name="王 家才" userId="863c4bbfb9f47078" providerId="LiveId" clId="{3EB35533-EDE6-4421-9AB6-CD29FFE35FE3}" dt="2019-05-30T06:47:44.958" v="113" actId="478"/>
+          <ac:cxnSpMkLst>
+            <pc:docMk/>
+            <pc:sldMk cId="551038706" sldId="257"/>
+            <ac:cxnSpMk id="31" creationId="{77778A28-8675-4DDC-9C94-8FB4D10DF9C3}"/>
+          </ac:cxnSpMkLst>
+        </pc:cxnChg>
+        <pc:cxnChg chg="add del mod topLvl">
+          <ac:chgData name="王 家才" userId="863c4bbfb9f47078" providerId="LiveId" clId="{3EB35533-EDE6-4421-9AB6-CD29FFE35FE3}" dt="2019-05-30T06:47:44.958" v="113" actId="478"/>
+          <ac:cxnSpMkLst>
+            <pc:docMk/>
+            <pc:sldMk cId="551038706" sldId="257"/>
+            <ac:cxnSpMk id="32" creationId="{AAB64F4D-4325-4947-9AE1-B05D0904D15C}"/>
+          </ac:cxnSpMkLst>
+        </pc:cxnChg>
+        <pc:cxnChg chg="add del mod topLvl">
+          <ac:chgData name="王 家才" userId="863c4bbfb9f47078" providerId="LiveId" clId="{3EB35533-EDE6-4421-9AB6-CD29FFE35FE3}" dt="2019-05-30T06:47:44.958" v="113" actId="478"/>
+          <ac:cxnSpMkLst>
+            <pc:docMk/>
+            <pc:sldMk cId="551038706" sldId="257"/>
+            <ac:cxnSpMk id="33" creationId="{7C9723C1-E584-4F2D-A29A-4875145C8860}"/>
+          </ac:cxnSpMkLst>
+        </pc:cxnChg>
+        <pc:cxnChg chg="add del mod topLvl">
+          <ac:chgData name="王 家才" userId="863c4bbfb9f47078" providerId="LiveId" clId="{3EB35533-EDE6-4421-9AB6-CD29FFE35FE3}" dt="2019-05-30T06:47:44.958" v="113" actId="478"/>
+          <ac:cxnSpMkLst>
+            <pc:docMk/>
+            <pc:sldMk cId="551038706" sldId="257"/>
+            <ac:cxnSpMk id="34" creationId="{ACE5F35F-84DE-4FA5-8F2C-80B494120BFD}"/>
+          </ac:cxnSpMkLst>
+        </pc:cxnChg>
+        <pc:cxnChg chg="add del mod topLvl">
+          <ac:chgData name="王 家才" userId="863c4bbfb9f47078" providerId="LiveId" clId="{3EB35533-EDE6-4421-9AB6-CD29FFE35FE3}" dt="2019-05-30T06:47:44.958" v="113" actId="478"/>
+          <ac:cxnSpMkLst>
+            <pc:docMk/>
+            <pc:sldMk cId="551038706" sldId="257"/>
+            <ac:cxnSpMk id="35" creationId="{62574316-1049-4C22-92BA-B3B9AA6098AB}"/>
+          </ac:cxnSpMkLst>
+        </pc:cxnChg>
+        <pc:cxnChg chg="add del mod topLvl">
+          <ac:chgData name="王 家才" userId="863c4bbfb9f47078" providerId="LiveId" clId="{3EB35533-EDE6-4421-9AB6-CD29FFE35FE3}" dt="2019-05-30T06:47:44.958" v="113" actId="478"/>
+          <ac:cxnSpMkLst>
+            <pc:docMk/>
+            <pc:sldMk cId="551038706" sldId="257"/>
+            <ac:cxnSpMk id="36" creationId="{D2FC6BAA-346E-47A7-8E48-2011F310BB6A}"/>
+          </ac:cxnSpMkLst>
+        </pc:cxnChg>
+        <pc:cxnChg chg="add del mod">
+          <ac:chgData name="王 家才" userId="863c4bbfb9f47078" providerId="LiveId" clId="{3EB35533-EDE6-4421-9AB6-CD29FFE35FE3}" dt="2019-05-30T06:47:44.958" v="113" actId="478"/>
+          <ac:cxnSpMkLst>
+            <pc:docMk/>
+            <pc:sldMk cId="551038706" sldId="257"/>
+            <ac:cxnSpMk id="38" creationId="{82FFFBA4-C54B-4687-BE18-8CE29DE95D9F}"/>
+          </ac:cxnSpMkLst>
+        </pc:cxnChg>
+        <pc:cxnChg chg="add del mod">
+          <ac:chgData name="王 家才" userId="863c4bbfb9f47078" providerId="LiveId" clId="{3EB35533-EDE6-4421-9AB6-CD29FFE35FE3}" dt="2019-05-30T06:47:44.958" v="113" actId="478"/>
+          <ac:cxnSpMkLst>
+            <pc:docMk/>
+            <pc:sldMk cId="551038706" sldId="257"/>
+            <ac:cxnSpMk id="39" creationId="{FCD5C2E5-D46E-4ED7-BE64-DEB8B35A9188}"/>
+          </ac:cxnSpMkLst>
+        </pc:cxnChg>
+        <pc:cxnChg chg="add del mod">
+          <ac:chgData name="王 家才" userId="863c4bbfb9f47078" providerId="LiveId" clId="{3EB35533-EDE6-4421-9AB6-CD29FFE35FE3}" dt="2019-05-30T06:47:44.958" v="113" actId="478"/>
+          <ac:cxnSpMkLst>
+            <pc:docMk/>
+            <pc:sldMk cId="551038706" sldId="257"/>
+            <ac:cxnSpMk id="40" creationId="{14E81434-ED80-4305-9A1A-7E39C5EB218D}"/>
+          </ac:cxnSpMkLst>
+        </pc:cxnChg>
+        <pc:cxnChg chg="add del mod">
+          <ac:chgData name="王 家才" userId="863c4bbfb9f47078" providerId="LiveId" clId="{3EB35533-EDE6-4421-9AB6-CD29FFE35FE3}" dt="2019-05-30T06:47:44.958" v="113" actId="478"/>
+          <ac:cxnSpMkLst>
+            <pc:docMk/>
+            <pc:sldMk cId="551038706" sldId="257"/>
+            <ac:cxnSpMk id="41" creationId="{785F3699-A4D9-4DD9-BC3F-1970265E3752}"/>
+          </ac:cxnSpMkLst>
+        </pc:cxnChg>
+        <pc:cxnChg chg="add del mod">
+          <ac:chgData name="王 家才" userId="863c4bbfb9f47078" providerId="LiveId" clId="{3EB35533-EDE6-4421-9AB6-CD29FFE35FE3}" dt="2019-05-30T06:47:44.958" v="113" actId="478"/>
+          <ac:cxnSpMkLst>
+            <pc:docMk/>
+            <pc:sldMk cId="551038706" sldId="257"/>
+            <ac:cxnSpMk id="42" creationId="{34A037E1-883F-4BCA-A0A3-4F6A45AD0BFA}"/>
+          </ac:cxnSpMkLst>
+        </pc:cxnChg>
+        <pc:cxnChg chg="add del mod">
+          <ac:chgData name="王 家才" userId="863c4bbfb9f47078" providerId="LiveId" clId="{3EB35533-EDE6-4421-9AB6-CD29FFE35FE3}" dt="2019-05-30T06:47:44.958" v="113" actId="478"/>
+          <ac:cxnSpMkLst>
+            <pc:docMk/>
+            <pc:sldMk cId="551038706" sldId="257"/>
+            <ac:cxnSpMk id="43" creationId="{AD4D58F1-2BC3-45CC-A036-35CAEBDB294E}"/>
+          </ac:cxnSpMkLst>
+        </pc:cxnChg>
+        <pc:cxnChg chg="add del mod">
+          <ac:chgData name="王 家才" userId="863c4bbfb9f47078" providerId="LiveId" clId="{3EB35533-EDE6-4421-9AB6-CD29FFE35FE3}" dt="2019-05-30T06:47:44.958" v="113" actId="478"/>
+          <ac:cxnSpMkLst>
+            <pc:docMk/>
+            <pc:sldMk cId="551038706" sldId="257"/>
+            <ac:cxnSpMk id="44" creationId="{75632570-FC90-4A45-ACE5-FC8E98D54C99}"/>
+          </ac:cxnSpMkLst>
+        </pc:cxnChg>
+        <pc:cxnChg chg="add del mod">
+          <ac:chgData name="王 家才" userId="863c4bbfb9f47078" providerId="LiveId" clId="{3EB35533-EDE6-4421-9AB6-CD29FFE35FE3}" dt="2019-05-30T06:47:44.958" v="113" actId="478"/>
+          <ac:cxnSpMkLst>
+            <pc:docMk/>
+            <pc:sldMk cId="551038706" sldId="257"/>
+            <ac:cxnSpMk id="45" creationId="{5AEB28D9-AFA5-472D-9490-66AC5AC94802}"/>
+          </ac:cxnSpMkLst>
+        </pc:cxnChg>
+        <pc:cxnChg chg="add del mod">
+          <ac:chgData name="王 家才" userId="863c4bbfb9f47078" providerId="LiveId" clId="{3EB35533-EDE6-4421-9AB6-CD29FFE35FE3}" dt="2019-05-30T06:47:44.958" v="113" actId="478"/>
+          <ac:cxnSpMkLst>
+            <pc:docMk/>
+            <pc:sldMk cId="551038706" sldId="257"/>
+            <ac:cxnSpMk id="46" creationId="{E5620796-AAC6-4984-A784-4924D6F2A9E6}"/>
+          </ac:cxnSpMkLst>
+        </pc:cxnChg>
+        <pc:cxnChg chg="add del mod">
+          <ac:chgData name="王 家才" userId="863c4bbfb9f47078" providerId="LiveId" clId="{3EB35533-EDE6-4421-9AB6-CD29FFE35FE3}" dt="2019-05-30T06:47:44.958" v="113" actId="478"/>
+          <ac:cxnSpMkLst>
+            <pc:docMk/>
+            <pc:sldMk cId="551038706" sldId="257"/>
+            <ac:cxnSpMk id="47" creationId="{A131F852-878B-443E-B7FE-86E3F5136E2E}"/>
+          </ac:cxnSpMkLst>
+        </pc:cxnChg>
+        <pc:cxnChg chg="add del mod">
+          <ac:chgData name="王 家才" userId="863c4bbfb9f47078" providerId="LiveId" clId="{3EB35533-EDE6-4421-9AB6-CD29FFE35FE3}" dt="2019-05-30T06:47:26.178" v="107"/>
+          <ac:cxnSpMkLst>
+            <pc:docMk/>
+            <pc:sldMk cId="551038706" sldId="257"/>
+            <ac:cxnSpMk id="48" creationId="{9EB6C62F-FBBB-4851-A6E4-05008D94DB27}"/>
+          </ac:cxnSpMkLst>
+        </pc:cxnChg>
+        <pc:cxnChg chg="add del mod">
+          <ac:chgData name="王 家才" userId="863c4bbfb9f47078" providerId="LiveId" clId="{3EB35533-EDE6-4421-9AB6-CD29FFE35FE3}" dt="2019-05-30T06:47:26.178" v="107"/>
+          <ac:cxnSpMkLst>
+            <pc:docMk/>
+            <pc:sldMk cId="551038706" sldId="257"/>
+            <ac:cxnSpMk id="49" creationId="{6C46FD72-CCCB-4C07-ABCA-750691ECB009}"/>
+          </ac:cxnSpMkLst>
+        </pc:cxnChg>
+        <pc:cxnChg chg="add del mod">
+          <ac:chgData name="王 家才" userId="863c4bbfb9f47078" providerId="LiveId" clId="{3EB35533-EDE6-4421-9AB6-CD29FFE35FE3}" dt="2019-05-30T06:47:26.178" v="107"/>
+          <ac:cxnSpMkLst>
+            <pc:docMk/>
+            <pc:sldMk cId="551038706" sldId="257"/>
+            <ac:cxnSpMk id="50" creationId="{BC5F3ECA-B7BB-409F-B352-3FF960188C88}"/>
+          </ac:cxnSpMkLst>
+        </pc:cxnChg>
+        <pc:cxnChg chg="add del mod">
+          <ac:chgData name="王 家才" userId="863c4bbfb9f47078" providerId="LiveId" clId="{3EB35533-EDE6-4421-9AB6-CD29FFE35FE3}" dt="2019-05-30T06:47:26.178" v="107"/>
+          <ac:cxnSpMkLst>
+            <pc:docMk/>
+            <pc:sldMk cId="551038706" sldId="257"/>
+            <ac:cxnSpMk id="51" creationId="{4B237E2B-FF59-4BE6-BF55-36A4FD05ED29}"/>
+          </ac:cxnSpMkLst>
+        </pc:cxnChg>
+        <pc:cxnChg chg="add del mod">
+          <ac:chgData name="王 家才" userId="863c4bbfb9f47078" providerId="LiveId" clId="{3EB35533-EDE6-4421-9AB6-CD29FFE35FE3}" dt="2019-05-30T06:47:26.178" v="107"/>
+          <ac:cxnSpMkLst>
+            <pc:docMk/>
+            <pc:sldMk cId="551038706" sldId="257"/>
+            <ac:cxnSpMk id="52" creationId="{71FAD499-BF81-415A-8955-B7EC65C63664}"/>
+          </ac:cxnSpMkLst>
+        </pc:cxnChg>
+        <pc:cxnChg chg="add del mod">
+          <ac:chgData name="王 家才" userId="863c4bbfb9f47078" providerId="LiveId" clId="{3EB35533-EDE6-4421-9AB6-CD29FFE35FE3}" dt="2019-05-30T06:47:26.178" v="107"/>
+          <ac:cxnSpMkLst>
+            <pc:docMk/>
+            <pc:sldMk cId="551038706" sldId="257"/>
+            <ac:cxnSpMk id="53" creationId="{CE5E9ADC-D8C3-4963-AFB7-136EF9CAA009}"/>
+          </ac:cxnSpMkLst>
+        </pc:cxnChg>
+        <pc:cxnChg chg="add del mod">
+          <ac:chgData name="王 家才" userId="863c4bbfb9f47078" providerId="LiveId" clId="{3EB35533-EDE6-4421-9AB6-CD29FFE35FE3}" dt="2019-05-30T06:47:26.178" v="107"/>
+          <ac:cxnSpMkLst>
+            <pc:docMk/>
+            <pc:sldMk cId="551038706" sldId="257"/>
+            <ac:cxnSpMk id="54" creationId="{8C4E13E5-81D2-4918-9F3D-AF37C23A08D0}"/>
+          </ac:cxnSpMkLst>
+        </pc:cxnChg>
+        <pc:cxnChg chg="add del mod">
+          <ac:chgData name="王 家才" userId="863c4bbfb9f47078" providerId="LiveId" clId="{3EB35533-EDE6-4421-9AB6-CD29FFE35FE3}" dt="2019-05-30T06:47:26.178" v="107"/>
+          <ac:cxnSpMkLst>
+            <pc:docMk/>
+            <pc:sldMk cId="551038706" sldId="257"/>
+            <ac:cxnSpMk id="55" creationId="{688C56A6-A77C-426B-85C7-D64158C42368}"/>
+          </ac:cxnSpMkLst>
+        </pc:cxnChg>
+        <pc:cxnChg chg="add del mod">
+          <ac:chgData name="王 家才" userId="863c4bbfb9f47078" providerId="LiveId" clId="{3EB35533-EDE6-4421-9AB6-CD29FFE35FE3}" dt="2019-05-30T06:47:26.178" v="107"/>
+          <ac:cxnSpMkLst>
+            <pc:docMk/>
+            <pc:sldMk cId="551038706" sldId="257"/>
+            <ac:cxnSpMk id="56" creationId="{81DC692B-5194-4374-8CFB-F45094A2FA39}"/>
+          </ac:cxnSpMkLst>
+        </pc:cxnChg>
+        <pc:cxnChg chg="add del mod">
+          <ac:chgData name="王 家才" userId="863c4bbfb9f47078" providerId="LiveId" clId="{3EB35533-EDE6-4421-9AB6-CD29FFE35FE3}" dt="2019-05-30T06:47:26.178" v="107"/>
+          <ac:cxnSpMkLst>
+            <pc:docMk/>
+            <pc:sldMk cId="551038706" sldId="257"/>
+            <ac:cxnSpMk id="57" creationId="{115BCD53-0FD8-4B6D-AEE0-B40D6125365A}"/>
+          </ac:cxnSpMkLst>
+        </pc:cxnChg>
+        <pc:cxnChg chg="add del mod">
+          <ac:chgData name="王 家才" userId="863c4bbfb9f47078" providerId="LiveId" clId="{3EB35533-EDE6-4421-9AB6-CD29FFE35FE3}" dt="2019-05-30T06:47:26.178" v="107"/>
+          <ac:cxnSpMkLst>
+            <pc:docMk/>
+            <pc:sldMk cId="551038706" sldId="257"/>
+            <ac:cxnSpMk id="58" creationId="{C1234BFB-7985-490D-94BD-8A9DF8144F3E}"/>
+          </ac:cxnSpMkLst>
+        </pc:cxnChg>
+        <pc:cxnChg chg="add del mod">
+          <ac:chgData name="王 家才" userId="863c4bbfb9f47078" providerId="LiveId" clId="{3EB35533-EDE6-4421-9AB6-CD29FFE35FE3}" dt="2019-05-30T06:47:26.178" v="107"/>
+          <ac:cxnSpMkLst>
+            <pc:docMk/>
+            <pc:sldMk cId="551038706" sldId="257"/>
+            <ac:cxnSpMk id="59" creationId="{2BBC859A-8EB4-4882-BDAF-565E277565DF}"/>
+          </ac:cxnSpMkLst>
+        </pc:cxnChg>
+        <pc:cxnChg chg="add del mod">
+          <ac:chgData name="王 家才" userId="863c4bbfb9f47078" providerId="LiveId" clId="{3EB35533-EDE6-4421-9AB6-CD29FFE35FE3}" dt="2019-05-30T06:47:26.178" v="107"/>
+          <ac:cxnSpMkLst>
+            <pc:docMk/>
+            <pc:sldMk cId="551038706" sldId="257"/>
+            <ac:cxnSpMk id="60" creationId="{3600216E-15D4-45D6-A757-DDE06A0D9897}"/>
+          </ac:cxnSpMkLst>
+        </pc:cxnChg>
+        <pc:cxnChg chg="add del mod">
+          <ac:chgData name="王 家才" userId="863c4bbfb9f47078" providerId="LiveId" clId="{3EB35533-EDE6-4421-9AB6-CD29FFE35FE3}" dt="2019-05-30T06:47:26.178" v="107"/>
+          <ac:cxnSpMkLst>
+            <pc:docMk/>
+            <pc:sldMk cId="551038706" sldId="257"/>
+            <ac:cxnSpMk id="61" creationId="{A490100A-BA8A-480F-8159-540CFDC28287}"/>
+          </ac:cxnSpMkLst>
+        </pc:cxnChg>
+        <pc:cxnChg chg="add mod">
+          <ac:chgData name="王 家才" userId="863c4bbfb9f47078" providerId="LiveId" clId="{3EB35533-EDE6-4421-9AB6-CD29FFE35FE3}" dt="2019-05-30T06:47:28.696" v="109" actId="164"/>
+          <ac:cxnSpMkLst>
+            <pc:docMk/>
+            <pc:sldMk cId="551038706" sldId="257"/>
+            <ac:cxnSpMk id="77" creationId="{C8212331-E13D-40AB-AB1F-B8E96A46F003}"/>
+          </ac:cxnSpMkLst>
+        </pc:cxnChg>
+        <pc:cxnChg chg="add mod">
+          <ac:chgData name="王 家才" userId="863c4bbfb9f47078" providerId="LiveId" clId="{3EB35533-EDE6-4421-9AB6-CD29FFE35FE3}" dt="2019-05-30T06:47:28.696" v="109" actId="164"/>
+          <ac:cxnSpMkLst>
+            <pc:docMk/>
+            <pc:sldMk cId="551038706" sldId="257"/>
+            <ac:cxnSpMk id="78" creationId="{91139B55-4B12-431D-B13C-F00305CF7F84}"/>
+          </ac:cxnSpMkLst>
+        </pc:cxnChg>
+        <pc:cxnChg chg="add mod">
+          <ac:chgData name="王 家才" userId="863c4bbfb9f47078" providerId="LiveId" clId="{3EB35533-EDE6-4421-9AB6-CD29FFE35FE3}" dt="2019-05-30T06:47:28.696" v="109" actId="164"/>
+          <ac:cxnSpMkLst>
+            <pc:docMk/>
+            <pc:sldMk cId="551038706" sldId="257"/>
+            <ac:cxnSpMk id="79" creationId="{D0088C40-454E-40FF-885D-F7C2F7C14759}"/>
+          </ac:cxnSpMkLst>
+        </pc:cxnChg>
+        <pc:cxnChg chg="add mod">
+          <ac:chgData name="王 家才" userId="863c4bbfb9f47078" providerId="LiveId" clId="{3EB35533-EDE6-4421-9AB6-CD29FFE35FE3}" dt="2019-05-30T06:47:28.696" v="109" actId="164"/>
+          <ac:cxnSpMkLst>
+            <pc:docMk/>
+            <pc:sldMk cId="551038706" sldId="257"/>
+            <ac:cxnSpMk id="80" creationId="{924EFFFC-25A8-4DD1-A296-E74369025974}"/>
+          </ac:cxnSpMkLst>
+        </pc:cxnChg>
+        <pc:cxnChg chg="add mod">
+          <ac:chgData name="王 家才" userId="863c4bbfb9f47078" providerId="LiveId" clId="{3EB35533-EDE6-4421-9AB6-CD29FFE35FE3}" dt="2019-05-30T06:47:28.696" v="109" actId="164"/>
+          <ac:cxnSpMkLst>
+            <pc:docMk/>
+            <pc:sldMk cId="551038706" sldId="257"/>
+            <ac:cxnSpMk id="81" creationId="{AF94EB76-333B-4FDD-AF3A-26B8E6657BEC}"/>
+          </ac:cxnSpMkLst>
+        </pc:cxnChg>
+        <pc:cxnChg chg="add mod">
+          <ac:chgData name="王 家才" userId="863c4bbfb9f47078" providerId="LiveId" clId="{3EB35533-EDE6-4421-9AB6-CD29FFE35FE3}" dt="2019-05-30T06:47:28.696" v="109" actId="164"/>
+          <ac:cxnSpMkLst>
+            <pc:docMk/>
+            <pc:sldMk cId="551038706" sldId="257"/>
+            <ac:cxnSpMk id="82" creationId="{6CC039DC-15EF-48C4-89E1-3E571BDF30B0}"/>
+          </ac:cxnSpMkLst>
+        </pc:cxnChg>
+        <pc:cxnChg chg="add mod">
+          <ac:chgData name="王 家才" userId="863c4bbfb9f47078" providerId="LiveId" clId="{3EB35533-EDE6-4421-9AB6-CD29FFE35FE3}" dt="2019-05-30T06:47:28.696" v="109" actId="164"/>
+          <ac:cxnSpMkLst>
+            <pc:docMk/>
+            <pc:sldMk cId="551038706" sldId="257"/>
+            <ac:cxnSpMk id="83" creationId="{06D7AA48-EE5D-4425-8B39-039F4039C77C}"/>
+          </ac:cxnSpMkLst>
+        </pc:cxnChg>
+        <pc:cxnChg chg="add mod">
+          <ac:chgData name="王 家才" userId="863c4bbfb9f47078" providerId="LiveId" clId="{3EB35533-EDE6-4421-9AB6-CD29FFE35FE3}" dt="2019-05-30T06:47:28.696" v="109" actId="164"/>
+          <ac:cxnSpMkLst>
+            <pc:docMk/>
+            <pc:sldMk cId="551038706" sldId="257"/>
+            <ac:cxnSpMk id="84" creationId="{DFADC9FC-3C24-400E-A360-CCC47EA82576}"/>
+          </ac:cxnSpMkLst>
+        </pc:cxnChg>
+        <pc:cxnChg chg="add mod">
+          <ac:chgData name="王 家才" userId="863c4bbfb9f47078" providerId="LiveId" clId="{3EB35533-EDE6-4421-9AB6-CD29FFE35FE3}" dt="2019-05-30T06:47:28.696" v="109" actId="164"/>
+          <ac:cxnSpMkLst>
+            <pc:docMk/>
+            <pc:sldMk cId="551038706" sldId="257"/>
+            <ac:cxnSpMk id="85" creationId="{F1E3AE61-C3A7-4928-A755-45B9A26230F5}"/>
+          </ac:cxnSpMkLst>
+        </pc:cxnChg>
+        <pc:cxnChg chg="add mod">
+          <ac:chgData name="王 家才" userId="863c4bbfb9f47078" providerId="LiveId" clId="{3EB35533-EDE6-4421-9AB6-CD29FFE35FE3}" dt="2019-05-30T06:47:28.696" v="109" actId="164"/>
+          <ac:cxnSpMkLst>
+            <pc:docMk/>
+            <pc:sldMk cId="551038706" sldId="257"/>
+            <ac:cxnSpMk id="86" creationId="{600AB604-1E11-4155-B290-7A39D7A7B363}"/>
+          </ac:cxnSpMkLst>
+        </pc:cxnChg>
+        <pc:cxnChg chg="add mod">
+          <ac:chgData name="王 家才" userId="863c4bbfb9f47078" providerId="LiveId" clId="{3EB35533-EDE6-4421-9AB6-CD29FFE35FE3}" dt="2019-05-30T06:47:28.696" v="109" actId="164"/>
+          <ac:cxnSpMkLst>
+            <pc:docMk/>
+            <pc:sldMk cId="551038706" sldId="257"/>
+            <ac:cxnSpMk id="87" creationId="{2C2F0874-A668-4F00-A7AB-F64B50BAA4B9}"/>
+          </ac:cxnSpMkLst>
+        </pc:cxnChg>
+        <pc:cxnChg chg="add mod">
+          <ac:chgData name="王 家才" userId="863c4bbfb9f47078" providerId="LiveId" clId="{3EB35533-EDE6-4421-9AB6-CD29FFE35FE3}" dt="2019-05-30T06:47:28.696" v="109" actId="164"/>
+          <ac:cxnSpMkLst>
+            <pc:docMk/>
+            <pc:sldMk cId="551038706" sldId="257"/>
+            <ac:cxnSpMk id="88" creationId="{F49A6702-DD2E-4371-96A7-1446D936300C}"/>
+          </ac:cxnSpMkLst>
+        </pc:cxnChg>
+        <pc:cxnChg chg="add mod">
+          <ac:chgData name="王 家才" userId="863c4bbfb9f47078" providerId="LiveId" clId="{3EB35533-EDE6-4421-9AB6-CD29FFE35FE3}" dt="2019-05-30T06:47:28.696" v="109" actId="164"/>
+          <ac:cxnSpMkLst>
+            <pc:docMk/>
+            <pc:sldMk cId="551038706" sldId="257"/>
+            <ac:cxnSpMk id="89" creationId="{10EE89D2-A4AF-48AB-B511-7A1D982D87B1}"/>
+          </ac:cxnSpMkLst>
+        </pc:cxnChg>
+        <pc:cxnChg chg="add mod">
+          <ac:chgData name="王 家才" userId="863c4bbfb9f47078" providerId="LiveId" clId="{3EB35533-EDE6-4421-9AB6-CD29FFE35FE3}" dt="2019-05-30T06:47:28.696" v="109" actId="164"/>
+          <ac:cxnSpMkLst>
+            <pc:docMk/>
+            <pc:sldMk cId="551038706" sldId="257"/>
+            <ac:cxnSpMk id="90" creationId="{18800898-7A36-498B-99B8-874AC8B38AED}"/>
+          </ac:cxnSpMkLst>
+        </pc:cxnChg>
+        <pc:cxnChg chg="add mod">
+          <ac:chgData name="王 家才" userId="863c4bbfb9f47078" providerId="LiveId" clId="{3EB35533-EDE6-4421-9AB6-CD29FFE35FE3}" dt="2019-05-30T06:59:05.527" v="220" actId="1582"/>
+          <ac:cxnSpMkLst>
+            <pc:docMk/>
+            <pc:sldMk cId="551038706" sldId="257"/>
+            <ac:cxnSpMk id="109" creationId="{00F2C9E5-0213-418A-95BA-4F748030C7CC}"/>
+          </ac:cxnSpMkLst>
+        </pc:cxnChg>
+        <pc:cxnChg chg="add mod topLvl">
+          <ac:chgData name="王 家才" userId="863c4bbfb9f47078" providerId="LiveId" clId="{3EB35533-EDE6-4421-9AB6-CD29FFE35FE3}" dt="2019-05-30T07:04:56.172" v="268" actId="164"/>
+          <ac:cxnSpMkLst>
+            <pc:docMk/>
+            <pc:sldMk cId="551038706" sldId="257"/>
+            <ac:cxnSpMk id="112" creationId="{32A9CF0A-40D7-4E4F-9918-652E7FF3CF4F}"/>
+          </ac:cxnSpMkLst>
+        </pc:cxnChg>
+        <pc:cxnChg chg="add mod topLvl">
+          <ac:chgData name="王 家才" userId="863c4bbfb9f47078" providerId="LiveId" clId="{3EB35533-EDE6-4421-9AB6-CD29FFE35FE3}" dt="2019-05-30T07:04:56.172" v="268" actId="164"/>
+          <ac:cxnSpMkLst>
+            <pc:docMk/>
+            <pc:sldMk cId="551038706" sldId="257"/>
+            <ac:cxnSpMk id="115" creationId="{59B4C7C9-D322-4BE5-BA2A-E05EAAB49814}"/>
+          </ac:cxnSpMkLst>
+        </pc:cxnChg>
+        <pc:cxnChg chg="add mod topLvl">
+          <ac:chgData name="王 家才" userId="863c4bbfb9f47078" providerId="LiveId" clId="{3EB35533-EDE6-4421-9AB6-CD29FFE35FE3}" dt="2019-05-30T07:04:56.172" v="268" actId="164"/>
+          <ac:cxnSpMkLst>
+            <pc:docMk/>
+            <pc:sldMk cId="551038706" sldId="257"/>
+            <ac:cxnSpMk id="116" creationId="{8448A6E2-FBFA-4384-9629-42FDDCD17B3D}"/>
+          </ac:cxnSpMkLst>
+        </pc:cxnChg>
+        <pc:cxnChg chg="add mod topLvl">
+          <ac:chgData name="王 家才" userId="863c4bbfb9f47078" providerId="LiveId" clId="{3EB35533-EDE6-4421-9AB6-CD29FFE35FE3}" dt="2019-05-30T07:04:56.172" v="268" actId="164"/>
+          <ac:cxnSpMkLst>
+            <pc:docMk/>
+            <pc:sldMk cId="551038706" sldId="257"/>
+            <ac:cxnSpMk id="117" creationId="{84081B00-A8B5-43B6-9FA7-8D1ACB554D11}"/>
+          </ac:cxnSpMkLst>
+        </pc:cxnChg>
+        <pc:cxnChg chg="add mod topLvl">
+          <ac:chgData name="王 家才" userId="863c4bbfb9f47078" providerId="LiveId" clId="{3EB35533-EDE6-4421-9AB6-CD29FFE35FE3}" dt="2019-05-30T07:04:56.172" v="268" actId="164"/>
+          <ac:cxnSpMkLst>
+            <pc:docMk/>
+            <pc:sldMk cId="551038706" sldId="257"/>
+            <ac:cxnSpMk id="118" creationId="{13CBB153-2DB6-4150-B7AF-205A1703786A}"/>
+          </ac:cxnSpMkLst>
+        </pc:cxnChg>
+        <pc:cxnChg chg="add mod topLvl">
+          <ac:chgData name="王 家才" userId="863c4bbfb9f47078" providerId="LiveId" clId="{3EB35533-EDE6-4421-9AB6-CD29FFE35FE3}" dt="2019-05-30T07:04:56.172" v="268" actId="164"/>
+          <ac:cxnSpMkLst>
+            <pc:docMk/>
+            <pc:sldMk cId="551038706" sldId="257"/>
+            <ac:cxnSpMk id="119" creationId="{CA1B496F-2063-44DB-930A-8AC60B806961}"/>
+          </ac:cxnSpMkLst>
+        </pc:cxnChg>
+        <pc:cxnChg chg="add mod topLvl">
+          <ac:chgData name="王 家才" userId="863c4bbfb9f47078" providerId="LiveId" clId="{3EB35533-EDE6-4421-9AB6-CD29FFE35FE3}" dt="2019-05-30T07:04:56.172" v="268" actId="164"/>
+          <ac:cxnSpMkLst>
+            <pc:docMk/>
+            <pc:sldMk cId="551038706" sldId="257"/>
+            <ac:cxnSpMk id="120" creationId="{FED5F8DE-3D73-493D-A7FF-8BAFD926B4B0}"/>
+          </ac:cxnSpMkLst>
+        </pc:cxnChg>
+        <pc:cxnChg chg="add mod topLvl">
+          <ac:chgData name="王 家才" userId="863c4bbfb9f47078" providerId="LiveId" clId="{3EB35533-EDE6-4421-9AB6-CD29FFE35FE3}" dt="2019-05-30T07:04:56.172" v="268" actId="164"/>
+          <ac:cxnSpMkLst>
+            <pc:docMk/>
+            <pc:sldMk cId="551038706" sldId="257"/>
+            <ac:cxnSpMk id="121" creationId="{224CBD9D-706C-4ECD-B15D-B6EA89C7499C}"/>
+          </ac:cxnSpMkLst>
+        </pc:cxnChg>
+        <pc:cxnChg chg="add mod topLvl">
+          <ac:chgData name="王 家才" userId="863c4bbfb9f47078" providerId="LiveId" clId="{3EB35533-EDE6-4421-9AB6-CD29FFE35FE3}" dt="2019-05-30T07:04:56.172" v="268" actId="164"/>
+          <ac:cxnSpMkLst>
+            <pc:docMk/>
+            <pc:sldMk cId="551038706" sldId="257"/>
+            <ac:cxnSpMk id="122" creationId="{EE450D27-E495-4882-B5F9-1F00A2684F3D}"/>
+          </ac:cxnSpMkLst>
+        </pc:cxnChg>
+        <pc:cxnChg chg="add mod topLvl">
+          <ac:chgData name="王 家才" userId="863c4bbfb9f47078" providerId="LiveId" clId="{3EB35533-EDE6-4421-9AB6-CD29FFE35FE3}" dt="2019-05-30T07:04:56.172" v="268" actId="164"/>
+          <ac:cxnSpMkLst>
+            <pc:docMk/>
+            <pc:sldMk cId="551038706" sldId="257"/>
+            <ac:cxnSpMk id="123" creationId="{D7BF8FB1-1346-4168-92D4-507D24817FAF}"/>
+          </ac:cxnSpMkLst>
+        </pc:cxnChg>
+        <pc:cxnChg chg="add mod topLvl">
+          <ac:chgData name="王 家才" userId="863c4bbfb9f47078" providerId="LiveId" clId="{3EB35533-EDE6-4421-9AB6-CD29FFE35FE3}" dt="2019-05-30T07:04:56.172" v="268" actId="164"/>
+          <ac:cxnSpMkLst>
+            <pc:docMk/>
+            <pc:sldMk cId="551038706" sldId="257"/>
+            <ac:cxnSpMk id="124" creationId="{02E7D2A4-44B6-46E1-8B11-E981A6F876D6}"/>
+          </ac:cxnSpMkLst>
+        </pc:cxnChg>
+        <pc:cxnChg chg="add mod topLvl">
+          <ac:chgData name="王 家才" userId="863c4bbfb9f47078" providerId="LiveId" clId="{3EB35533-EDE6-4421-9AB6-CD29FFE35FE3}" dt="2019-05-30T07:04:56.172" v="268" actId="164"/>
+          <ac:cxnSpMkLst>
+            <pc:docMk/>
+            <pc:sldMk cId="551038706" sldId="257"/>
+            <ac:cxnSpMk id="125" creationId="{F906DAE8-8B93-4BFD-A9BB-23F6B8C95EAA}"/>
+          </ac:cxnSpMkLst>
+        </pc:cxnChg>
+        <pc:cxnChg chg="add mod topLvl">
+          <ac:chgData name="王 家才" userId="863c4bbfb9f47078" providerId="LiveId" clId="{3EB35533-EDE6-4421-9AB6-CD29FFE35FE3}" dt="2019-05-30T07:04:56.172" v="268" actId="164"/>
+          <ac:cxnSpMkLst>
+            <pc:docMk/>
+            <pc:sldMk cId="551038706" sldId="257"/>
+            <ac:cxnSpMk id="126" creationId="{8707715B-2C75-4AC1-9327-DCECAE7AFB4E}"/>
+          </ac:cxnSpMkLst>
+        </pc:cxnChg>
+        <pc:cxnChg chg="add mod topLvl">
+          <ac:chgData name="王 家才" userId="863c4bbfb9f47078" providerId="LiveId" clId="{3EB35533-EDE6-4421-9AB6-CD29FFE35FE3}" dt="2019-05-30T07:04:56.172" v="268" actId="164"/>
+          <ac:cxnSpMkLst>
+            <pc:docMk/>
+            <pc:sldMk cId="551038706" sldId="257"/>
+            <ac:cxnSpMk id="127" creationId="{8ECAC4DD-3B21-4090-9A51-9291AAD45B44}"/>
+          </ac:cxnSpMkLst>
+        </pc:cxnChg>
+        <pc:cxnChg chg="add mod topLvl">
+          <ac:chgData name="王 家才" userId="863c4bbfb9f47078" providerId="LiveId" clId="{3EB35533-EDE6-4421-9AB6-CD29FFE35FE3}" dt="2019-05-30T07:04:56.172" v="268" actId="164"/>
+          <ac:cxnSpMkLst>
+            <pc:docMk/>
+            <pc:sldMk cId="551038706" sldId="257"/>
+            <ac:cxnSpMk id="128" creationId="{2DD1EF9E-0F2C-43ED-979E-C4FF95531B88}"/>
+          </ac:cxnSpMkLst>
+        </pc:cxnChg>
+        <pc:cxnChg chg="add mod topLvl">
+          <ac:chgData name="王 家才" userId="863c4bbfb9f47078" providerId="LiveId" clId="{3EB35533-EDE6-4421-9AB6-CD29FFE35FE3}" dt="2019-05-30T07:04:56.172" v="268" actId="164"/>
+          <ac:cxnSpMkLst>
+            <pc:docMk/>
+            <pc:sldMk cId="551038706" sldId="257"/>
+            <ac:cxnSpMk id="129" creationId="{18BB17D1-F367-4DD1-8063-2E6CB8A29ABE}"/>
+          </ac:cxnSpMkLst>
+        </pc:cxnChg>
+        <pc:cxnChg chg="add mod topLvl">
+          <ac:chgData name="王 家才" userId="863c4bbfb9f47078" providerId="LiveId" clId="{3EB35533-EDE6-4421-9AB6-CD29FFE35FE3}" dt="2019-05-30T07:04:56.172" v="268" actId="164"/>
+          <ac:cxnSpMkLst>
+            <pc:docMk/>
+            <pc:sldMk cId="551038706" sldId="257"/>
+            <ac:cxnSpMk id="130" creationId="{215BD167-5D3C-41D7-9CC6-5D2CDFA586B7}"/>
+          </ac:cxnSpMkLst>
+        </pc:cxnChg>
+        <pc:cxnChg chg="add mod topLvl">
+          <ac:chgData name="王 家才" userId="863c4bbfb9f47078" providerId="LiveId" clId="{3EB35533-EDE6-4421-9AB6-CD29FFE35FE3}" dt="2019-05-30T07:04:56.172" v="268" actId="164"/>
+          <ac:cxnSpMkLst>
+            <pc:docMk/>
+            <pc:sldMk cId="551038706" sldId="257"/>
+            <ac:cxnSpMk id="131" creationId="{E5346DF6-6FDD-4D62-9D9D-F9942DDC1EC4}"/>
+          </ac:cxnSpMkLst>
+        </pc:cxnChg>
+        <pc:cxnChg chg="add mod topLvl">
+          <ac:chgData name="王 家才" userId="863c4bbfb9f47078" providerId="LiveId" clId="{3EB35533-EDE6-4421-9AB6-CD29FFE35FE3}" dt="2019-05-30T07:04:56.172" v="268" actId="164"/>
+          <ac:cxnSpMkLst>
+            <pc:docMk/>
+            <pc:sldMk cId="551038706" sldId="257"/>
+            <ac:cxnSpMk id="132" creationId="{98B5870D-F2E3-4F4E-B9F9-930DC1567B82}"/>
+          </ac:cxnSpMkLst>
+        </pc:cxnChg>
+        <pc:cxnChg chg="add mod topLvl">
+          <ac:chgData name="王 家才" userId="863c4bbfb9f47078" providerId="LiveId" clId="{3EB35533-EDE6-4421-9AB6-CD29FFE35FE3}" dt="2019-05-30T07:04:56.172" v="268" actId="164"/>
+          <ac:cxnSpMkLst>
+            <pc:docMk/>
+            <pc:sldMk cId="551038706" sldId="257"/>
+            <ac:cxnSpMk id="133" creationId="{394F85E8-3AB8-457B-AA37-A8E8172BF476}"/>
+          </ac:cxnSpMkLst>
+        </pc:cxnChg>
+        <pc:cxnChg chg="add del mod topLvl">
+          <ac:chgData name="王 家才" userId="863c4bbfb9f47078" providerId="LiveId" clId="{3EB35533-EDE6-4421-9AB6-CD29FFE35FE3}" dt="2019-05-30T07:16:45.271" v="278" actId="478"/>
+          <ac:cxnSpMkLst>
+            <pc:docMk/>
+            <pc:sldMk cId="551038706" sldId="257"/>
+            <ac:cxnSpMk id="134" creationId="{7F443F9B-5771-48F0-BA0A-206F8F7CA453}"/>
+          </ac:cxnSpMkLst>
+        </pc:cxnChg>
+        <pc:cxnChg chg="add del mod topLvl">
+          <ac:chgData name="王 家才" userId="863c4bbfb9f47078" providerId="LiveId" clId="{3EB35533-EDE6-4421-9AB6-CD29FFE35FE3}" dt="2019-05-30T07:16:45.271" v="278" actId="478"/>
+          <ac:cxnSpMkLst>
+            <pc:docMk/>
+            <pc:sldMk cId="551038706" sldId="257"/>
+            <ac:cxnSpMk id="135" creationId="{AD1A3D4F-1958-4471-B881-15D492E4DBAC}"/>
+          </ac:cxnSpMkLst>
+        </pc:cxnChg>
+        <pc:cxnChg chg="add del mod topLvl">
+          <ac:chgData name="王 家才" userId="863c4bbfb9f47078" providerId="LiveId" clId="{3EB35533-EDE6-4421-9AB6-CD29FFE35FE3}" dt="2019-05-30T07:16:45.271" v="278" actId="478"/>
+          <ac:cxnSpMkLst>
+            <pc:docMk/>
+            <pc:sldMk cId="551038706" sldId="257"/>
+            <ac:cxnSpMk id="136" creationId="{EE272878-D940-4A36-A22E-EAF824313083}"/>
+          </ac:cxnSpMkLst>
+        </pc:cxnChg>
+        <pc:cxnChg chg="add del mod topLvl">
+          <ac:chgData name="王 家才" userId="863c4bbfb9f47078" providerId="LiveId" clId="{3EB35533-EDE6-4421-9AB6-CD29FFE35FE3}" dt="2019-05-30T07:16:45.271" v="278" actId="478"/>
+          <ac:cxnSpMkLst>
+            <pc:docMk/>
+            <pc:sldMk cId="551038706" sldId="257"/>
+            <ac:cxnSpMk id="137" creationId="{B0D0300E-FB16-413E-9CEF-0653D5027EE7}"/>
+          </ac:cxnSpMkLst>
+        </pc:cxnChg>
+        <pc:cxnChg chg="add del mod topLvl">
+          <ac:chgData name="王 家才" userId="863c4bbfb9f47078" providerId="LiveId" clId="{3EB35533-EDE6-4421-9AB6-CD29FFE35FE3}" dt="2019-05-30T07:16:45.271" v="278" actId="478"/>
+          <ac:cxnSpMkLst>
+            <pc:docMk/>
+            <pc:sldMk cId="551038706" sldId="257"/>
+            <ac:cxnSpMk id="138" creationId="{4A72BD18-6EAD-415E-ADE3-7F9518BC726E}"/>
+          </ac:cxnSpMkLst>
+        </pc:cxnChg>
+        <pc:cxnChg chg="add del mod topLvl">
+          <ac:chgData name="王 家才" userId="863c4bbfb9f47078" providerId="LiveId" clId="{3EB35533-EDE6-4421-9AB6-CD29FFE35FE3}" dt="2019-05-30T07:16:45.271" v="278" actId="478"/>
+          <ac:cxnSpMkLst>
+            <pc:docMk/>
+            <pc:sldMk cId="551038706" sldId="257"/>
+            <ac:cxnSpMk id="139" creationId="{93F626E3-A35E-4DA7-B31D-4090DF7BAA45}"/>
+          </ac:cxnSpMkLst>
+        </pc:cxnChg>
+        <pc:cxnChg chg="add del mod">
+          <ac:chgData name="王 家才" userId="863c4bbfb9f47078" providerId="LiveId" clId="{3EB35533-EDE6-4421-9AB6-CD29FFE35FE3}" dt="2019-05-30T07:16:45.271" v="278" actId="478"/>
+          <ac:cxnSpMkLst>
+            <pc:docMk/>
+            <pc:sldMk cId="551038706" sldId="257"/>
+            <ac:cxnSpMk id="140" creationId="{EABF1506-B60C-42B3-981E-DCF3DF9A517B}"/>
+          </ac:cxnSpMkLst>
+        </pc:cxnChg>
+        <pc:cxnChg chg="add del mod">
+          <ac:chgData name="王 家才" userId="863c4bbfb9f47078" providerId="LiveId" clId="{3EB35533-EDE6-4421-9AB6-CD29FFE35FE3}" dt="2019-05-30T07:16:45.271" v="278" actId="478"/>
+          <ac:cxnSpMkLst>
+            <pc:docMk/>
+            <pc:sldMk cId="551038706" sldId="257"/>
+            <ac:cxnSpMk id="141" creationId="{923DDADA-110A-4330-88EA-7C6D0478B052}"/>
+          </ac:cxnSpMkLst>
+        </pc:cxnChg>
+        <pc:cxnChg chg="add del mod">
+          <ac:chgData name="王 家才" userId="863c4bbfb9f47078" providerId="LiveId" clId="{3EB35533-EDE6-4421-9AB6-CD29FFE35FE3}" dt="2019-05-30T07:16:45.271" v="278" actId="478"/>
+          <ac:cxnSpMkLst>
+            <pc:docMk/>
+            <pc:sldMk cId="551038706" sldId="257"/>
+            <ac:cxnSpMk id="142" creationId="{3B6DE9EA-A0F5-4CA2-B430-CCAE53B8C352}"/>
+          </ac:cxnSpMkLst>
+        </pc:cxnChg>
+        <pc:cxnChg chg="add del mod">
+          <ac:chgData name="王 家才" userId="863c4bbfb9f47078" providerId="LiveId" clId="{3EB35533-EDE6-4421-9AB6-CD29FFE35FE3}" dt="2019-05-30T07:16:45.271" v="278" actId="478"/>
+          <ac:cxnSpMkLst>
+            <pc:docMk/>
+            <pc:sldMk cId="551038706" sldId="257"/>
+            <ac:cxnSpMk id="143" creationId="{AA200083-CE43-4B88-B4E4-35ED4E5CDC4A}"/>
+          </ac:cxnSpMkLst>
+        </pc:cxnChg>
+        <pc:cxnChg chg="add del mod">
+          <ac:chgData name="王 家才" userId="863c4bbfb9f47078" providerId="LiveId" clId="{3EB35533-EDE6-4421-9AB6-CD29FFE35FE3}" dt="2019-05-30T07:16:45.271" v="278" actId="478"/>
+          <ac:cxnSpMkLst>
+            <pc:docMk/>
+            <pc:sldMk cId="551038706" sldId="257"/>
+            <ac:cxnSpMk id="144" creationId="{5A81EE00-3B1F-48BD-8742-AB9676C2DE0C}"/>
+          </ac:cxnSpMkLst>
+        </pc:cxnChg>
+        <pc:cxnChg chg="add del mod">
+          <ac:chgData name="王 家才" userId="863c4bbfb9f47078" providerId="LiveId" clId="{3EB35533-EDE6-4421-9AB6-CD29FFE35FE3}" dt="2019-05-30T07:16:45.271" v="278" actId="478"/>
+          <ac:cxnSpMkLst>
+            <pc:docMk/>
+            <pc:sldMk cId="551038706" sldId="257"/>
+            <ac:cxnSpMk id="145" creationId="{FD6696ED-48C4-4F26-960A-9360F9C517C1}"/>
+          </ac:cxnSpMkLst>
+        </pc:cxnChg>
+        <pc:cxnChg chg="add del mod topLvl">
+          <ac:chgData name="王 家才" userId="863c4bbfb9f47078" providerId="LiveId" clId="{3EB35533-EDE6-4421-9AB6-CD29FFE35FE3}" dt="2019-05-30T07:16:45.271" v="278" actId="478"/>
+          <ac:cxnSpMkLst>
+            <pc:docMk/>
+            <pc:sldMk cId="551038706" sldId="257"/>
+            <ac:cxnSpMk id="146" creationId="{D2FAE4C1-AC2C-4B00-8A7E-F0BF88FB0740}"/>
+          </ac:cxnSpMkLst>
+        </pc:cxnChg>
+        <pc:cxnChg chg="add del mod topLvl">
+          <ac:chgData name="王 家才" userId="863c4bbfb9f47078" providerId="LiveId" clId="{3EB35533-EDE6-4421-9AB6-CD29FFE35FE3}" dt="2019-05-30T07:16:45.271" v="278" actId="478"/>
+          <ac:cxnSpMkLst>
+            <pc:docMk/>
+            <pc:sldMk cId="551038706" sldId="257"/>
+            <ac:cxnSpMk id="147" creationId="{A3447ED6-7893-4535-B233-852A3456B28A}"/>
+          </ac:cxnSpMkLst>
+        </pc:cxnChg>
+        <pc:cxnChg chg="add del mod topLvl">
+          <ac:chgData name="王 家才" userId="863c4bbfb9f47078" providerId="LiveId" clId="{3EB35533-EDE6-4421-9AB6-CD29FFE35FE3}" dt="2019-05-30T07:16:45.271" v="278" actId="478"/>
+          <ac:cxnSpMkLst>
+            <pc:docMk/>
+            <pc:sldMk cId="551038706" sldId="257"/>
+            <ac:cxnSpMk id="148" creationId="{3E725A4B-897E-4E4C-BB08-A5DE37671084}"/>
+          </ac:cxnSpMkLst>
+        </pc:cxnChg>
+        <pc:cxnChg chg="add del mod">
+          <ac:chgData name="王 家才" userId="863c4bbfb9f47078" providerId="LiveId" clId="{3EB35533-EDE6-4421-9AB6-CD29FFE35FE3}" dt="2019-05-30T07:16:45.271" v="278" actId="478"/>
+          <ac:cxnSpMkLst>
+            <pc:docMk/>
+            <pc:sldMk cId="551038706" sldId="257"/>
+            <ac:cxnSpMk id="149" creationId="{5B37099E-6D88-4FED-8F40-1F0344B3F7B3}"/>
+          </ac:cxnSpMkLst>
+        </pc:cxnChg>
+        <pc:cxnChg chg="add del mod">
+          <ac:chgData name="王 家才" userId="863c4bbfb9f47078" providerId="LiveId" clId="{3EB35533-EDE6-4421-9AB6-CD29FFE35FE3}" dt="2019-05-30T07:16:45.271" v="278" actId="478"/>
+          <ac:cxnSpMkLst>
+            <pc:docMk/>
+            <pc:sldMk cId="551038706" sldId="257"/>
+            <ac:cxnSpMk id="150" creationId="{6D0FFAD2-C014-4D3C-8198-B064FAB06BBB}"/>
+          </ac:cxnSpMkLst>
+        </pc:cxnChg>
+        <pc:cxnChg chg="add del mod">
+          <ac:chgData name="王 家才" userId="863c4bbfb9f47078" providerId="LiveId" clId="{3EB35533-EDE6-4421-9AB6-CD29FFE35FE3}" dt="2019-05-30T07:16:45.271" v="278" actId="478"/>
+          <ac:cxnSpMkLst>
+            <pc:docMk/>
+            <pc:sldMk cId="551038706" sldId="257"/>
+            <ac:cxnSpMk id="151" creationId="{1604B9A2-19FD-45D0-83BA-7D649E7DA29A}"/>
+          </ac:cxnSpMkLst>
+        </pc:cxnChg>
+        <pc:cxnChg chg="add del mod">
+          <ac:chgData name="王 家才" userId="863c4bbfb9f47078" providerId="LiveId" clId="{3EB35533-EDE6-4421-9AB6-CD29FFE35FE3}" dt="2019-05-30T07:16:45.271" v="278" actId="478"/>
+          <ac:cxnSpMkLst>
+            <pc:docMk/>
+            <pc:sldMk cId="551038706" sldId="257"/>
+            <ac:cxnSpMk id="152" creationId="{E49B6344-35A0-4CE0-B01A-BB90234AEC23}"/>
+          </ac:cxnSpMkLst>
+        </pc:cxnChg>
+        <pc:cxnChg chg="add del mod">
+          <ac:chgData name="王 家才" userId="863c4bbfb9f47078" providerId="LiveId" clId="{3EB35533-EDE6-4421-9AB6-CD29FFE35FE3}" dt="2019-05-30T07:16:45.271" v="278" actId="478"/>
+          <ac:cxnSpMkLst>
+            <pc:docMk/>
+            <pc:sldMk cId="551038706" sldId="257"/>
+            <ac:cxnSpMk id="153" creationId="{BAE31DBB-74C7-4056-BC7B-6819B51E3227}"/>
+          </ac:cxnSpMkLst>
+        </pc:cxnChg>
+        <pc:cxnChg chg="add del mod">
+          <ac:chgData name="王 家才" userId="863c4bbfb9f47078" providerId="LiveId" clId="{3EB35533-EDE6-4421-9AB6-CD29FFE35FE3}" dt="2019-05-30T07:16:45.271" v="278" actId="478"/>
+          <ac:cxnSpMkLst>
+            <pc:docMk/>
+            <pc:sldMk cId="551038706" sldId="257"/>
+            <ac:cxnSpMk id="154" creationId="{7719D2EB-F8D6-4836-AA06-9736D62BE5C9}"/>
+          </ac:cxnSpMkLst>
+        </pc:cxnChg>
+        <pc:cxnChg chg="add del mod">
+          <ac:chgData name="王 家才" userId="863c4bbfb9f47078" providerId="LiveId" clId="{3EB35533-EDE6-4421-9AB6-CD29FFE35FE3}" dt="2019-05-30T07:16:45.271" v="278" actId="478"/>
+          <ac:cxnSpMkLst>
+            <pc:docMk/>
+            <pc:sldMk cId="551038706" sldId="257"/>
+            <ac:cxnSpMk id="155" creationId="{1EA92185-9219-4611-B4B6-5522B93DC9A7}"/>
+          </ac:cxnSpMkLst>
+        </pc:cxnChg>
+        <pc:cxnChg chg="add del mod">
+          <ac:chgData name="王 家才" userId="863c4bbfb9f47078" providerId="LiveId" clId="{3EB35533-EDE6-4421-9AB6-CD29FFE35FE3}" dt="2019-05-30T07:16:45.271" v="278" actId="478"/>
+          <ac:cxnSpMkLst>
+            <pc:docMk/>
+            <pc:sldMk cId="551038706" sldId="257"/>
+            <ac:cxnSpMk id="156" creationId="{2789E763-2132-4DB5-9CFD-152AB364E434}"/>
+          </ac:cxnSpMkLst>
+        </pc:cxnChg>
+        <pc:cxnChg chg="add del mod">
+          <ac:chgData name="王 家才" userId="863c4bbfb9f47078" providerId="LiveId" clId="{3EB35533-EDE6-4421-9AB6-CD29FFE35FE3}" dt="2019-05-30T07:16:45.271" v="278" actId="478"/>
+          <ac:cxnSpMkLst>
+            <pc:docMk/>
+            <pc:sldMk cId="551038706" sldId="257"/>
+            <ac:cxnSpMk id="157" creationId="{7D615655-51F9-4B9F-84FD-81530847D567}"/>
+          </ac:cxnSpMkLst>
+        </pc:cxnChg>
+        <pc:cxnChg chg="add del mod">
+          <ac:chgData name="王 家才" userId="863c4bbfb9f47078" providerId="LiveId" clId="{3EB35533-EDE6-4421-9AB6-CD29FFE35FE3}" dt="2019-05-30T07:16:45.271" v="278" actId="478"/>
+          <ac:cxnSpMkLst>
+            <pc:docMk/>
+            <pc:sldMk cId="551038706" sldId="257"/>
+            <ac:cxnSpMk id="158" creationId="{C0D58B2A-6845-4CE9-83BD-8275D9204246}"/>
+          </ac:cxnSpMkLst>
+        </pc:cxnChg>
+        <pc:cxnChg chg="add del mod">
+          <ac:chgData name="王 家才" userId="863c4bbfb9f47078" providerId="LiveId" clId="{3EB35533-EDE6-4421-9AB6-CD29FFE35FE3}" dt="2019-05-30T07:16:45.271" v="278" actId="478"/>
+          <ac:cxnSpMkLst>
+            <pc:docMk/>
+            <pc:sldMk cId="551038706" sldId="257"/>
+            <ac:cxnSpMk id="159" creationId="{51E0B621-E13A-4445-A58B-FA1199083579}"/>
+          </ac:cxnSpMkLst>
+        </pc:cxnChg>
+        <pc:cxnChg chg="add del mod">
+          <ac:chgData name="王 家才" userId="863c4bbfb9f47078" providerId="LiveId" clId="{3EB35533-EDE6-4421-9AB6-CD29FFE35FE3}" dt="2019-05-30T07:16:45.271" v="278" actId="478"/>
+          <ac:cxnSpMkLst>
+            <pc:docMk/>
+            <pc:sldMk cId="551038706" sldId="257"/>
+            <ac:cxnSpMk id="160" creationId="{2FE6DAC9-57DA-4208-8FC8-B2AC1B57E2F2}"/>
+          </ac:cxnSpMkLst>
+        </pc:cxnChg>
+        <pc:cxnChg chg="add del mod">
+          <ac:chgData name="王 家才" userId="863c4bbfb9f47078" providerId="LiveId" clId="{3EB35533-EDE6-4421-9AB6-CD29FFE35FE3}" dt="2019-05-30T07:16:45.271" v="278" actId="478"/>
+          <ac:cxnSpMkLst>
+            <pc:docMk/>
+            <pc:sldMk cId="551038706" sldId="257"/>
+            <ac:cxnSpMk id="161" creationId="{D1D07B30-AD9A-4DE0-99EC-544710AC47E9}"/>
           </ac:cxnSpMkLst>
         </pc:cxnChg>
       </pc:sldChg>
@@ -307,7 +1320,7 @@
           <a:p>
             <a:fld id="{9ED08F6C-622D-44ED-AB5D-DC05AC4CB8EE}" type="datetimeFigureOut">
               <a:rPr lang="zh-CN" altLang="en-US" smtClean="0"/>
-              <a:t>2019/5/29</a:t>
+              <a:t>2019/5/30</a:t>
             </a:fld>
             <a:endParaRPr lang="zh-CN" altLang="en-US"/>
           </a:p>
@@ -505,7 +1518,7 @@
           <a:p>
             <a:fld id="{9ED08F6C-622D-44ED-AB5D-DC05AC4CB8EE}" type="datetimeFigureOut">
               <a:rPr lang="zh-CN" altLang="en-US" smtClean="0"/>
-              <a:t>2019/5/29</a:t>
+              <a:t>2019/5/30</a:t>
             </a:fld>
             <a:endParaRPr lang="zh-CN" altLang="en-US"/>
           </a:p>
@@ -713,7 +1726,7 @@
           <a:p>
             <a:fld id="{9ED08F6C-622D-44ED-AB5D-DC05AC4CB8EE}" type="datetimeFigureOut">
               <a:rPr lang="zh-CN" altLang="en-US" smtClean="0"/>
-              <a:t>2019/5/29</a:t>
+              <a:t>2019/5/30</a:t>
             </a:fld>
             <a:endParaRPr lang="zh-CN" altLang="en-US"/>
           </a:p>
@@ -911,7 +1924,7 @@
           <a:p>
             <a:fld id="{9ED08F6C-622D-44ED-AB5D-DC05AC4CB8EE}" type="datetimeFigureOut">
               <a:rPr lang="zh-CN" altLang="en-US" smtClean="0"/>
-              <a:t>2019/5/29</a:t>
+              <a:t>2019/5/30</a:t>
             </a:fld>
             <a:endParaRPr lang="zh-CN" altLang="en-US"/>
           </a:p>
@@ -1186,7 +2199,7 @@
           <a:p>
             <a:fld id="{9ED08F6C-622D-44ED-AB5D-DC05AC4CB8EE}" type="datetimeFigureOut">
               <a:rPr lang="zh-CN" altLang="en-US" smtClean="0"/>
-              <a:t>2019/5/29</a:t>
+              <a:t>2019/5/30</a:t>
             </a:fld>
             <a:endParaRPr lang="zh-CN" altLang="en-US"/>
           </a:p>
@@ -1451,7 +2464,7 @@
           <a:p>
             <a:fld id="{9ED08F6C-622D-44ED-AB5D-DC05AC4CB8EE}" type="datetimeFigureOut">
               <a:rPr lang="zh-CN" altLang="en-US" smtClean="0"/>
-              <a:t>2019/5/29</a:t>
+              <a:t>2019/5/30</a:t>
             </a:fld>
             <a:endParaRPr lang="zh-CN" altLang="en-US"/>
           </a:p>
@@ -1863,7 +2876,7 @@
           <a:p>
             <a:fld id="{9ED08F6C-622D-44ED-AB5D-DC05AC4CB8EE}" type="datetimeFigureOut">
               <a:rPr lang="zh-CN" altLang="en-US" smtClean="0"/>
-              <a:t>2019/5/29</a:t>
+              <a:t>2019/5/30</a:t>
             </a:fld>
             <a:endParaRPr lang="zh-CN" altLang="en-US"/>
           </a:p>
@@ -2004,7 +3017,7 @@
           <a:p>
             <a:fld id="{9ED08F6C-622D-44ED-AB5D-DC05AC4CB8EE}" type="datetimeFigureOut">
               <a:rPr lang="zh-CN" altLang="en-US" smtClean="0"/>
-              <a:t>2019/5/29</a:t>
+              <a:t>2019/5/30</a:t>
             </a:fld>
             <a:endParaRPr lang="zh-CN" altLang="en-US"/>
           </a:p>
@@ -2117,7 +3130,7 @@
           <a:p>
             <a:fld id="{9ED08F6C-622D-44ED-AB5D-DC05AC4CB8EE}" type="datetimeFigureOut">
               <a:rPr lang="zh-CN" altLang="en-US" smtClean="0"/>
-              <a:t>2019/5/29</a:t>
+              <a:t>2019/5/30</a:t>
             </a:fld>
             <a:endParaRPr lang="zh-CN" altLang="en-US"/>
           </a:p>
@@ -2428,7 +3441,7 @@
           <a:p>
             <a:fld id="{9ED08F6C-622D-44ED-AB5D-DC05AC4CB8EE}" type="datetimeFigureOut">
               <a:rPr lang="zh-CN" altLang="en-US" smtClean="0"/>
-              <a:t>2019/5/29</a:t>
+              <a:t>2019/5/30</a:t>
             </a:fld>
             <a:endParaRPr lang="zh-CN" altLang="en-US"/>
           </a:p>
@@ -2716,7 +3729,7 @@
           <a:p>
             <a:fld id="{9ED08F6C-622D-44ED-AB5D-DC05AC4CB8EE}" type="datetimeFigureOut">
               <a:rPr lang="zh-CN" altLang="en-US" smtClean="0"/>
-              <a:t>2019/5/29</a:t>
+              <a:t>2019/5/30</a:t>
             </a:fld>
             <a:endParaRPr lang="zh-CN" altLang="en-US"/>
           </a:p>
@@ -2957,7 +3970,7 @@
           <a:p>
             <a:fld id="{9ED08F6C-622D-44ED-AB5D-DC05AC4CB8EE}" type="datetimeFigureOut">
               <a:rPr lang="zh-CN" altLang="en-US" smtClean="0"/>
-              <a:t>2019/5/29</a:t>
+              <a:t>2019/5/30</a:t>
             </a:fld>
             <a:endParaRPr lang="zh-CN" altLang="en-US"/>
           </a:p>
@@ -4027,6 +5040,2325 @@
 </p:sld>
 </file>
 
+<file path=ppt/slides/slide2.xml><?xml version="1.0" encoding="utf-8"?>
+<p:sld xmlns:a="http://schemas.openxmlformats.org/drawingml/2006/main" xmlns:r="http://schemas.openxmlformats.org/officeDocument/2006/relationships" xmlns:p="http://schemas.openxmlformats.org/presentationml/2006/main">
+  <p:cSld>
+    <p:spTree>
+      <p:nvGrpSpPr>
+        <p:cNvPr id="1" name=""/>
+        <p:cNvGrpSpPr/>
+        <p:nvPr/>
+      </p:nvGrpSpPr>
+      <p:grpSpPr>
+        <a:xfrm>
+          <a:off x="0" y="0"/>
+          <a:ext cx="0" cy="0"/>
+          <a:chOff x="0" y="0"/>
+          <a:chExt cx="0" cy="0"/>
+        </a:xfrm>
+      </p:grpSpPr>
+      <p:sp>
+        <p:nvSpPr>
+          <p:cNvPr id="7" name="等腰三角形 6">
+            <a:extLst>
+              <a:ext uri="{FF2B5EF4-FFF2-40B4-BE49-F238E27FC236}">
+                <a16:creationId xmlns:a16="http://schemas.microsoft.com/office/drawing/2014/main" id="{77C492CA-7EB5-4B6F-95A5-58913282C951}"/>
+              </a:ext>
+            </a:extLst>
+          </p:cNvPr>
+          <p:cNvSpPr/>
+          <p:nvPr/>
+        </p:nvSpPr>
+        <p:spPr>
+          <a:xfrm>
+            <a:off x="4322882" y="1151793"/>
+            <a:ext cx="219809" cy="263770"/>
+          </a:xfrm>
+          <a:prstGeom prst="triangle">
+            <a:avLst/>
+          </a:prstGeom>
+          <a:noFill/>
+          <a:ln w="57150">
+            <a:solidFill>
+              <a:schemeClr val="tx1"/>
+            </a:solidFill>
+            <a:prstDash val="solid"/>
+          </a:ln>
+        </p:spPr>
+        <p:style>
+          <a:lnRef idx="2">
+            <a:schemeClr val="accent1">
+              <a:shade val="50000"/>
+            </a:schemeClr>
+          </a:lnRef>
+          <a:fillRef idx="1">
+            <a:schemeClr val="accent1"/>
+          </a:fillRef>
+          <a:effectRef idx="0">
+            <a:schemeClr val="accent1"/>
+          </a:effectRef>
+          <a:fontRef idx="minor">
+            <a:schemeClr val="lt1"/>
+          </a:fontRef>
+        </p:style>
+        <p:txBody>
+          <a:bodyPr rtlCol="0" anchor="ctr"/>
+          <a:lstStyle/>
+          <a:p>
+            <a:pPr algn="ctr"/>
+            <a:endParaRPr lang="zh-CN" altLang="en-US"/>
+          </a:p>
+        </p:txBody>
+      </p:sp>
+      <p:cxnSp>
+        <p:nvCxnSpPr>
+          <p:cNvPr id="8" name="直接连接符 7">
+            <a:extLst>
+              <a:ext uri="{FF2B5EF4-FFF2-40B4-BE49-F238E27FC236}">
+                <a16:creationId xmlns:a16="http://schemas.microsoft.com/office/drawing/2014/main" id="{7AA6BF19-9753-4D1B-8E68-CC9E30758870}"/>
+              </a:ext>
+            </a:extLst>
+          </p:cNvPr>
+          <p:cNvCxnSpPr>
+            <a:cxnSpLocks/>
+            <a:stCxn id="7" idx="3"/>
+            <a:endCxn id="101" idx="3"/>
+          </p:cNvCxnSpPr>
+          <p:nvPr/>
+        </p:nvCxnSpPr>
+        <p:spPr>
+          <a:xfrm flipH="1">
+            <a:off x="3935661" y="1415563"/>
+            <a:ext cx="497126" cy="1601160"/>
+          </a:xfrm>
+          <a:prstGeom prst="line">
+            <a:avLst/>
+          </a:prstGeom>
+          <a:ln w="9525" cap="rnd" cmpd="sng" algn="ctr">
+            <a:solidFill>
+              <a:schemeClr val="dk1"/>
+            </a:solidFill>
+            <a:prstDash val="dash"/>
+            <a:round/>
+            <a:headEnd type="none" w="med" len="med"/>
+            <a:tailEnd type="none" w="med" len="med"/>
+          </a:ln>
+        </p:spPr>
+        <p:style>
+          <a:lnRef idx="0">
+            <a:scrgbClr r="0" g="0" b="0"/>
+          </a:lnRef>
+          <a:fillRef idx="0">
+            <a:scrgbClr r="0" g="0" b="0"/>
+          </a:fillRef>
+          <a:effectRef idx="0">
+            <a:scrgbClr r="0" g="0" b="0"/>
+          </a:effectRef>
+          <a:fontRef idx="minor">
+            <a:schemeClr val="tx1"/>
+          </a:fontRef>
+        </p:style>
+      </p:cxnSp>
+      <p:cxnSp>
+        <p:nvCxnSpPr>
+          <p:cNvPr id="9" name="直接连接符 8">
+            <a:extLst>
+              <a:ext uri="{FF2B5EF4-FFF2-40B4-BE49-F238E27FC236}">
+                <a16:creationId xmlns:a16="http://schemas.microsoft.com/office/drawing/2014/main" id="{E74684C6-9BCE-42F0-B44B-5BB9ACDDFA4E}"/>
+              </a:ext>
+            </a:extLst>
+          </p:cNvPr>
+          <p:cNvCxnSpPr>
+            <a:cxnSpLocks/>
+            <a:stCxn id="7" idx="3"/>
+          </p:cNvCxnSpPr>
+          <p:nvPr/>
+        </p:nvCxnSpPr>
+        <p:spPr>
+          <a:xfrm>
+            <a:off x="4432787" y="1415563"/>
+            <a:ext cx="1030163" cy="3086099"/>
+          </a:xfrm>
+          <a:prstGeom prst="line">
+            <a:avLst/>
+          </a:prstGeom>
+          <a:ln w="9525" cap="flat" cmpd="sng" algn="ctr">
+            <a:solidFill>
+              <a:schemeClr val="dk1"/>
+            </a:solidFill>
+            <a:prstDash val="dash"/>
+            <a:round/>
+            <a:headEnd type="none" w="med" len="med"/>
+            <a:tailEnd type="oval" w="med" len="med"/>
+          </a:ln>
+        </p:spPr>
+        <p:style>
+          <a:lnRef idx="0">
+            <a:scrgbClr r="0" g="0" b="0"/>
+          </a:lnRef>
+          <a:fillRef idx="0">
+            <a:scrgbClr r="0" g="0" b="0"/>
+          </a:fillRef>
+          <a:effectRef idx="0">
+            <a:scrgbClr r="0" g="0" b="0"/>
+          </a:effectRef>
+          <a:fontRef idx="minor">
+            <a:schemeClr val="tx1"/>
+          </a:fontRef>
+        </p:style>
+      </p:cxnSp>
+      <p:sp>
+        <p:nvSpPr>
+          <p:cNvPr id="13" name="文本框 12">
+            <a:extLst>
+              <a:ext uri="{FF2B5EF4-FFF2-40B4-BE49-F238E27FC236}">
+                <a16:creationId xmlns:a16="http://schemas.microsoft.com/office/drawing/2014/main" id="{2E90D0BA-AC9D-431A-B2C0-31ABB595DA59}"/>
+              </a:ext>
+            </a:extLst>
+          </p:cNvPr>
+          <p:cNvSpPr txBox="1"/>
+          <p:nvPr/>
+        </p:nvSpPr>
+        <p:spPr>
+          <a:xfrm>
+            <a:off x="2791747" y="4538710"/>
+            <a:ext cx="646331" cy="369332"/>
+          </a:xfrm>
+          <a:prstGeom prst="rect">
+            <a:avLst/>
+          </a:prstGeom>
+          <a:noFill/>
+        </p:spPr>
+        <p:txBody>
+          <a:bodyPr wrap="none" rtlCol="0">
+            <a:spAutoFit/>
+          </a:bodyPr>
+          <a:lstStyle/>
+          <a:p>
+            <a:pPr algn="ctr"/>
+            <a:r>
+              <a:rPr lang="zh-CN" altLang="en-US" dirty="0"/>
+              <a:t>左眼</a:t>
+            </a:r>
+            <a:endParaRPr lang="en-US" altLang="zh-CN" dirty="0"/>
+          </a:p>
+        </p:txBody>
+      </p:sp>
+      <p:sp>
+        <p:nvSpPr>
+          <p:cNvPr id="14" name="文本框 13">
+            <a:extLst>
+              <a:ext uri="{FF2B5EF4-FFF2-40B4-BE49-F238E27FC236}">
+                <a16:creationId xmlns:a16="http://schemas.microsoft.com/office/drawing/2014/main" id="{13AE3B4F-3A9A-4001-BBFE-3E79C6EF4CA8}"/>
+              </a:ext>
+            </a:extLst>
+          </p:cNvPr>
+          <p:cNvSpPr txBox="1"/>
+          <p:nvPr/>
+        </p:nvSpPr>
+        <p:spPr>
+          <a:xfrm>
+            <a:off x="5628106" y="4543838"/>
+            <a:ext cx="646331" cy="369332"/>
+          </a:xfrm>
+          <a:prstGeom prst="rect">
+            <a:avLst/>
+          </a:prstGeom>
+          <a:noFill/>
+        </p:spPr>
+        <p:txBody>
+          <a:bodyPr wrap="none" rtlCol="0">
+            <a:spAutoFit/>
+          </a:bodyPr>
+          <a:lstStyle/>
+          <a:p>
+            <a:pPr algn="ctr"/>
+            <a:r>
+              <a:rPr lang="zh-CN" altLang="en-US" dirty="0"/>
+              <a:t>右眼</a:t>
+            </a:r>
+            <a:endParaRPr lang="en-US" altLang="zh-CN" dirty="0"/>
+          </a:p>
+        </p:txBody>
+      </p:sp>
+      <p:sp>
+        <p:nvSpPr>
+          <p:cNvPr id="15" name="文本框 14">
+            <a:extLst>
+              <a:ext uri="{FF2B5EF4-FFF2-40B4-BE49-F238E27FC236}">
+                <a16:creationId xmlns:a16="http://schemas.microsoft.com/office/drawing/2014/main" id="{C4D74B47-C864-45C7-8011-E528B3D628B4}"/>
+              </a:ext>
+            </a:extLst>
+          </p:cNvPr>
+          <p:cNvSpPr txBox="1"/>
+          <p:nvPr/>
+        </p:nvSpPr>
+        <p:spPr>
+          <a:xfrm>
+            <a:off x="4672717" y="1099012"/>
+            <a:ext cx="1569660" cy="369332"/>
+          </a:xfrm>
+          <a:prstGeom prst="rect">
+            <a:avLst/>
+          </a:prstGeom>
+          <a:noFill/>
+        </p:spPr>
+        <p:txBody>
+          <a:bodyPr wrap="none" rtlCol="0">
+            <a:spAutoFit/>
+          </a:bodyPr>
+          <a:lstStyle/>
+          <a:p>
+            <a:r>
+              <a:rPr lang="zh-CN" altLang="en-US" dirty="0"/>
+              <a:t>感知物体位置</a:t>
+            </a:r>
+          </a:p>
+        </p:txBody>
+      </p:sp>
+      <p:grpSp>
+        <p:nvGrpSpPr>
+          <p:cNvPr id="92" name="组合 91">
+            <a:extLst>
+              <a:ext uri="{FF2B5EF4-FFF2-40B4-BE49-F238E27FC236}">
+                <a16:creationId xmlns:a16="http://schemas.microsoft.com/office/drawing/2014/main" id="{70328A11-CF64-4A9D-800D-48C23171DDFE}"/>
+              </a:ext>
+            </a:extLst>
+          </p:cNvPr>
+          <p:cNvGrpSpPr/>
+          <p:nvPr/>
+        </p:nvGrpSpPr>
+        <p:grpSpPr>
+          <a:xfrm rot="913307">
+            <a:off x="3038474" y="3657600"/>
+            <a:ext cx="1170011" cy="844062"/>
+            <a:chOff x="3038474" y="3657600"/>
+            <a:chExt cx="1170011" cy="844062"/>
+          </a:xfrm>
+        </p:grpSpPr>
+        <p:grpSp>
+          <p:nvGrpSpPr>
+            <p:cNvPr id="4" name="组合 3">
+              <a:extLst>
+                <a:ext uri="{FF2B5EF4-FFF2-40B4-BE49-F238E27FC236}">
+                  <a16:creationId xmlns:a16="http://schemas.microsoft.com/office/drawing/2014/main" id="{62BACEA8-4D91-4334-B84D-1152C99C9376}"/>
+                </a:ext>
+              </a:extLst>
+            </p:cNvPr>
+            <p:cNvGrpSpPr/>
+            <p:nvPr/>
+          </p:nvGrpSpPr>
+          <p:grpSpPr>
+            <a:xfrm>
+              <a:off x="3068515" y="3815862"/>
+              <a:ext cx="1063869" cy="685800"/>
+              <a:chOff x="3174022" y="3552093"/>
+              <a:chExt cx="1063869" cy="949569"/>
+            </a:xfrm>
+          </p:grpSpPr>
+          <p:sp>
+            <p:nvSpPr>
+              <p:cNvPr id="5" name="椭圆 4">
+                <a:extLst>
+                  <a:ext uri="{FF2B5EF4-FFF2-40B4-BE49-F238E27FC236}">
+                    <a16:creationId xmlns:a16="http://schemas.microsoft.com/office/drawing/2014/main" id="{00089036-9AF3-4823-805C-C0D2A991AF3D}"/>
+                  </a:ext>
+                </a:extLst>
+              </p:cNvPr>
+              <p:cNvSpPr/>
+              <p:nvPr/>
+            </p:nvSpPr>
+            <p:spPr>
+              <a:xfrm>
+                <a:off x="3279531" y="3552093"/>
+                <a:ext cx="852853" cy="175846"/>
+              </a:xfrm>
+              <a:prstGeom prst="ellipse">
+                <a:avLst/>
+              </a:prstGeom>
+              <a:noFill/>
+              <a:ln w="28575">
+                <a:solidFill>
+                  <a:schemeClr val="tx1"/>
+                </a:solidFill>
+              </a:ln>
+            </p:spPr>
+            <p:style>
+              <a:lnRef idx="2">
+                <a:schemeClr val="accent1">
+                  <a:shade val="50000"/>
+                </a:schemeClr>
+              </a:lnRef>
+              <a:fillRef idx="1">
+                <a:schemeClr val="accent1"/>
+              </a:fillRef>
+              <a:effectRef idx="0">
+                <a:schemeClr val="accent1"/>
+              </a:effectRef>
+              <a:fontRef idx="minor">
+                <a:schemeClr val="lt1"/>
+              </a:fontRef>
+            </p:style>
+            <p:txBody>
+              <a:bodyPr rtlCol="0" anchor="ctr"/>
+              <a:lstStyle/>
+              <a:p>
+                <a:pPr algn="ctr"/>
+                <a:endParaRPr lang="zh-CN" altLang="en-US"/>
+              </a:p>
+            </p:txBody>
+          </p:sp>
+          <p:cxnSp>
+            <p:nvCxnSpPr>
+              <p:cNvPr id="6" name="直接连接符 5">
+                <a:extLst>
+                  <a:ext uri="{FF2B5EF4-FFF2-40B4-BE49-F238E27FC236}">
+                    <a16:creationId xmlns:a16="http://schemas.microsoft.com/office/drawing/2014/main" id="{8172594B-FC82-4160-BC66-C0132AC8FF1F}"/>
+                  </a:ext>
+                </a:extLst>
+              </p:cNvPr>
+              <p:cNvCxnSpPr/>
+              <p:nvPr/>
+            </p:nvCxnSpPr>
+            <p:spPr>
+              <a:xfrm>
+                <a:off x="3174022" y="4501662"/>
+                <a:ext cx="1063869" cy="0"/>
+              </a:xfrm>
+              <a:prstGeom prst="line">
+                <a:avLst/>
+              </a:prstGeom>
+              <a:ln w="28575">
+                <a:solidFill>
+                  <a:schemeClr val="tx1"/>
+                </a:solidFill>
+              </a:ln>
+            </p:spPr>
+            <p:style>
+              <a:lnRef idx="1">
+                <a:schemeClr val="accent1"/>
+              </a:lnRef>
+              <a:fillRef idx="0">
+                <a:schemeClr val="accent1"/>
+              </a:fillRef>
+              <a:effectRef idx="0">
+                <a:schemeClr val="accent1"/>
+              </a:effectRef>
+              <a:fontRef idx="minor">
+                <a:schemeClr val="tx1"/>
+              </a:fontRef>
+            </p:style>
+          </p:cxnSp>
+        </p:grpSp>
+        <p:cxnSp>
+          <p:nvCxnSpPr>
+            <p:cNvPr id="21" name="直接连接符 20">
+              <a:extLst>
+                <a:ext uri="{FF2B5EF4-FFF2-40B4-BE49-F238E27FC236}">
+                  <a16:creationId xmlns:a16="http://schemas.microsoft.com/office/drawing/2014/main" id="{92C679EF-0D83-413E-9C32-DC0AF7ECFA09}"/>
+                </a:ext>
+              </a:extLst>
+            </p:cNvPr>
+            <p:cNvCxnSpPr>
+              <a:cxnSpLocks/>
+            </p:cNvCxnSpPr>
+            <p:nvPr/>
+          </p:nvCxnSpPr>
+          <p:spPr>
+            <a:xfrm>
+              <a:off x="3038474" y="3657600"/>
+              <a:ext cx="1170011" cy="0"/>
+            </a:xfrm>
+            <a:prstGeom prst="line">
+              <a:avLst/>
+            </a:prstGeom>
+            <a:ln w="15875" cap="flat" cmpd="sng" algn="ctr">
+              <a:solidFill>
+                <a:schemeClr val="dk1"/>
+              </a:solidFill>
+              <a:prstDash val="dash"/>
+              <a:round/>
+              <a:headEnd type="none" w="med" len="med"/>
+              <a:tailEnd type="none" w="med" len="med"/>
+            </a:ln>
+          </p:spPr>
+          <p:style>
+            <a:lnRef idx="0">
+              <a:scrgbClr r="0" g="0" b="0"/>
+            </a:lnRef>
+            <a:fillRef idx="0">
+              <a:scrgbClr r="0" g="0" b="0"/>
+            </a:fillRef>
+            <a:effectRef idx="0">
+              <a:scrgbClr r="0" g="0" b="0"/>
+            </a:effectRef>
+            <a:fontRef idx="minor">
+              <a:schemeClr val="tx1"/>
+            </a:fontRef>
+          </p:style>
+        </p:cxnSp>
+      </p:grpSp>
+      <p:grpSp>
+        <p:nvGrpSpPr>
+          <p:cNvPr id="93" name="组合 92">
+            <a:extLst>
+              <a:ext uri="{FF2B5EF4-FFF2-40B4-BE49-F238E27FC236}">
+                <a16:creationId xmlns:a16="http://schemas.microsoft.com/office/drawing/2014/main" id="{FA2D2CDF-D5B5-4107-A45C-1C3A02C96707}"/>
+              </a:ext>
+            </a:extLst>
+          </p:cNvPr>
+          <p:cNvGrpSpPr/>
+          <p:nvPr/>
+        </p:nvGrpSpPr>
+        <p:grpSpPr>
+          <a:xfrm rot="20495443">
+            <a:off x="4757261" y="3672610"/>
+            <a:ext cx="1116324" cy="857737"/>
+            <a:chOff x="4702710" y="3643925"/>
+            <a:chExt cx="1116324" cy="857737"/>
+          </a:xfrm>
+        </p:grpSpPr>
+        <p:grpSp>
+          <p:nvGrpSpPr>
+            <p:cNvPr id="10" name="组合 9">
+              <a:extLst>
+                <a:ext uri="{FF2B5EF4-FFF2-40B4-BE49-F238E27FC236}">
+                  <a16:creationId xmlns:a16="http://schemas.microsoft.com/office/drawing/2014/main" id="{C6CB8AD7-A895-4429-B06E-03368746993D}"/>
+                </a:ext>
+              </a:extLst>
+            </p:cNvPr>
+            <p:cNvGrpSpPr/>
+            <p:nvPr/>
+          </p:nvGrpSpPr>
+          <p:grpSpPr>
+            <a:xfrm>
+              <a:off x="4755165" y="3815862"/>
+              <a:ext cx="1063869" cy="685800"/>
+              <a:chOff x="3174022" y="3552093"/>
+              <a:chExt cx="1063869" cy="949569"/>
+            </a:xfrm>
+          </p:grpSpPr>
+          <p:sp>
+            <p:nvSpPr>
+              <p:cNvPr id="11" name="椭圆 10">
+                <a:extLst>
+                  <a:ext uri="{FF2B5EF4-FFF2-40B4-BE49-F238E27FC236}">
+                    <a16:creationId xmlns:a16="http://schemas.microsoft.com/office/drawing/2014/main" id="{E16A3B47-7162-45D3-A20B-10435833FC56}"/>
+                  </a:ext>
+                </a:extLst>
+              </p:cNvPr>
+              <p:cNvSpPr/>
+              <p:nvPr/>
+            </p:nvSpPr>
+            <p:spPr>
+              <a:xfrm>
+                <a:off x="3279531" y="3552093"/>
+                <a:ext cx="852853" cy="175846"/>
+              </a:xfrm>
+              <a:prstGeom prst="ellipse">
+                <a:avLst/>
+              </a:prstGeom>
+              <a:noFill/>
+              <a:ln w="28575">
+                <a:solidFill>
+                  <a:schemeClr val="tx1"/>
+                </a:solidFill>
+              </a:ln>
+            </p:spPr>
+            <p:style>
+              <a:lnRef idx="2">
+                <a:schemeClr val="accent1">
+                  <a:shade val="50000"/>
+                </a:schemeClr>
+              </a:lnRef>
+              <a:fillRef idx="1">
+                <a:schemeClr val="accent1"/>
+              </a:fillRef>
+              <a:effectRef idx="0">
+                <a:schemeClr val="accent1"/>
+              </a:effectRef>
+              <a:fontRef idx="minor">
+                <a:schemeClr val="lt1"/>
+              </a:fontRef>
+            </p:style>
+            <p:txBody>
+              <a:bodyPr rtlCol="0" anchor="ctr"/>
+              <a:lstStyle/>
+              <a:p>
+                <a:pPr algn="ctr"/>
+                <a:endParaRPr lang="zh-CN" altLang="en-US"/>
+              </a:p>
+            </p:txBody>
+          </p:sp>
+          <p:cxnSp>
+            <p:nvCxnSpPr>
+              <p:cNvPr id="12" name="直接连接符 11">
+                <a:extLst>
+                  <a:ext uri="{FF2B5EF4-FFF2-40B4-BE49-F238E27FC236}">
+                    <a16:creationId xmlns:a16="http://schemas.microsoft.com/office/drawing/2014/main" id="{6EB33CBF-2230-4944-958F-5425D3EE8DAF}"/>
+                  </a:ext>
+                </a:extLst>
+              </p:cNvPr>
+              <p:cNvCxnSpPr/>
+              <p:nvPr/>
+            </p:nvCxnSpPr>
+            <p:spPr>
+              <a:xfrm>
+                <a:off x="3174022" y="4501662"/>
+                <a:ext cx="1063869" cy="0"/>
+              </a:xfrm>
+              <a:prstGeom prst="line">
+                <a:avLst/>
+              </a:prstGeom>
+              <a:ln w="28575">
+                <a:solidFill>
+                  <a:schemeClr val="tx1"/>
+                </a:solidFill>
+              </a:ln>
+            </p:spPr>
+            <p:style>
+              <a:lnRef idx="1">
+                <a:schemeClr val="accent1"/>
+              </a:lnRef>
+              <a:fillRef idx="0">
+                <a:schemeClr val="accent1"/>
+              </a:fillRef>
+              <a:effectRef idx="0">
+                <a:schemeClr val="accent1"/>
+              </a:effectRef>
+              <a:fontRef idx="minor">
+                <a:schemeClr val="tx1"/>
+              </a:fontRef>
+            </p:style>
+          </p:cxnSp>
+        </p:grpSp>
+        <p:grpSp>
+          <p:nvGrpSpPr>
+            <p:cNvPr id="91" name="组合 90">
+              <a:extLst>
+                <a:ext uri="{FF2B5EF4-FFF2-40B4-BE49-F238E27FC236}">
+                  <a16:creationId xmlns:a16="http://schemas.microsoft.com/office/drawing/2014/main" id="{C50791F9-D906-4AB6-952F-159E5C9B9AFE}"/>
+                </a:ext>
+              </a:extLst>
+            </p:cNvPr>
+            <p:cNvGrpSpPr/>
+            <p:nvPr/>
+          </p:nvGrpSpPr>
+          <p:grpSpPr>
+            <a:xfrm>
+              <a:off x="4702710" y="3643925"/>
+              <a:ext cx="1116324" cy="63500"/>
+              <a:chOff x="6979641" y="3187212"/>
+              <a:chExt cx="770081" cy="127000"/>
+            </a:xfrm>
+          </p:grpSpPr>
+          <p:cxnSp>
+            <p:nvCxnSpPr>
+              <p:cNvPr id="77" name="直接连接符 76">
+                <a:extLst>
+                  <a:ext uri="{FF2B5EF4-FFF2-40B4-BE49-F238E27FC236}">
+                    <a16:creationId xmlns:a16="http://schemas.microsoft.com/office/drawing/2014/main" id="{C8212331-E13D-40AB-AB1F-B8E96A46F003}"/>
+                  </a:ext>
+                </a:extLst>
+              </p:cNvPr>
+              <p:cNvCxnSpPr/>
+              <p:nvPr/>
+            </p:nvCxnSpPr>
+            <p:spPr>
+              <a:xfrm>
+                <a:off x="6979641" y="3187212"/>
+                <a:ext cx="0" cy="127000"/>
+              </a:xfrm>
+              <a:prstGeom prst="line">
+                <a:avLst/>
+              </a:prstGeom>
+              <a:ln w="15875">
+                <a:solidFill>
+                  <a:schemeClr val="tx1"/>
+                </a:solidFill>
+              </a:ln>
+            </p:spPr>
+            <p:style>
+              <a:lnRef idx="1">
+                <a:schemeClr val="accent1"/>
+              </a:lnRef>
+              <a:fillRef idx="0">
+                <a:schemeClr val="accent1"/>
+              </a:fillRef>
+              <a:effectRef idx="0">
+                <a:schemeClr val="accent1"/>
+              </a:effectRef>
+              <a:fontRef idx="minor">
+                <a:schemeClr val="tx1"/>
+              </a:fontRef>
+            </p:style>
+          </p:cxnSp>
+          <p:cxnSp>
+            <p:nvCxnSpPr>
+              <p:cNvPr id="78" name="直接连接符 77">
+                <a:extLst>
+                  <a:ext uri="{FF2B5EF4-FFF2-40B4-BE49-F238E27FC236}">
+                    <a16:creationId xmlns:a16="http://schemas.microsoft.com/office/drawing/2014/main" id="{91139B55-4B12-431D-B13C-F00305CF7F84}"/>
+                  </a:ext>
+                </a:extLst>
+              </p:cNvPr>
+              <p:cNvCxnSpPr/>
+              <p:nvPr/>
+            </p:nvCxnSpPr>
+            <p:spPr>
+              <a:xfrm>
+                <a:off x="7038878" y="3187212"/>
+                <a:ext cx="0" cy="127000"/>
+              </a:xfrm>
+              <a:prstGeom prst="line">
+                <a:avLst/>
+              </a:prstGeom>
+              <a:ln w="15875">
+                <a:solidFill>
+                  <a:schemeClr val="tx1"/>
+                </a:solidFill>
+              </a:ln>
+            </p:spPr>
+            <p:style>
+              <a:lnRef idx="1">
+                <a:schemeClr val="accent1"/>
+              </a:lnRef>
+              <a:fillRef idx="0">
+                <a:schemeClr val="accent1"/>
+              </a:fillRef>
+              <a:effectRef idx="0">
+                <a:schemeClr val="accent1"/>
+              </a:effectRef>
+              <a:fontRef idx="minor">
+                <a:schemeClr val="tx1"/>
+              </a:fontRef>
+            </p:style>
+          </p:cxnSp>
+          <p:cxnSp>
+            <p:nvCxnSpPr>
+              <p:cNvPr id="79" name="直接连接符 78">
+                <a:extLst>
+                  <a:ext uri="{FF2B5EF4-FFF2-40B4-BE49-F238E27FC236}">
+                    <a16:creationId xmlns:a16="http://schemas.microsoft.com/office/drawing/2014/main" id="{D0088C40-454E-40FF-885D-F7C2F7C14759}"/>
+                  </a:ext>
+                </a:extLst>
+              </p:cNvPr>
+              <p:cNvCxnSpPr/>
+              <p:nvPr/>
+            </p:nvCxnSpPr>
+            <p:spPr>
+              <a:xfrm>
+                <a:off x="7157352" y="3187212"/>
+                <a:ext cx="0" cy="127000"/>
+              </a:xfrm>
+              <a:prstGeom prst="line">
+                <a:avLst/>
+              </a:prstGeom>
+              <a:ln w="15875">
+                <a:solidFill>
+                  <a:schemeClr val="tx1"/>
+                </a:solidFill>
+              </a:ln>
+            </p:spPr>
+            <p:style>
+              <a:lnRef idx="1">
+                <a:schemeClr val="accent1"/>
+              </a:lnRef>
+              <a:fillRef idx="0">
+                <a:schemeClr val="accent1"/>
+              </a:fillRef>
+              <a:effectRef idx="0">
+                <a:schemeClr val="accent1"/>
+              </a:effectRef>
+              <a:fontRef idx="minor">
+                <a:schemeClr val="tx1"/>
+              </a:fontRef>
+            </p:style>
+          </p:cxnSp>
+          <p:cxnSp>
+            <p:nvCxnSpPr>
+              <p:cNvPr id="80" name="直接连接符 79">
+                <a:extLst>
+                  <a:ext uri="{FF2B5EF4-FFF2-40B4-BE49-F238E27FC236}">
+                    <a16:creationId xmlns:a16="http://schemas.microsoft.com/office/drawing/2014/main" id="{924EFFFC-25A8-4DD1-A296-E74369025974}"/>
+                  </a:ext>
+                </a:extLst>
+              </p:cNvPr>
+              <p:cNvCxnSpPr/>
+              <p:nvPr/>
+            </p:nvCxnSpPr>
+            <p:spPr>
+              <a:xfrm>
+                <a:off x="7275826" y="3187212"/>
+                <a:ext cx="0" cy="127000"/>
+              </a:xfrm>
+              <a:prstGeom prst="line">
+                <a:avLst/>
+              </a:prstGeom>
+              <a:ln w="15875">
+                <a:solidFill>
+                  <a:schemeClr val="tx1"/>
+                </a:solidFill>
+              </a:ln>
+            </p:spPr>
+            <p:style>
+              <a:lnRef idx="1">
+                <a:schemeClr val="accent1"/>
+              </a:lnRef>
+              <a:fillRef idx="0">
+                <a:schemeClr val="accent1"/>
+              </a:fillRef>
+              <a:effectRef idx="0">
+                <a:schemeClr val="accent1"/>
+              </a:effectRef>
+              <a:fontRef idx="minor">
+                <a:schemeClr val="tx1"/>
+              </a:fontRef>
+            </p:style>
+          </p:cxnSp>
+          <p:cxnSp>
+            <p:nvCxnSpPr>
+              <p:cNvPr id="81" name="直接连接符 80">
+                <a:extLst>
+                  <a:ext uri="{FF2B5EF4-FFF2-40B4-BE49-F238E27FC236}">
+                    <a16:creationId xmlns:a16="http://schemas.microsoft.com/office/drawing/2014/main" id="{AF94EB76-333B-4FDD-AF3A-26B8E6657BEC}"/>
+                  </a:ext>
+                </a:extLst>
+              </p:cNvPr>
+              <p:cNvCxnSpPr/>
+              <p:nvPr/>
+            </p:nvCxnSpPr>
+            <p:spPr>
+              <a:xfrm>
+                <a:off x="7394300" y="3187212"/>
+                <a:ext cx="0" cy="127000"/>
+              </a:xfrm>
+              <a:prstGeom prst="line">
+                <a:avLst/>
+              </a:prstGeom>
+              <a:ln w="15875">
+                <a:solidFill>
+                  <a:schemeClr val="tx1"/>
+                </a:solidFill>
+              </a:ln>
+            </p:spPr>
+            <p:style>
+              <a:lnRef idx="1">
+                <a:schemeClr val="accent1"/>
+              </a:lnRef>
+              <a:fillRef idx="0">
+                <a:schemeClr val="accent1"/>
+              </a:fillRef>
+              <a:effectRef idx="0">
+                <a:schemeClr val="accent1"/>
+              </a:effectRef>
+              <a:fontRef idx="minor">
+                <a:schemeClr val="tx1"/>
+              </a:fontRef>
+            </p:style>
+          </p:cxnSp>
+          <p:cxnSp>
+            <p:nvCxnSpPr>
+              <p:cNvPr id="82" name="直接连接符 81">
+                <a:extLst>
+                  <a:ext uri="{FF2B5EF4-FFF2-40B4-BE49-F238E27FC236}">
+                    <a16:creationId xmlns:a16="http://schemas.microsoft.com/office/drawing/2014/main" id="{6CC039DC-15EF-48C4-89E1-3E571BDF30B0}"/>
+                  </a:ext>
+                </a:extLst>
+              </p:cNvPr>
+              <p:cNvCxnSpPr/>
+              <p:nvPr/>
+            </p:nvCxnSpPr>
+            <p:spPr>
+              <a:xfrm>
+                <a:off x="7512774" y="3187212"/>
+                <a:ext cx="0" cy="127000"/>
+              </a:xfrm>
+              <a:prstGeom prst="line">
+                <a:avLst/>
+              </a:prstGeom>
+              <a:ln w="15875">
+                <a:solidFill>
+                  <a:schemeClr val="tx1"/>
+                </a:solidFill>
+              </a:ln>
+            </p:spPr>
+            <p:style>
+              <a:lnRef idx="1">
+                <a:schemeClr val="accent1"/>
+              </a:lnRef>
+              <a:fillRef idx="0">
+                <a:schemeClr val="accent1"/>
+              </a:fillRef>
+              <a:effectRef idx="0">
+                <a:schemeClr val="accent1"/>
+              </a:effectRef>
+              <a:fontRef idx="minor">
+                <a:schemeClr val="tx1"/>
+              </a:fontRef>
+            </p:style>
+          </p:cxnSp>
+          <p:cxnSp>
+            <p:nvCxnSpPr>
+              <p:cNvPr id="83" name="直接连接符 82">
+                <a:extLst>
+                  <a:ext uri="{FF2B5EF4-FFF2-40B4-BE49-F238E27FC236}">
+                    <a16:creationId xmlns:a16="http://schemas.microsoft.com/office/drawing/2014/main" id="{06D7AA48-EE5D-4425-8B39-039F4039C77C}"/>
+                  </a:ext>
+                </a:extLst>
+              </p:cNvPr>
+              <p:cNvCxnSpPr/>
+              <p:nvPr/>
+            </p:nvCxnSpPr>
+            <p:spPr>
+              <a:xfrm>
+                <a:off x="7631248" y="3187212"/>
+                <a:ext cx="0" cy="127000"/>
+              </a:xfrm>
+              <a:prstGeom prst="line">
+                <a:avLst/>
+              </a:prstGeom>
+              <a:ln w="15875">
+                <a:solidFill>
+                  <a:schemeClr val="tx1"/>
+                </a:solidFill>
+              </a:ln>
+            </p:spPr>
+            <p:style>
+              <a:lnRef idx="1">
+                <a:schemeClr val="accent1"/>
+              </a:lnRef>
+              <a:fillRef idx="0">
+                <a:schemeClr val="accent1"/>
+              </a:fillRef>
+              <a:effectRef idx="0">
+                <a:schemeClr val="accent1"/>
+              </a:effectRef>
+              <a:fontRef idx="minor">
+                <a:schemeClr val="tx1"/>
+              </a:fontRef>
+            </p:style>
+          </p:cxnSp>
+          <p:cxnSp>
+            <p:nvCxnSpPr>
+              <p:cNvPr id="84" name="直接连接符 83">
+                <a:extLst>
+                  <a:ext uri="{FF2B5EF4-FFF2-40B4-BE49-F238E27FC236}">
+                    <a16:creationId xmlns:a16="http://schemas.microsoft.com/office/drawing/2014/main" id="{DFADC9FC-3C24-400E-A360-CCC47EA82576}"/>
+                  </a:ext>
+                </a:extLst>
+              </p:cNvPr>
+              <p:cNvCxnSpPr/>
+              <p:nvPr/>
+            </p:nvCxnSpPr>
+            <p:spPr>
+              <a:xfrm>
+                <a:off x="7749722" y="3187212"/>
+                <a:ext cx="0" cy="127000"/>
+              </a:xfrm>
+              <a:prstGeom prst="line">
+                <a:avLst/>
+              </a:prstGeom>
+              <a:ln w="15875">
+                <a:solidFill>
+                  <a:schemeClr val="tx1"/>
+                </a:solidFill>
+              </a:ln>
+            </p:spPr>
+            <p:style>
+              <a:lnRef idx="1">
+                <a:schemeClr val="accent1"/>
+              </a:lnRef>
+              <a:fillRef idx="0">
+                <a:schemeClr val="accent1"/>
+              </a:fillRef>
+              <a:effectRef idx="0">
+                <a:schemeClr val="accent1"/>
+              </a:effectRef>
+              <a:fontRef idx="minor">
+                <a:schemeClr val="tx1"/>
+              </a:fontRef>
+            </p:style>
+          </p:cxnSp>
+          <p:cxnSp>
+            <p:nvCxnSpPr>
+              <p:cNvPr id="85" name="直接连接符 84">
+                <a:extLst>
+                  <a:ext uri="{FF2B5EF4-FFF2-40B4-BE49-F238E27FC236}">
+                    <a16:creationId xmlns:a16="http://schemas.microsoft.com/office/drawing/2014/main" id="{F1E3AE61-C3A7-4928-A755-45B9A26230F5}"/>
+                  </a:ext>
+                </a:extLst>
+              </p:cNvPr>
+              <p:cNvCxnSpPr/>
+              <p:nvPr/>
+            </p:nvCxnSpPr>
+            <p:spPr>
+              <a:xfrm>
+                <a:off x="7098115" y="3187212"/>
+                <a:ext cx="0" cy="127000"/>
+              </a:xfrm>
+              <a:prstGeom prst="line">
+                <a:avLst/>
+              </a:prstGeom>
+              <a:ln w="15875">
+                <a:solidFill>
+                  <a:schemeClr val="tx1"/>
+                </a:solidFill>
+              </a:ln>
+            </p:spPr>
+            <p:style>
+              <a:lnRef idx="1">
+                <a:schemeClr val="accent1"/>
+              </a:lnRef>
+              <a:fillRef idx="0">
+                <a:schemeClr val="accent1"/>
+              </a:fillRef>
+              <a:effectRef idx="0">
+                <a:schemeClr val="accent1"/>
+              </a:effectRef>
+              <a:fontRef idx="minor">
+                <a:schemeClr val="tx1"/>
+              </a:fontRef>
+            </p:style>
+          </p:cxnSp>
+          <p:cxnSp>
+            <p:nvCxnSpPr>
+              <p:cNvPr id="86" name="直接连接符 85">
+                <a:extLst>
+                  <a:ext uri="{FF2B5EF4-FFF2-40B4-BE49-F238E27FC236}">
+                    <a16:creationId xmlns:a16="http://schemas.microsoft.com/office/drawing/2014/main" id="{600AB604-1E11-4155-B290-7A39D7A7B363}"/>
+                  </a:ext>
+                </a:extLst>
+              </p:cNvPr>
+              <p:cNvCxnSpPr/>
+              <p:nvPr/>
+            </p:nvCxnSpPr>
+            <p:spPr>
+              <a:xfrm>
+                <a:off x="7216589" y="3187212"/>
+                <a:ext cx="0" cy="127000"/>
+              </a:xfrm>
+              <a:prstGeom prst="line">
+                <a:avLst/>
+              </a:prstGeom>
+              <a:ln w="15875">
+                <a:solidFill>
+                  <a:schemeClr val="tx1"/>
+                </a:solidFill>
+              </a:ln>
+            </p:spPr>
+            <p:style>
+              <a:lnRef idx="1">
+                <a:schemeClr val="accent1"/>
+              </a:lnRef>
+              <a:fillRef idx="0">
+                <a:schemeClr val="accent1"/>
+              </a:fillRef>
+              <a:effectRef idx="0">
+                <a:schemeClr val="accent1"/>
+              </a:effectRef>
+              <a:fontRef idx="minor">
+                <a:schemeClr val="tx1"/>
+              </a:fontRef>
+            </p:style>
+          </p:cxnSp>
+          <p:cxnSp>
+            <p:nvCxnSpPr>
+              <p:cNvPr id="87" name="直接连接符 86">
+                <a:extLst>
+                  <a:ext uri="{FF2B5EF4-FFF2-40B4-BE49-F238E27FC236}">
+                    <a16:creationId xmlns:a16="http://schemas.microsoft.com/office/drawing/2014/main" id="{2C2F0874-A668-4F00-A7AB-F64B50BAA4B9}"/>
+                  </a:ext>
+                </a:extLst>
+              </p:cNvPr>
+              <p:cNvCxnSpPr/>
+              <p:nvPr/>
+            </p:nvCxnSpPr>
+            <p:spPr>
+              <a:xfrm>
+                <a:off x="7335063" y="3187212"/>
+                <a:ext cx="0" cy="127000"/>
+              </a:xfrm>
+              <a:prstGeom prst="line">
+                <a:avLst/>
+              </a:prstGeom>
+              <a:ln w="15875">
+                <a:solidFill>
+                  <a:schemeClr val="tx1"/>
+                </a:solidFill>
+              </a:ln>
+            </p:spPr>
+            <p:style>
+              <a:lnRef idx="1">
+                <a:schemeClr val="accent1"/>
+              </a:lnRef>
+              <a:fillRef idx="0">
+                <a:schemeClr val="accent1"/>
+              </a:fillRef>
+              <a:effectRef idx="0">
+                <a:schemeClr val="accent1"/>
+              </a:effectRef>
+              <a:fontRef idx="minor">
+                <a:schemeClr val="tx1"/>
+              </a:fontRef>
+            </p:style>
+          </p:cxnSp>
+          <p:cxnSp>
+            <p:nvCxnSpPr>
+              <p:cNvPr id="88" name="直接连接符 87">
+                <a:extLst>
+                  <a:ext uri="{FF2B5EF4-FFF2-40B4-BE49-F238E27FC236}">
+                    <a16:creationId xmlns:a16="http://schemas.microsoft.com/office/drawing/2014/main" id="{F49A6702-DD2E-4371-96A7-1446D936300C}"/>
+                  </a:ext>
+                </a:extLst>
+              </p:cNvPr>
+              <p:cNvCxnSpPr/>
+              <p:nvPr/>
+            </p:nvCxnSpPr>
+            <p:spPr>
+              <a:xfrm>
+                <a:off x="7453537" y="3187212"/>
+                <a:ext cx="0" cy="127000"/>
+              </a:xfrm>
+              <a:prstGeom prst="line">
+                <a:avLst/>
+              </a:prstGeom>
+              <a:ln w="15875">
+                <a:solidFill>
+                  <a:schemeClr val="tx1"/>
+                </a:solidFill>
+              </a:ln>
+            </p:spPr>
+            <p:style>
+              <a:lnRef idx="1">
+                <a:schemeClr val="accent1"/>
+              </a:lnRef>
+              <a:fillRef idx="0">
+                <a:schemeClr val="accent1"/>
+              </a:fillRef>
+              <a:effectRef idx="0">
+                <a:schemeClr val="accent1"/>
+              </a:effectRef>
+              <a:fontRef idx="minor">
+                <a:schemeClr val="tx1"/>
+              </a:fontRef>
+            </p:style>
+          </p:cxnSp>
+          <p:cxnSp>
+            <p:nvCxnSpPr>
+              <p:cNvPr id="89" name="直接连接符 88">
+                <a:extLst>
+                  <a:ext uri="{FF2B5EF4-FFF2-40B4-BE49-F238E27FC236}">
+                    <a16:creationId xmlns:a16="http://schemas.microsoft.com/office/drawing/2014/main" id="{10EE89D2-A4AF-48AB-B511-7A1D982D87B1}"/>
+                  </a:ext>
+                </a:extLst>
+              </p:cNvPr>
+              <p:cNvCxnSpPr/>
+              <p:nvPr/>
+            </p:nvCxnSpPr>
+            <p:spPr>
+              <a:xfrm>
+                <a:off x="7572011" y="3187212"/>
+                <a:ext cx="0" cy="127000"/>
+              </a:xfrm>
+              <a:prstGeom prst="line">
+                <a:avLst/>
+              </a:prstGeom>
+              <a:ln w="15875">
+                <a:solidFill>
+                  <a:schemeClr val="tx1"/>
+                </a:solidFill>
+              </a:ln>
+            </p:spPr>
+            <p:style>
+              <a:lnRef idx="1">
+                <a:schemeClr val="accent1"/>
+              </a:lnRef>
+              <a:fillRef idx="0">
+                <a:schemeClr val="accent1"/>
+              </a:fillRef>
+              <a:effectRef idx="0">
+                <a:schemeClr val="accent1"/>
+              </a:effectRef>
+              <a:fontRef idx="minor">
+                <a:schemeClr val="tx1"/>
+              </a:fontRef>
+            </p:style>
+          </p:cxnSp>
+          <p:cxnSp>
+            <p:nvCxnSpPr>
+              <p:cNvPr id="90" name="直接连接符 89">
+                <a:extLst>
+                  <a:ext uri="{FF2B5EF4-FFF2-40B4-BE49-F238E27FC236}">
+                    <a16:creationId xmlns:a16="http://schemas.microsoft.com/office/drawing/2014/main" id="{18800898-7A36-498B-99B8-874AC8B38AED}"/>
+                  </a:ext>
+                </a:extLst>
+              </p:cNvPr>
+              <p:cNvCxnSpPr/>
+              <p:nvPr/>
+            </p:nvCxnSpPr>
+            <p:spPr>
+              <a:xfrm>
+                <a:off x="7690485" y="3187212"/>
+                <a:ext cx="0" cy="127000"/>
+              </a:xfrm>
+              <a:prstGeom prst="line">
+                <a:avLst/>
+              </a:prstGeom>
+              <a:ln w="15875">
+                <a:solidFill>
+                  <a:schemeClr val="tx1"/>
+                </a:solidFill>
+              </a:ln>
+            </p:spPr>
+            <p:style>
+              <a:lnRef idx="1">
+                <a:schemeClr val="accent1"/>
+              </a:lnRef>
+              <a:fillRef idx="0">
+                <a:schemeClr val="accent1"/>
+              </a:fillRef>
+              <a:effectRef idx="0">
+                <a:schemeClr val="accent1"/>
+              </a:effectRef>
+              <a:fontRef idx="minor">
+                <a:schemeClr val="tx1"/>
+              </a:fontRef>
+            </p:style>
+          </p:cxnSp>
+        </p:grpSp>
+      </p:grpSp>
+      <p:sp>
+        <p:nvSpPr>
+          <p:cNvPr id="101" name="等腰三角形 100">
+            <a:extLst>
+              <a:ext uri="{FF2B5EF4-FFF2-40B4-BE49-F238E27FC236}">
+                <a16:creationId xmlns:a16="http://schemas.microsoft.com/office/drawing/2014/main" id="{D96419EF-6C63-4ECD-8142-475EFBE6E9D9}"/>
+              </a:ext>
+            </a:extLst>
+          </p:cNvPr>
+          <p:cNvSpPr/>
+          <p:nvPr/>
+        </p:nvSpPr>
+        <p:spPr>
+          <a:xfrm>
+            <a:off x="3825756" y="2752953"/>
+            <a:ext cx="219809" cy="263770"/>
+          </a:xfrm>
+          <a:prstGeom prst="triangle">
+            <a:avLst/>
+          </a:prstGeom>
+          <a:noFill/>
+          <a:ln w="31750">
+            <a:solidFill>
+              <a:schemeClr val="tx1"/>
+            </a:solidFill>
+            <a:prstDash val="sysDash"/>
+          </a:ln>
+        </p:spPr>
+        <p:style>
+          <a:lnRef idx="2">
+            <a:schemeClr val="accent1">
+              <a:shade val="50000"/>
+            </a:schemeClr>
+          </a:lnRef>
+          <a:fillRef idx="1">
+            <a:schemeClr val="accent1"/>
+          </a:fillRef>
+          <a:effectRef idx="0">
+            <a:schemeClr val="accent1"/>
+          </a:effectRef>
+          <a:fontRef idx="minor">
+            <a:schemeClr val="lt1"/>
+          </a:fontRef>
+        </p:style>
+        <p:txBody>
+          <a:bodyPr rtlCol="0" anchor="ctr"/>
+          <a:lstStyle/>
+          <a:p>
+            <a:pPr algn="ctr"/>
+            <a:endParaRPr lang="zh-CN" altLang="en-US"/>
+          </a:p>
+        </p:txBody>
+      </p:sp>
+      <p:sp>
+        <p:nvSpPr>
+          <p:cNvPr id="102" name="等腰三角形 101">
+            <a:extLst>
+              <a:ext uri="{FF2B5EF4-FFF2-40B4-BE49-F238E27FC236}">
+                <a16:creationId xmlns:a16="http://schemas.microsoft.com/office/drawing/2014/main" id="{01823FE9-62C8-40EB-9A70-2A0F38573982}"/>
+              </a:ext>
+            </a:extLst>
+          </p:cNvPr>
+          <p:cNvSpPr/>
+          <p:nvPr/>
+        </p:nvSpPr>
+        <p:spPr>
+          <a:xfrm>
+            <a:off x="4847988" y="2773153"/>
+            <a:ext cx="219809" cy="263770"/>
+          </a:xfrm>
+          <a:prstGeom prst="triangle">
+            <a:avLst/>
+          </a:prstGeom>
+          <a:noFill/>
+          <a:ln w="31750">
+            <a:solidFill>
+              <a:schemeClr val="tx1"/>
+            </a:solidFill>
+            <a:prstDash val="sysDash"/>
+          </a:ln>
+        </p:spPr>
+        <p:style>
+          <a:lnRef idx="2">
+            <a:schemeClr val="accent1">
+              <a:shade val="50000"/>
+            </a:schemeClr>
+          </a:lnRef>
+          <a:fillRef idx="1">
+            <a:schemeClr val="accent1"/>
+          </a:fillRef>
+          <a:effectRef idx="0">
+            <a:schemeClr val="accent1"/>
+          </a:effectRef>
+          <a:fontRef idx="minor">
+            <a:schemeClr val="lt1"/>
+          </a:fontRef>
+        </p:style>
+        <p:txBody>
+          <a:bodyPr rtlCol="0" anchor="ctr"/>
+          <a:lstStyle/>
+          <a:p>
+            <a:pPr algn="ctr"/>
+            <a:endParaRPr lang="zh-CN" altLang="en-US"/>
+          </a:p>
+        </p:txBody>
+      </p:sp>
+      <p:sp>
+        <p:nvSpPr>
+          <p:cNvPr id="107" name="矩形 106">
+            <a:extLst>
+              <a:ext uri="{FF2B5EF4-FFF2-40B4-BE49-F238E27FC236}">
+                <a16:creationId xmlns:a16="http://schemas.microsoft.com/office/drawing/2014/main" id="{642D30A8-0211-43B2-B255-672D6ADC8892}"/>
+              </a:ext>
+            </a:extLst>
+          </p:cNvPr>
+          <p:cNvSpPr/>
+          <p:nvPr/>
+        </p:nvSpPr>
+        <p:spPr>
+          <a:xfrm>
+            <a:off x="3633160" y="2449004"/>
+            <a:ext cx="1652425" cy="855080"/>
+          </a:xfrm>
+          <a:prstGeom prst="rect">
+            <a:avLst/>
+          </a:prstGeom>
+          <a:noFill/>
+          <a:ln w="19050">
+            <a:solidFill>
+              <a:schemeClr val="tx1"/>
+            </a:solidFill>
+          </a:ln>
+        </p:spPr>
+        <p:style>
+          <a:lnRef idx="2">
+            <a:schemeClr val="accent1">
+              <a:shade val="50000"/>
+            </a:schemeClr>
+          </a:lnRef>
+          <a:fillRef idx="1">
+            <a:schemeClr val="accent1"/>
+          </a:fillRef>
+          <a:effectRef idx="0">
+            <a:schemeClr val="accent1"/>
+          </a:effectRef>
+          <a:fontRef idx="minor">
+            <a:schemeClr val="lt1"/>
+          </a:fontRef>
+        </p:style>
+        <p:txBody>
+          <a:bodyPr rtlCol="0" anchor="ctr"/>
+          <a:lstStyle/>
+          <a:p>
+            <a:pPr algn="ctr"/>
+            <a:endParaRPr lang="zh-CN" altLang="en-US"/>
+          </a:p>
+        </p:txBody>
+      </p:sp>
+      <p:cxnSp>
+        <p:nvCxnSpPr>
+          <p:cNvPr id="109" name="直接连接符 108">
+            <a:extLst>
+              <a:ext uri="{FF2B5EF4-FFF2-40B4-BE49-F238E27FC236}">
+                <a16:creationId xmlns:a16="http://schemas.microsoft.com/office/drawing/2014/main" id="{00F2C9E5-0213-418A-95BA-4F748030C7CC}"/>
+              </a:ext>
+            </a:extLst>
+          </p:cNvPr>
+          <p:cNvCxnSpPr>
+            <a:stCxn id="107" idx="0"/>
+            <a:endCxn id="107" idx="2"/>
+          </p:cNvCxnSpPr>
+          <p:nvPr/>
+        </p:nvCxnSpPr>
+        <p:spPr>
+          <a:xfrm>
+            <a:off x="4459373" y="2449004"/>
+            <a:ext cx="0" cy="855080"/>
+          </a:xfrm>
+          <a:prstGeom prst="line">
+            <a:avLst/>
+          </a:prstGeom>
+          <a:ln w="12700">
+            <a:solidFill>
+              <a:schemeClr val="tx1"/>
+            </a:solidFill>
+          </a:ln>
+        </p:spPr>
+        <p:style>
+          <a:lnRef idx="1">
+            <a:schemeClr val="accent1"/>
+          </a:lnRef>
+          <a:fillRef idx="0">
+            <a:schemeClr val="accent1"/>
+          </a:fillRef>
+          <a:effectRef idx="0">
+            <a:schemeClr val="accent1"/>
+          </a:effectRef>
+          <a:fontRef idx="minor">
+            <a:schemeClr val="tx1"/>
+          </a:fontRef>
+        </p:style>
+      </p:cxnSp>
+      <p:sp>
+        <p:nvSpPr>
+          <p:cNvPr id="110" name="文本框 109">
+            <a:extLst>
+              <a:ext uri="{FF2B5EF4-FFF2-40B4-BE49-F238E27FC236}">
+                <a16:creationId xmlns:a16="http://schemas.microsoft.com/office/drawing/2014/main" id="{D87012FD-8130-4AE3-97CC-00C2C3A0E473}"/>
+              </a:ext>
+            </a:extLst>
+          </p:cNvPr>
+          <p:cNvSpPr txBox="1"/>
+          <p:nvPr/>
+        </p:nvSpPr>
+        <p:spPr>
+          <a:xfrm>
+            <a:off x="5365826" y="2715571"/>
+            <a:ext cx="877163" cy="369332"/>
+          </a:xfrm>
+          <a:prstGeom prst="rect">
+            <a:avLst/>
+          </a:prstGeom>
+          <a:noFill/>
+        </p:spPr>
+        <p:txBody>
+          <a:bodyPr wrap="none" rtlCol="0">
+            <a:spAutoFit/>
+          </a:bodyPr>
+          <a:lstStyle/>
+          <a:p>
+            <a:r>
+              <a:rPr lang="zh-CN" altLang="en-US" dirty="0"/>
+              <a:t>显示屏</a:t>
+            </a:r>
+          </a:p>
+        </p:txBody>
+      </p:sp>
+      <p:grpSp>
+        <p:nvGrpSpPr>
+          <p:cNvPr id="164" name="组合 163">
+            <a:extLst>
+              <a:ext uri="{FF2B5EF4-FFF2-40B4-BE49-F238E27FC236}">
+                <a16:creationId xmlns:a16="http://schemas.microsoft.com/office/drawing/2014/main" id="{C7A222EE-D149-4602-9B8F-55C60F85B8C3}"/>
+              </a:ext>
+            </a:extLst>
+          </p:cNvPr>
+          <p:cNvGrpSpPr/>
+          <p:nvPr/>
+        </p:nvGrpSpPr>
+        <p:grpSpPr>
+          <a:xfrm rot="17402773">
+            <a:off x="2982132" y="3657633"/>
+            <a:ext cx="1463147" cy="125472"/>
+            <a:chOff x="7384398" y="3764789"/>
+            <a:chExt cx="1874896" cy="65830"/>
+          </a:xfrm>
+        </p:grpSpPr>
+        <p:cxnSp>
+          <p:nvCxnSpPr>
+            <p:cNvPr id="112" name="直接连接符 111">
+              <a:extLst>
+                <a:ext uri="{FF2B5EF4-FFF2-40B4-BE49-F238E27FC236}">
+                  <a16:creationId xmlns:a16="http://schemas.microsoft.com/office/drawing/2014/main" id="{32A9CF0A-40D7-4E4F-9918-652E7FF3CF4F}"/>
+                </a:ext>
+              </a:extLst>
+            </p:cNvPr>
+            <p:cNvCxnSpPr>
+              <a:cxnSpLocks/>
+            </p:cNvCxnSpPr>
+            <p:nvPr/>
+          </p:nvCxnSpPr>
+          <p:spPr>
+            <a:xfrm rot="21563125" flipV="1">
+              <a:off x="7384398" y="3784900"/>
+              <a:ext cx="0" cy="45719"/>
+            </a:xfrm>
+            <a:prstGeom prst="line">
+              <a:avLst/>
+            </a:prstGeom>
+            <a:ln w="15875">
+              <a:solidFill>
+                <a:schemeClr val="tx1"/>
+              </a:solidFill>
+            </a:ln>
+          </p:spPr>
+          <p:style>
+            <a:lnRef idx="1">
+              <a:schemeClr val="accent1"/>
+            </a:lnRef>
+            <a:fillRef idx="0">
+              <a:schemeClr val="accent1"/>
+            </a:fillRef>
+            <a:effectRef idx="0">
+              <a:schemeClr val="accent1"/>
+            </a:effectRef>
+            <a:fontRef idx="minor">
+              <a:schemeClr val="tx1"/>
+            </a:fontRef>
+          </p:style>
+        </p:cxnSp>
+        <p:cxnSp>
+          <p:nvCxnSpPr>
+            <p:cNvPr id="115" name="直接连接符 114">
+              <a:extLst>
+                <a:ext uri="{FF2B5EF4-FFF2-40B4-BE49-F238E27FC236}">
+                  <a16:creationId xmlns:a16="http://schemas.microsoft.com/office/drawing/2014/main" id="{59B4C7C9-D322-4BE5-BA2A-E05EAAB49814}"/>
+                </a:ext>
+              </a:extLst>
+            </p:cNvPr>
+            <p:cNvCxnSpPr>
+              <a:cxnSpLocks/>
+            </p:cNvCxnSpPr>
+            <p:nvPr/>
+          </p:nvCxnSpPr>
+          <p:spPr>
+            <a:xfrm rot="21563125" flipV="1">
+              <a:off x="7483076" y="3783842"/>
+              <a:ext cx="0" cy="45719"/>
+            </a:xfrm>
+            <a:prstGeom prst="line">
+              <a:avLst/>
+            </a:prstGeom>
+            <a:ln w="15875">
+              <a:solidFill>
+                <a:schemeClr val="tx1"/>
+              </a:solidFill>
+            </a:ln>
+          </p:spPr>
+          <p:style>
+            <a:lnRef idx="1">
+              <a:schemeClr val="accent1"/>
+            </a:lnRef>
+            <a:fillRef idx="0">
+              <a:schemeClr val="accent1"/>
+            </a:fillRef>
+            <a:effectRef idx="0">
+              <a:schemeClr val="accent1"/>
+            </a:effectRef>
+            <a:fontRef idx="minor">
+              <a:schemeClr val="tx1"/>
+            </a:fontRef>
+          </p:style>
+        </p:cxnSp>
+        <p:cxnSp>
+          <p:nvCxnSpPr>
+            <p:cNvPr id="116" name="直接连接符 115">
+              <a:extLst>
+                <a:ext uri="{FF2B5EF4-FFF2-40B4-BE49-F238E27FC236}">
+                  <a16:creationId xmlns:a16="http://schemas.microsoft.com/office/drawing/2014/main" id="{8448A6E2-FBFA-4384-9629-42FDDCD17B3D}"/>
+                </a:ext>
+              </a:extLst>
+            </p:cNvPr>
+            <p:cNvCxnSpPr>
+              <a:cxnSpLocks/>
+            </p:cNvCxnSpPr>
+            <p:nvPr/>
+          </p:nvCxnSpPr>
+          <p:spPr>
+            <a:xfrm rot="21563125" flipV="1">
+              <a:off x="7581755" y="3782783"/>
+              <a:ext cx="0" cy="45719"/>
+            </a:xfrm>
+            <a:prstGeom prst="line">
+              <a:avLst/>
+            </a:prstGeom>
+            <a:ln w="15875">
+              <a:solidFill>
+                <a:schemeClr val="tx1"/>
+              </a:solidFill>
+            </a:ln>
+          </p:spPr>
+          <p:style>
+            <a:lnRef idx="1">
+              <a:schemeClr val="accent1"/>
+            </a:lnRef>
+            <a:fillRef idx="0">
+              <a:schemeClr val="accent1"/>
+            </a:fillRef>
+            <a:effectRef idx="0">
+              <a:schemeClr val="accent1"/>
+            </a:effectRef>
+            <a:fontRef idx="minor">
+              <a:schemeClr val="tx1"/>
+            </a:fontRef>
+          </p:style>
+        </p:cxnSp>
+        <p:cxnSp>
+          <p:nvCxnSpPr>
+            <p:cNvPr id="117" name="直接连接符 116">
+              <a:extLst>
+                <a:ext uri="{FF2B5EF4-FFF2-40B4-BE49-F238E27FC236}">
+                  <a16:creationId xmlns:a16="http://schemas.microsoft.com/office/drawing/2014/main" id="{84081B00-A8B5-43B6-9FA7-8D1ACB554D11}"/>
+                </a:ext>
+              </a:extLst>
+            </p:cNvPr>
+            <p:cNvCxnSpPr>
+              <a:cxnSpLocks/>
+            </p:cNvCxnSpPr>
+            <p:nvPr/>
+          </p:nvCxnSpPr>
+          <p:spPr>
+            <a:xfrm rot="21563125" flipV="1">
+              <a:off x="7680434" y="3781725"/>
+              <a:ext cx="0" cy="45719"/>
+            </a:xfrm>
+            <a:prstGeom prst="line">
+              <a:avLst/>
+            </a:prstGeom>
+            <a:ln w="15875">
+              <a:solidFill>
+                <a:schemeClr val="tx1"/>
+              </a:solidFill>
+            </a:ln>
+          </p:spPr>
+          <p:style>
+            <a:lnRef idx="1">
+              <a:schemeClr val="accent1"/>
+            </a:lnRef>
+            <a:fillRef idx="0">
+              <a:schemeClr val="accent1"/>
+            </a:fillRef>
+            <a:effectRef idx="0">
+              <a:schemeClr val="accent1"/>
+            </a:effectRef>
+            <a:fontRef idx="minor">
+              <a:schemeClr val="tx1"/>
+            </a:fontRef>
+          </p:style>
+        </p:cxnSp>
+        <p:cxnSp>
+          <p:nvCxnSpPr>
+            <p:cNvPr id="118" name="直接连接符 117">
+              <a:extLst>
+                <a:ext uri="{FF2B5EF4-FFF2-40B4-BE49-F238E27FC236}">
+                  <a16:creationId xmlns:a16="http://schemas.microsoft.com/office/drawing/2014/main" id="{13CBB153-2DB6-4150-B7AF-205A1703786A}"/>
+                </a:ext>
+              </a:extLst>
+            </p:cNvPr>
+            <p:cNvCxnSpPr>
+              <a:cxnSpLocks/>
+            </p:cNvCxnSpPr>
+            <p:nvPr/>
+          </p:nvCxnSpPr>
+          <p:spPr>
+            <a:xfrm rot="21563125" flipV="1">
+              <a:off x="7779113" y="3780666"/>
+              <a:ext cx="0" cy="45719"/>
+            </a:xfrm>
+            <a:prstGeom prst="line">
+              <a:avLst/>
+            </a:prstGeom>
+            <a:ln w="15875">
+              <a:solidFill>
+                <a:schemeClr val="tx1"/>
+              </a:solidFill>
+            </a:ln>
+          </p:spPr>
+          <p:style>
+            <a:lnRef idx="1">
+              <a:schemeClr val="accent1"/>
+            </a:lnRef>
+            <a:fillRef idx="0">
+              <a:schemeClr val="accent1"/>
+            </a:fillRef>
+            <a:effectRef idx="0">
+              <a:schemeClr val="accent1"/>
+            </a:effectRef>
+            <a:fontRef idx="minor">
+              <a:schemeClr val="tx1"/>
+            </a:fontRef>
+          </p:style>
+        </p:cxnSp>
+        <p:cxnSp>
+          <p:nvCxnSpPr>
+            <p:cNvPr id="119" name="直接连接符 118">
+              <a:extLst>
+                <a:ext uri="{FF2B5EF4-FFF2-40B4-BE49-F238E27FC236}">
+                  <a16:creationId xmlns:a16="http://schemas.microsoft.com/office/drawing/2014/main" id="{CA1B496F-2063-44DB-930A-8AC60B806961}"/>
+                </a:ext>
+              </a:extLst>
+            </p:cNvPr>
+            <p:cNvCxnSpPr>
+              <a:cxnSpLocks/>
+            </p:cNvCxnSpPr>
+            <p:nvPr/>
+          </p:nvCxnSpPr>
+          <p:spPr>
+            <a:xfrm rot="21563125" flipV="1">
+              <a:off x="7877791" y="3779608"/>
+              <a:ext cx="0" cy="45719"/>
+            </a:xfrm>
+            <a:prstGeom prst="line">
+              <a:avLst/>
+            </a:prstGeom>
+            <a:ln w="15875">
+              <a:solidFill>
+                <a:schemeClr val="tx1"/>
+              </a:solidFill>
+            </a:ln>
+          </p:spPr>
+          <p:style>
+            <a:lnRef idx="1">
+              <a:schemeClr val="accent1"/>
+            </a:lnRef>
+            <a:fillRef idx="0">
+              <a:schemeClr val="accent1"/>
+            </a:fillRef>
+            <a:effectRef idx="0">
+              <a:schemeClr val="accent1"/>
+            </a:effectRef>
+            <a:fontRef idx="minor">
+              <a:schemeClr val="tx1"/>
+            </a:fontRef>
+          </p:style>
+        </p:cxnSp>
+        <p:cxnSp>
+          <p:nvCxnSpPr>
+            <p:cNvPr id="120" name="直接连接符 119">
+              <a:extLst>
+                <a:ext uri="{FF2B5EF4-FFF2-40B4-BE49-F238E27FC236}">
+                  <a16:creationId xmlns:a16="http://schemas.microsoft.com/office/drawing/2014/main" id="{FED5F8DE-3D73-493D-A7FF-8BAFD926B4B0}"/>
+                </a:ext>
+              </a:extLst>
+            </p:cNvPr>
+            <p:cNvCxnSpPr>
+              <a:cxnSpLocks/>
+            </p:cNvCxnSpPr>
+            <p:nvPr/>
+          </p:nvCxnSpPr>
+          <p:spPr>
+            <a:xfrm rot="21563125" flipV="1">
+              <a:off x="7976470" y="3778550"/>
+              <a:ext cx="0" cy="45719"/>
+            </a:xfrm>
+            <a:prstGeom prst="line">
+              <a:avLst/>
+            </a:prstGeom>
+            <a:ln w="15875">
+              <a:solidFill>
+                <a:schemeClr val="tx1"/>
+              </a:solidFill>
+            </a:ln>
+          </p:spPr>
+          <p:style>
+            <a:lnRef idx="1">
+              <a:schemeClr val="accent1"/>
+            </a:lnRef>
+            <a:fillRef idx="0">
+              <a:schemeClr val="accent1"/>
+            </a:fillRef>
+            <a:effectRef idx="0">
+              <a:schemeClr val="accent1"/>
+            </a:effectRef>
+            <a:fontRef idx="minor">
+              <a:schemeClr val="tx1"/>
+            </a:fontRef>
+          </p:style>
+        </p:cxnSp>
+        <p:cxnSp>
+          <p:nvCxnSpPr>
+            <p:cNvPr id="121" name="直接连接符 120">
+              <a:extLst>
+                <a:ext uri="{FF2B5EF4-FFF2-40B4-BE49-F238E27FC236}">
+                  <a16:creationId xmlns:a16="http://schemas.microsoft.com/office/drawing/2014/main" id="{224CBD9D-706C-4ECD-B15D-B6EA89C7499C}"/>
+                </a:ext>
+              </a:extLst>
+            </p:cNvPr>
+            <p:cNvCxnSpPr>
+              <a:cxnSpLocks/>
+            </p:cNvCxnSpPr>
+            <p:nvPr/>
+          </p:nvCxnSpPr>
+          <p:spPr>
+            <a:xfrm rot="21563125" flipV="1">
+              <a:off x="8075149" y="3777491"/>
+              <a:ext cx="0" cy="45719"/>
+            </a:xfrm>
+            <a:prstGeom prst="line">
+              <a:avLst/>
+            </a:prstGeom>
+            <a:ln w="15875">
+              <a:solidFill>
+                <a:schemeClr val="tx1"/>
+              </a:solidFill>
+            </a:ln>
+          </p:spPr>
+          <p:style>
+            <a:lnRef idx="1">
+              <a:schemeClr val="accent1"/>
+            </a:lnRef>
+            <a:fillRef idx="0">
+              <a:schemeClr val="accent1"/>
+            </a:fillRef>
+            <a:effectRef idx="0">
+              <a:schemeClr val="accent1"/>
+            </a:effectRef>
+            <a:fontRef idx="minor">
+              <a:schemeClr val="tx1"/>
+            </a:fontRef>
+          </p:style>
+        </p:cxnSp>
+        <p:cxnSp>
+          <p:nvCxnSpPr>
+            <p:cNvPr id="122" name="直接连接符 121">
+              <a:extLst>
+                <a:ext uri="{FF2B5EF4-FFF2-40B4-BE49-F238E27FC236}">
+                  <a16:creationId xmlns:a16="http://schemas.microsoft.com/office/drawing/2014/main" id="{EE450D27-E495-4882-B5F9-1F00A2684F3D}"/>
+                </a:ext>
+              </a:extLst>
+            </p:cNvPr>
+            <p:cNvCxnSpPr>
+              <a:cxnSpLocks/>
+            </p:cNvCxnSpPr>
+            <p:nvPr/>
+          </p:nvCxnSpPr>
+          <p:spPr>
+            <a:xfrm rot="21563125" flipV="1">
+              <a:off x="8173828" y="3776433"/>
+              <a:ext cx="0" cy="45719"/>
+            </a:xfrm>
+            <a:prstGeom prst="line">
+              <a:avLst/>
+            </a:prstGeom>
+            <a:ln w="15875">
+              <a:solidFill>
+                <a:schemeClr val="tx1"/>
+              </a:solidFill>
+            </a:ln>
+          </p:spPr>
+          <p:style>
+            <a:lnRef idx="1">
+              <a:schemeClr val="accent1"/>
+            </a:lnRef>
+            <a:fillRef idx="0">
+              <a:schemeClr val="accent1"/>
+            </a:fillRef>
+            <a:effectRef idx="0">
+              <a:schemeClr val="accent1"/>
+            </a:effectRef>
+            <a:fontRef idx="minor">
+              <a:schemeClr val="tx1"/>
+            </a:fontRef>
+          </p:style>
+        </p:cxnSp>
+        <p:cxnSp>
+          <p:nvCxnSpPr>
+            <p:cNvPr id="123" name="直接连接符 122">
+              <a:extLst>
+                <a:ext uri="{FF2B5EF4-FFF2-40B4-BE49-F238E27FC236}">
+                  <a16:creationId xmlns:a16="http://schemas.microsoft.com/office/drawing/2014/main" id="{D7BF8FB1-1346-4168-92D4-507D24817FAF}"/>
+                </a:ext>
+              </a:extLst>
+            </p:cNvPr>
+            <p:cNvCxnSpPr>
+              <a:cxnSpLocks/>
+            </p:cNvCxnSpPr>
+            <p:nvPr/>
+          </p:nvCxnSpPr>
+          <p:spPr>
+            <a:xfrm rot="21563125" flipV="1">
+              <a:off x="8272506" y="3775373"/>
+              <a:ext cx="0" cy="45719"/>
+            </a:xfrm>
+            <a:prstGeom prst="line">
+              <a:avLst/>
+            </a:prstGeom>
+            <a:ln w="15875">
+              <a:solidFill>
+                <a:schemeClr val="tx1"/>
+              </a:solidFill>
+            </a:ln>
+          </p:spPr>
+          <p:style>
+            <a:lnRef idx="1">
+              <a:schemeClr val="accent1"/>
+            </a:lnRef>
+            <a:fillRef idx="0">
+              <a:schemeClr val="accent1"/>
+            </a:fillRef>
+            <a:effectRef idx="0">
+              <a:schemeClr val="accent1"/>
+            </a:effectRef>
+            <a:fontRef idx="minor">
+              <a:schemeClr val="tx1"/>
+            </a:fontRef>
+          </p:style>
+        </p:cxnSp>
+        <p:cxnSp>
+          <p:nvCxnSpPr>
+            <p:cNvPr id="124" name="直接连接符 123">
+              <a:extLst>
+                <a:ext uri="{FF2B5EF4-FFF2-40B4-BE49-F238E27FC236}">
+                  <a16:creationId xmlns:a16="http://schemas.microsoft.com/office/drawing/2014/main" id="{02E7D2A4-44B6-46E1-8B11-E981A6F876D6}"/>
+                </a:ext>
+              </a:extLst>
+            </p:cNvPr>
+            <p:cNvCxnSpPr>
+              <a:cxnSpLocks/>
+            </p:cNvCxnSpPr>
+            <p:nvPr/>
+          </p:nvCxnSpPr>
+          <p:spPr>
+            <a:xfrm rot="21563125" flipV="1">
+              <a:off x="8371185" y="3774315"/>
+              <a:ext cx="0" cy="45719"/>
+            </a:xfrm>
+            <a:prstGeom prst="line">
+              <a:avLst/>
+            </a:prstGeom>
+            <a:ln w="15875">
+              <a:solidFill>
+                <a:schemeClr val="tx1"/>
+              </a:solidFill>
+            </a:ln>
+          </p:spPr>
+          <p:style>
+            <a:lnRef idx="1">
+              <a:schemeClr val="accent1"/>
+            </a:lnRef>
+            <a:fillRef idx="0">
+              <a:schemeClr val="accent1"/>
+            </a:fillRef>
+            <a:effectRef idx="0">
+              <a:schemeClr val="accent1"/>
+            </a:effectRef>
+            <a:fontRef idx="minor">
+              <a:schemeClr val="tx1"/>
+            </a:fontRef>
+          </p:style>
+        </p:cxnSp>
+        <p:cxnSp>
+          <p:nvCxnSpPr>
+            <p:cNvPr id="125" name="直接连接符 124">
+              <a:extLst>
+                <a:ext uri="{FF2B5EF4-FFF2-40B4-BE49-F238E27FC236}">
+                  <a16:creationId xmlns:a16="http://schemas.microsoft.com/office/drawing/2014/main" id="{F906DAE8-8B93-4BFD-A9BB-23F6B8C95EAA}"/>
+                </a:ext>
+              </a:extLst>
+            </p:cNvPr>
+            <p:cNvCxnSpPr>
+              <a:cxnSpLocks/>
+            </p:cNvCxnSpPr>
+            <p:nvPr/>
+          </p:nvCxnSpPr>
+          <p:spPr>
+            <a:xfrm rot="21563125" flipV="1">
+              <a:off x="8469864" y="3773256"/>
+              <a:ext cx="0" cy="45719"/>
+            </a:xfrm>
+            <a:prstGeom prst="line">
+              <a:avLst/>
+            </a:prstGeom>
+            <a:ln w="15875">
+              <a:solidFill>
+                <a:schemeClr val="tx1"/>
+              </a:solidFill>
+            </a:ln>
+          </p:spPr>
+          <p:style>
+            <a:lnRef idx="1">
+              <a:schemeClr val="accent1"/>
+            </a:lnRef>
+            <a:fillRef idx="0">
+              <a:schemeClr val="accent1"/>
+            </a:fillRef>
+            <a:effectRef idx="0">
+              <a:schemeClr val="accent1"/>
+            </a:effectRef>
+            <a:fontRef idx="minor">
+              <a:schemeClr val="tx1"/>
+            </a:fontRef>
+          </p:style>
+        </p:cxnSp>
+        <p:cxnSp>
+          <p:nvCxnSpPr>
+            <p:cNvPr id="126" name="直接连接符 125">
+              <a:extLst>
+                <a:ext uri="{FF2B5EF4-FFF2-40B4-BE49-F238E27FC236}">
+                  <a16:creationId xmlns:a16="http://schemas.microsoft.com/office/drawing/2014/main" id="{8707715B-2C75-4AC1-9327-DCECAE7AFB4E}"/>
+                </a:ext>
+              </a:extLst>
+            </p:cNvPr>
+            <p:cNvCxnSpPr>
+              <a:cxnSpLocks/>
+            </p:cNvCxnSpPr>
+            <p:nvPr/>
+          </p:nvCxnSpPr>
+          <p:spPr>
+            <a:xfrm rot="21563125" flipV="1">
+              <a:off x="8568542" y="3772198"/>
+              <a:ext cx="0" cy="45719"/>
+            </a:xfrm>
+            <a:prstGeom prst="line">
+              <a:avLst/>
+            </a:prstGeom>
+            <a:ln w="15875">
+              <a:solidFill>
+                <a:schemeClr val="tx1"/>
+              </a:solidFill>
+            </a:ln>
+          </p:spPr>
+          <p:style>
+            <a:lnRef idx="1">
+              <a:schemeClr val="accent1"/>
+            </a:lnRef>
+            <a:fillRef idx="0">
+              <a:schemeClr val="accent1"/>
+            </a:fillRef>
+            <a:effectRef idx="0">
+              <a:schemeClr val="accent1"/>
+            </a:effectRef>
+            <a:fontRef idx="minor">
+              <a:schemeClr val="tx1"/>
+            </a:fontRef>
+          </p:style>
+        </p:cxnSp>
+        <p:cxnSp>
+          <p:nvCxnSpPr>
+            <p:cNvPr id="127" name="直接连接符 126">
+              <a:extLst>
+                <a:ext uri="{FF2B5EF4-FFF2-40B4-BE49-F238E27FC236}">
+                  <a16:creationId xmlns:a16="http://schemas.microsoft.com/office/drawing/2014/main" id="{8ECAC4DD-3B21-4090-9A51-9291AAD45B44}"/>
+                </a:ext>
+              </a:extLst>
+            </p:cNvPr>
+            <p:cNvCxnSpPr>
+              <a:cxnSpLocks/>
+            </p:cNvCxnSpPr>
+            <p:nvPr/>
+          </p:nvCxnSpPr>
+          <p:spPr>
+            <a:xfrm rot="21563125" flipV="1">
+              <a:off x="8667222" y="3771139"/>
+              <a:ext cx="0" cy="45719"/>
+            </a:xfrm>
+            <a:prstGeom prst="line">
+              <a:avLst/>
+            </a:prstGeom>
+            <a:ln w="15875">
+              <a:solidFill>
+                <a:schemeClr val="tx1"/>
+              </a:solidFill>
+            </a:ln>
+          </p:spPr>
+          <p:style>
+            <a:lnRef idx="1">
+              <a:schemeClr val="accent1"/>
+            </a:lnRef>
+            <a:fillRef idx="0">
+              <a:schemeClr val="accent1"/>
+            </a:fillRef>
+            <a:effectRef idx="0">
+              <a:schemeClr val="accent1"/>
+            </a:effectRef>
+            <a:fontRef idx="minor">
+              <a:schemeClr val="tx1"/>
+            </a:fontRef>
+          </p:style>
+        </p:cxnSp>
+        <p:cxnSp>
+          <p:nvCxnSpPr>
+            <p:cNvPr id="128" name="直接连接符 127">
+              <a:extLst>
+                <a:ext uri="{FF2B5EF4-FFF2-40B4-BE49-F238E27FC236}">
+                  <a16:creationId xmlns:a16="http://schemas.microsoft.com/office/drawing/2014/main" id="{2DD1EF9E-0F2C-43ED-979E-C4FF95531B88}"/>
+                </a:ext>
+              </a:extLst>
+            </p:cNvPr>
+            <p:cNvCxnSpPr>
+              <a:cxnSpLocks/>
+            </p:cNvCxnSpPr>
+            <p:nvPr/>
+          </p:nvCxnSpPr>
+          <p:spPr>
+            <a:xfrm rot="21563125" flipV="1">
+              <a:off x="8765900" y="3770081"/>
+              <a:ext cx="0" cy="45719"/>
+            </a:xfrm>
+            <a:prstGeom prst="line">
+              <a:avLst/>
+            </a:prstGeom>
+            <a:ln w="15875">
+              <a:solidFill>
+                <a:schemeClr val="tx1"/>
+              </a:solidFill>
+            </a:ln>
+          </p:spPr>
+          <p:style>
+            <a:lnRef idx="1">
+              <a:schemeClr val="accent1"/>
+            </a:lnRef>
+            <a:fillRef idx="0">
+              <a:schemeClr val="accent1"/>
+            </a:fillRef>
+            <a:effectRef idx="0">
+              <a:schemeClr val="accent1"/>
+            </a:effectRef>
+            <a:fontRef idx="minor">
+              <a:schemeClr val="tx1"/>
+            </a:fontRef>
+          </p:style>
+        </p:cxnSp>
+        <p:cxnSp>
+          <p:nvCxnSpPr>
+            <p:cNvPr id="129" name="直接连接符 128">
+              <a:extLst>
+                <a:ext uri="{FF2B5EF4-FFF2-40B4-BE49-F238E27FC236}">
+                  <a16:creationId xmlns:a16="http://schemas.microsoft.com/office/drawing/2014/main" id="{18BB17D1-F367-4DD1-8063-2E6CB8A29ABE}"/>
+                </a:ext>
+              </a:extLst>
+            </p:cNvPr>
+            <p:cNvCxnSpPr>
+              <a:cxnSpLocks/>
+            </p:cNvCxnSpPr>
+            <p:nvPr/>
+          </p:nvCxnSpPr>
+          <p:spPr>
+            <a:xfrm rot="21563125" flipV="1">
+              <a:off x="8864579" y="3769023"/>
+              <a:ext cx="0" cy="45719"/>
+            </a:xfrm>
+            <a:prstGeom prst="line">
+              <a:avLst/>
+            </a:prstGeom>
+            <a:ln w="15875">
+              <a:solidFill>
+                <a:schemeClr val="tx1"/>
+              </a:solidFill>
+            </a:ln>
+          </p:spPr>
+          <p:style>
+            <a:lnRef idx="1">
+              <a:schemeClr val="accent1"/>
+            </a:lnRef>
+            <a:fillRef idx="0">
+              <a:schemeClr val="accent1"/>
+            </a:fillRef>
+            <a:effectRef idx="0">
+              <a:schemeClr val="accent1"/>
+            </a:effectRef>
+            <a:fontRef idx="minor">
+              <a:schemeClr val="tx1"/>
+            </a:fontRef>
+          </p:style>
+        </p:cxnSp>
+        <p:cxnSp>
+          <p:nvCxnSpPr>
+            <p:cNvPr id="130" name="直接连接符 129">
+              <a:extLst>
+                <a:ext uri="{FF2B5EF4-FFF2-40B4-BE49-F238E27FC236}">
+                  <a16:creationId xmlns:a16="http://schemas.microsoft.com/office/drawing/2014/main" id="{215BD167-5D3C-41D7-9CC6-5D2CDFA586B7}"/>
+                </a:ext>
+              </a:extLst>
+            </p:cNvPr>
+            <p:cNvCxnSpPr>
+              <a:cxnSpLocks/>
+            </p:cNvCxnSpPr>
+            <p:nvPr/>
+          </p:nvCxnSpPr>
+          <p:spPr>
+            <a:xfrm rot="21563125" flipV="1">
+              <a:off x="8963258" y="3767964"/>
+              <a:ext cx="0" cy="45719"/>
+            </a:xfrm>
+            <a:prstGeom prst="line">
+              <a:avLst/>
+            </a:prstGeom>
+            <a:ln w="15875">
+              <a:solidFill>
+                <a:schemeClr val="tx1"/>
+              </a:solidFill>
+            </a:ln>
+          </p:spPr>
+          <p:style>
+            <a:lnRef idx="1">
+              <a:schemeClr val="accent1"/>
+            </a:lnRef>
+            <a:fillRef idx="0">
+              <a:schemeClr val="accent1"/>
+            </a:fillRef>
+            <a:effectRef idx="0">
+              <a:schemeClr val="accent1"/>
+            </a:effectRef>
+            <a:fontRef idx="minor">
+              <a:schemeClr val="tx1"/>
+            </a:fontRef>
+          </p:style>
+        </p:cxnSp>
+        <p:cxnSp>
+          <p:nvCxnSpPr>
+            <p:cNvPr id="131" name="直接连接符 130">
+              <a:extLst>
+                <a:ext uri="{FF2B5EF4-FFF2-40B4-BE49-F238E27FC236}">
+                  <a16:creationId xmlns:a16="http://schemas.microsoft.com/office/drawing/2014/main" id="{E5346DF6-6FDD-4D62-9D9D-F9942DDC1EC4}"/>
+                </a:ext>
+              </a:extLst>
+            </p:cNvPr>
+            <p:cNvCxnSpPr>
+              <a:cxnSpLocks/>
+            </p:cNvCxnSpPr>
+            <p:nvPr/>
+          </p:nvCxnSpPr>
+          <p:spPr>
+            <a:xfrm rot="21563125" flipV="1">
+              <a:off x="9061937" y="3766906"/>
+              <a:ext cx="0" cy="45719"/>
+            </a:xfrm>
+            <a:prstGeom prst="line">
+              <a:avLst/>
+            </a:prstGeom>
+            <a:ln w="15875">
+              <a:solidFill>
+                <a:schemeClr val="tx1"/>
+              </a:solidFill>
+            </a:ln>
+          </p:spPr>
+          <p:style>
+            <a:lnRef idx="1">
+              <a:schemeClr val="accent1"/>
+            </a:lnRef>
+            <a:fillRef idx="0">
+              <a:schemeClr val="accent1"/>
+            </a:fillRef>
+            <a:effectRef idx="0">
+              <a:schemeClr val="accent1"/>
+            </a:effectRef>
+            <a:fontRef idx="minor">
+              <a:schemeClr val="tx1"/>
+            </a:fontRef>
+          </p:style>
+        </p:cxnSp>
+        <p:cxnSp>
+          <p:nvCxnSpPr>
+            <p:cNvPr id="132" name="直接连接符 131">
+              <a:extLst>
+                <a:ext uri="{FF2B5EF4-FFF2-40B4-BE49-F238E27FC236}">
+                  <a16:creationId xmlns:a16="http://schemas.microsoft.com/office/drawing/2014/main" id="{98B5870D-F2E3-4F4E-B9F9-930DC1567B82}"/>
+                </a:ext>
+              </a:extLst>
+            </p:cNvPr>
+            <p:cNvCxnSpPr>
+              <a:cxnSpLocks/>
+            </p:cNvCxnSpPr>
+            <p:nvPr/>
+          </p:nvCxnSpPr>
+          <p:spPr>
+            <a:xfrm rot="21563125" flipV="1">
+              <a:off x="9160615" y="3765847"/>
+              <a:ext cx="0" cy="45719"/>
+            </a:xfrm>
+            <a:prstGeom prst="line">
+              <a:avLst/>
+            </a:prstGeom>
+            <a:ln w="15875">
+              <a:solidFill>
+                <a:schemeClr val="tx1"/>
+              </a:solidFill>
+            </a:ln>
+          </p:spPr>
+          <p:style>
+            <a:lnRef idx="1">
+              <a:schemeClr val="accent1"/>
+            </a:lnRef>
+            <a:fillRef idx="0">
+              <a:schemeClr val="accent1"/>
+            </a:fillRef>
+            <a:effectRef idx="0">
+              <a:schemeClr val="accent1"/>
+            </a:effectRef>
+            <a:fontRef idx="minor">
+              <a:schemeClr val="tx1"/>
+            </a:fontRef>
+          </p:style>
+        </p:cxnSp>
+        <p:cxnSp>
+          <p:nvCxnSpPr>
+            <p:cNvPr id="133" name="直接连接符 132">
+              <a:extLst>
+                <a:ext uri="{FF2B5EF4-FFF2-40B4-BE49-F238E27FC236}">
+                  <a16:creationId xmlns:a16="http://schemas.microsoft.com/office/drawing/2014/main" id="{394F85E8-3AB8-457B-AA37-A8E8172BF476}"/>
+                </a:ext>
+              </a:extLst>
+            </p:cNvPr>
+            <p:cNvCxnSpPr>
+              <a:cxnSpLocks/>
+            </p:cNvCxnSpPr>
+            <p:nvPr/>
+          </p:nvCxnSpPr>
+          <p:spPr>
+            <a:xfrm rot="21563125" flipV="1">
+              <a:off x="9259294" y="3764789"/>
+              <a:ext cx="0" cy="45719"/>
+            </a:xfrm>
+            <a:prstGeom prst="line">
+              <a:avLst/>
+            </a:prstGeom>
+            <a:ln w="15875">
+              <a:solidFill>
+                <a:schemeClr val="tx1"/>
+              </a:solidFill>
+            </a:ln>
+          </p:spPr>
+          <p:style>
+            <a:lnRef idx="1">
+              <a:schemeClr val="accent1"/>
+            </a:lnRef>
+            <a:fillRef idx="0">
+              <a:schemeClr val="accent1"/>
+            </a:fillRef>
+            <a:effectRef idx="0">
+              <a:schemeClr val="accent1"/>
+            </a:effectRef>
+            <a:fontRef idx="minor">
+              <a:schemeClr val="tx1"/>
+            </a:fontRef>
+          </p:style>
+        </p:cxnSp>
+      </p:grpSp>
+    </p:spTree>
+    <p:extLst>
+      <p:ext uri="{BB962C8B-B14F-4D97-AF65-F5344CB8AC3E}">
+        <p14:creationId xmlns:p14="http://schemas.microsoft.com/office/powerpoint/2010/main" val="551038706"/>
+      </p:ext>
+    </p:extLst>
+  </p:cSld>
+  <p:clrMapOvr>
+    <a:masterClrMapping/>
+  </p:clrMapOvr>
+</p:sld>
+</file>
+
 <file path=ppt/theme/theme1.xml><?xml version="1.0" encoding="utf-8"?>
 <a:theme xmlns:a="http://schemas.openxmlformats.org/drawingml/2006/main" name="Office 主题​​">
   <a:themeElements>

--- a/文档/各种图.pptx
+++ b/文档/各种图.pptx
@@ -7,6 +7,7 @@
   <p:sldIdLst>
     <p:sldId id="256" r:id="rId2"/>
     <p:sldId id="257" r:id="rId3"/>
+    <p:sldId id="258" r:id="rId4"/>
   </p:sldIdLst>
   <p:sldSz cx="12192000" cy="6858000"/>
   <p:notesSz cx="6858000" cy="9144000"/>
@@ -118,18 +119,50 @@
   <pc:docChgLst>
     <pc:chgData name="王 家才" userId="863c4bbfb9f47078" providerId="LiveId" clId="{3EB35533-EDE6-4421-9AB6-CD29FFE35FE3}"/>
     <pc:docChg chg="undo custSel addSld modSld">
-      <pc:chgData name="王 家才" userId="863c4bbfb9f47078" providerId="LiveId" clId="{3EB35533-EDE6-4421-9AB6-CD29FFE35FE3}" dt="2019-05-30T07:16:45.271" v="278" actId="478"/>
+      <pc:chgData name="王 家才" userId="863c4bbfb9f47078" providerId="LiveId" clId="{3EB35533-EDE6-4421-9AB6-CD29FFE35FE3}" dt="2019-05-31T06:42:28.580" v="591" actId="164"/>
       <pc:docMkLst>
         <pc:docMk/>
       </pc:docMkLst>
       <pc:sldChg chg="addSp modSp">
-        <pc:chgData name="王 家才" userId="863c4bbfb9f47078" providerId="LiveId" clId="{3EB35533-EDE6-4421-9AB6-CD29FFE35FE3}" dt="2019-05-29T08:14:25.834" v="31" actId="1076"/>
+        <pc:chgData name="王 家才" userId="863c4bbfb9f47078" providerId="LiveId" clId="{3EB35533-EDE6-4421-9AB6-CD29FFE35FE3}" dt="2019-05-31T06:15:33.869" v="519" actId="164"/>
         <pc:sldMkLst>
           <pc:docMk/>
           <pc:sldMk cId="1663696670" sldId="256"/>
         </pc:sldMkLst>
+        <pc:spChg chg="mod">
+          <ac:chgData name="王 家才" userId="863c4bbfb9f47078" providerId="LiveId" clId="{3EB35533-EDE6-4421-9AB6-CD29FFE35FE3}" dt="2019-05-31T06:15:33.869" v="519" actId="164"/>
+          <ac:spMkLst>
+            <pc:docMk/>
+            <pc:sldMk cId="1663696670" sldId="256"/>
+            <ac:spMk id="10" creationId="{B3656AAF-163D-4492-9F22-388864A91B60}"/>
+          </ac:spMkLst>
+        </pc:spChg>
+        <pc:spChg chg="mod">
+          <ac:chgData name="王 家才" userId="863c4bbfb9f47078" providerId="LiveId" clId="{3EB35533-EDE6-4421-9AB6-CD29FFE35FE3}" dt="2019-05-31T06:15:33.869" v="519" actId="164"/>
+          <ac:spMkLst>
+            <pc:docMk/>
+            <pc:sldMk cId="1663696670" sldId="256"/>
+            <ac:spMk id="21" creationId="{4473194B-DA25-44D3-A7A7-2CD555C7C37F}"/>
+          </ac:spMkLst>
+        </pc:spChg>
+        <pc:spChg chg="mod">
+          <ac:chgData name="王 家才" userId="863c4bbfb9f47078" providerId="LiveId" clId="{3EB35533-EDE6-4421-9AB6-CD29FFE35FE3}" dt="2019-05-31T06:15:33.869" v="519" actId="164"/>
+          <ac:spMkLst>
+            <pc:docMk/>
+            <pc:sldMk cId="1663696670" sldId="256"/>
+            <ac:spMk id="22" creationId="{586BB84E-F2AE-4655-BCAD-03EAD05CB844}"/>
+          </ac:spMkLst>
+        </pc:spChg>
+        <pc:spChg chg="mod">
+          <ac:chgData name="王 家才" userId="863c4bbfb9f47078" providerId="LiveId" clId="{3EB35533-EDE6-4421-9AB6-CD29FFE35FE3}" dt="2019-05-31T06:15:33.869" v="519" actId="164"/>
+          <ac:spMkLst>
+            <pc:docMk/>
+            <pc:sldMk cId="1663696670" sldId="256"/>
+            <ac:spMk id="23" creationId="{5A80E5E3-31C2-4C80-BBB4-33D6C7631ED7}"/>
+          </ac:spMkLst>
+        </pc:spChg>
         <pc:spChg chg="add mod">
-          <ac:chgData name="王 家才" userId="863c4bbfb9f47078" providerId="LiveId" clId="{3EB35533-EDE6-4421-9AB6-CD29FFE35FE3}" dt="2019-05-29T08:11:55.169" v="5" actId="1076"/>
+          <ac:chgData name="王 家才" userId="863c4bbfb9f47078" providerId="LiveId" clId="{3EB35533-EDE6-4421-9AB6-CD29FFE35FE3}" dt="2019-05-31T06:15:33.869" v="519" actId="164"/>
           <ac:spMkLst>
             <pc:docMk/>
             <pc:sldMk cId="1663696670" sldId="256"/>
@@ -137,7 +170,7 @@
           </ac:spMkLst>
         </pc:spChg>
         <pc:spChg chg="add mod">
-          <ac:chgData name="王 家才" userId="863c4bbfb9f47078" providerId="LiveId" clId="{3EB35533-EDE6-4421-9AB6-CD29FFE35FE3}" dt="2019-05-29T08:13:50.650" v="25" actId="1076"/>
+          <ac:chgData name="王 家才" userId="863c4bbfb9f47078" providerId="LiveId" clId="{3EB35533-EDE6-4421-9AB6-CD29FFE35FE3}" dt="2019-05-31T06:15:33.869" v="519" actId="164"/>
           <ac:spMkLst>
             <pc:docMk/>
             <pc:sldMk cId="1663696670" sldId="256"/>
@@ -145,15 +178,55 @@
           </ac:spMkLst>
         </pc:spChg>
         <pc:spChg chg="add mod">
-          <ac:chgData name="王 家才" userId="863c4bbfb9f47078" providerId="LiveId" clId="{3EB35533-EDE6-4421-9AB6-CD29FFE35FE3}" dt="2019-05-29T08:14:25.834" v="31" actId="1076"/>
+          <ac:chgData name="王 家才" userId="863c4bbfb9f47078" providerId="LiveId" clId="{3EB35533-EDE6-4421-9AB6-CD29FFE35FE3}" dt="2019-05-31T06:15:33.869" v="519" actId="164"/>
           <ac:spMkLst>
             <pc:docMk/>
             <pc:sldMk cId="1663696670" sldId="256"/>
             <ac:spMk id="29" creationId="{769B5860-93C7-4B10-93E7-7B74BE3A88A0}"/>
           </ac:spMkLst>
         </pc:spChg>
+        <pc:grpChg chg="add mod">
+          <ac:chgData name="王 家才" userId="863c4bbfb9f47078" providerId="LiveId" clId="{3EB35533-EDE6-4421-9AB6-CD29FFE35FE3}" dt="2019-05-31T06:15:33.869" v="519" actId="164"/>
+          <ac:grpSpMkLst>
+            <pc:docMk/>
+            <pc:sldMk cId="1663696670" sldId="256"/>
+            <ac:grpSpMk id="2" creationId="{15AB173C-7FA5-4680-87F4-FF919C257F19}"/>
+          </ac:grpSpMkLst>
+        </pc:grpChg>
+        <pc:grpChg chg="mod">
+          <ac:chgData name="王 家才" userId="863c4bbfb9f47078" providerId="LiveId" clId="{3EB35533-EDE6-4421-9AB6-CD29FFE35FE3}" dt="2019-05-31T06:15:33.869" v="519" actId="164"/>
+          <ac:grpSpMkLst>
+            <pc:docMk/>
+            <pc:sldMk cId="1663696670" sldId="256"/>
+            <ac:grpSpMk id="11" creationId="{FBC5E1A2-831F-40DC-B579-249AE8729806}"/>
+          </ac:grpSpMkLst>
+        </pc:grpChg>
+        <pc:grpChg chg="mod">
+          <ac:chgData name="王 家才" userId="863c4bbfb9f47078" providerId="LiveId" clId="{3EB35533-EDE6-4421-9AB6-CD29FFE35FE3}" dt="2019-05-31T06:15:33.869" v="519" actId="164"/>
+          <ac:grpSpMkLst>
+            <pc:docMk/>
+            <pc:sldMk cId="1663696670" sldId="256"/>
+            <ac:grpSpMk id="18" creationId="{E45BC070-3A03-4209-A64F-9518A4187B6F}"/>
+          </ac:grpSpMkLst>
+        </pc:grpChg>
+        <pc:cxnChg chg="mod">
+          <ac:chgData name="王 家才" userId="863c4bbfb9f47078" providerId="LiveId" clId="{3EB35533-EDE6-4421-9AB6-CD29FFE35FE3}" dt="2019-05-31T06:15:33.869" v="519" actId="164"/>
+          <ac:cxnSpMkLst>
+            <pc:docMk/>
+            <pc:sldMk cId="1663696670" sldId="256"/>
+            <ac:cxnSpMk id="14" creationId="{1A710B99-4100-43E0-84D3-A21017E47AAD}"/>
+          </ac:cxnSpMkLst>
+        </pc:cxnChg>
+        <pc:cxnChg chg="mod">
+          <ac:chgData name="王 家才" userId="863c4bbfb9f47078" providerId="LiveId" clId="{3EB35533-EDE6-4421-9AB6-CD29FFE35FE3}" dt="2019-05-31T06:15:33.869" v="519" actId="164"/>
+          <ac:cxnSpMkLst>
+            <pc:docMk/>
+            <pc:sldMk cId="1663696670" sldId="256"/>
+            <ac:cxnSpMk id="15" creationId="{2CAA4937-5401-4B4B-952E-7B761D04C1D1}"/>
+          </ac:cxnSpMkLst>
+        </pc:cxnChg>
         <pc:cxnChg chg="add mod">
-          <ac:chgData name="王 家才" userId="863c4bbfb9f47078" providerId="LiveId" clId="{3EB35533-EDE6-4421-9AB6-CD29FFE35FE3}" dt="2019-05-29T08:13:30.117" v="24" actId="14100"/>
+          <ac:chgData name="王 家才" userId="863c4bbfb9f47078" providerId="LiveId" clId="{3EB35533-EDE6-4421-9AB6-CD29FFE35FE3}" dt="2019-05-31T06:15:33.869" v="519" actId="164"/>
           <ac:cxnSpMkLst>
             <pc:docMk/>
             <pc:sldMk cId="1663696670" sldId="256"/>
@@ -162,7 +235,7 @@
         </pc:cxnChg>
       </pc:sldChg>
       <pc:sldChg chg="addSp delSp modSp add">
-        <pc:chgData name="王 家才" userId="863c4bbfb9f47078" providerId="LiveId" clId="{3EB35533-EDE6-4421-9AB6-CD29FFE35FE3}" dt="2019-05-30T07:16:45.271" v="278" actId="478"/>
+        <pc:chgData name="王 家才" userId="863c4bbfb9f47078" providerId="LiveId" clId="{3EB35533-EDE6-4421-9AB6-CD29FFE35FE3}" dt="2019-05-31T06:15:30.547" v="518" actId="164"/>
         <pc:sldMkLst>
           <pc:docMk/>
           <pc:sldMk cId="551038706" sldId="257"/>
@@ -184,7 +257,7 @@
           </ac:spMkLst>
         </pc:spChg>
         <pc:spChg chg="add mod">
-          <ac:chgData name="王 家才" userId="863c4bbfb9f47078" providerId="LiveId" clId="{3EB35533-EDE6-4421-9AB6-CD29FFE35FE3}" dt="2019-05-30T06:52:01.274" v="151" actId="692"/>
+          <ac:chgData name="王 家才" userId="863c4bbfb9f47078" providerId="LiveId" clId="{3EB35533-EDE6-4421-9AB6-CD29FFE35FE3}" dt="2019-05-31T06:15:30.547" v="518" actId="164"/>
           <ac:spMkLst>
             <pc:docMk/>
             <pc:sldMk cId="551038706" sldId="257"/>
@@ -192,7 +265,7 @@
           </ac:spMkLst>
         </pc:spChg>
         <pc:spChg chg="add mod">
-          <ac:chgData name="王 家才" userId="863c4bbfb9f47078" providerId="LiveId" clId="{3EB35533-EDE6-4421-9AB6-CD29FFE35FE3}" dt="2019-05-30T06:50:49.444" v="142" actId="1076"/>
+          <ac:chgData name="王 家才" userId="863c4bbfb9f47078" providerId="LiveId" clId="{3EB35533-EDE6-4421-9AB6-CD29FFE35FE3}" dt="2019-05-31T06:15:30.547" v="518" actId="164"/>
           <ac:spMkLst>
             <pc:docMk/>
             <pc:sldMk cId="551038706" sldId="257"/>
@@ -200,7 +273,7 @@
           </ac:spMkLst>
         </pc:spChg>
         <pc:spChg chg="add mod">
-          <ac:chgData name="王 家才" userId="863c4bbfb9f47078" providerId="LiveId" clId="{3EB35533-EDE6-4421-9AB6-CD29FFE35FE3}" dt="2019-05-30T06:50:53.330" v="143" actId="1076"/>
+          <ac:chgData name="王 家才" userId="863c4bbfb9f47078" providerId="LiveId" clId="{3EB35533-EDE6-4421-9AB6-CD29FFE35FE3}" dt="2019-05-31T06:15:30.547" v="518" actId="164"/>
           <ac:spMkLst>
             <pc:docMk/>
             <pc:sldMk cId="551038706" sldId="257"/>
@@ -208,7 +281,7 @@
           </ac:spMkLst>
         </pc:spChg>
         <pc:spChg chg="add mod">
-          <ac:chgData name="王 家才" userId="863c4bbfb9f47078" providerId="LiveId" clId="{3EB35533-EDE6-4421-9AB6-CD29FFE35FE3}" dt="2019-05-30T06:52:20.502" v="182"/>
+          <ac:chgData name="王 家才" userId="863c4bbfb9f47078" providerId="LiveId" clId="{3EB35533-EDE6-4421-9AB6-CD29FFE35FE3}" dt="2019-05-31T06:15:30.547" v="518" actId="164"/>
           <ac:spMkLst>
             <pc:docMk/>
             <pc:sldMk cId="551038706" sldId="257"/>
@@ -240,7 +313,7 @@
           </ac:spMkLst>
         </pc:spChg>
         <pc:spChg chg="add mod">
-          <ac:chgData name="王 家才" userId="863c4bbfb9f47078" providerId="LiveId" clId="{3EB35533-EDE6-4421-9AB6-CD29FFE35FE3}" dt="2019-05-30T06:54:50.600" v="201" actId="1076"/>
+          <ac:chgData name="王 家才" userId="863c4bbfb9f47078" providerId="LiveId" clId="{3EB35533-EDE6-4421-9AB6-CD29FFE35FE3}" dt="2019-05-31T06:15:30.547" v="518" actId="164"/>
           <ac:spMkLst>
             <pc:docMk/>
             <pc:sldMk cId="551038706" sldId="257"/>
@@ -248,7 +321,7 @@
           </ac:spMkLst>
         </pc:spChg>
         <pc:spChg chg="add mod">
-          <ac:chgData name="王 家才" userId="863c4bbfb9f47078" providerId="LiveId" clId="{3EB35533-EDE6-4421-9AB6-CD29FFE35FE3}" dt="2019-05-30T06:54:54.193" v="202" actId="1076"/>
+          <ac:chgData name="王 家才" userId="863c4bbfb9f47078" providerId="LiveId" clId="{3EB35533-EDE6-4421-9AB6-CD29FFE35FE3}" dt="2019-05-31T06:15:30.547" v="518" actId="164"/>
           <ac:spMkLst>
             <pc:docMk/>
             <pc:sldMk cId="551038706" sldId="257"/>
@@ -256,7 +329,7 @@
           </ac:spMkLst>
         </pc:spChg>
         <pc:spChg chg="add mod">
-          <ac:chgData name="王 家才" userId="863c4bbfb9f47078" providerId="LiveId" clId="{3EB35533-EDE6-4421-9AB6-CD29FFE35FE3}" dt="2019-05-30T07:01:46.685" v="230" actId="1582"/>
+          <ac:chgData name="王 家才" userId="863c4bbfb9f47078" providerId="LiveId" clId="{3EB35533-EDE6-4421-9AB6-CD29FFE35FE3}" dt="2019-05-31T06:15:30.547" v="518" actId="164"/>
           <ac:spMkLst>
             <pc:docMk/>
             <pc:sldMk cId="551038706" sldId="257"/>
@@ -264,13 +337,21 @@
           </ac:spMkLst>
         </pc:spChg>
         <pc:spChg chg="add mod">
-          <ac:chgData name="王 家才" userId="863c4bbfb9f47078" providerId="LiveId" clId="{3EB35533-EDE6-4421-9AB6-CD29FFE35FE3}" dt="2019-05-30T07:01:01.119" v="228" actId="1076"/>
+          <ac:chgData name="王 家才" userId="863c4bbfb9f47078" providerId="LiveId" clId="{3EB35533-EDE6-4421-9AB6-CD29FFE35FE3}" dt="2019-05-31T06:15:30.547" v="518" actId="164"/>
           <ac:spMkLst>
             <pc:docMk/>
             <pc:sldMk cId="551038706" sldId="257"/>
             <ac:spMk id="110" creationId="{D87012FD-8130-4AE3-97CC-00C2C3A0E473}"/>
           </ac:spMkLst>
         </pc:spChg>
+        <pc:grpChg chg="add mod">
+          <ac:chgData name="王 家才" userId="863c4bbfb9f47078" providerId="LiveId" clId="{3EB35533-EDE6-4421-9AB6-CD29FFE35FE3}" dt="2019-05-31T06:15:30.547" v="518" actId="164"/>
+          <ac:grpSpMkLst>
+            <pc:docMk/>
+            <pc:sldMk cId="551038706" sldId="257"/>
+            <ac:grpSpMk id="2" creationId="{4CF713C5-0AF0-42C9-8753-15AC453ABD90}"/>
+          </ac:grpSpMkLst>
+        </pc:grpChg>
         <pc:grpChg chg="add mod">
           <ac:chgData name="王 家才" userId="863c4bbfb9f47078" providerId="LiveId" clId="{3EB35533-EDE6-4421-9AB6-CD29FFE35FE3}" dt="2019-05-30T06:48:37.240" v="116" actId="164"/>
           <ac:grpSpMkLst>
@@ -312,7 +393,7 @@
           </ac:grpSpMkLst>
         </pc:grpChg>
         <pc:grpChg chg="add mod">
-          <ac:chgData name="王 家才" userId="863c4bbfb9f47078" providerId="LiveId" clId="{3EB35533-EDE6-4421-9AB6-CD29FFE35FE3}" dt="2019-05-30T06:56:30.424" v="206" actId="1076"/>
+          <ac:chgData name="王 家才" userId="863c4bbfb9f47078" providerId="LiveId" clId="{3EB35533-EDE6-4421-9AB6-CD29FFE35FE3}" dt="2019-05-31T06:15:30.547" v="518" actId="164"/>
           <ac:grpSpMkLst>
             <pc:docMk/>
             <pc:sldMk cId="551038706" sldId="257"/>
@@ -320,7 +401,7 @@
           </ac:grpSpMkLst>
         </pc:grpChg>
         <pc:grpChg chg="add mod">
-          <ac:chgData name="王 家才" userId="863c4bbfb9f47078" providerId="LiveId" clId="{3EB35533-EDE6-4421-9AB6-CD29FFE35FE3}" dt="2019-05-30T06:50:20.136" v="137" actId="1076"/>
+          <ac:chgData name="王 家才" userId="863c4bbfb9f47078" providerId="LiveId" clId="{3EB35533-EDE6-4421-9AB6-CD29FFE35FE3}" dt="2019-05-31T06:15:30.547" v="518" actId="164"/>
           <ac:grpSpMkLst>
             <pc:docMk/>
             <pc:sldMk cId="551038706" sldId="257"/>
@@ -344,7 +425,7 @@
           </ac:grpSpMkLst>
         </pc:grpChg>
         <pc:grpChg chg="add mod">
-          <ac:chgData name="王 家才" userId="863c4bbfb9f47078" providerId="LiveId" clId="{3EB35533-EDE6-4421-9AB6-CD29FFE35FE3}" dt="2019-05-30T07:05:48.141" v="277" actId="14100"/>
+          <ac:chgData name="王 家才" userId="863c4bbfb9f47078" providerId="LiveId" clId="{3EB35533-EDE6-4421-9AB6-CD29FFE35FE3}" dt="2019-05-31T06:15:30.547" v="518" actId="164"/>
           <ac:grpSpMkLst>
             <pc:docMk/>
             <pc:sldMk cId="551038706" sldId="257"/>
@@ -352,7 +433,7 @@
           </ac:grpSpMkLst>
         </pc:grpChg>
         <pc:cxnChg chg="add mod">
-          <ac:chgData name="王 家才" userId="863c4bbfb9f47078" providerId="LiveId" clId="{3EB35533-EDE6-4421-9AB6-CD29FFE35FE3}" dt="2019-05-30T07:02:40.478" v="232" actId="692"/>
+          <ac:chgData name="王 家才" userId="863c4bbfb9f47078" providerId="LiveId" clId="{3EB35533-EDE6-4421-9AB6-CD29FFE35FE3}" dt="2019-05-31T06:15:30.547" v="518" actId="164"/>
           <ac:cxnSpMkLst>
             <pc:docMk/>
             <pc:sldMk cId="551038706" sldId="257"/>
@@ -360,7 +441,7 @@
           </ac:cxnSpMkLst>
         </pc:cxnChg>
         <pc:cxnChg chg="add mod">
-          <ac:chgData name="王 家才" userId="863c4bbfb9f47078" providerId="LiveId" clId="{3EB35533-EDE6-4421-9AB6-CD29FFE35FE3}" dt="2019-05-30T06:56:23.605" v="204" actId="14100"/>
+          <ac:chgData name="王 家才" userId="863c4bbfb9f47078" providerId="LiveId" clId="{3EB35533-EDE6-4421-9AB6-CD29FFE35FE3}" dt="2019-05-31T06:15:30.547" v="518" actId="164"/>
           <ac:cxnSpMkLst>
             <pc:docMk/>
             <pc:sldMk cId="551038706" sldId="257"/>
@@ -776,7 +857,7 @@
           </ac:cxnSpMkLst>
         </pc:cxnChg>
         <pc:cxnChg chg="add mod">
-          <ac:chgData name="王 家才" userId="863c4bbfb9f47078" providerId="LiveId" clId="{3EB35533-EDE6-4421-9AB6-CD29FFE35FE3}" dt="2019-05-30T06:59:05.527" v="220" actId="1582"/>
+          <ac:chgData name="王 家才" userId="863c4bbfb9f47078" providerId="LiveId" clId="{3EB35533-EDE6-4421-9AB6-CD29FFE35FE3}" dt="2019-05-31T06:15:30.547" v="518" actId="164"/>
           <ac:cxnSpMkLst>
             <pc:docMk/>
             <pc:sldMk cId="551038706" sldId="257"/>
@@ -1165,6 +1246,405 @@
             <pc:docMk/>
             <pc:sldMk cId="551038706" sldId="257"/>
             <ac:cxnSpMk id="161" creationId="{D1D07B30-AD9A-4DE0-99EC-544710AC47E9}"/>
+          </ac:cxnSpMkLst>
+        </pc:cxnChg>
+      </pc:sldChg>
+      <pc:sldChg chg="addSp delSp modSp add">
+        <pc:chgData name="王 家才" userId="863c4bbfb9f47078" providerId="LiveId" clId="{3EB35533-EDE6-4421-9AB6-CD29FFE35FE3}" dt="2019-05-31T06:42:28.580" v="591" actId="164"/>
+        <pc:sldMkLst>
+          <pc:docMk/>
+          <pc:sldMk cId="219919632" sldId="258"/>
+        </pc:sldMkLst>
+        <pc:spChg chg="del">
+          <ac:chgData name="王 家才" userId="863c4bbfb9f47078" providerId="LiveId" clId="{3EB35533-EDE6-4421-9AB6-CD29FFE35FE3}" dt="2019-05-31T05:50:09.728" v="281" actId="478"/>
+          <ac:spMkLst>
+            <pc:docMk/>
+            <pc:sldMk cId="219919632" sldId="258"/>
+            <ac:spMk id="7" creationId="{77C492CA-7EB5-4B6F-95A5-58913282C951}"/>
+          </ac:spMkLst>
+        </pc:spChg>
+        <pc:spChg chg="del">
+          <ac:chgData name="王 家才" userId="863c4bbfb9f47078" providerId="LiveId" clId="{3EB35533-EDE6-4421-9AB6-CD29FFE35FE3}" dt="2019-05-31T05:49:58.656" v="280" actId="478"/>
+          <ac:spMkLst>
+            <pc:docMk/>
+            <pc:sldMk cId="219919632" sldId="258"/>
+            <ac:spMk id="13" creationId="{2E90D0BA-AC9D-431A-B2C0-31ABB595DA59}"/>
+          </ac:spMkLst>
+        </pc:spChg>
+        <pc:spChg chg="del">
+          <ac:chgData name="王 家才" userId="863c4bbfb9f47078" providerId="LiveId" clId="{3EB35533-EDE6-4421-9AB6-CD29FFE35FE3}" dt="2019-05-31T05:49:58.656" v="280" actId="478"/>
+          <ac:spMkLst>
+            <pc:docMk/>
+            <pc:sldMk cId="219919632" sldId="258"/>
+            <ac:spMk id="14" creationId="{13AE3B4F-3A9A-4001-BBFE-3E79C6EF4CA8}"/>
+          </ac:spMkLst>
+        </pc:spChg>
+        <pc:spChg chg="del">
+          <ac:chgData name="王 家才" userId="863c4bbfb9f47078" providerId="LiveId" clId="{3EB35533-EDE6-4421-9AB6-CD29FFE35FE3}" dt="2019-05-31T05:50:09.728" v="281" actId="478"/>
+          <ac:spMkLst>
+            <pc:docMk/>
+            <pc:sldMk cId="219919632" sldId="258"/>
+            <ac:spMk id="15" creationId="{C4D74B47-C864-45C7-8011-E528B3D628B4}"/>
+          </ac:spMkLst>
+        </pc:spChg>
+        <pc:spChg chg="add del mod">
+          <ac:chgData name="王 家才" userId="863c4bbfb9f47078" providerId="LiveId" clId="{3EB35533-EDE6-4421-9AB6-CD29FFE35FE3}" dt="2019-05-31T05:56:20.297" v="324" actId="164"/>
+          <ac:spMkLst>
+            <pc:docMk/>
+            <pc:sldMk cId="219919632" sldId="258"/>
+            <ac:spMk id="23" creationId="{01FA4BCE-B5C3-4137-86E1-CF1D121CDDA7}"/>
+          </ac:spMkLst>
+        </pc:spChg>
+        <pc:spChg chg="add del mod">
+          <ac:chgData name="王 家才" userId="863c4bbfb9f47078" providerId="LiveId" clId="{3EB35533-EDE6-4421-9AB6-CD29FFE35FE3}" dt="2019-05-31T05:54:18.453" v="318" actId="11529"/>
+          <ac:spMkLst>
+            <pc:docMk/>
+            <pc:sldMk cId="219919632" sldId="258"/>
+            <ac:spMk id="24" creationId="{239E1808-87ED-4909-A993-5F48879FD293}"/>
+          </ac:spMkLst>
+        </pc:spChg>
+        <pc:spChg chg="add mod topLvl">
+          <ac:chgData name="王 家才" userId="863c4bbfb9f47078" providerId="LiveId" clId="{3EB35533-EDE6-4421-9AB6-CD29FFE35FE3}" dt="2019-05-31T06:40:44.504" v="566" actId="14100"/>
+          <ac:spMkLst>
+            <pc:docMk/>
+            <pc:sldMk cId="219919632" sldId="258"/>
+            <ac:spMk id="27" creationId="{C0DC3415-C0A1-406F-9957-D4818583EAAB}"/>
+          </ac:spMkLst>
+        </pc:spChg>
+        <pc:spChg chg="add mod topLvl">
+          <ac:chgData name="王 家才" userId="863c4bbfb9f47078" providerId="LiveId" clId="{3EB35533-EDE6-4421-9AB6-CD29FFE35FE3}" dt="2019-05-31T06:23:36.821" v="556" actId="164"/>
+          <ac:spMkLst>
+            <pc:docMk/>
+            <pc:sldMk cId="219919632" sldId="258"/>
+            <ac:spMk id="28" creationId="{E6FAA64D-D311-4327-AE9B-1BDB11CEAEEE}"/>
+          </ac:spMkLst>
+        </pc:spChg>
+        <pc:spChg chg="add mod">
+          <ac:chgData name="王 家才" userId="863c4bbfb9f47078" providerId="LiveId" clId="{3EB35533-EDE6-4421-9AB6-CD29FFE35FE3}" dt="2019-05-31T06:42:15.419" v="589" actId="1076"/>
+          <ac:spMkLst>
+            <pc:docMk/>
+            <pc:sldMk cId="219919632" sldId="258"/>
+            <ac:spMk id="34" creationId="{0BB38539-625A-4E24-8C90-8DA3FFF40E8E}"/>
+          </ac:spMkLst>
+        </pc:spChg>
+        <pc:spChg chg="add mod topLvl">
+          <ac:chgData name="王 家才" userId="863c4bbfb9f47078" providerId="LiveId" clId="{3EB35533-EDE6-4421-9AB6-CD29FFE35FE3}" dt="2019-05-31T06:23:36.821" v="556" actId="164"/>
+          <ac:spMkLst>
+            <pc:docMk/>
+            <pc:sldMk cId="219919632" sldId="258"/>
+            <ac:spMk id="96" creationId="{555DCB61-5219-47A4-9E44-2000D93A255D}"/>
+          </ac:spMkLst>
+        </pc:spChg>
+        <pc:spChg chg="del">
+          <ac:chgData name="王 家才" userId="863c4bbfb9f47078" providerId="LiveId" clId="{3EB35533-EDE6-4421-9AB6-CD29FFE35FE3}" dt="2019-05-31T05:50:40.388" v="289" actId="478"/>
+          <ac:spMkLst>
+            <pc:docMk/>
+            <pc:sldMk cId="219919632" sldId="258"/>
+            <ac:spMk id="101" creationId="{D96419EF-6C63-4ECD-8142-475EFBE6E9D9}"/>
+          </ac:spMkLst>
+        </pc:spChg>
+        <pc:spChg chg="del">
+          <ac:chgData name="王 家才" userId="863c4bbfb9f47078" providerId="LiveId" clId="{3EB35533-EDE6-4421-9AB6-CD29FFE35FE3}" dt="2019-05-31T05:50:40.388" v="289" actId="478"/>
+          <ac:spMkLst>
+            <pc:docMk/>
+            <pc:sldMk cId="219919632" sldId="258"/>
+            <ac:spMk id="102" creationId="{01823FE9-62C8-40EB-9A70-2A0F38573982}"/>
+          </ac:spMkLst>
+        </pc:spChg>
+        <pc:spChg chg="add mod topLvl">
+          <ac:chgData name="王 家才" userId="863c4bbfb9f47078" providerId="LiveId" clId="{3EB35533-EDE6-4421-9AB6-CD29FFE35FE3}" dt="2019-05-31T06:23:36.821" v="556" actId="164"/>
+          <ac:spMkLst>
+            <pc:docMk/>
+            <pc:sldMk cId="219919632" sldId="258"/>
+            <ac:spMk id="103" creationId="{72D7828F-9281-4E68-AC92-7F8E1BA24EF0}"/>
+          </ac:spMkLst>
+        </pc:spChg>
+        <pc:spChg chg="add mod topLvl">
+          <ac:chgData name="王 家才" userId="863c4bbfb9f47078" providerId="LiveId" clId="{3EB35533-EDE6-4421-9AB6-CD29FFE35FE3}" dt="2019-05-31T06:23:36.821" v="556" actId="164"/>
+          <ac:spMkLst>
+            <pc:docMk/>
+            <pc:sldMk cId="219919632" sldId="258"/>
+            <ac:spMk id="105" creationId="{936D3D60-8932-44E8-95D8-DDD590BA743A}"/>
+          </ac:spMkLst>
+        </pc:spChg>
+        <pc:spChg chg="add mod topLvl">
+          <ac:chgData name="王 家才" userId="863c4bbfb9f47078" providerId="LiveId" clId="{3EB35533-EDE6-4421-9AB6-CD29FFE35FE3}" dt="2019-05-31T06:23:36.821" v="556" actId="164"/>
+          <ac:spMkLst>
+            <pc:docMk/>
+            <pc:sldMk cId="219919632" sldId="258"/>
+            <ac:spMk id="106" creationId="{B48F3D5C-BB99-47EA-931D-1A452B6F68C2}"/>
+          </ac:spMkLst>
+        </pc:spChg>
+        <pc:spChg chg="add del mod topLvl">
+          <ac:chgData name="王 家才" userId="863c4bbfb9f47078" providerId="LiveId" clId="{3EB35533-EDE6-4421-9AB6-CD29FFE35FE3}" dt="2019-05-31T06:00:50.417" v="373" actId="164"/>
+          <ac:spMkLst>
+            <pc:docMk/>
+            <pc:sldMk cId="219919632" sldId="258"/>
+            <ac:spMk id="107" creationId="{642D30A8-0211-43B2-B255-672D6ADC8892}"/>
+          </ac:spMkLst>
+        </pc:spChg>
+        <pc:spChg chg="del">
+          <ac:chgData name="王 家才" userId="863c4bbfb9f47078" providerId="LiveId" clId="{3EB35533-EDE6-4421-9AB6-CD29FFE35FE3}" dt="2019-05-31T05:50:09.728" v="281" actId="478"/>
+          <ac:spMkLst>
+            <pc:docMk/>
+            <pc:sldMk cId="219919632" sldId="258"/>
+            <ac:spMk id="110" creationId="{D87012FD-8130-4AE3-97CC-00C2C3A0E473}"/>
+          </ac:spMkLst>
+        </pc:spChg>
+        <pc:spChg chg="add mod topLvl">
+          <ac:chgData name="王 家才" userId="863c4bbfb9f47078" providerId="LiveId" clId="{3EB35533-EDE6-4421-9AB6-CD29FFE35FE3}" dt="2019-05-31T06:23:36.821" v="556" actId="164"/>
+          <ac:spMkLst>
+            <pc:docMk/>
+            <pc:sldMk cId="219919632" sldId="258"/>
+            <ac:spMk id="139" creationId="{968A27D3-D317-4E7F-B65A-033FF3D3CEE4}"/>
+          </ac:spMkLst>
+        </pc:spChg>
+        <pc:spChg chg="add mod topLvl">
+          <ac:chgData name="王 家才" userId="863c4bbfb9f47078" providerId="LiveId" clId="{3EB35533-EDE6-4421-9AB6-CD29FFE35FE3}" dt="2019-05-31T06:23:36.821" v="556" actId="164"/>
+          <ac:spMkLst>
+            <pc:docMk/>
+            <pc:sldMk cId="219919632" sldId="258"/>
+            <ac:spMk id="143" creationId="{795428BA-DC8F-4D7B-9C51-DE0538A26D48}"/>
+          </ac:spMkLst>
+        </pc:spChg>
+        <pc:spChg chg="add mod topLvl">
+          <ac:chgData name="王 家才" userId="863c4bbfb9f47078" providerId="LiveId" clId="{3EB35533-EDE6-4421-9AB6-CD29FFE35FE3}" dt="2019-05-31T06:23:36.821" v="556" actId="164"/>
+          <ac:spMkLst>
+            <pc:docMk/>
+            <pc:sldMk cId="219919632" sldId="258"/>
+            <ac:spMk id="148" creationId="{62279C0F-209F-42A2-AD6B-CFE4F1D4AE4F}"/>
+          </ac:spMkLst>
+        </pc:spChg>
+        <pc:spChg chg="add mod">
+          <ac:chgData name="王 家才" userId="863c4bbfb9f47078" providerId="LiveId" clId="{3EB35533-EDE6-4421-9AB6-CD29FFE35FE3}" dt="2019-05-31T06:23:11.286" v="555" actId="571"/>
+          <ac:spMkLst>
+            <pc:docMk/>
+            <pc:sldMk cId="219919632" sldId="258"/>
+            <ac:spMk id="155" creationId="{2735FEA0-1475-4019-8FF3-86775BD1F7C6}"/>
+          </ac:spMkLst>
+        </pc:spChg>
+        <pc:spChg chg="add mod">
+          <ac:chgData name="王 家才" userId="863c4bbfb9f47078" providerId="LiveId" clId="{3EB35533-EDE6-4421-9AB6-CD29FFE35FE3}" dt="2019-05-31T06:23:11.286" v="555" actId="571"/>
+          <ac:spMkLst>
+            <pc:docMk/>
+            <pc:sldMk cId="219919632" sldId="258"/>
+            <ac:spMk id="156" creationId="{914B3B93-A9D7-4A65-9E2A-D1DEB1C90496}"/>
+          </ac:spMkLst>
+        </pc:spChg>
+        <pc:grpChg chg="add mod">
+          <ac:chgData name="王 家才" userId="863c4bbfb9f47078" providerId="LiveId" clId="{3EB35533-EDE6-4421-9AB6-CD29FFE35FE3}" dt="2019-05-31T06:42:28.580" v="591" actId="164"/>
+          <ac:grpSpMkLst>
+            <pc:docMk/>
+            <pc:sldMk cId="219919632" sldId="258"/>
+            <ac:grpSpMk id="7" creationId="{5A8A557B-BACE-44FD-A5C2-3B5FCA4758A2}"/>
+          </ac:grpSpMkLst>
+        </pc:grpChg>
+        <pc:grpChg chg="add del mod">
+          <ac:chgData name="王 家才" userId="863c4bbfb9f47078" providerId="LiveId" clId="{3EB35533-EDE6-4421-9AB6-CD29FFE35FE3}" dt="2019-05-31T05:55:41.429" v="322" actId="165"/>
+          <ac:grpSpMkLst>
+            <pc:docMk/>
+            <pc:sldMk cId="219919632" sldId="258"/>
+            <ac:grpSpMk id="22" creationId="{5BDAC86C-1643-4E38-A0DC-F40E7BAC9DAD}"/>
+          </ac:grpSpMkLst>
+        </pc:grpChg>
+        <pc:grpChg chg="add del mod topLvl">
+          <ac:chgData name="王 家才" userId="863c4bbfb9f47078" providerId="LiveId" clId="{3EB35533-EDE6-4421-9AB6-CD29FFE35FE3}" dt="2019-05-31T06:00:50.417" v="373" actId="164"/>
+          <ac:grpSpMkLst>
+            <pc:docMk/>
+            <pc:sldMk cId="219919632" sldId="258"/>
+            <ac:grpSpMk id="25" creationId="{E757AA8F-23F9-41F0-8923-E3CF1566BEA1}"/>
+          </ac:grpSpMkLst>
+        </pc:grpChg>
+        <pc:grpChg chg="add del mod">
+          <ac:chgData name="王 家才" userId="863c4bbfb9f47078" providerId="LiveId" clId="{3EB35533-EDE6-4421-9AB6-CD29FFE35FE3}" dt="2019-05-31T06:00:31.276" v="369" actId="165"/>
+          <ac:grpSpMkLst>
+            <pc:docMk/>
+            <pc:sldMk cId="219919632" sldId="258"/>
+            <ac:grpSpMk id="26" creationId="{C3DF6F92-B963-4DAD-A8EA-2373080CB525}"/>
+          </ac:grpSpMkLst>
+        </pc:grpChg>
+        <pc:grpChg chg="add mod">
+          <ac:chgData name="王 家才" userId="863c4bbfb9f47078" providerId="LiveId" clId="{3EB35533-EDE6-4421-9AB6-CD29FFE35FE3}" dt="2019-05-31T06:02:35.078" v="379" actId="164"/>
+          <ac:grpSpMkLst>
+            <pc:docMk/>
+            <pc:sldMk cId="219919632" sldId="258"/>
+            <ac:grpSpMk id="29" creationId="{11F2054B-8758-4ABB-AF39-724DBD95DB55}"/>
+          </ac:grpSpMkLst>
+        </pc:grpChg>
+        <pc:grpChg chg="add mod topLvl">
+          <ac:chgData name="王 家才" userId="863c4bbfb9f47078" providerId="LiveId" clId="{3EB35533-EDE6-4421-9AB6-CD29FFE35FE3}" dt="2019-05-31T06:23:36.821" v="556" actId="164"/>
+          <ac:grpSpMkLst>
+            <pc:docMk/>
+            <pc:sldMk cId="219919632" sldId="258"/>
+            <ac:grpSpMk id="30" creationId="{5A17F1AA-B601-43DC-A108-6CE141DF918E}"/>
+          </ac:grpSpMkLst>
+        </pc:grpChg>
+        <pc:grpChg chg="add del mod">
+          <ac:chgData name="王 家才" userId="863c4bbfb9f47078" providerId="LiveId" clId="{3EB35533-EDE6-4421-9AB6-CD29FFE35FE3}" dt="2019-05-31T05:57:31.804" v="336" actId="478"/>
+          <ac:grpSpMkLst>
+            <pc:docMk/>
+            <pc:sldMk cId="219919632" sldId="258"/>
+            <ac:grpSpMk id="71" creationId="{B23DC266-D906-4524-825C-E1B8F4498219}"/>
+          </ac:grpSpMkLst>
+        </pc:grpChg>
+        <pc:grpChg chg="add del mod topLvl">
+          <ac:chgData name="王 家才" userId="863c4bbfb9f47078" providerId="LiveId" clId="{3EB35533-EDE6-4421-9AB6-CD29FFE35FE3}" dt="2019-05-31T06:00:50.417" v="373" actId="164"/>
+          <ac:grpSpMkLst>
+            <pc:docMk/>
+            <pc:sldMk cId="219919632" sldId="258"/>
+            <ac:grpSpMk id="75" creationId="{184B83C4-C185-4EF5-9682-1F072C80E9BD}"/>
+          </ac:grpSpMkLst>
+        </pc:grpChg>
+        <pc:grpChg chg="del">
+          <ac:chgData name="王 家才" userId="863c4bbfb9f47078" providerId="LiveId" clId="{3EB35533-EDE6-4421-9AB6-CD29FFE35FE3}" dt="2019-05-31T05:49:58.656" v="280" actId="478"/>
+          <ac:grpSpMkLst>
+            <pc:docMk/>
+            <pc:sldMk cId="219919632" sldId="258"/>
+            <ac:grpSpMk id="92" creationId="{70328A11-CF64-4A9D-800D-48C23171DDFE}"/>
+          </ac:grpSpMkLst>
+        </pc:grpChg>
+        <pc:grpChg chg="del">
+          <ac:chgData name="王 家才" userId="863c4bbfb9f47078" providerId="LiveId" clId="{3EB35533-EDE6-4421-9AB6-CD29FFE35FE3}" dt="2019-05-31T05:49:58.656" v="280" actId="478"/>
+          <ac:grpSpMkLst>
+            <pc:docMk/>
+            <pc:sldMk cId="219919632" sldId="258"/>
+            <ac:grpSpMk id="93" creationId="{FA2D2CDF-D5B5-4107-A45C-1C3A02C96707}"/>
+          </ac:grpSpMkLst>
+        </pc:grpChg>
+        <pc:grpChg chg="add mod topLvl">
+          <ac:chgData name="王 家才" userId="863c4bbfb9f47078" providerId="LiveId" clId="{3EB35533-EDE6-4421-9AB6-CD29FFE35FE3}" dt="2019-05-31T06:23:36.821" v="556" actId="164"/>
+          <ac:grpSpMkLst>
+            <pc:docMk/>
+            <pc:sldMk cId="219919632" sldId="258"/>
+            <ac:grpSpMk id="97" creationId="{F5F54D79-6B84-4FD6-B694-430059BBACC8}"/>
+          </ac:grpSpMkLst>
+        </pc:grpChg>
+        <pc:grpChg chg="add del mod">
+          <ac:chgData name="王 家才" userId="863c4bbfb9f47078" providerId="LiveId" clId="{3EB35533-EDE6-4421-9AB6-CD29FFE35FE3}" dt="2019-05-31T06:17:06.699" v="520" actId="165"/>
+          <ac:grpSpMkLst>
+            <pc:docMk/>
+            <pc:sldMk cId="219919632" sldId="258"/>
+            <ac:grpSpMk id="149" creationId="{3AEE8EE2-9D25-4370-96B5-52E9F8240B6D}"/>
+          </ac:grpSpMkLst>
+        </pc:grpChg>
+        <pc:grpChg chg="add mod">
+          <ac:chgData name="王 家才" userId="863c4bbfb9f47078" providerId="LiveId" clId="{3EB35533-EDE6-4421-9AB6-CD29FFE35FE3}" dt="2019-05-31T06:42:28.580" v="591" actId="164"/>
+          <ac:grpSpMkLst>
+            <pc:docMk/>
+            <pc:sldMk cId="219919632" sldId="258"/>
+            <ac:grpSpMk id="157" creationId="{B92CA534-983D-41D7-B409-4DE45940E5B0}"/>
+          </ac:grpSpMkLst>
+        </pc:grpChg>
+        <pc:grpChg chg="del">
+          <ac:chgData name="王 家才" userId="863c4bbfb9f47078" providerId="LiveId" clId="{3EB35533-EDE6-4421-9AB6-CD29FFE35FE3}" dt="2019-05-31T05:50:15.041" v="284" actId="478"/>
+          <ac:grpSpMkLst>
+            <pc:docMk/>
+            <pc:sldMk cId="219919632" sldId="258"/>
+            <ac:grpSpMk id="164" creationId="{C7A222EE-D149-4602-9B8F-55C60F85B8C3}"/>
+          </ac:grpSpMkLst>
+        </pc:grpChg>
+        <pc:cxnChg chg="del mod">
+          <ac:chgData name="王 家才" userId="863c4bbfb9f47078" providerId="LiveId" clId="{3EB35533-EDE6-4421-9AB6-CD29FFE35FE3}" dt="2019-05-31T05:50:14.099" v="283" actId="478"/>
+          <ac:cxnSpMkLst>
+            <pc:docMk/>
+            <pc:sldMk cId="219919632" sldId="258"/>
+            <ac:cxnSpMk id="8" creationId="{7AA6BF19-9753-4D1B-8E68-CC9E30758870}"/>
+          </ac:cxnSpMkLst>
+        </pc:cxnChg>
+        <pc:cxnChg chg="del mod">
+          <ac:chgData name="王 家才" userId="863c4bbfb9f47078" providerId="LiveId" clId="{3EB35533-EDE6-4421-9AB6-CD29FFE35FE3}" dt="2019-05-31T05:50:12.113" v="282" actId="478"/>
+          <ac:cxnSpMkLst>
+            <pc:docMk/>
+            <pc:sldMk cId="219919632" sldId="258"/>
+            <ac:cxnSpMk id="9" creationId="{E74684C6-9BCE-42F0-B44B-5BB9ACDDFA4E}"/>
+          </ac:cxnSpMkLst>
+        </pc:cxnChg>
+        <pc:cxnChg chg="add mod topLvl">
+          <ac:chgData name="王 家才" userId="863c4bbfb9f47078" providerId="LiveId" clId="{3EB35533-EDE6-4421-9AB6-CD29FFE35FE3}" dt="2019-05-31T05:56:20.297" v="324" actId="164"/>
+          <ac:cxnSpMkLst>
+            <pc:docMk/>
+            <pc:sldMk cId="219919632" sldId="258"/>
+            <ac:cxnSpMk id="19" creationId="{12B1CEA6-21AD-4C03-B658-B5D6BD925372}"/>
+          </ac:cxnSpMkLst>
+        </pc:cxnChg>
+        <pc:cxnChg chg="add mod">
+          <ac:chgData name="王 家才" userId="863c4bbfb9f47078" providerId="LiveId" clId="{3EB35533-EDE6-4421-9AB6-CD29FFE35FE3}" dt="2019-05-31T06:42:28.580" v="591" actId="164"/>
+          <ac:cxnSpMkLst>
+            <pc:docMk/>
+            <pc:sldMk cId="219919632" sldId="258"/>
+            <ac:cxnSpMk id="35" creationId="{DC7D6AA5-1452-4DFC-B57C-B77DF122B97E}"/>
+          </ac:cxnSpMkLst>
+        </pc:cxnChg>
+        <pc:cxnChg chg="add del mod">
+          <ac:chgData name="王 家才" userId="863c4bbfb9f47078" providerId="LiveId" clId="{3EB35533-EDE6-4421-9AB6-CD29FFE35FE3}" dt="2019-05-31T05:51:15.882" v="294"/>
+          <ac:cxnSpMkLst>
+            <pc:docMk/>
+            <pc:sldMk cId="219919632" sldId="258"/>
+            <ac:cxnSpMk id="64" creationId="{DBA2DEBC-C812-418E-A4DE-8957826FD520}"/>
+          </ac:cxnSpMkLst>
+        </pc:cxnChg>
+        <pc:cxnChg chg="add mod topLvl">
+          <ac:chgData name="王 家才" userId="863c4bbfb9f47078" providerId="LiveId" clId="{3EB35533-EDE6-4421-9AB6-CD29FFE35FE3}" dt="2019-05-31T06:23:36.821" v="556" actId="164"/>
+          <ac:cxnSpMkLst>
+            <pc:docMk/>
+            <pc:sldMk cId="219919632" sldId="258"/>
+            <ac:cxnSpMk id="65" creationId="{3D7BEA16-88E8-4F98-AF6F-F51D4F358AAA}"/>
+          </ac:cxnSpMkLst>
+        </pc:cxnChg>
+        <pc:cxnChg chg="add mod topLvl">
+          <ac:chgData name="王 家才" userId="863c4bbfb9f47078" providerId="LiveId" clId="{3EB35533-EDE6-4421-9AB6-CD29FFE35FE3}" dt="2019-05-31T05:56:20.297" v="324" actId="164"/>
+          <ac:cxnSpMkLst>
+            <pc:docMk/>
+            <pc:sldMk cId="219919632" sldId="258"/>
+            <ac:cxnSpMk id="66" creationId="{40BD99BB-B17D-47FF-A419-F95EE2BEFE68}"/>
+          </ac:cxnSpMkLst>
+        </pc:cxnChg>
+        <pc:cxnChg chg="add mod topLvl">
+          <ac:chgData name="王 家才" userId="863c4bbfb9f47078" providerId="LiveId" clId="{3EB35533-EDE6-4421-9AB6-CD29FFE35FE3}" dt="2019-05-31T06:23:36.821" v="556" actId="164"/>
+          <ac:cxnSpMkLst>
+            <pc:docMk/>
+            <pc:sldMk cId="219919632" sldId="258"/>
+            <ac:cxnSpMk id="104" creationId="{DFE48597-2170-4A2D-A827-98210818B97D}"/>
+          </ac:cxnSpMkLst>
+        </pc:cxnChg>
+        <pc:cxnChg chg="add del mod topLvl">
+          <ac:chgData name="王 家才" userId="863c4bbfb9f47078" providerId="LiveId" clId="{3EB35533-EDE6-4421-9AB6-CD29FFE35FE3}" dt="2019-05-31T06:23:36.821" v="556" actId="164"/>
+          <ac:cxnSpMkLst>
+            <pc:docMk/>
+            <pc:sldMk cId="219919632" sldId="258"/>
+            <ac:cxnSpMk id="108" creationId="{064EE4A8-C820-4EDA-8804-D6DD3A1FEE51}"/>
+          </ac:cxnSpMkLst>
+        </pc:cxnChg>
+        <pc:cxnChg chg="mod topLvl">
+          <ac:chgData name="王 家才" userId="863c4bbfb9f47078" providerId="LiveId" clId="{3EB35533-EDE6-4421-9AB6-CD29FFE35FE3}" dt="2019-05-31T06:02:35.078" v="379" actId="164"/>
+          <ac:cxnSpMkLst>
+            <pc:docMk/>
+            <pc:sldMk cId="219919632" sldId="258"/>
+            <ac:cxnSpMk id="109" creationId="{00F2C9E5-0213-418A-95BA-4F748030C7CC}"/>
+          </ac:cxnSpMkLst>
+        </pc:cxnChg>
+        <pc:cxnChg chg="add mod topLvl">
+          <ac:chgData name="王 家才" userId="863c4bbfb9f47078" providerId="LiveId" clId="{3EB35533-EDE6-4421-9AB6-CD29FFE35FE3}" dt="2019-05-31T06:23:36.821" v="556" actId="164"/>
+          <ac:cxnSpMkLst>
+            <pc:docMk/>
+            <pc:sldMk cId="219919632" sldId="258"/>
+            <ac:cxnSpMk id="134" creationId="{DA3F7910-7CEC-47A6-B2D5-3C59BD50A67A}"/>
+          </ac:cxnSpMkLst>
+        </pc:cxnChg>
+        <pc:cxnChg chg="add mod topLvl">
+          <ac:chgData name="王 家才" userId="863c4bbfb9f47078" providerId="LiveId" clId="{3EB35533-EDE6-4421-9AB6-CD29FFE35FE3}" dt="2019-05-31T06:23:36.821" v="556" actId="164"/>
+          <ac:cxnSpMkLst>
+            <pc:docMk/>
+            <pc:sldMk cId="219919632" sldId="258"/>
+            <ac:cxnSpMk id="140" creationId="{C19479F1-7774-4A3D-AC22-EA25FB460722}"/>
+          </ac:cxnSpMkLst>
+        </pc:cxnChg>
+        <pc:cxnChg chg="add mod topLvl">
+          <ac:chgData name="王 家才" userId="863c4bbfb9f47078" providerId="LiveId" clId="{3EB35533-EDE6-4421-9AB6-CD29FFE35FE3}" dt="2019-05-31T06:23:36.821" v="556" actId="164"/>
+          <ac:cxnSpMkLst>
+            <pc:docMk/>
+            <pc:sldMk cId="219919632" sldId="258"/>
+            <ac:cxnSpMk id="144" creationId="{CD0C8BD1-E300-48E7-8E03-1B8F8B2D68E4}"/>
           </ac:cxnSpMkLst>
         </pc:cxnChg>
       </pc:sldChg>
@@ -1320,7 +1800,7 @@
           <a:p>
             <a:fld id="{9ED08F6C-622D-44ED-AB5D-DC05AC4CB8EE}" type="datetimeFigureOut">
               <a:rPr lang="zh-CN" altLang="en-US" smtClean="0"/>
-              <a:t>2019/5/30</a:t>
+              <a:t>2019/5/31</a:t>
             </a:fld>
             <a:endParaRPr lang="zh-CN" altLang="en-US"/>
           </a:p>
@@ -1518,7 +1998,7 @@
           <a:p>
             <a:fld id="{9ED08F6C-622D-44ED-AB5D-DC05AC4CB8EE}" type="datetimeFigureOut">
               <a:rPr lang="zh-CN" altLang="en-US" smtClean="0"/>
-              <a:t>2019/5/30</a:t>
+              <a:t>2019/5/31</a:t>
             </a:fld>
             <a:endParaRPr lang="zh-CN" altLang="en-US"/>
           </a:p>
@@ -1726,7 +2206,7 @@
           <a:p>
             <a:fld id="{9ED08F6C-622D-44ED-AB5D-DC05AC4CB8EE}" type="datetimeFigureOut">
               <a:rPr lang="zh-CN" altLang="en-US" smtClean="0"/>
-              <a:t>2019/5/30</a:t>
+              <a:t>2019/5/31</a:t>
             </a:fld>
             <a:endParaRPr lang="zh-CN" altLang="en-US"/>
           </a:p>
@@ -1924,7 +2404,7 @@
           <a:p>
             <a:fld id="{9ED08F6C-622D-44ED-AB5D-DC05AC4CB8EE}" type="datetimeFigureOut">
               <a:rPr lang="zh-CN" altLang="en-US" smtClean="0"/>
-              <a:t>2019/5/30</a:t>
+              <a:t>2019/5/31</a:t>
             </a:fld>
             <a:endParaRPr lang="zh-CN" altLang="en-US"/>
           </a:p>
@@ -2199,7 +2679,7 @@
           <a:p>
             <a:fld id="{9ED08F6C-622D-44ED-AB5D-DC05AC4CB8EE}" type="datetimeFigureOut">
               <a:rPr lang="zh-CN" altLang="en-US" smtClean="0"/>
-              <a:t>2019/5/30</a:t>
+              <a:t>2019/5/31</a:t>
             </a:fld>
             <a:endParaRPr lang="zh-CN" altLang="en-US"/>
           </a:p>
@@ -2464,7 +2944,7 @@
           <a:p>
             <a:fld id="{9ED08F6C-622D-44ED-AB5D-DC05AC4CB8EE}" type="datetimeFigureOut">
               <a:rPr lang="zh-CN" altLang="en-US" smtClean="0"/>
-              <a:t>2019/5/30</a:t>
+              <a:t>2019/5/31</a:t>
             </a:fld>
             <a:endParaRPr lang="zh-CN" altLang="en-US"/>
           </a:p>
@@ -2876,7 +3356,7 @@
           <a:p>
             <a:fld id="{9ED08F6C-622D-44ED-AB5D-DC05AC4CB8EE}" type="datetimeFigureOut">
               <a:rPr lang="zh-CN" altLang="en-US" smtClean="0"/>
-              <a:t>2019/5/30</a:t>
+              <a:t>2019/5/31</a:t>
             </a:fld>
             <a:endParaRPr lang="zh-CN" altLang="en-US"/>
           </a:p>
@@ -3017,7 +3497,7 @@
           <a:p>
             <a:fld id="{9ED08F6C-622D-44ED-AB5D-DC05AC4CB8EE}" type="datetimeFigureOut">
               <a:rPr lang="zh-CN" altLang="en-US" smtClean="0"/>
-              <a:t>2019/5/30</a:t>
+              <a:t>2019/5/31</a:t>
             </a:fld>
             <a:endParaRPr lang="zh-CN" altLang="en-US"/>
           </a:p>
@@ -3130,7 +3610,7 @@
           <a:p>
             <a:fld id="{9ED08F6C-622D-44ED-AB5D-DC05AC4CB8EE}" type="datetimeFigureOut">
               <a:rPr lang="zh-CN" altLang="en-US" smtClean="0"/>
-              <a:t>2019/5/30</a:t>
+              <a:t>2019/5/31</a:t>
             </a:fld>
             <a:endParaRPr lang="zh-CN" altLang="en-US"/>
           </a:p>
@@ -3441,7 +3921,7 @@
           <a:p>
             <a:fld id="{9ED08F6C-622D-44ED-AB5D-DC05AC4CB8EE}" type="datetimeFigureOut">
               <a:rPr lang="zh-CN" altLang="en-US" smtClean="0"/>
-              <a:t>2019/5/30</a:t>
+              <a:t>2019/5/31</a:t>
             </a:fld>
             <a:endParaRPr lang="zh-CN" altLang="en-US"/>
           </a:p>
@@ -3729,7 +4209,7 @@
           <a:p>
             <a:fld id="{9ED08F6C-622D-44ED-AB5D-DC05AC4CB8EE}" type="datetimeFigureOut">
               <a:rPr lang="zh-CN" altLang="en-US" smtClean="0"/>
-              <a:t>2019/5/30</a:t>
+              <a:t>2019/5/31</a:t>
             </a:fld>
             <a:endParaRPr lang="zh-CN" altLang="en-US"/>
           </a:p>
@@ -3970,7 +4450,7 @@
           <a:p>
             <a:fld id="{9ED08F6C-622D-44ED-AB5D-DC05AC4CB8EE}" type="datetimeFigureOut">
               <a:rPr lang="zh-CN" altLang="en-US" smtClean="0"/>
-              <a:t>2019/5/30</a:t>
+              <a:t>2019/5/31</a:t>
             </a:fld>
             <a:endParaRPr lang="zh-CN" altLang="en-US"/>
           </a:p>
@@ -4389,10 +4869,10 @@
       </p:grpSpPr>
       <p:grpSp>
         <p:nvGrpSpPr>
-          <p:cNvPr id="11" name="组合 10">
+          <p:cNvPr id="2" name="组合 1">
             <a:extLst>
               <a:ext uri="{FF2B5EF4-FFF2-40B4-BE49-F238E27FC236}">
-                <a16:creationId xmlns:a16="http://schemas.microsoft.com/office/drawing/2014/main" id="{FBC5E1A2-831F-40DC-B579-249AE8729806}"/>
+                <a16:creationId xmlns:a16="http://schemas.microsoft.com/office/drawing/2014/main" id="{15AB173C-7FA5-4680-87F4-FF919C257F19}"/>
               </a:ext>
             </a:extLst>
           </p:cNvPr>
@@ -4401,947 +4881,18 @@
         </p:nvGrpSpPr>
         <p:grpSpPr>
           <a:xfrm>
-            <a:off x="3068515" y="3815862"/>
-            <a:ext cx="1063869" cy="685800"/>
-            <a:chOff x="3174022" y="3552093"/>
-            <a:chExt cx="1063869" cy="949569"/>
-          </a:xfrm>
-        </p:grpSpPr>
-        <p:sp>
-          <p:nvSpPr>
-            <p:cNvPr id="4" name="椭圆 3">
-              <a:extLst>
-                <a:ext uri="{FF2B5EF4-FFF2-40B4-BE49-F238E27FC236}">
-                  <a16:creationId xmlns:a16="http://schemas.microsoft.com/office/drawing/2014/main" id="{5AA9C258-BC62-49B9-AFB3-38224B0BF08F}"/>
-                </a:ext>
-              </a:extLst>
-            </p:cNvPr>
-            <p:cNvSpPr/>
-            <p:nvPr/>
-          </p:nvSpPr>
-          <p:spPr>
-            <a:xfrm>
-              <a:off x="3279531" y="3552093"/>
-              <a:ext cx="852853" cy="175846"/>
-            </a:xfrm>
-            <a:prstGeom prst="ellipse">
-              <a:avLst/>
-            </a:prstGeom>
-            <a:noFill/>
-            <a:ln w="28575">
-              <a:solidFill>
-                <a:schemeClr val="tx1"/>
-              </a:solidFill>
-            </a:ln>
-          </p:spPr>
-          <p:style>
-            <a:lnRef idx="2">
-              <a:schemeClr val="accent1">
-                <a:shade val="50000"/>
-              </a:schemeClr>
-            </a:lnRef>
-            <a:fillRef idx="1">
-              <a:schemeClr val="accent1"/>
-            </a:fillRef>
-            <a:effectRef idx="0">
-              <a:schemeClr val="accent1"/>
-            </a:effectRef>
-            <a:fontRef idx="minor">
-              <a:schemeClr val="lt1"/>
-            </a:fontRef>
-          </p:style>
-          <p:txBody>
-            <a:bodyPr rtlCol="0" anchor="ctr"/>
-            <a:lstStyle/>
-            <a:p>
-              <a:pPr algn="ctr"/>
-              <a:endParaRPr lang="zh-CN" altLang="en-US"/>
-            </a:p>
-          </p:txBody>
-        </p:sp>
-        <p:cxnSp>
-          <p:nvCxnSpPr>
-            <p:cNvPr id="7" name="直接连接符 6">
-              <a:extLst>
-                <a:ext uri="{FF2B5EF4-FFF2-40B4-BE49-F238E27FC236}">
-                  <a16:creationId xmlns:a16="http://schemas.microsoft.com/office/drawing/2014/main" id="{30D83CC9-758A-4689-9EAC-AF3164838562}"/>
-                </a:ext>
-              </a:extLst>
-            </p:cNvPr>
-            <p:cNvCxnSpPr/>
-            <p:nvPr/>
-          </p:nvCxnSpPr>
-          <p:spPr>
-            <a:xfrm>
-              <a:off x="3174022" y="4501662"/>
-              <a:ext cx="1063869" cy="0"/>
-            </a:xfrm>
-            <a:prstGeom prst="line">
-              <a:avLst/>
-            </a:prstGeom>
-            <a:ln w="28575">
-              <a:solidFill>
-                <a:schemeClr val="tx1"/>
-              </a:solidFill>
-            </a:ln>
-          </p:spPr>
-          <p:style>
-            <a:lnRef idx="1">
-              <a:schemeClr val="accent1"/>
-            </a:lnRef>
-            <a:fillRef idx="0">
-              <a:schemeClr val="accent1"/>
-            </a:fillRef>
-            <a:effectRef idx="0">
-              <a:schemeClr val="accent1"/>
-            </a:effectRef>
-            <a:fontRef idx="minor">
-              <a:schemeClr val="tx1"/>
-            </a:fontRef>
-          </p:style>
-        </p:cxnSp>
-      </p:grpSp>
-      <p:sp>
-        <p:nvSpPr>
-          <p:cNvPr id="10" name="等腰三角形 9">
-            <a:extLst>
-              <a:ext uri="{FF2B5EF4-FFF2-40B4-BE49-F238E27FC236}">
-                <a16:creationId xmlns:a16="http://schemas.microsoft.com/office/drawing/2014/main" id="{B3656AAF-163D-4492-9F22-388864A91B60}"/>
-              </a:ext>
-            </a:extLst>
-          </p:cNvPr>
-          <p:cNvSpPr/>
-          <p:nvPr/>
-        </p:nvSpPr>
-        <p:spPr>
-          <a:xfrm>
-            <a:off x="4322882" y="1151793"/>
-            <a:ext cx="219809" cy="263770"/>
-          </a:xfrm>
-          <a:prstGeom prst="triangle">
-            <a:avLst/>
-          </a:prstGeom>
-          <a:noFill/>
-          <a:ln w="57150">
-            <a:solidFill>
-              <a:schemeClr val="tx1"/>
-            </a:solidFill>
-          </a:ln>
-        </p:spPr>
-        <p:style>
-          <a:lnRef idx="2">
-            <a:schemeClr val="accent1">
-              <a:shade val="50000"/>
-            </a:schemeClr>
-          </a:lnRef>
-          <a:fillRef idx="1">
-            <a:schemeClr val="accent1"/>
-          </a:fillRef>
-          <a:effectRef idx="0">
-            <a:schemeClr val="accent1"/>
-          </a:effectRef>
-          <a:fontRef idx="minor">
-            <a:schemeClr val="lt1"/>
-          </a:fontRef>
-        </p:style>
-        <p:txBody>
-          <a:bodyPr rtlCol="0" anchor="ctr"/>
-          <a:lstStyle/>
-          <a:p>
-            <a:pPr algn="ctr"/>
-            <a:endParaRPr lang="zh-CN" altLang="en-US"/>
-          </a:p>
-        </p:txBody>
-      </p:sp>
-      <p:cxnSp>
-        <p:nvCxnSpPr>
-          <p:cNvPr id="14" name="直接连接符 13">
-            <a:extLst>
-              <a:ext uri="{FF2B5EF4-FFF2-40B4-BE49-F238E27FC236}">
-                <a16:creationId xmlns:a16="http://schemas.microsoft.com/office/drawing/2014/main" id="{1A710B99-4100-43E0-84D3-A21017E47AAD}"/>
-              </a:ext>
-            </a:extLst>
-          </p:cNvPr>
-          <p:cNvCxnSpPr>
-            <a:stCxn id="10" idx="3"/>
-          </p:cNvCxnSpPr>
-          <p:nvPr/>
-        </p:nvCxnSpPr>
-        <p:spPr>
-          <a:xfrm flipH="1">
-            <a:off x="3402623" y="1415563"/>
-            <a:ext cx="1030164" cy="3086099"/>
-          </a:xfrm>
-          <a:prstGeom prst="line">
-            <a:avLst/>
-          </a:prstGeom>
-          <a:ln w="9525" cap="rnd" cmpd="sng" algn="ctr">
-            <a:solidFill>
-              <a:schemeClr val="dk1"/>
-            </a:solidFill>
-            <a:prstDash val="dash"/>
-            <a:round/>
-            <a:headEnd type="none" w="med" len="med"/>
-            <a:tailEnd type="oval" w="med" len="med"/>
-          </a:ln>
-        </p:spPr>
-        <p:style>
-          <a:lnRef idx="0">
-            <a:scrgbClr r="0" g="0" b="0"/>
-          </a:lnRef>
-          <a:fillRef idx="0">
-            <a:scrgbClr r="0" g="0" b="0"/>
-          </a:fillRef>
-          <a:effectRef idx="0">
-            <a:scrgbClr r="0" g="0" b="0"/>
-          </a:effectRef>
-          <a:fontRef idx="minor">
-            <a:schemeClr val="tx1"/>
-          </a:fontRef>
-        </p:style>
-      </p:cxnSp>
-      <p:cxnSp>
-        <p:nvCxnSpPr>
-          <p:cNvPr id="15" name="直接连接符 14">
-            <a:extLst>
-              <a:ext uri="{FF2B5EF4-FFF2-40B4-BE49-F238E27FC236}">
-                <a16:creationId xmlns:a16="http://schemas.microsoft.com/office/drawing/2014/main" id="{2CAA4937-5401-4B4B-952E-7B761D04C1D1}"/>
-              </a:ext>
-            </a:extLst>
-          </p:cNvPr>
-          <p:cNvCxnSpPr>
-            <a:cxnSpLocks/>
-            <a:stCxn id="10" idx="3"/>
-          </p:cNvCxnSpPr>
-          <p:nvPr/>
-        </p:nvCxnSpPr>
-        <p:spPr>
-          <a:xfrm>
-            <a:off x="4432787" y="1415563"/>
-            <a:ext cx="1030163" cy="3086099"/>
-          </a:xfrm>
-          <a:prstGeom prst="line">
-            <a:avLst/>
-          </a:prstGeom>
-          <a:ln w="9525" cap="flat" cmpd="sng" algn="ctr">
-            <a:solidFill>
-              <a:schemeClr val="dk1"/>
-            </a:solidFill>
-            <a:prstDash val="dash"/>
-            <a:round/>
-            <a:headEnd type="none" w="med" len="med"/>
-            <a:tailEnd type="oval" w="med" len="med"/>
-          </a:ln>
-        </p:spPr>
-        <p:style>
-          <a:lnRef idx="0">
-            <a:scrgbClr r="0" g="0" b="0"/>
-          </a:lnRef>
-          <a:fillRef idx="0">
-            <a:scrgbClr r="0" g="0" b="0"/>
-          </a:fillRef>
-          <a:effectRef idx="0">
-            <a:scrgbClr r="0" g="0" b="0"/>
-          </a:effectRef>
-          <a:fontRef idx="minor">
-            <a:schemeClr val="tx1"/>
-          </a:fontRef>
-        </p:style>
-      </p:cxnSp>
-      <p:grpSp>
-        <p:nvGrpSpPr>
-          <p:cNvPr id="18" name="组合 17">
-            <a:extLst>
-              <a:ext uri="{FF2B5EF4-FFF2-40B4-BE49-F238E27FC236}">
-                <a16:creationId xmlns:a16="http://schemas.microsoft.com/office/drawing/2014/main" id="{E45BC070-3A03-4209-A64F-9518A4187B6F}"/>
-              </a:ext>
-            </a:extLst>
-          </p:cNvPr>
-          <p:cNvGrpSpPr/>
-          <p:nvPr/>
-        </p:nvGrpSpPr>
-        <p:grpSpPr>
-          <a:xfrm>
-            <a:off x="4755165" y="3815862"/>
-            <a:ext cx="1063869" cy="685800"/>
-            <a:chOff x="3174022" y="3552093"/>
-            <a:chExt cx="1063869" cy="949569"/>
-          </a:xfrm>
-        </p:grpSpPr>
-        <p:sp>
-          <p:nvSpPr>
-            <p:cNvPr id="19" name="椭圆 18">
-              <a:extLst>
-                <a:ext uri="{FF2B5EF4-FFF2-40B4-BE49-F238E27FC236}">
-                  <a16:creationId xmlns:a16="http://schemas.microsoft.com/office/drawing/2014/main" id="{1E43CB9E-5677-40A8-B7AA-9CCA86BAC2FC}"/>
-                </a:ext>
-              </a:extLst>
-            </p:cNvPr>
-            <p:cNvSpPr/>
-            <p:nvPr/>
-          </p:nvSpPr>
-          <p:spPr>
-            <a:xfrm>
-              <a:off x="3279531" y="3552093"/>
-              <a:ext cx="852853" cy="175846"/>
-            </a:xfrm>
-            <a:prstGeom prst="ellipse">
-              <a:avLst/>
-            </a:prstGeom>
-            <a:noFill/>
-            <a:ln w="28575">
-              <a:solidFill>
-                <a:schemeClr val="tx1"/>
-              </a:solidFill>
-            </a:ln>
-          </p:spPr>
-          <p:style>
-            <a:lnRef idx="2">
-              <a:schemeClr val="accent1">
-                <a:shade val="50000"/>
-              </a:schemeClr>
-            </a:lnRef>
-            <a:fillRef idx="1">
-              <a:schemeClr val="accent1"/>
-            </a:fillRef>
-            <a:effectRef idx="0">
-              <a:schemeClr val="accent1"/>
-            </a:effectRef>
-            <a:fontRef idx="minor">
-              <a:schemeClr val="lt1"/>
-            </a:fontRef>
-          </p:style>
-          <p:txBody>
-            <a:bodyPr rtlCol="0" anchor="ctr"/>
-            <a:lstStyle/>
-            <a:p>
-              <a:pPr algn="ctr"/>
-              <a:endParaRPr lang="zh-CN" altLang="en-US"/>
-            </a:p>
-          </p:txBody>
-        </p:sp>
-        <p:cxnSp>
-          <p:nvCxnSpPr>
-            <p:cNvPr id="20" name="直接连接符 19">
-              <a:extLst>
-                <a:ext uri="{FF2B5EF4-FFF2-40B4-BE49-F238E27FC236}">
-                  <a16:creationId xmlns:a16="http://schemas.microsoft.com/office/drawing/2014/main" id="{E786B2E7-206F-4B41-B6EB-071B5A3ABAD5}"/>
-                </a:ext>
-              </a:extLst>
-            </p:cNvPr>
-            <p:cNvCxnSpPr/>
-            <p:nvPr/>
-          </p:nvCxnSpPr>
-          <p:spPr>
-            <a:xfrm>
-              <a:off x="3174022" y="4501662"/>
-              <a:ext cx="1063869" cy="0"/>
-            </a:xfrm>
-            <a:prstGeom prst="line">
-              <a:avLst/>
-            </a:prstGeom>
-            <a:ln w="28575">
-              <a:solidFill>
-                <a:schemeClr val="tx1"/>
-              </a:solidFill>
-            </a:ln>
-          </p:spPr>
-          <p:style>
-            <a:lnRef idx="1">
-              <a:schemeClr val="accent1"/>
-            </a:lnRef>
-            <a:fillRef idx="0">
-              <a:schemeClr val="accent1"/>
-            </a:fillRef>
-            <a:effectRef idx="0">
-              <a:schemeClr val="accent1"/>
-            </a:effectRef>
-            <a:fontRef idx="minor">
-              <a:schemeClr val="tx1"/>
-            </a:fontRef>
-          </p:style>
-        </p:cxnSp>
-      </p:grpSp>
-      <p:sp>
-        <p:nvSpPr>
-          <p:cNvPr id="21" name="文本框 20">
-            <a:extLst>
-              <a:ext uri="{FF2B5EF4-FFF2-40B4-BE49-F238E27FC236}">
-                <a16:creationId xmlns:a16="http://schemas.microsoft.com/office/drawing/2014/main" id="{4473194B-DA25-44D3-A7A7-2CD555C7C37F}"/>
-              </a:ext>
-            </a:extLst>
-          </p:cNvPr>
-          <p:cNvSpPr txBox="1"/>
-          <p:nvPr/>
-        </p:nvSpPr>
-        <p:spPr>
-          <a:xfrm>
-            <a:off x="3271374" y="4551703"/>
-            <a:ext cx="646331" cy="369332"/>
-          </a:xfrm>
-          <a:prstGeom prst="rect">
-            <a:avLst/>
-          </a:prstGeom>
-          <a:noFill/>
-        </p:spPr>
-        <p:txBody>
-          <a:bodyPr wrap="none" rtlCol="0">
-            <a:spAutoFit/>
-          </a:bodyPr>
-          <a:lstStyle/>
-          <a:p>
-            <a:pPr algn="ctr"/>
-            <a:r>
-              <a:rPr lang="zh-CN" altLang="en-US" dirty="0"/>
-              <a:t>左眼</a:t>
-            </a:r>
-            <a:endParaRPr lang="en-US" altLang="zh-CN" dirty="0"/>
-          </a:p>
-        </p:txBody>
-      </p:sp>
-      <p:sp>
-        <p:nvSpPr>
-          <p:cNvPr id="22" name="文本框 21">
-            <a:extLst>
-              <a:ext uri="{FF2B5EF4-FFF2-40B4-BE49-F238E27FC236}">
-                <a16:creationId xmlns:a16="http://schemas.microsoft.com/office/drawing/2014/main" id="{586BB84E-F2AE-4655-BCAD-03EAD05CB844}"/>
-              </a:ext>
-            </a:extLst>
-          </p:cNvPr>
-          <p:cNvSpPr txBox="1"/>
-          <p:nvPr/>
-        </p:nvSpPr>
-        <p:spPr>
-          <a:xfrm>
-            <a:off x="4947868" y="4551703"/>
-            <a:ext cx="646331" cy="369332"/>
-          </a:xfrm>
-          <a:prstGeom prst="rect">
-            <a:avLst/>
-          </a:prstGeom>
-          <a:noFill/>
-        </p:spPr>
-        <p:txBody>
-          <a:bodyPr wrap="none" rtlCol="0">
-            <a:spAutoFit/>
-          </a:bodyPr>
-          <a:lstStyle/>
-          <a:p>
-            <a:pPr algn="ctr"/>
-            <a:r>
-              <a:rPr lang="zh-CN" altLang="en-US" dirty="0"/>
-              <a:t>右眼</a:t>
-            </a:r>
-            <a:endParaRPr lang="en-US" altLang="zh-CN" dirty="0"/>
-          </a:p>
-        </p:txBody>
-      </p:sp>
-      <p:sp>
-        <p:nvSpPr>
-          <p:cNvPr id="23" name="文本框 22">
-            <a:extLst>
-              <a:ext uri="{FF2B5EF4-FFF2-40B4-BE49-F238E27FC236}">
-                <a16:creationId xmlns:a16="http://schemas.microsoft.com/office/drawing/2014/main" id="{5A80E5E3-31C2-4C80-BBB4-33D6C7631ED7}"/>
-              </a:ext>
-            </a:extLst>
-          </p:cNvPr>
-          <p:cNvSpPr txBox="1"/>
-          <p:nvPr/>
-        </p:nvSpPr>
-        <p:spPr>
-          <a:xfrm>
-            <a:off x="4613933" y="1099012"/>
-            <a:ext cx="649537" cy="369332"/>
-          </a:xfrm>
-          <a:prstGeom prst="rect">
-            <a:avLst/>
-          </a:prstGeom>
-          <a:noFill/>
-        </p:spPr>
-        <p:txBody>
-          <a:bodyPr wrap="none" rtlCol="0">
-            <a:spAutoFit/>
-          </a:bodyPr>
-          <a:lstStyle/>
-          <a:p>
-            <a:r>
-              <a:rPr lang="zh-CN" altLang="en-US" dirty="0"/>
-              <a:t>物体</a:t>
-            </a:r>
-          </a:p>
-        </p:txBody>
-      </p:sp>
-      <p:sp>
-        <p:nvSpPr>
-          <p:cNvPr id="24" name="文本框 23">
-            <a:extLst>
-              <a:ext uri="{FF2B5EF4-FFF2-40B4-BE49-F238E27FC236}">
-                <a16:creationId xmlns:a16="http://schemas.microsoft.com/office/drawing/2014/main" id="{185C1E56-A9E3-4EFB-B78F-6B20D19FC825}"/>
-              </a:ext>
-            </a:extLst>
-          </p:cNvPr>
-          <p:cNvSpPr txBox="1"/>
-          <p:nvPr/>
-        </p:nvSpPr>
-        <p:spPr>
-          <a:xfrm>
-            <a:off x="3086351" y="4132331"/>
-            <a:ext cx="332142" cy="369332"/>
-          </a:xfrm>
-          <a:prstGeom prst="rect">
-            <a:avLst/>
-          </a:prstGeom>
-          <a:noFill/>
-        </p:spPr>
-        <p:txBody>
-          <a:bodyPr wrap="none" rtlCol="0">
-            <a:spAutoFit/>
-          </a:bodyPr>
-          <a:lstStyle/>
-          <a:p>
-            <a:r>
-              <a:rPr lang="en-US" altLang="zh-CN" dirty="0"/>
-              <a:t>A</a:t>
-            </a:r>
-            <a:endParaRPr lang="zh-CN" altLang="en-US" dirty="0"/>
-          </a:p>
-        </p:txBody>
-      </p:sp>
-      <p:sp>
-        <p:nvSpPr>
-          <p:cNvPr id="25" name="文本框 24">
-            <a:extLst>
-              <a:ext uri="{FF2B5EF4-FFF2-40B4-BE49-F238E27FC236}">
-                <a16:creationId xmlns:a16="http://schemas.microsoft.com/office/drawing/2014/main" id="{F781D39F-4149-4BB4-AD2F-ECECDD20DBFB}"/>
-              </a:ext>
-            </a:extLst>
-          </p:cNvPr>
-          <p:cNvSpPr txBox="1"/>
-          <p:nvPr/>
-        </p:nvSpPr>
-        <p:spPr>
-          <a:xfrm>
-            <a:off x="4683373" y="4132330"/>
-            <a:ext cx="372218" cy="369332"/>
-          </a:xfrm>
-          <a:prstGeom prst="rect">
-            <a:avLst/>
-          </a:prstGeom>
-          <a:noFill/>
-        </p:spPr>
-        <p:txBody>
-          <a:bodyPr wrap="none" rtlCol="0">
-            <a:spAutoFit/>
-          </a:bodyPr>
-          <a:lstStyle/>
-          <a:p>
-            <a:r>
-              <a:rPr lang="en-US" altLang="zh-CN" dirty="0"/>
-              <a:t>A</a:t>
-            </a:r>
-            <a:r>
-              <a:rPr lang="en-US" altLang="zh-CN" b="1" baseline="30000" dirty="0"/>
-              <a:t>’</a:t>
-            </a:r>
-            <a:endParaRPr lang="zh-CN" altLang="en-US" b="1" dirty="0"/>
-          </a:p>
-        </p:txBody>
-      </p:sp>
-      <p:cxnSp>
-        <p:nvCxnSpPr>
-          <p:cNvPr id="27" name="直接连接符 26">
-            <a:extLst>
-              <a:ext uri="{FF2B5EF4-FFF2-40B4-BE49-F238E27FC236}">
-                <a16:creationId xmlns:a16="http://schemas.microsoft.com/office/drawing/2014/main" id="{3346734D-69A4-4E4E-89F5-11580E0268BB}"/>
-              </a:ext>
-            </a:extLst>
-          </p:cNvPr>
-          <p:cNvCxnSpPr>
-            <a:cxnSpLocks/>
-          </p:cNvCxnSpPr>
-          <p:nvPr/>
-        </p:nvCxnSpPr>
-        <p:spPr>
-          <a:xfrm>
-            <a:off x="4987944" y="4501662"/>
-            <a:ext cx="59461" cy="0"/>
-          </a:xfrm>
-          <a:prstGeom prst="line">
-            <a:avLst/>
-          </a:prstGeom>
-          <a:ln>
-            <a:solidFill>
-              <a:schemeClr val="tx1"/>
-            </a:solidFill>
-            <a:tailEnd type="oval"/>
-          </a:ln>
-        </p:spPr>
-        <p:style>
-          <a:lnRef idx="1">
-            <a:schemeClr val="accent1"/>
-          </a:lnRef>
-          <a:fillRef idx="0">
-            <a:schemeClr val="accent1"/>
-          </a:fillRef>
-          <a:effectRef idx="0">
-            <a:schemeClr val="accent1"/>
-          </a:effectRef>
-          <a:fontRef idx="minor">
-            <a:schemeClr val="tx1"/>
-          </a:fontRef>
-        </p:style>
-      </p:cxnSp>
-      <p:sp>
-        <p:nvSpPr>
-          <p:cNvPr id="29" name="文本框 28">
-            <a:extLst>
-              <a:ext uri="{FF2B5EF4-FFF2-40B4-BE49-F238E27FC236}">
-                <a16:creationId xmlns:a16="http://schemas.microsoft.com/office/drawing/2014/main" id="{769B5860-93C7-4B10-93E7-7B74BE3A88A0}"/>
-              </a:ext>
-            </a:extLst>
-          </p:cNvPr>
-          <p:cNvSpPr txBox="1"/>
-          <p:nvPr/>
-        </p:nvSpPr>
-        <p:spPr>
-          <a:xfrm>
-            <a:off x="5416402" y="4132330"/>
-            <a:ext cx="312906" cy="369332"/>
-          </a:xfrm>
-          <a:prstGeom prst="rect">
-            <a:avLst/>
-          </a:prstGeom>
-          <a:noFill/>
-        </p:spPr>
-        <p:txBody>
-          <a:bodyPr wrap="none" rtlCol="0">
-            <a:spAutoFit/>
-          </a:bodyPr>
-          <a:lstStyle/>
-          <a:p>
-            <a:r>
-              <a:rPr lang="en-US" altLang="zh-CN" dirty="0"/>
-              <a:t>B</a:t>
-            </a:r>
-            <a:endParaRPr lang="zh-CN" altLang="en-US" dirty="0"/>
-          </a:p>
-        </p:txBody>
-      </p:sp>
-    </p:spTree>
-    <p:extLst>
-      <p:ext uri="{BB962C8B-B14F-4D97-AF65-F5344CB8AC3E}">
-        <p14:creationId xmlns:p14="http://schemas.microsoft.com/office/powerpoint/2010/main" val="1663696670"/>
-      </p:ext>
-    </p:extLst>
-  </p:cSld>
-  <p:clrMapOvr>
-    <a:masterClrMapping/>
-  </p:clrMapOvr>
-</p:sld>
-</file>
-
-<file path=ppt/slides/slide2.xml><?xml version="1.0" encoding="utf-8"?>
-<p:sld xmlns:a="http://schemas.openxmlformats.org/drawingml/2006/main" xmlns:r="http://schemas.openxmlformats.org/officeDocument/2006/relationships" xmlns:p="http://schemas.openxmlformats.org/presentationml/2006/main">
-  <p:cSld>
-    <p:spTree>
-      <p:nvGrpSpPr>
-        <p:cNvPr id="1" name=""/>
-        <p:cNvGrpSpPr/>
-        <p:nvPr/>
-      </p:nvGrpSpPr>
-      <p:grpSpPr>
-        <a:xfrm>
-          <a:off x="0" y="0"/>
-          <a:ext cx="0" cy="0"/>
-          <a:chOff x="0" y="0"/>
-          <a:chExt cx="0" cy="0"/>
-        </a:xfrm>
-      </p:grpSpPr>
-      <p:sp>
-        <p:nvSpPr>
-          <p:cNvPr id="7" name="等腰三角形 6">
-            <a:extLst>
-              <a:ext uri="{FF2B5EF4-FFF2-40B4-BE49-F238E27FC236}">
-                <a16:creationId xmlns:a16="http://schemas.microsoft.com/office/drawing/2014/main" id="{77C492CA-7EB5-4B6F-95A5-58913282C951}"/>
-              </a:ext>
-            </a:extLst>
-          </p:cNvPr>
-          <p:cNvSpPr/>
-          <p:nvPr/>
-        </p:nvSpPr>
-        <p:spPr>
-          <a:xfrm>
-            <a:off x="4322882" y="1151793"/>
-            <a:ext cx="219809" cy="263770"/>
-          </a:xfrm>
-          <a:prstGeom prst="triangle">
-            <a:avLst/>
-          </a:prstGeom>
-          <a:noFill/>
-          <a:ln w="57150">
-            <a:solidFill>
-              <a:schemeClr val="tx1"/>
-            </a:solidFill>
-            <a:prstDash val="solid"/>
-          </a:ln>
-        </p:spPr>
-        <p:style>
-          <a:lnRef idx="2">
-            <a:schemeClr val="accent1">
-              <a:shade val="50000"/>
-            </a:schemeClr>
-          </a:lnRef>
-          <a:fillRef idx="1">
-            <a:schemeClr val="accent1"/>
-          </a:fillRef>
-          <a:effectRef idx="0">
-            <a:schemeClr val="accent1"/>
-          </a:effectRef>
-          <a:fontRef idx="minor">
-            <a:schemeClr val="lt1"/>
-          </a:fontRef>
-        </p:style>
-        <p:txBody>
-          <a:bodyPr rtlCol="0" anchor="ctr"/>
-          <a:lstStyle/>
-          <a:p>
-            <a:pPr algn="ctr"/>
-            <a:endParaRPr lang="zh-CN" altLang="en-US"/>
-          </a:p>
-        </p:txBody>
-      </p:sp>
-      <p:cxnSp>
-        <p:nvCxnSpPr>
-          <p:cNvPr id="8" name="直接连接符 7">
-            <a:extLst>
-              <a:ext uri="{FF2B5EF4-FFF2-40B4-BE49-F238E27FC236}">
-                <a16:creationId xmlns:a16="http://schemas.microsoft.com/office/drawing/2014/main" id="{7AA6BF19-9753-4D1B-8E68-CC9E30758870}"/>
-              </a:ext>
-            </a:extLst>
-          </p:cNvPr>
-          <p:cNvCxnSpPr>
-            <a:cxnSpLocks/>
-            <a:stCxn id="7" idx="3"/>
-            <a:endCxn id="101" idx="3"/>
-          </p:cNvCxnSpPr>
-          <p:nvPr/>
-        </p:nvCxnSpPr>
-        <p:spPr>
-          <a:xfrm flipH="1">
-            <a:off x="3935661" y="1415563"/>
-            <a:ext cx="497126" cy="1601160"/>
-          </a:xfrm>
-          <a:prstGeom prst="line">
-            <a:avLst/>
-          </a:prstGeom>
-          <a:ln w="9525" cap="rnd" cmpd="sng" algn="ctr">
-            <a:solidFill>
-              <a:schemeClr val="dk1"/>
-            </a:solidFill>
-            <a:prstDash val="dash"/>
-            <a:round/>
-            <a:headEnd type="none" w="med" len="med"/>
-            <a:tailEnd type="none" w="med" len="med"/>
-          </a:ln>
-        </p:spPr>
-        <p:style>
-          <a:lnRef idx="0">
-            <a:scrgbClr r="0" g="0" b="0"/>
-          </a:lnRef>
-          <a:fillRef idx="0">
-            <a:scrgbClr r="0" g="0" b="0"/>
-          </a:fillRef>
-          <a:effectRef idx="0">
-            <a:scrgbClr r="0" g="0" b="0"/>
-          </a:effectRef>
-          <a:fontRef idx="minor">
-            <a:schemeClr val="tx1"/>
-          </a:fontRef>
-        </p:style>
-      </p:cxnSp>
-      <p:cxnSp>
-        <p:nvCxnSpPr>
-          <p:cNvPr id="9" name="直接连接符 8">
-            <a:extLst>
-              <a:ext uri="{FF2B5EF4-FFF2-40B4-BE49-F238E27FC236}">
-                <a16:creationId xmlns:a16="http://schemas.microsoft.com/office/drawing/2014/main" id="{E74684C6-9BCE-42F0-B44B-5BB9ACDDFA4E}"/>
-              </a:ext>
-            </a:extLst>
-          </p:cNvPr>
-          <p:cNvCxnSpPr>
-            <a:cxnSpLocks/>
-            <a:stCxn id="7" idx="3"/>
-          </p:cNvCxnSpPr>
-          <p:nvPr/>
-        </p:nvCxnSpPr>
-        <p:spPr>
-          <a:xfrm>
-            <a:off x="4432787" y="1415563"/>
-            <a:ext cx="1030163" cy="3086099"/>
-          </a:xfrm>
-          <a:prstGeom prst="line">
-            <a:avLst/>
-          </a:prstGeom>
-          <a:ln w="9525" cap="flat" cmpd="sng" algn="ctr">
-            <a:solidFill>
-              <a:schemeClr val="dk1"/>
-            </a:solidFill>
-            <a:prstDash val="dash"/>
-            <a:round/>
-            <a:headEnd type="none" w="med" len="med"/>
-            <a:tailEnd type="oval" w="med" len="med"/>
-          </a:ln>
-        </p:spPr>
-        <p:style>
-          <a:lnRef idx="0">
-            <a:scrgbClr r="0" g="0" b="0"/>
-          </a:lnRef>
-          <a:fillRef idx="0">
-            <a:scrgbClr r="0" g="0" b="0"/>
-          </a:fillRef>
-          <a:effectRef idx="0">
-            <a:scrgbClr r="0" g="0" b="0"/>
-          </a:effectRef>
-          <a:fontRef idx="minor">
-            <a:schemeClr val="tx1"/>
-          </a:fontRef>
-        </p:style>
-      </p:cxnSp>
-      <p:sp>
-        <p:nvSpPr>
-          <p:cNvPr id="13" name="文本框 12">
-            <a:extLst>
-              <a:ext uri="{FF2B5EF4-FFF2-40B4-BE49-F238E27FC236}">
-                <a16:creationId xmlns:a16="http://schemas.microsoft.com/office/drawing/2014/main" id="{2E90D0BA-AC9D-431A-B2C0-31ABB595DA59}"/>
-              </a:ext>
-            </a:extLst>
-          </p:cNvPr>
-          <p:cNvSpPr txBox="1"/>
-          <p:nvPr/>
-        </p:nvSpPr>
-        <p:spPr>
-          <a:xfrm>
-            <a:off x="2791747" y="4538710"/>
-            <a:ext cx="646331" cy="369332"/>
-          </a:xfrm>
-          <a:prstGeom prst="rect">
-            <a:avLst/>
-          </a:prstGeom>
-          <a:noFill/>
-        </p:spPr>
-        <p:txBody>
-          <a:bodyPr wrap="none" rtlCol="0">
-            <a:spAutoFit/>
-          </a:bodyPr>
-          <a:lstStyle/>
-          <a:p>
-            <a:pPr algn="ctr"/>
-            <a:r>
-              <a:rPr lang="zh-CN" altLang="en-US" dirty="0"/>
-              <a:t>左眼</a:t>
-            </a:r>
-            <a:endParaRPr lang="en-US" altLang="zh-CN" dirty="0"/>
-          </a:p>
-        </p:txBody>
-      </p:sp>
-      <p:sp>
-        <p:nvSpPr>
-          <p:cNvPr id="14" name="文本框 13">
-            <a:extLst>
-              <a:ext uri="{FF2B5EF4-FFF2-40B4-BE49-F238E27FC236}">
-                <a16:creationId xmlns:a16="http://schemas.microsoft.com/office/drawing/2014/main" id="{13AE3B4F-3A9A-4001-BBFE-3E79C6EF4CA8}"/>
-              </a:ext>
-            </a:extLst>
-          </p:cNvPr>
-          <p:cNvSpPr txBox="1"/>
-          <p:nvPr/>
-        </p:nvSpPr>
-        <p:spPr>
-          <a:xfrm>
-            <a:off x="5628106" y="4543838"/>
-            <a:ext cx="646331" cy="369332"/>
-          </a:xfrm>
-          <a:prstGeom prst="rect">
-            <a:avLst/>
-          </a:prstGeom>
-          <a:noFill/>
-        </p:spPr>
-        <p:txBody>
-          <a:bodyPr wrap="none" rtlCol="0">
-            <a:spAutoFit/>
-          </a:bodyPr>
-          <a:lstStyle/>
-          <a:p>
-            <a:pPr algn="ctr"/>
-            <a:r>
-              <a:rPr lang="zh-CN" altLang="en-US" dirty="0"/>
-              <a:t>右眼</a:t>
-            </a:r>
-            <a:endParaRPr lang="en-US" altLang="zh-CN" dirty="0"/>
-          </a:p>
-        </p:txBody>
-      </p:sp>
-      <p:sp>
-        <p:nvSpPr>
-          <p:cNvPr id="15" name="文本框 14">
-            <a:extLst>
-              <a:ext uri="{FF2B5EF4-FFF2-40B4-BE49-F238E27FC236}">
-                <a16:creationId xmlns:a16="http://schemas.microsoft.com/office/drawing/2014/main" id="{C4D74B47-C864-45C7-8011-E528B3D628B4}"/>
-              </a:ext>
-            </a:extLst>
-          </p:cNvPr>
-          <p:cNvSpPr txBox="1"/>
-          <p:nvPr/>
-        </p:nvSpPr>
-        <p:spPr>
-          <a:xfrm>
-            <a:off x="4672717" y="1099012"/>
-            <a:ext cx="1569660" cy="369332"/>
-          </a:xfrm>
-          <a:prstGeom prst="rect">
-            <a:avLst/>
-          </a:prstGeom>
-          <a:noFill/>
-        </p:spPr>
-        <p:txBody>
-          <a:bodyPr wrap="none" rtlCol="0">
-            <a:spAutoFit/>
-          </a:bodyPr>
-          <a:lstStyle/>
-          <a:p>
-            <a:r>
-              <a:rPr lang="zh-CN" altLang="en-US" dirty="0"/>
-              <a:t>感知物体位置</a:t>
-            </a:r>
-          </a:p>
-        </p:txBody>
-      </p:sp>
-      <p:grpSp>
-        <p:nvGrpSpPr>
-          <p:cNvPr id="92" name="组合 91">
-            <a:extLst>
-              <a:ext uri="{FF2B5EF4-FFF2-40B4-BE49-F238E27FC236}">
-                <a16:creationId xmlns:a16="http://schemas.microsoft.com/office/drawing/2014/main" id="{70328A11-CF64-4A9D-800D-48C23171DDFE}"/>
-              </a:ext>
-            </a:extLst>
-          </p:cNvPr>
-          <p:cNvGrpSpPr/>
-          <p:nvPr/>
-        </p:nvGrpSpPr>
-        <p:grpSpPr>
-          <a:xfrm rot="913307">
-            <a:off x="3038474" y="3657600"/>
-            <a:ext cx="1170011" cy="844062"/>
-            <a:chOff x="3038474" y="3657600"/>
-            <a:chExt cx="1170011" cy="844062"/>
+            <a:off x="3068515" y="1099012"/>
+            <a:ext cx="2750519" cy="3822023"/>
+            <a:chOff x="3068515" y="1099012"/>
+            <a:chExt cx="2750519" cy="3822023"/>
           </a:xfrm>
         </p:grpSpPr>
         <p:grpSp>
           <p:nvGrpSpPr>
-            <p:cNvPr id="4" name="组合 3">
+            <p:cNvPr id="11" name="组合 10">
               <a:extLst>
                 <a:ext uri="{FF2B5EF4-FFF2-40B4-BE49-F238E27FC236}">
-                  <a16:creationId xmlns:a16="http://schemas.microsoft.com/office/drawing/2014/main" id="{62BACEA8-4D91-4334-B84D-1152C99C9376}"/>
+                  <a16:creationId xmlns:a16="http://schemas.microsoft.com/office/drawing/2014/main" id="{FBC5E1A2-831F-40DC-B579-249AE8729806}"/>
                 </a:ext>
               </a:extLst>
             </p:cNvPr>
@@ -5358,10 +4909,10 @@
           </p:grpSpPr>
           <p:sp>
             <p:nvSpPr>
-              <p:cNvPr id="5" name="椭圆 4">
+              <p:cNvPr id="4" name="椭圆 3">
                 <a:extLst>
                   <a:ext uri="{FF2B5EF4-FFF2-40B4-BE49-F238E27FC236}">
-                    <a16:creationId xmlns:a16="http://schemas.microsoft.com/office/drawing/2014/main" id="{00089036-9AF3-4823-805C-C0D2A991AF3D}"/>
+                    <a16:creationId xmlns:a16="http://schemas.microsoft.com/office/drawing/2014/main" id="{5AA9C258-BC62-49B9-AFB3-38224B0BF08F}"/>
                   </a:ext>
                 </a:extLst>
               </p:cNvPr>
@@ -5410,10 +4961,10 @@
           </p:sp>
           <p:cxnSp>
             <p:nvCxnSpPr>
-              <p:cNvPr id="6" name="直接连接符 5">
+              <p:cNvPr id="7" name="直接连接符 6">
                 <a:extLst>
                   <a:ext uri="{FF2B5EF4-FFF2-40B4-BE49-F238E27FC236}">
-                    <a16:creationId xmlns:a16="http://schemas.microsoft.com/office/drawing/2014/main" id="{8172594B-FC82-4160-BC66-C0132AC8FF1F}"/>
+                    <a16:creationId xmlns:a16="http://schemas.microsoft.com/office/drawing/2014/main" id="{30D83CC9-758A-4689-9EAC-AF3164838562}"/>
                   </a:ext>
                 </a:extLst>
               </p:cNvPr>
@@ -5450,36 +5001,88 @@
             </p:style>
           </p:cxnSp>
         </p:grpSp>
+        <p:sp>
+          <p:nvSpPr>
+            <p:cNvPr id="10" name="等腰三角形 9">
+              <a:extLst>
+                <a:ext uri="{FF2B5EF4-FFF2-40B4-BE49-F238E27FC236}">
+                  <a16:creationId xmlns:a16="http://schemas.microsoft.com/office/drawing/2014/main" id="{B3656AAF-163D-4492-9F22-388864A91B60}"/>
+                </a:ext>
+              </a:extLst>
+            </p:cNvPr>
+            <p:cNvSpPr/>
+            <p:nvPr/>
+          </p:nvSpPr>
+          <p:spPr>
+            <a:xfrm>
+              <a:off x="4322882" y="1151793"/>
+              <a:ext cx="219809" cy="263770"/>
+            </a:xfrm>
+            <a:prstGeom prst="triangle">
+              <a:avLst/>
+            </a:prstGeom>
+            <a:noFill/>
+            <a:ln w="57150">
+              <a:solidFill>
+                <a:schemeClr val="tx1"/>
+              </a:solidFill>
+            </a:ln>
+          </p:spPr>
+          <p:style>
+            <a:lnRef idx="2">
+              <a:schemeClr val="accent1">
+                <a:shade val="50000"/>
+              </a:schemeClr>
+            </a:lnRef>
+            <a:fillRef idx="1">
+              <a:schemeClr val="accent1"/>
+            </a:fillRef>
+            <a:effectRef idx="0">
+              <a:schemeClr val="accent1"/>
+            </a:effectRef>
+            <a:fontRef idx="minor">
+              <a:schemeClr val="lt1"/>
+            </a:fontRef>
+          </p:style>
+          <p:txBody>
+            <a:bodyPr rtlCol="0" anchor="ctr"/>
+            <a:lstStyle/>
+            <a:p>
+              <a:pPr algn="ctr"/>
+              <a:endParaRPr lang="zh-CN" altLang="en-US"/>
+            </a:p>
+          </p:txBody>
+        </p:sp>
         <p:cxnSp>
           <p:nvCxnSpPr>
-            <p:cNvPr id="21" name="直接连接符 20">
+            <p:cNvPr id="14" name="直接连接符 13">
               <a:extLst>
                 <a:ext uri="{FF2B5EF4-FFF2-40B4-BE49-F238E27FC236}">
-                  <a16:creationId xmlns:a16="http://schemas.microsoft.com/office/drawing/2014/main" id="{92C679EF-0D83-413E-9C32-DC0AF7ECFA09}"/>
+                  <a16:creationId xmlns:a16="http://schemas.microsoft.com/office/drawing/2014/main" id="{1A710B99-4100-43E0-84D3-A21017E47AAD}"/>
                 </a:ext>
               </a:extLst>
             </p:cNvPr>
             <p:cNvCxnSpPr>
-              <a:cxnSpLocks/>
+              <a:stCxn id="10" idx="3"/>
             </p:cNvCxnSpPr>
             <p:nvPr/>
           </p:nvCxnSpPr>
           <p:spPr>
-            <a:xfrm>
-              <a:off x="3038474" y="3657600"/>
-              <a:ext cx="1170011" cy="0"/>
+            <a:xfrm flipH="1">
+              <a:off x="3402623" y="1415563"/>
+              <a:ext cx="1030164" cy="3086099"/>
             </a:xfrm>
             <a:prstGeom prst="line">
               <a:avLst/>
             </a:prstGeom>
-            <a:ln w="15875" cap="flat" cmpd="sng" algn="ctr">
+            <a:ln w="9525" cap="rnd" cmpd="sng" algn="ctr">
               <a:solidFill>
                 <a:schemeClr val="dk1"/>
               </a:solidFill>
               <a:prstDash val="dash"/>
               <a:round/>
               <a:headEnd type="none" w="med" len="med"/>
-              <a:tailEnd type="none" w="med" len="med"/>
+              <a:tailEnd type="oval" w="med" len="med"/>
             </a:ln>
           </p:spPr>
           <p:style>
@@ -5497,33 +5100,60 @@
             </a:fontRef>
           </p:style>
         </p:cxnSp>
-      </p:grpSp>
-      <p:grpSp>
-        <p:nvGrpSpPr>
-          <p:cNvPr id="93" name="组合 92">
-            <a:extLst>
-              <a:ext uri="{FF2B5EF4-FFF2-40B4-BE49-F238E27FC236}">
-                <a16:creationId xmlns:a16="http://schemas.microsoft.com/office/drawing/2014/main" id="{FA2D2CDF-D5B5-4107-A45C-1C3A02C96707}"/>
-              </a:ext>
-            </a:extLst>
-          </p:cNvPr>
-          <p:cNvGrpSpPr/>
-          <p:nvPr/>
-        </p:nvGrpSpPr>
-        <p:grpSpPr>
-          <a:xfrm rot="20495443">
-            <a:off x="4757261" y="3672610"/>
-            <a:ext cx="1116324" cy="857737"/>
-            <a:chOff x="4702710" y="3643925"/>
-            <a:chExt cx="1116324" cy="857737"/>
-          </a:xfrm>
-        </p:grpSpPr>
+        <p:cxnSp>
+          <p:nvCxnSpPr>
+            <p:cNvPr id="15" name="直接连接符 14">
+              <a:extLst>
+                <a:ext uri="{FF2B5EF4-FFF2-40B4-BE49-F238E27FC236}">
+                  <a16:creationId xmlns:a16="http://schemas.microsoft.com/office/drawing/2014/main" id="{2CAA4937-5401-4B4B-952E-7B761D04C1D1}"/>
+                </a:ext>
+              </a:extLst>
+            </p:cNvPr>
+            <p:cNvCxnSpPr>
+              <a:cxnSpLocks/>
+              <a:stCxn id="10" idx="3"/>
+            </p:cNvCxnSpPr>
+            <p:nvPr/>
+          </p:nvCxnSpPr>
+          <p:spPr>
+            <a:xfrm>
+              <a:off x="4432787" y="1415563"/>
+              <a:ext cx="1030163" cy="3086099"/>
+            </a:xfrm>
+            <a:prstGeom prst="line">
+              <a:avLst/>
+            </a:prstGeom>
+            <a:ln w="9525" cap="flat" cmpd="sng" algn="ctr">
+              <a:solidFill>
+                <a:schemeClr val="dk1"/>
+              </a:solidFill>
+              <a:prstDash val="dash"/>
+              <a:round/>
+              <a:headEnd type="none" w="med" len="med"/>
+              <a:tailEnd type="oval" w="med" len="med"/>
+            </a:ln>
+          </p:spPr>
+          <p:style>
+            <a:lnRef idx="0">
+              <a:scrgbClr r="0" g="0" b="0"/>
+            </a:lnRef>
+            <a:fillRef idx="0">
+              <a:scrgbClr r="0" g="0" b="0"/>
+            </a:fillRef>
+            <a:effectRef idx="0">
+              <a:scrgbClr r="0" g="0" b="0"/>
+            </a:effectRef>
+            <a:fontRef idx="minor">
+              <a:schemeClr val="tx1"/>
+            </a:fontRef>
+          </p:style>
+        </p:cxnSp>
         <p:grpSp>
           <p:nvGrpSpPr>
-            <p:cNvPr id="10" name="组合 9">
+            <p:cNvPr id="18" name="组合 17">
               <a:extLst>
                 <a:ext uri="{FF2B5EF4-FFF2-40B4-BE49-F238E27FC236}">
-                  <a16:creationId xmlns:a16="http://schemas.microsoft.com/office/drawing/2014/main" id="{C6CB8AD7-A895-4429-B06E-03368746993D}"/>
+                  <a16:creationId xmlns:a16="http://schemas.microsoft.com/office/drawing/2014/main" id="{E45BC070-3A03-4209-A64F-9518A4187B6F}"/>
                 </a:ext>
               </a:extLst>
             </p:cNvPr>
@@ -5540,10 +5170,10 @@
           </p:grpSpPr>
           <p:sp>
             <p:nvSpPr>
-              <p:cNvPr id="11" name="椭圆 10">
+              <p:cNvPr id="19" name="椭圆 18">
                 <a:extLst>
                   <a:ext uri="{FF2B5EF4-FFF2-40B4-BE49-F238E27FC236}">
-                    <a16:creationId xmlns:a16="http://schemas.microsoft.com/office/drawing/2014/main" id="{E16A3B47-7162-45D3-A20B-10435833FC56}"/>
+                    <a16:creationId xmlns:a16="http://schemas.microsoft.com/office/drawing/2014/main" id="{1E43CB9E-5677-40A8-B7AA-9CCA86BAC2FC}"/>
                   </a:ext>
                 </a:extLst>
               </p:cNvPr>
@@ -5592,10 +5222,10 @@
           </p:sp>
           <p:cxnSp>
             <p:nvCxnSpPr>
-              <p:cNvPr id="12" name="直接连接符 11">
+              <p:cNvPr id="20" name="直接连接符 19">
                 <a:extLst>
                   <a:ext uri="{FF2B5EF4-FFF2-40B4-BE49-F238E27FC236}">
-                    <a16:creationId xmlns:a16="http://schemas.microsoft.com/office/drawing/2014/main" id="{6EB33CBF-2230-4944-958F-5425D3EE8DAF}"/>
+                    <a16:creationId xmlns:a16="http://schemas.microsoft.com/office/drawing/2014/main" id="{E786B2E7-206F-4B41-B6EB-071B5A3ABAD5}"/>
                   </a:ext>
                 </a:extLst>
               </p:cNvPr>
@@ -5632,12 +5262,587 @@
             </p:style>
           </p:cxnSp>
         </p:grpSp>
+        <p:sp>
+          <p:nvSpPr>
+            <p:cNvPr id="21" name="文本框 20">
+              <a:extLst>
+                <a:ext uri="{FF2B5EF4-FFF2-40B4-BE49-F238E27FC236}">
+                  <a16:creationId xmlns:a16="http://schemas.microsoft.com/office/drawing/2014/main" id="{4473194B-DA25-44D3-A7A7-2CD555C7C37F}"/>
+                </a:ext>
+              </a:extLst>
+            </p:cNvPr>
+            <p:cNvSpPr txBox="1"/>
+            <p:nvPr/>
+          </p:nvSpPr>
+          <p:spPr>
+            <a:xfrm>
+              <a:off x="3271374" y="4551703"/>
+              <a:ext cx="646331" cy="369332"/>
+            </a:xfrm>
+            <a:prstGeom prst="rect">
+              <a:avLst/>
+            </a:prstGeom>
+            <a:noFill/>
+          </p:spPr>
+          <p:txBody>
+            <a:bodyPr wrap="none" rtlCol="0">
+              <a:spAutoFit/>
+            </a:bodyPr>
+            <a:lstStyle/>
+            <a:p>
+              <a:pPr algn="ctr"/>
+              <a:r>
+                <a:rPr lang="zh-CN" altLang="en-US" dirty="0"/>
+                <a:t>左眼</a:t>
+              </a:r>
+              <a:endParaRPr lang="en-US" altLang="zh-CN" dirty="0"/>
+            </a:p>
+          </p:txBody>
+        </p:sp>
+        <p:sp>
+          <p:nvSpPr>
+            <p:cNvPr id="22" name="文本框 21">
+              <a:extLst>
+                <a:ext uri="{FF2B5EF4-FFF2-40B4-BE49-F238E27FC236}">
+                  <a16:creationId xmlns:a16="http://schemas.microsoft.com/office/drawing/2014/main" id="{586BB84E-F2AE-4655-BCAD-03EAD05CB844}"/>
+                </a:ext>
+              </a:extLst>
+            </p:cNvPr>
+            <p:cNvSpPr txBox="1"/>
+            <p:nvPr/>
+          </p:nvSpPr>
+          <p:spPr>
+            <a:xfrm>
+              <a:off x="4947868" y="4551703"/>
+              <a:ext cx="646331" cy="369332"/>
+            </a:xfrm>
+            <a:prstGeom prst="rect">
+              <a:avLst/>
+            </a:prstGeom>
+            <a:noFill/>
+          </p:spPr>
+          <p:txBody>
+            <a:bodyPr wrap="none" rtlCol="0">
+              <a:spAutoFit/>
+            </a:bodyPr>
+            <a:lstStyle/>
+            <a:p>
+              <a:pPr algn="ctr"/>
+              <a:r>
+                <a:rPr lang="zh-CN" altLang="en-US" dirty="0"/>
+                <a:t>右眼</a:t>
+              </a:r>
+              <a:endParaRPr lang="en-US" altLang="zh-CN" dirty="0"/>
+            </a:p>
+          </p:txBody>
+        </p:sp>
+        <p:sp>
+          <p:nvSpPr>
+            <p:cNvPr id="23" name="文本框 22">
+              <a:extLst>
+                <a:ext uri="{FF2B5EF4-FFF2-40B4-BE49-F238E27FC236}">
+                  <a16:creationId xmlns:a16="http://schemas.microsoft.com/office/drawing/2014/main" id="{5A80E5E3-31C2-4C80-BBB4-33D6C7631ED7}"/>
+                </a:ext>
+              </a:extLst>
+            </p:cNvPr>
+            <p:cNvSpPr txBox="1"/>
+            <p:nvPr/>
+          </p:nvSpPr>
+          <p:spPr>
+            <a:xfrm>
+              <a:off x="4613933" y="1099012"/>
+              <a:ext cx="649537" cy="369332"/>
+            </a:xfrm>
+            <a:prstGeom prst="rect">
+              <a:avLst/>
+            </a:prstGeom>
+            <a:noFill/>
+          </p:spPr>
+          <p:txBody>
+            <a:bodyPr wrap="none" rtlCol="0">
+              <a:spAutoFit/>
+            </a:bodyPr>
+            <a:lstStyle/>
+            <a:p>
+              <a:r>
+                <a:rPr lang="zh-CN" altLang="en-US" dirty="0"/>
+                <a:t>物体</a:t>
+              </a:r>
+            </a:p>
+          </p:txBody>
+        </p:sp>
+        <p:sp>
+          <p:nvSpPr>
+            <p:cNvPr id="24" name="文本框 23">
+              <a:extLst>
+                <a:ext uri="{FF2B5EF4-FFF2-40B4-BE49-F238E27FC236}">
+                  <a16:creationId xmlns:a16="http://schemas.microsoft.com/office/drawing/2014/main" id="{185C1E56-A9E3-4EFB-B78F-6B20D19FC825}"/>
+                </a:ext>
+              </a:extLst>
+            </p:cNvPr>
+            <p:cNvSpPr txBox="1"/>
+            <p:nvPr/>
+          </p:nvSpPr>
+          <p:spPr>
+            <a:xfrm>
+              <a:off x="3086351" y="4132331"/>
+              <a:ext cx="332142" cy="369332"/>
+            </a:xfrm>
+            <a:prstGeom prst="rect">
+              <a:avLst/>
+            </a:prstGeom>
+            <a:noFill/>
+          </p:spPr>
+          <p:txBody>
+            <a:bodyPr wrap="none" rtlCol="0">
+              <a:spAutoFit/>
+            </a:bodyPr>
+            <a:lstStyle/>
+            <a:p>
+              <a:r>
+                <a:rPr lang="en-US" altLang="zh-CN" dirty="0"/>
+                <a:t>A</a:t>
+              </a:r>
+              <a:endParaRPr lang="zh-CN" altLang="en-US" dirty="0"/>
+            </a:p>
+          </p:txBody>
+        </p:sp>
+        <p:sp>
+          <p:nvSpPr>
+            <p:cNvPr id="25" name="文本框 24">
+              <a:extLst>
+                <a:ext uri="{FF2B5EF4-FFF2-40B4-BE49-F238E27FC236}">
+                  <a16:creationId xmlns:a16="http://schemas.microsoft.com/office/drawing/2014/main" id="{F781D39F-4149-4BB4-AD2F-ECECDD20DBFB}"/>
+                </a:ext>
+              </a:extLst>
+            </p:cNvPr>
+            <p:cNvSpPr txBox="1"/>
+            <p:nvPr/>
+          </p:nvSpPr>
+          <p:spPr>
+            <a:xfrm>
+              <a:off x="4683373" y="4132330"/>
+              <a:ext cx="372218" cy="369332"/>
+            </a:xfrm>
+            <a:prstGeom prst="rect">
+              <a:avLst/>
+            </a:prstGeom>
+            <a:noFill/>
+          </p:spPr>
+          <p:txBody>
+            <a:bodyPr wrap="none" rtlCol="0">
+              <a:spAutoFit/>
+            </a:bodyPr>
+            <a:lstStyle/>
+            <a:p>
+              <a:r>
+                <a:rPr lang="en-US" altLang="zh-CN" dirty="0"/>
+                <a:t>A</a:t>
+              </a:r>
+              <a:r>
+                <a:rPr lang="en-US" altLang="zh-CN" b="1" baseline="30000" dirty="0"/>
+                <a:t>’</a:t>
+              </a:r>
+              <a:endParaRPr lang="zh-CN" altLang="en-US" b="1" dirty="0"/>
+            </a:p>
+          </p:txBody>
+        </p:sp>
+        <p:cxnSp>
+          <p:nvCxnSpPr>
+            <p:cNvPr id="27" name="直接连接符 26">
+              <a:extLst>
+                <a:ext uri="{FF2B5EF4-FFF2-40B4-BE49-F238E27FC236}">
+                  <a16:creationId xmlns:a16="http://schemas.microsoft.com/office/drawing/2014/main" id="{3346734D-69A4-4E4E-89F5-11580E0268BB}"/>
+                </a:ext>
+              </a:extLst>
+            </p:cNvPr>
+            <p:cNvCxnSpPr>
+              <a:cxnSpLocks/>
+            </p:cNvCxnSpPr>
+            <p:nvPr/>
+          </p:nvCxnSpPr>
+          <p:spPr>
+            <a:xfrm>
+              <a:off x="4987944" y="4501662"/>
+              <a:ext cx="59461" cy="0"/>
+            </a:xfrm>
+            <a:prstGeom prst="line">
+              <a:avLst/>
+            </a:prstGeom>
+            <a:ln>
+              <a:solidFill>
+                <a:schemeClr val="tx1"/>
+              </a:solidFill>
+              <a:tailEnd type="oval"/>
+            </a:ln>
+          </p:spPr>
+          <p:style>
+            <a:lnRef idx="1">
+              <a:schemeClr val="accent1"/>
+            </a:lnRef>
+            <a:fillRef idx="0">
+              <a:schemeClr val="accent1"/>
+            </a:fillRef>
+            <a:effectRef idx="0">
+              <a:schemeClr val="accent1"/>
+            </a:effectRef>
+            <a:fontRef idx="minor">
+              <a:schemeClr val="tx1"/>
+            </a:fontRef>
+          </p:style>
+        </p:cxnSp>
+        <p:sp>
+          <p:nvSpPr>
+            <p:cNvPr id="29" name="文本框 28">
+              <a:extLst>
+                <a:ext uri="{FF2B5EF4-FFF2-40B4-BE49-F238E27FC236}">
+                  <a16:creationId xmlns:a16="http://schemas.microsoft.com/office/drawing/2014/main" id="{769B5860-93C7-4B10-93E7-7B74BE3A88A0}"/>
+                </a:ext>
+              </a:extLst>
+            </p:cNvPr>
+            <p:cNvSpPr txBox="1"/>
+            <p:nvPr/>
+          </p:nvSpPr>
+          <p:spPr>
+            <a:xfrm>
+              <a:off x="5416402" y="4132330"/>
+              <a:ext cx="312906" cy="369332"/>
+            </a:xfrm>
+            <a:prstGeom prst="rect">
+              <a:avLst/>
+            </a:prstGeom>
+            <a:noFill/>
+          </p:spPr>
+          <p:txBody>
+            <a:bodyPr wrap="none" rtlCol="0">
+              <a:spAutoFit/>
+            </a:bodyPr>
+            <a:lstStyle/>
+            <a:p>
+              <a:r>
+                <a:rPr lang="en-US" altLang="zh-CN" dirty="0"/>
+                <a:t>B</a:t>
+              </a:r>
+              <a:endParaRPr lang="zh-CN" altLang="en-US" dirty="0"/>
+            </a:p>
+          </p:txBody>
+        </p:sp>
+      </p:grpSp>
+    </p:spTree>
+    <p:extLst>
+      <p:ext uri="{BB962C8B-B14F-4D97-AF65-F5344CB8AC3E}">
+        <p14:creationId xmlns:p14="http://schemas.microsoft.com/office/powerpoint/2010/main" val="1663696670"/>
+      </p:ext>
+    </p:extLst>
+  </p:cSld>
+  <p:clrMapOvr>
+    <a:masterClrMapping/>
+  </p:clrMapOvr>
+</p:sld>
+</file>
+
+<file path=ppt/slides/slide2.xml><?xml version="1.0" encoding="utf-8"?>
+<p:sld xmlns:a="http://schemas.openxmlformats.org/drawingml/2006/main" xmlns:r="http://schemas.openxmlformats.org/officeDocument/2006/relationships" xmlns:p="http://schemas.openxmlformats.org/presentationml/2006/main">
+  <p:cSld>
+    <p:spTree>
+      <p:nvGrpSpPr>
+        <p:cNvPr id="1" name=""/>
+        <p:cNvGrpSpPr/>
+        <p:nvPr/>
+      </p:nvGrpSpPr>
+      <p:grpSpPr>
+        <a:xfrm>
+          <a:off x="0" y="0"/>
+          <a:ext cx="0" cy="0"/>
+          <a:chOff x="0" y="0"/>
+          <a:chExt cx="0" cy="0"/>
+        </a:xfrm>
+      </p:grpSpPr>
+      <p:grpSp>
+        <p:nvGrpSpPr>
+          <p:cNvPr id="2" name="组合 1">
+            <a:extLst>
+              <a:ext uri="{FF2B5EF4-FFF2-40B4-BE49-F238E27FC236}">
+                <a16:creationId xmlns:a16="http://schemas.microsoft.com/office/drawing/2014/main" id="{4CF713C5-0AF0-42C9-8753-15AC453ABD90}"/>
+              </a:ext>
+            </a:extLst>
+          </p:cNvPr>
+          <p:cNvGrpSpPr/>
+          <p:nvPr/>
+        </p:nvGrpSpPr>
+        <p:grpSpPr>
+          <a:xfrm>
+            <a:off x="2791747" y="1099012"/>
+            <a:ext cx="3482690" cy="3814158"/>
+            <a:chOff x="2791747" y="1099012"/>
+            <a:chExt cx="3482690" cy="3814158"/>
+          </a:xfrm>
+        </p:grpSpPr>
+        <p:sp>
+          <p:nvSpPr>
+            <p:cNvPr id="7" name="等腰三角形 6">
+              <a:extLst>
+                <a:ext uri="{FF2B5EF4-FFF2-40B4-BE49-F238E27FC236}">
+                  <a16:creationId xmlns:a16="http://schemas.microsoft.com/office/drawing/2014/main" id="{77C492CA-7EB5-4B6F-95A5-58913282C951}"/>
+                </a:ext>
+              </a:extLst>
+            </p:cNvPr>
+            <p:cNvSpPr/>
+            <p:nvPr/>
+          </p:nvSpPr>
+          <p:spPr>
+            <a:xfrm>
+              <a:off x="4322882" y="1151793"/>
+              <a:ext cx="219809" cy="263770"/>
+            </a:xfrm>
+            <a:prstGeom prst="triangle">
+              <a:avLst/>
+            </a:prstGeom>
+            <a:noFill/>
+            <a:ln w="57150">
+              <a:solidFill>
+                <a:schemeClr val="tx1"/>
+              </a:solidFill>
+              <a:prstDash val="solid"/>
+            </a:ln>
+          </p:spPr>
+          <p:style>
+            <a:lnRef idx="2">
+              <a:schemeClr val="accent1">
+                <a:shade val="50000"/>
+              </a:schemeClr>
+            </a:lnRef>
+            <a:fillRef idx="1">
+              <a:schemeClr val="accent1"/>
+            </a:fillRef>
+            <a:effectRef idx="0">
+              <a:schemeClr val="accent1"/>
+            </a:effectRef>
+            <a:fontRef idx="minor">
+              <a:schemeClr val="lt1"/>
+            </a:fontRef>
+          </p:style>
+          <p:txBody>
+            <a:bodyPr rtlCol="0" anchor="ctr"/>
+            <a:lstStyle/>
+            <a:p>
+              <a:pPr algn="ctr"/>
+              <a:endParaRPr lang="zh-CN" altLang="en-US"/>
+            </a:p>
+          </p:txBody>
+        </p:sp>
+        <p:cxnSp>
+          <p:nvCxnSpPr>
+            <p:cNvPr id="8" name="直接连接符 7">
+              <a:extLst>
+                <a:ext uri="{FF2B5EF4-FFF2-40B4-BE49-F238E27FC236}">
+                  <a16:creationId xmlns:a16="http://schemas.microsoft.com/office/drawing/2014/main" id="{7AA6BF19-9753-4D1B-8E68-CC9E30758870}"/>
+                </a:ext>
+              </a:extLst>
+            </p:cNvPr>
+            <p:cNvCxnSpPr>
+              <a:cxnSpLocks/>
+              <a:stCxn id="7" idx="3"/>
+              <a:endCxn id="101" idx="3"/>
+            </p:cNvCxnSpPr>
+            <p:nvPr/>
+          </p:nvCxnSpPr>
+          <p:spPr>
+            <a:xfrm flipH="1">
+              <a:off x="3935661" y="1415563"/>
+              <a:ext cx="497126" cy="1601160"/>
+            </a:xfrm>
+            <a:prstGeom prst="line">
+              <a:avLst/>
+            </a:prstGeom>
+            <a:ln w="9525" cap="rnd" cmpd="sng" algn="ctr">
+              <a:solidFill>
+                <a:schemeClr val="dk1"/>
+              </a:solidFill>
+              <a:prstDash val="dash"/>
+              <a:round/>
+              <a:headEnd type="none" w="med" len="med"/>
+              <a:tailEnd type="none" w="med" len="med"/>
+            </a:ln>
+          </p:spPr>
+          <p:style>
+            <a:lnRef idx="0">
+              <a:scrgbClr r="0" g="0" b="0"/>
+            </a:lnRef>
+            <a:fillRef idx="0">
+              <a:scrgbClr r="0" g="0" b="0"/>
+            </a:fillRef>
+            <a:effectRef idx="0">
+              <a:scrgbClr r="0" g="0" b="0"/>
+            </a:effectRef>
+            <a:fontRef idx="minor">
+              <a:schemeClr val="tx1"/>
+            </a:fontRef>
+          </p:style>
+        </p:cxnSp>
+        <p:cxnSp>
+          <p:nvCxnSpPr>
+            <p:cNvPr id="9" name="直接连接符 8">
+              <a:extLst>
+                <a:ext uri="{FF2B5EF4-FFF2-40B4-BE49-F238E27FC236}">
+                  <a16:creationId xmlns:a16="http://schemas.microsoft.com/office/drawing/2014/main" id="{E74684C6-9BCE-42F0-B44B-5BB9ACDDFA4E}"/>
+                </a:ext>
+              </a:extLst>
+            </p:cNvPr>
+            <p:cNvCxnSpPr>
+              <a:cxnSpLocks/>
+              <a:stCxn id="7" idx="3"/>
+            </p:cNvCxnSpPr>
+            <p:nvPr/>
+          </p:nvCxnSpPr>
+          <p:spPr>
+            <a:xfrm>
+              <a:off x="4432787" y="1415563"/>
+              <a:ext cx="1030163" cy="3086099"/>
+            </a:xfrm>
+            <a:prstGeom prst="line">
+              <a:avLst/>
+            </a:prstGeom>
+            <a:ln w="9525" cap="flat" cmpd="sng" algn="ctr">
+              <a:solidFill>
+                <a:schemeClr val="dk1"/>
+              </a:solidFill>
+              <a:prstDash val="dash"/>
+              <a:round/>
+              <a:headEnd type="none" w="med" len="med"/>
+              <a:tailEnd type="oval" w="med" len="med"/>
+            </a:ln>
+          </p:spPr>
+          <p:style>
+            <a:lnRef idx="0">
+              <a:scrgbClr r="0" g="0" b="0"/>
+            </a:lnRef>
+            <a:fillRef idx="0">
+              <a:scrgbClr r="0" g="0" b="0"/>
+            </a:fillRef>
+            <a:effectRef idx="0">
+              <a:scrgbClr r="0" g="0" b="0"/>
+            </a:effectRef>
+            <a:fontRef idx="minor">
+              <a:schemeClr val="tx1"/>
+            </a:fontRef>
+          </p:style>
+        </p:cxnSp>
+        <p:sp>
+          <p:nvSpPr>
+            <p:cNvPr id="13" name="文本框 12">
+              <a:extLst>
+                <a:ext uri="{FF2B5EF4-FFF2-40B4-BE49-F238E27FC236}">
+                  <a16:creationId xmlns:a16="http://schemas.microsoft.com/office/drawing/2014/main" id="{2E90D0BA-AC9D-431A-B2C0-31ABB595DA59}"/>
+                </a:ext>
+              </a:extLst>
+            </p:cNvPr>
+            <p:cNvSpPr txBox="1"/>
+            <p:nvPr/>
+          </p:nvSpPr>
+          <p:spPr>
+            <a:xfrm>
+              <a:off x="2791747" y="4538710"/>
+              <a:ext cx="646331" cy="369332"/>
+            </a:xfrm>
+            <a:prstGeom prst="rect">
+              <a:avLst/>
+            </a:prstGeom>
+            <a:noFill/>
+          </p:spPr>
+          <p:txBody>
+            <a:bodyPr wrap="none" rtlCol="0">
+              <a:spAutoFit/>
+            </a:bodyPr>
+            <a:lstStyle/>
+            <a:p>
+              <a:pPr algn="ctr"/>
+              <a:r>
+                <a:rPr lang="zh-CN" altLang="en-US" dirty="0"/>
+                <a:t>左眼</a:t>
+              </a:r>
+              <a:endParaRPr lang="en-US" altLang="zh-CN" dirty="0"/>
+            </a:p>
+          </p:txBody>
+        </p:sp>
+        <p:sp>
+          <p:nvSpPr>
+            <p:cNvPr id="14" name="文本框 13">
+              <a:extLst>
+                <a:ext uri="{FF2B5EF4-FFF2-40B4-BE49-F238E27FC236}">
+                  <a16:creationId xmlns:a16="http://schemas.microsoft.com/office/drawing/2014/main" id="{13AE3B4F-3A9A-4001-BBFE-3E79C6EF4CA8}"/>
+                </a:ext>
+              </a:extLst>
+            </p:cNvPr>
+            <p:cNvSpPr txBox="1"/>
+            <p:nvPr/>
+          </p:nvSpPr>
+          <p:spPr>
+            <a:xfrm>
+              <a:off x="5628106" y="4543838"/>
+              <a:ext cx="646331" cy="369332"/>
+            </a:xfrm>
+            <a:prstGeom prst="rect">
+              <a:avLst/>
+            </a:prstGeom>
+            <a:noFill/>
+          </p:spPr>
+          <p:txBody>
+            <a:bodyPr wrap="none" rtlCol="0">
+              <a:spAutoFit/>
+            </a:bodyPr>
+            <a:lstStyle/>
+            <a:p>
+              <a:pPr algn="ctr"/>
+              <a:r>
+                <a:rPr lang="zh-CN" altLang="en-US" dirty="0"/>
+                <a:t>右眼</a:t>
+              </a:r>
+              <a:endParaRPr lang="en-US" altLang="zh-CN" dirty="0"/>
+            </a:p>
+          </p:txBody>
+        </p:sp>
+        <p:sp>
+          <p:nvSpPr>
+            <p:cNvPr id="15" name="文本框 14">
+              <a:extLst>
+                <a:ext uri="{FF2B5EF4-FFF2-40B4-BE49-F238E27FC236}">
+                  <a16:creationId xmlns:a16="http://schemas.microsoft.com/office/drawing/2014/main" id="{C4D74B47-C864-45C7-8011-E528B3D628B4}"/>
+                </a:ext>
+              </a:extLst>
+            </p:cNvPr>
+            <p:cNvSpPr txBox="1"/>
+            <p:nvPr/>
+          </p:nvSpPr>
+          <p:spPr>
+            <a:xfrm>
+              <a:off x="4672717" y="1099012"/>
+              <a:ext cx="1569660" cy="369332"/>
+            </a:xfrm>
+            <a:prstGeom prst="rect">
+              <a:avLst/>
+            </a:prstGeom>
+            <a:noFill/>
+          </p:spPr>
+          <p:txBody>
+            <a:bodyPr wrap="none" rtlCol="0">
+              <a:spAutoFit/>
+            </a:bodyPr>
+            <a:lstStyle/>
+            <a:p>
+              <a:r>
+                <a:rPr lang="zh-CN" altLang="en-US" dirty="0"/>
+                <a:t>感知物体位置</a:t>
+              </a:r>
+            </a:p>
+          </p:txBody>
+        </p:sp>
         <p:grpSp>
           <p:nvGrpSpPr>
-            <p:cNvPr id="91" name="组合 90">
+            <p:cNvPr id="92" name="组合 91">
               <a:extLst>
                 <a:ext uri="{FF2B5EF4-FFF2-40B4-BE49-F238E27FC236}">
-                  <a16:creationId xmlns:a16="http://schemas.microsoft.com/office/drawing/2014/main" id="{C50791F9-D906-4AB6-952F-159E5C9B9AFE}"/>
+                  <a16:creationId xmlns:a16="http://schemas.microsoft.com/office/drawing/2014/main" id="{70328A11-CF64-4A9D-800D-48C23171DDFE}"/>
                 </a:ext>
               </a:extLst>
             </p:cNvPr>
@@ -5645,29 +5850,1180 @@
             <p:nvPr/>
           </p:nvGrpSpPr>
           <p:grpSpPr>
+            <a:xfrm rot="913307">
+              <a:off x="3038474" y="3657600"/>
+              <a:ext cx="1170011" cy="844062"/>
+              <a:chOff x="3038474" y="3657600"/>
+              <a:chExt cx="1170011" cy="844062"/>
+            </a:xfrm>
+          </p:grpSpPr>
+          <p:grpSp>
+            <p:nvGrpSpPr>
+              <p:cNvPr id="4" name="组合 3">
+                <a:extLst>
+                  <a:ext uri="{FF2B5EF4-FFF2-40B4-BE49-F238E27FC236}">
+                    <a16:creationId xmlns:a16="http://schemas.microsoft.com/office/drawing/2014/main" id="{62BACEA8-4D91-4334-B84D-1152C99C9376}"/>
+                  </a:ext>
+                </a:extLst>
+              </p:cNvPr>
+              <p:cNvGrpSpPr/>
+              <p:nvPr/>
+            </p:nvGrpSpPr>
+            <p:grpSpPr>
+              <a:xfrm>
+                <a:off x="3068515" y="3815862"/>
+                <a:ext cx="1063869" cy="685800"/>
+                <a:chOff x="3174022" y="3552093"/>
+                <a:chExt cx="1063869" cy="949569"/>
+              </a:xfrm>
+            </p:grpSpPr>
+            <p:sp>
+              <p:nvSpPr>
+                <p:cNvPr id="5" name="椭圆 4">
+                  <a:extLst>
+                    <a:ext uri="{FF2B5EF4-FFF2-40B4-BE49-F238E27FC236}">
+                      <a16:creationId xmlns:a16="http://schemas.microsoft.com/office/drawing/2014/main" id="{00089036-9AF3-4823-805C-C0D2A991AF3D}"/>
+                    </a:ext>
+                  </a:extLst>
+                </p:cNvPr>
+                <p:cNvSpPr/>
+                <p:nvPr/>
+              </p:nvSpPr>
+              <p:spPr>
+                <a:xfrm>
+                  <a:off x="3279531" y="3552093"/>
+                  <a:ext cx="852853" cy="175846"/>
+                </a:xfrm>
+                <a:prstGeom prst="ellipse">
+                  <a:avLst/>
+                </a:prstGeom>
+                <a:noFill/>
+                <a:ln w="28575">
+                  <a:solidFill>
+                    <a:schemeClr val="tx1"/>
+                  </a:solidFill>
+                </a:ln>
+              </p:spPr>
+              <p:style>
+                <a:lnRef idx="2">
+                  <a:schemeClr val="accent1">
+                    <a:shade val="50000"/>
+                  </a:schemeClr>
+                </a:lnRef>
+                <a:fillRef idx="1">
+                  <a:schemeClr val="accent1"/>
+                </a:fillRef>
+                <a:effectRef idx="0">
+                  <a:schemeClr val="accent1"/>
+                </a:effectRef>
+                <a:fontRef idx="minor">
+                  <a:schemeClr val="lt1"/>
+                </a:fontRef>
+              </p:style>
+              <p:txBody>
+                <a:bodyPr rtlCol="0" anchor="ctr"/>
+                <a:lstStyle/>
+                <a:p>
+                  <a:pPr algn="ctr"/>
+                  <a:endParaRPr lang="zh-CN" altLang="en-US"/>
+                </a:p>
+              </p:txBody>
+            </p:sp>
+            <p:cxnSp>
+              <p:nvCxnSpPr>
+                <p:cNvPr id="6" name="直接连接符 5">
+                  <a:extLst>
+                    <a:ext uri="{FF2B5EF4-FFF2-40B4-BE49-F238E27FC236}">
+                      <a16:creationId xmlns:a16="http://schemas.microsoft.com/office/drawing/2014/main" id="{8172594B-FC82-4160-BC66-C0132AC8FF1F}"/>
+                    </a:ext>
+                  </a:extLst>
+                </p:cNvPr>
+                <p:cNvCxnSpPr/>
+                <p:nvPr/>
+              </p:nvCxnSpPr>
+              <p:spPr>
+                <a:xfrm>
+                  <a:off x="3174022" y="4501662"/>
+                  <a:ext cx="1063869" cy="0"/>
+                </a:xfrm>
+                <a:prstGeom prst="line">
+                  <a:avLst/>
+                </a:prstGeom>
+                <a:ln w="28575">
+                  <a:solidFill>
+                    <a:schemeClr val="tx1"/>
+                  </a:solidFill>
+                </a:ln>
+              </p:spPr>
+              <p:style>
+                <a:lnRef idx="1">
+                  <a:schemeClr val="accent1"/>
+                </a:lnRef>
+                <a:fillRef idx="0">
+                  <a:schemeClr val="accent1"/>
+                </a:fillRef>
+                <a:effectRef idx="0">
+                  <a:schemeClr val="accent1"/>
+                </a:effectRef>
+                <a:fontRef idx="minor">
+                  <a:schemeClr val="tx1"/>
+                </a:fontRef>
+              </p:style>
+            </p:cxnSp>
+          </p:grpSp>
+          <p:cxnSp>
+            <p:nvCxnSpPr>
+              <p:cNvPr id="21" name="直接连接符 20">
+                <a:extLst>
+                  <a:ext uri="{FF2B5EF4-FFF2-40B4-BE49-F238E27FC236}">
+                    <a16:creationId xmlns:a16="http://schemas.microsoft.com/office/drawing/2014/main" id="{92C679EF-0D83-413E-9C32-DC0AF7ECFA09}"/>
+                  </a:ext>
+                </a:extLst>
+              </p:cNvPr>
+              <p:cNvCxnSpPr>
+                <a:cxnSpLocks/>
+              </p:cNvCxnSpPr>
+              <p:nvPr/>
+            </p:nvCxnSpPr>
+            <p:spPr>
+              <a:xfrm>
+                <a:off x="3038474" y="3657600"/>
+                <a:ext cx="1170011" cy="0"/>
+              </a:xfrm>
+              <a:prstGeom prst="line">
+                <a:avLst/>
+              </a:prstGeom>
+              <a:ln w="15875" cap="flat" cmpd="sng" algn="ctr">
+                <a:solidFill>
+                  <a:schemeClr val="dk1"/>
+                </a:solidFill>
+                <a:prstDash val="dash"/>
+                <a:round/>
+                <a:headEnd type="none" w="med" len="med"/>
+                <a:tailEnd type="none" w="med" len="med"/>
+              </a:ln>
+            </p:spPr>
+            <p:style>
+              <a:lnRef idx="0">
+                <a:scrgbClr r="0" g="0" b="0"/>
+              </a:lnRef>
+              <a:fillRef idx="0">
+                <a:scrgbClr r="0" g="0" b="0"/>
+              </a:fillRef>
+              <a:effectRef idx="0">
+                <a:scrgbClr r="0" g="0" b="0"/>
+              </a:effectRef>
+              <a:fontRef idx="minor">
+                <a:schemeClr val="tx1"/>
+              </a:fontRef>
+            </p:style>
+          </p:cxnSp>
+        </p:grpSp>
+        <p:grpSp>
+          <p:nvGrpSpPr>
+            <p:cNvPr id="93" name="组合 92">
+              <a:extLst>
+                <a:ext uri="{FF2B5EF4-FFF2-40B4-BE49-F238E27FC236}">
+                  <a16:creationId xmlns:a16="http://schemas.microsoft.com/office/drawing/2014/main" id="{FA2D2CDF-D5B5-4107-A45C-1C3A02C96707}"/>
+                </a:ext>
+              </a:extLst>
+            </p:cNvPr>
+            <p:cNvGrpSpPr/>
+            <p:nvPr/>
+          </p:nvGrpSpPr>
+          <p:grpSpPr>
+            <a:xfrm rot="20495443">
+              <a:off x="4757261" y="3672610"/>
+              <a:ext cx="1116324" cy="857737"/>
+              <a:chOff x="4702710" y="3643925"/>
+              <a:chExt cx="1116324" cy="857737"/>
+            </a:xfrm>
+          </p:grpSpPr>
+          <p:grpSp>
+            <p:nvGrpSpPr>
+              <p:cNvPr id="10" name="组合 9">
+                <a:extLst>
+                  <a:ext uri="{FF2B5EF4-FFF2-40B4-BE49-F238E27FC236}">
+                    <a16:creationId xmlns:a16="http://schemas.microsoft.com/office/drawing/2014/main" id="{C6CB8AD7-A895-4429-B06E-03368746993D}"/>
+                  </a:ext>
+                </a:extLst>
+              </p:cNvPr>
+              <p:cNvGrpSpPr/>
+              <p:nvPr/>
+            </p:nvGrpSpPr>
+            <p:grpSpPr>
+              <a:xfrm>
+                <a:off x="4755165" y="3815862"/>
+                <a:ext cx="1063869" cy="685800"/>
+                <a:chOff x="3174022" y="3552093"/>
+                <a:chExt cx="1063869" cy="949569"/>
+              </a:xfrm>
+            </p:grpSpPr>
+            <p:sp>
+              <p:nvSpPr>
+                <p:cNvPr id="11" name="椭圆 10">
+                  <a:extLst>
+                    <a:ext uri="{FF2B5EF4-FFF2-40B4-BE49-F238E27FC236}">
+                      <a16:creationId xmlns:a16="http://schemas.microsoft.com/office/drawing/2014/main" id="{E16A3B47-7162-45D3-A20B-10435833FC56}"/>
+                    </a:ext>
+                  </a:extLst>
+                </p:cNvPr>
+                <p:cNvSpPr/>
+                <p:nvPr/>
+              </p:nvSpPr>
+              <p:spPr>
+                <a:xfrm>
+                  <a:off x="3279531" y="3552093"/>
+                  <a:ext cx="852853" cy="175846"/>
+                </a:xfrm>
+                <a:prstGeom prst="ellipse">
+                  <a:avLst/>
+                </a:prstGeom>
+                <a:noFill/>
+                <a:ln w="28575">
+                  <a:solidFill>
+                    <a:schemeClr val="tx1"/>
+                  </a:solidFill>
+                </a:ln>
+              </p:spPr>
+              <p:style>
+                <a:lnRef idx="2">
+                  <a:schemeClr val="accent1">
+                    <a:shade val="50000"/>
+                  </a:schemeClr>
+                </a:lnRef>
+                <a:fillRef idx="1">
+                  <a:schemeClr val="accent1"/>
+                </a:fillRef>
+                <a:effectRef idx="0">
+                  <a:schemeClr val="accent1"/>
+                </a:effectRef>
+                <a:fontRef idx="minor">
+                  <a:schemeClr val="lt1"/>
+                </a:fontRef>
+              </p:style>
+              <p:txBody>
+                <a:bodyPr rtlCol="0" anchor="ctr"/>
+                <a:lstStyle/>
+                <a:p>
+                  <a:pPr algn="ctr"/>
+                  <a:endParaRPr lang="zh-CN" altLang="en-US"/>
+                </a:p>
+              </p:txBody>
+            </p:sp>
+            <p:cxnSp>
+              <p:nvCxnSpPr>
+                <p:cNvPr id="12" name="直接连接符 11">
+                  <a:extLst>
+                    <a:ext uri="{FF2B5EF4-FFF2-40B4-BE49-F238E27FC236}">
+                      <a16:creationId xmlns:a16="http://schemas.microsoft.com/office/drawing/2014/main" id="{6EB33CBF-2230-4944-958F-5425D3EE8DAF}"/>
+                    </a:ext>
+                  </a:extLst>
+                </p:cNvPr>
+                <p:cNvCxnSpPr/>
+                <p:nvPr/>
+              </p:nvCxnSpPr>
+              <p:spPr>
+                <a:xfrm>
+                  <a:off x="3174022" y="4501662"/>
+                  <a:ext cx="1063869" cy="0"/>
+                </a:xfrm>
+                <a:prstGeom prst="line">
+                  <a:avLst/>
+                </a:prstGeom>
+                <a:ln w="28575">
+                  <a:solidFill>
+                    <a:schemeClr val="tx1"/>
+                  </a:solidFill>
+                </a:ln>
+              </p:spPr>
+              <p:style>
+                <a:lnRef idx="1">
+                  <a:schemeClr val="accent1"/>
+                </a:lnRef>
+                <a:fillRef idx="0">
+                  <a:schemeClr val="accent1"/>
+                </a:fillRef>
+                <a:effectRef idx="0">
+                  <a:schemeClr val="accent1"/>
+                </a:effectRef>
+                <a:fontRef idx="minor">
+                  <a:schemeClr val="tx1"/>
+                </a:fontRef>
+              </p:style>
+            </p:cxnSp>
+          </p:grpSp>
+          <p:grpSp>
+            <p:nvGrpSpPr>
+              <p:cNvPr id="91" name="组合 90">
+                <a:extLst>
+                  <a:ext uri="{FF2B5EF4-FFF2-40B4-BE49-F238E27FC236}">
+                    <a16:creationId xmlns:a16="http://schemas.microsoft.com/office/drawing/2014/main" id="{C50791F9-D906-4AB6-952F-159E5C9B9AFE}"/>
+                  </a:ext>
+                </a:extLst>
+              </p:cNvPr>
+              <p:cNvGrpSpPr/>
+              <p:nvPr/>
+            </p:nvGrpSpPr>
+            <p:grpSpPr>
+              <a:xfrm>
+                <a:off x="4702710" y="3643925"/>
+                <a:ext cx="1116324" cy="63500"/>
+                <a:chOff x="6979641" y="3187212"/>
+                <a:chExt cx="770081" cy="127000"/>
+              </a:xfrm>
+            </p:grpSpPr>
+            <p:cxnSp>
+              <p:nvCxnSpPr>
+                <p:cNvPr id="77" name="直接连接符 76">
+                  <a:extLst>
+                    <a:ext uri="{FF2B5EF4-FFF2-40B4-BE49-F238E27FC236}">
+                      <a16:creationId xmlns:a16="http://schemas.microsoft.com/office/drawing/2014/main" id="{C8212331-E13D-40AB-AB1F-B8E96A46F003}"/>
+                    </a:ext>
+                  </a:extLst>
+                </p:cNvPr>
+                <p:cNvCxnSpPr/>
+                <p:nvPr/>
+              </p:nvCxnSpPr>
+              <p:spPr>
+                <a:xfrm>
+                  <a:off x="6979641" y="3187212"/>
+                  <a:ext cx="0" cy="127000"/>
+                </a:xfrm>
+                <a:prstGeom prst="line">
+                  <a:avLst/>
+                </a:prstGeom>
+                <a:ln w="15875">
+                  <a:solidFill>
+                    <a:schemeClr val="tx1"/>
+                  </a:solidFill>
+                </a:ln>
+              </p:spPr>
+              <p:style>
+                <a:lnRef idx="1">
+                  <a:schemeClr val="accent1"/>
+                </a:lnRef>
+                <a:fillRef idx="0">
+                  <a:schemeClr val="accent1"/>
+                </a:fillRef>
+                <a:effectRef idx="0">
+                  <a:schemeClr val="accent1"/>
+                </a:effectRef>
+                <a:fontRef idx="minor">
+                  <a:schemeClr val="tx1"/>
+                </a:fontRef>
+              </p:style>
+            </p:cxnSp>
+            <p:cxnSp>
+              <p:nvCxnSpPr>
+                <p:cNvPr id="78" name="直接连接符 77">
+                  <a:extLst>
+                    <a:ext uri="{FF2B5EF4-FFF2-40B4-BE49-F238E27FC236}">
+                      <a16:creationId xmlns:a16="http://schemas.microsoft.com/office/drawing/2014/main" id="{91139B55-4B12-431D-B13C-F00305CF7F84}"/>
+                    </a:ext>
+                  </a:extLst>
+                </p:cNvPr>
+                <p:cNvCxnSpPr/>
+                <p:nvPr/>
+              </p:nvCxnSpPr>
+              <p:spPr>
+                <a:xfrm>
+                  <a:off x="7038878" y="3187212"/>
+                  <a:ext cx="0" cy="127000"/>
+                </a:xfrm>
+                <a:prstGeom prst="line">
+                  <a:avLst/>
+                </a:prstGeom>
+                <a:ln w="15875">
+                  <a:solidFill>
+                    <a:schemeClr val="tx1"/>
+                  </a:solidFill>
+                </a:ln>
+              </p:spPr>
+              <p:style>
+                <a:lnRef idx="1">
+                  <a:schemeClr val="accent1"/>
+                </a:lnRef>
+                <a:fillRef idx="0">
+                  <a:schemeClr val="accent1"/>
+                </a:fillRef>
+                <a:effectRef idx="0">
+                  <a:schemeClr val="accent1"/>
+                </a:effectRef>
+                <a:fontRef idx="minor">
+                  <a:schemeClr val="tx1"/>
+                </a:fontRef>
+              </p:style>
+            </p:cxnSp>
+            <p:cxnSp>
+              <p:nvCxnSpPr>
+                <p:cNvPr id="79" name="直接连接符 78">
+                  <a:extLst>
+                    <a:ext uri="{FF2B5EF4-FFF2-40B4-BE49-F238E27FC236}">
+                      <a16:creationId xmlns:a16="http://schemas.microsoft.com/office/drawing/2014/main" id="{D0088C40-454E-40FF-885D-F7C2F7C14759}"/>
+                    </a:ext>
+                  </a:extLst>
+                </p:cNvPr>
+                <p:cNvCxnSpPr/>
+                <p:nvPr/>
+              </p:nvCxnSpPr>
+              <p:spPr>
+                <a:xfrm>
+                  <a:off x="7157352" y="3187212"/>
+                  <a:ext cx="0" cy="127000"/>
+                </a:xfrm>
+                <a:prstGeom prst="line">
+                  <a:avLst/>
+                </a:prstGeom>
+                <a:ln w="15875">
+                  <a:solidFill>
+                    <a:schemeClr val="tx1"/>
+                  </a:solidFill>
+                </a:ln>
+              </p:spPr>
+              <p:style>
+                <a:lnRef idx="1">
+                  <a:schemeClr val="accent1"/>
+                </a:lnRef>
+                <a:fillRef idx="0">
+                  <a:schemeClr val="accent1"/>
+                </a:fillRef>
+                <a:effectRef idx="0">
+                  <a:schemeClr val="accent1"/>
+                </a:effectRef>
+                <a:fontRef idx="minor">
+                  <a:schemeClr val="tx1"/>
+                </a:fontRef>
+              </p:style>
+            </p:cxnSp>
+            <p:cxnSp>
+              <p:nvCxnSpPr>
+                <p:cNvPr id="80" name="直接连接符 79">
+                  <a:extLst>
+                    <a:ext uri="{FF2B5EF4-FFF2-40B4-BE49-F238E27FC236}">
+                      <a16:creationId xmlns:a16="http://schemas.microsoft.com/office/drawing/2014/main" id="{924EFFFC-25A8-4DD1-A296-E74369025974}"/>
+                    </a:ext>
+                  </a:extLst>
+                </p:cNvPr>
+                <p:cNvCxnSpPr/>
+                <p:nvPr/>
+              </p:nvCxnSpPr>
+              <p:spPr>
+                <a:xfrm>
+                  <a:off x="7275826" y="3187212"/>
+                  <a:ext cx="0" cy="127000"/>
+                </a:xfrm>
+                <a:prstGeom prst="line">
+                  <a:avLst/>
+                </a:prstGeom>
+                <a:ln w="15875">
+                  <a:solidFill>
+                    <a:schemeClr val="tx1"/>
+                  </a:solidFill>
+                </a:ln>
+              </p:spPr>
+              <p:style>
+                <a:lnRef idx="1">
+                  <a:schemeClr val="accent1"/>
+                </a:lnRef>
+                <a:fillRef idx="0">
+                  <a:schemeClr val="accent1"/>
+                </a:fillRef>
+                <a:effectRef idx="0">
+                  <a:schemeClr val="accent1"/>
+                </a:effectRef>
+                <a:fontRef idx="minor">
+                  <a:schemeClr val="tx1"/>
+                </a:fontRef>
+              </p:style>
+            </p:cxnSp>
+            <p:cxnSp>
+              <p:nvCxnSpPr>
+                <p:cNvPr id="81" name="直接连接符 80">
+                  <a:extLst>
+                    <a:ext uri="{FF2B5EF4-FFF2-40B4-BE49-F238E27FC236}">
+                      <a16:creationId xmlns:a16="http://schemas.microsoft.com/office/drawing/2014/main" id="{AF94EB76-333B-4FDD-AF3A-26B8E6657BEC}"/>
+                    </a:ext>
+                  </a:extLst>
+                </p:cNvPr>
+                <p:cNvCxnSpPr/>
+                <p:nvPr/>
+              </p:nvCxnSpPr>
+              <p:spPr>
+                <a:xfrm>
+                  <a:off x="7394300" y="3187212"/>
+                  <a:ext cx="0" cy="127000"/>
+                </a:xfrm>
+                <a:prstGeom prst="line">
+                  <a:avLst/>
+                </a:prstGeom>
+                <a:ln w="15875">
+                  <a:solidFill>
+                    <a:schemeClr val="tx1"/>
+                  </a:solidFill>
+                </a:ln>
+              </p:spPr>
+              <p:style>
+                <a:lnRef idx="1">
+                  <a:schemeClr val="accent1"/>
+                </a:lnRef>
+                <a:fillRef idx="0">
+                  <a:schemeClr val="accent1"/>
+                </a:fillRef>
+                <a:effectRef idx="0">
+                  <a:schemeClr val="accent1"/>
+                </a:effectRef>
+                <a:fontRef idx="minor">
+                  <a:schemeClr val="tx1"/>
+                </a:fontRef>
+              </p:style>
+            </p:cxnSp>
+            <p:cxnSp>
+              <p:nvCxnSpPr>
+                <p:cNvPr id="82" name="直接连接符 81">
+                  <a:extLst>
+                    <a:ext uri="{FF2B5EF4-FFF2-40B4-BE49-F238E27FC236}">
+                      <a16:creationId xmlns:a16="http://schemas.microsoft.com/office/drawing/2014/main" id="{6CC039DC-15EF-48C4-89E1-3E571BDF30B0}"/>
+                    </a:ext>
+                  </a:extLst>
+                </p:cNvPr>
+                <p:cNvCxnSpPr/>
+                <p:nvPr/>
+              </p:nvCxnSpPr>
+              <p:spPr>
+                <a:xfrm>
+                  <a:off x="7512774" y="3187212"/>
+                  <a:ext cx="0" cy="127000"/>
+                </a:xfrm>
+                <a:prstGeom prst="line">
+                  <a:avLst/>
+                </a:prstGeom>
+                <a:ln w="15875">
+                  <a:solidFill>
+                    <a:schemeClr val="tx1"/>
+                  </a:solidFill>
+                </a:ln>
+              </p:spPr>
+              <p:style>
+                <a:lnRef idx="1">
+                  <a:schemeClr val="accent1"/>
+                </a:lnRef>
+                <a:fillRef idx="0">
+                  <a:schemeClr val="accent1"/>
+                </a:fillRef>
+                <a:effectRef idx="0">
+                  <a:schemeClr val="accent1"/>
+                </a:effectRef>
+                <a:fontRef idx="minor">
+                  <a:schemeClr val="tx1"/>
+                </a:fontRef>
+              </p:style>
+            </p:cxnSp>
+            <p:cxnSp>
+              <p:nvCxnSpPr>
+                <p:cNvPr id="83" name="直接连接符 82">
+                  <a:extLst>
+                    <a:ext uri="{FF2B5EF4-FFF2-40B4-BE49-F238E27FC236}">
+                      <a16:creationId xmlns:a16="http://schemas.microsoft.com/office/drawing/2014/main" id="{06D7AA48-EE5D-4425-8B39-039F4039C77C}"/>
+                    </a:ext>
+                  </a:extLst>
+                </p:cNvPr>
+                <p:cNvCxnSpPr/>
+                <p:nvPr/>
+              </p:nvCxnSpPr>
+              <p:spPr>
+                <a:xfrm>
+                  <a:off x="7631248" y="3187212"/>
+                  <a:ext cx="0" cy="127000"/>
+                </a:xfrm>
+                <a:prstGeom prst="line">
+                  <a:avLst/>
+                </a:prstGeom>
+                <a:ln w="15875">
+                  <a:solidFill>
+                    <a:schemeClr val="tx1"/>
+                  </a:solidFill>
+                </a:ln>
+              </p:spPr>
+              <p:style>
+                <a:lnRef idx="1">
+                  <a:schemeClr val="accent1"/>
+                </a:lnRef>
+                <a:fillRef idx="0">
+                  <a:schemeClr val="accent1"/>
+                </a:fillRef>
+                <a:effectRef idx="0">
+                  <a:schemeClr val="accent1"/>
+                </a:effectRef>
+                <a:fontRef idx="minor">
+                  <a:schemeClr val="tx1"/>
+                </a:fontRef>
+              </p:style>
+            </p:cxnSp>
+            <p:cxnSp>
+              <p:nvCxnSpPr>
+                <p:cNvPr id="84" name="直接连接符 83">
+                  <a:extLst>
+                    <a:ext uri="{FF2B5EF4-FFF2-40B4-BE49-F238E27FC236}">
+                      <a16:creationId xmlns:a16="http://schemas.microsoft.com/office/drawing/2014/main" id="{DFADC9FC-3C24-400E-A360-CCC47EA82576}"/>
+                    </a:ext>
+                  </a:extLst>
+                </p:cNvPr>
+                <p:cNvCxnSpPr/>
+                <p:nvPr/>
+              </p:nvCxnSpPr>
+              <p:spPr>
+                <a:xfrm>
+                  <a:off x="7749722" y="3187212"/>
+                  <a:ext cx="0" cy="127000"/>
+                </a:xfrm>
+                <a:prstGeom prst="line">
+                  <a:avLst/>
+                </a:prstGeom>
+                <a:ln w="15875">
+                  <a:solidFill>
+                    <a:schemeClr val="tx1"/>
+                  </a:solidFill>
+                </a:ln>
+              </p:spPr>
+              <p:style>
+                <a:lnRef idx="1">
+                  <a:schemeClr val="accent1"/>
+                </a:lnRef>
+                <a:fillRef idx="0">
+                  <a:schemeClr val="accent1"/>
+                </a:fillRef>
+                <a:effectRef idx="0">
+                  <a:schemeClr val="accent1"/>
+                </a:effectRef>
+                <a:fontRef idx="minor">
+                  <a:schemeClr val="tx1"/>
+                </a:fontRef>
+              </p:style>
+            </p:cxnSp>
+            <p:cxnSp>
+              <p:nvCxnSpPr>
+                <p:cNvPr id="85" name="直接连接符 84">
+                  <a:extLst>
+                    <a:ext uri="{FF2B5EF4-FFF2-40B4-BE49-F238E27FC236}">
+                      <a16:creationId xmlns:a16="http://schemas.microsoft.com/office/drawing/2014/main" id="{F1E3AE61-C3A7-4928-A755-45B9A26230F5}"/>
+                    </a:ext>
+                  </a:extLst>
+                </p:cNvPr>
+                <p:cNvCxnSpPr/>
+                <p:nvPr/>
+              </p:nvCxnSpPr>
+              <p:spPr>
+                <a:xfrm>
+                  <a:off x="7098115" y="3187212"/>
+                  <a:ext cx="0" cy="127000"/>
+                </a:xfrm>
+                <a:prstGeom prst="line">
+                  <a:avLst/>
+                </a:prstGeom>
+                <a:ln w="15875">
+                  <a:solidFill>
+                    <a:schemeClr val="tx1"/>
+                  </a:solidFill>
+                </a:ln>
+              </p:spPr>
+              <p:style>
+                <a:lnRef idx="1">
+                  <a:schemeClr val="accent1"/>
+                </a:lnRef>
+                <a:fillRef idx="0">
+                  <a:schemeClr val="accent1"/>
+                </a:fillRef>
+                <a:effectRef idx="0">
+                  <a:schemeClr val="accent1"/>
+                </a:effectRef>
+                <a:fontRef idx="minor">
+                  <a:schemeClr val="tx1"/>
+                </a:fontRef>
+              </p:style>
+            </p:cxnSp>
+            <p:cxnSp>
+              <p:nvCxnSpPr>
+                <p:cNvPr id="86" name="直接连接符 85">
+                  <a:extLst>
+                    <a:ext uri="{FF2B5EF4-FFF2-40B4-BE49-F238E27FC236}">
+                      <a16:creationId xmlns:a16="http://schemas.microsoft.com/office/drawing/2014/main" id="{600AB604-1E11-4155-B290-7A39D7A7B363}"/>
+                    </a:ext>
+                  </a:extLst>
+                </p:cNvPr>
+                <p:cNvCxnSpPr/>
+                <p:nvPr/>
+              </p:nvCxnSpPr>
+              <p:spPr>
+                <a:xfrm>
+                  <a:off x="7216589" y="3187212"/>
+                  <a:ext cx="0" cy="127000"/>
+                </a:xfrm>
+                <a:prstGeom prst="line">
+                  <a:avLst/>
+                </a:prstGeom>
+                <a:ln w="15875">
+                  <a:solidFill>
+                    <a:schemeClr val="tx1"/>
+                  </a:solidFill>
+                </a:ln>
+              </p:spPr>
+              <p:style>
+                <a:lnRef idx="1">
+                  <a:schemeClr val="accent1"/>
+                </a:lnRef>
+                <a:fillRef idx="0">
+                  <a:schemeClr val="accent1"/>
+                </a:fillRef>
+                <a:effectRef idx="0">
+                  <a:schemeClr val="accent1"/>
+                </a:effectRef>
+                <a:fontRef idx="minor">
+                  <a:schemeClr val="tx1"/>
+                </a:fontRef>
+              </p:style>
+            </p:cxnSp>
+            <p:cxnSp>
+              <p:nvCxnSpPr>
+                <p:cNvPr id="87" name="直接连接符 86">
+                  <a:extLst>
+                    <a:ext uri="{FF2B5EF4-FFF2-40B4-BE49-F238E27FC236}">
+                      <a16:creationId xmlns:a16="http://schemas.microsoft.com/office/drawing/2014/main" id="{2C2F0874-A668-4F00-A7AB-F64B50BAA4B9}"/>
+                    </a:ext>
+                  </a:extLst>
+                </p:cNvPr>
+                <p:cNvCxnSpPr/>
+                <p:nvPr/>
+              </p:nvCxnSpPr>
+              <p:spPr>
+                <a:xfrm>
+                  <a:off x="7335063" y="3187212"/>
+                  <a:ext cx="0" cy="127000"/>
+                </a:xfrm>
+                <a:prstGeom prst="line">
+                  <a:avLst/>
+                </a:prstGeom>
+                <a:ln w="15875">
+                  <a:solidFill>
+                    <a:schemeClr val="tx1"/>
+                  </a:solidFill>
+                </a:ln>
+              </p:spPr>
+              <p:style>
+                <a:lnRef idx="1">
+                  <a:schemeClr val="accent1"/>
+                </a:lnRef>
+                <a:fillRef idx="0">
+                  <a:schemeClr val="accent1"/>
+                </a:fillRef>
+                <a:effectRef idx="0">
+                  <a:schemeClr val="accent1"/>
+                </a:effectRef>
+                <a:fontRef idx="minor">
+                  <a:schemeClr val="tx1"/>
+                </a:fontRef>
+              </p:style>
+            </p:cxnSp>
+            <p:cxnSp>
+              <p:nvCxnSpPr>
+                <p:cNvPr id="88" name="直接连接符 87">
+                  <a:extLst>
+                    <a:ext uri="{FF2B5EF4-FFF2-40B4-BE49-F238E27FC236}">
+                      <a16:creationId xmlns:a16="http://schemas.microsoft.com/office/drawing/2014/main" id="{F49A6702-DD2E-4371-96A7-1446D936300C}"/>
+                    </a:ext>
+                  </a:extLst>
+                </p:cNvPr>
+                <p:cNvCxnSpPr/>
+                <p:nvPr/>
+              </p:nvCxnSpPr>
+              <p:spPr>
+                <a:xfrm>
+                  <a:off x="7453537" y="3187212"/>
+                  <a:ext cx="0" cy="127000"/>
+                </a:xfrm>
+                <a:prstGeom prst="line">
+                  <a:avLst/>
+                </a:prstGeom>
+                <a:ln w="15875">
+                  <a:solidFill>
+                    <a:schemeClr val="tx1"/>
+                  </a:solidFill>
+                </a:ln>
+              </p:spPr>
+              <p:style>
+                <a:lnRef idx="1">
+                  <a:schemeClr val="accent1"/>
+                </a:lnRef>
+                <a:fillRef idx="0">
+                  <a:schemeClr val="accent1"/>
+                </a:fillRef>
+                <a:effectRef idx="0">
+                  <a:schemeClr val="accent1"/>
+                </a:effectRef>
+                <a:fontRef idx="minor">
+                  <a:schemeClr val="tx1"/>
+                </a:fontRef>
+              </p:style>
+            </p:cxnSp>
+            <p:cxnSp>
+              <p:nvCxnSpPr>
+                <p:cNvPr id="89" name="直接连接符 88">
+                  <a:extLst>
+                    <a:ext uri="{FF2B5EF4-FFF2-40B4-BE49-F238E27FC236}">
+                      <a16:creationId xmlns:a16="http://schemas.microsoft.com/office/drawing/2014/main" id="{10EE89D2-A4AF-48AB-B511-7A1D982D87B1}"/>
+                    </a:ext>
+                  </a:extLst>
+                </p:cNvPr>
+                <p:cNvCxnSpPr/>
+                <p:nvPr/>
+              </p:nvCxnSpPr>
+              <p:spPr>
+                <a:xfrm>
+                  <a:off x="7572011" y="3187212"/>
+                  <a:ext cx="0" cy="127000"/>
+                </a:xfrm>
+                <a:prstGeom prst="line">
+                  <a:avLst/>
+                </a:prstGeom>
+                <a:ln w="15875">
+                  <a:solidFill>
+                    <a:schemeClr val="tx1"/>
+                  </a:solidFill>
+                </a:ln>
+              </p:spPr>
+              <p:style>
+                <a:lnRef idx="1">
+                  <a:schemeClr val="accent1"/>
+                </a:lnRef>
+                <a:fillRef idx="0">
+                  <a:schemeClr val="accent1"/>
+                </a:fillRef>
+                <a:effectRef idx="0">
+                  <a:schemeClr val="accent1"/>
+                </a:effectRef>
+                <a:fontRef idx="minor">
+                  <a:schemeClr val="tx1"/>
+                </a:fontRef>
+              </p:style>
+            </p:cxnSp>
+            <p:cxnSp>
+              <p:nvCxnSpPr>
+                <p:cNvPr id="90" name="直接连接符 89">
+                  <a:extLst>
+                    <a:ext uri="{FF2B5EF4-FFF2-40B4-BE49-F238E27FC236}">
+                      <a16:creationId xmlns:a16="http://schemas.microsoft.com/office/drawing/2014/main" id="{18800898-7A36-498B-99B8-874AC8B38AED}"/>
+                    </a:ext>
+                  </a:extLst>
+                </p:cNvPr>
+                <p:cNvCxnSpPr/>
+                <p:nvPr/>
+              </p:nvCxnSpPr>
+              <p:spPr>
+                <a:xfrm>
+                  <a:off x="7690485" y="3187212"/>
+                  <a:ext cx="0" cy="127000"/>
+                </a:xfrm>
+                <a:prstGeom prst="line">
+                  <a:avLst/>
+                </a:prstGeom>
+                <a:ln w="15875">
+                  <a:solidFill>
+                    <a:schemeClr val="tx1"/>
+                  </a:solidFill>
+                </a:ln>
+              </p:spPr>
+              <p:style>
+                <a:lnRef idx="1">
+                  <a:schemeClr val="accent1"/>
+                </a:lnRef>
+                <a:fillRef idx="0">
+                  <a:schemeClr val="accent1"/>
+                </a:fillRef>
+                <a:effectRef idx="0">
+                  <a:schemeClr val="accent1"/>
+                </a:effectRef>
+                <a:fontRef idx="minor">
+                  <a:schemeClr val="tx1"/>
+                </a:fontRef>
+              </p:style>
+            </p:cxnSp>
+          </p:grpSp>
+        </p:grpSp>
+        <p:sp>
+          <p:nvSpPr>
+            <p:cNvPr id="101" name="等腰三角形 100">
+              <a:extLst>
+                <a:ext uri="{FF2B5EF4-FFF2-40B4-BE49-F238E27FC236}">
+                  <a16:creationId xmlns:a16="http://schemas.microsoft.com/office/drawing/2014/main" id="{D96419EF-6C63-4ECD-8142-475EFBE6E9D9}"/>
+                </a:ext>
+              </a:extLst>
+            </p:cNvPr>
+            <p:cNvSpPr/>
+            <p:nvPr/>
+          </p:nvSpPr>
+          <p:spPr>
             <a:xfrm>
-              <a:off x="4702710" y="3643925"/>
-              <a:ext cx="1116324" cy="63500"/>
-              <a:chOff x="6979641" y="3187212"/>
-              <a:chExt cx="770081" cy="127000"/>
+              <a:off x="3825756" y="2752953"/>
+              <a:ext cx="219809" cy="263770"/>
+            </a:xfrm>
+            <a:prstGeom prst="triangle">
+              <a:avLst/>
+            </a:prstGeom>
+            <a:noFill/>
+            <a:ln w="31750">
+              <a:solidFill>
+                <a:schemeClr val="tx1"/>
+              </a:solidFill>
+              <a:prstDash val="sysDash"/>
+            </a:ln>
+          </p:spPr>
+          <p:style>
+            <a:lnRef idx="2">
+              <a:schemeClr val="accent1">
+                <a:shade val="50000"/>
+              </a:schemeClr>
+            </a:lnRef>
+            <a:fillRef idx="1">
+              <a:schemeClr val="accent1"/>
+            </a:fillRef>
+            <a:effectRef idx="0">
+              <a:schemeClr val="accent1"/>
+            </a:effectRef>
+            <a:fontRef idx="minor">
+              <a:schemeClr val="lt1"/>
+            </a:fontRef>
+          </p:style>
+          <p:txBody>
+            <a:bodyPr rtlCol="0" anchor="ctr"/>
+            <a:lstStyle/>
+            <a:p>
+              <a:pPr algn="ctr"/>
+              <a:endParaRPr lang="zh-CN" altLang="en-US"/>
+            </a:p>
+          </p:txBody>
+        </p:sp>
+        <p:sp>
+          <p:nvSpPr>
+            <p:cNvPr id="102" name="等腰三角形 101">
+              <a:extLst>
+                <a:ext uri="{FF2B5EF4-FFF2-40B4-BE49-F238E27FC236}">
+                  <a16:creationId xmlns:a16="http://schemas.microsoft.com/office/drawing/2014/main" id="{01823FE9-62C8-40EB-9A70-2A0F38573982}"/>
+                </a:ext>
+              </a:extLst>
+            </p:cNvPr>
+            <p:cNvSpPr/>
+            <p:nvPr/>
+          </p:nvSpPr>
+          <p:spPr>
+            <a:xfrm>
+              <a:off x="4847988" y="2773153"/>
+              <a:ext cx="219809" cy="263770"/>
+            </a:xfrm>
+            <a:prstGeom prst="triangle">
+              <a:avLst/>
+            </a:prstGeom>
+            <a:noFill/>
+            <a:ln w="31750">
+              <a:solidFill>
+                <a:schemeClr val="tx1"/>
+              </a:solidFill>
+              <a:prstDash val="sysDash"/>
+            </a:ln>
+          </p:spPr>
+          <p:style>
+            <a:lnRef idx="2">
+              <a:schemeClr val="accent1">
+                <a:shade val="50000"/>
+              </a:schemeClr>
+            </a:lnRef>
+            <a:fillRef idx="1">
+              <a:schemeClr val="accent1"/>
+            </a:fillRef>
+            <a:effectRef idx="0">
+              <a:schemeClr val="accent1"/>
+            </a:effectRef>
+            <a:fontRef idx="minor">
+              <a:schemeClr val="lt1"/>
+            </a:fontRef>
+          </p:style>
+          <p:txBody>
+            <a:bodyPr rtlCol="0" anchor="ctr"/>
+            <a:lstStyle/>
+            <a:p>
+              <a:pPr algn="ctr"/>
+              <a:endParaRPr lang="zh-CN" altLang="en-US"/>
+            </a:p>
+          </p:txBody>
+        </p:sp>
+        <p:sp>
+          <p:nvSpPr>
+            <p:cNvPr id="107" name="矩形 106">
+              <a:extLst>
+                <a:ext uri="{FF2B5EF4-FFF2-40B4-BE49-F238E27FC236}">
+                  <a16:creationId xmlns:a16="http://schemas.microsoft.com/office/drawing/2014/main" id="{642D30A8-0211-43B2-B255-672D6ADC8892}"/>
+                </a:ext>
+              </a:extLst>
+            </p:cNvPr>
+            <p:cNvSpPr/>
+            <p:nvPr/>
+          </p:nvSpPr>
+          <p:spPr>
+            <a:xfrm>
+              <a:off x="3633160" y="2449004"/>
+              <a:ext cx="1652425" cy="855080"/>
+            </a:xfrm>
+            <a:prstGeom prst="rect">
+              <a:avLst/>
+            </a:prstGeom>
+            <a:noFill/>
+            <a:ln w="19050">
+              <a:solidFill>
+                <a:schemeClr val="tx1"/>
+              </a:solidFill>
+            </a:ln>
+          </p:spPr>
+          <p:style>
+            <a:lnRef idx="2">
+              <a:schemeClr val="accent1">
+                <a:shade val="50000"/>
+              </a:schemeClr>
+            </a:lnRef>
+            <a:fillRef idx="1">
+              <a:schemeClr val="accent1"/>
+            </a:fillRef>
+            <a:effectRef idx="0">
+              <a:schemeClr val="accent1"/>
+            </a:effectRef>
+            <a:fontRef idx="minor">
+              <a:schemeClr val="lt1"/>
+            </a:fontRef>
+          </p:style>
+          <p:txBody>
+            <a:bodyPr rtlCol="0" anchor="ctr"/>
+            <a:lstStyle/>
+            <a:p>
+              <a:pPr algn="ctr"/>
+              <a:endParaRPr lang="zh-CN" altLang="en-US"/>
+            </a:p>
+          </p:txBody>
+        </p:sp>
+        <p:cxnSp>
+          <p:nvCxnSpPr>
+            <p:cNvPr id="109" name="直接连接符 108">
+              <a:extLst>
+                <a:ext uri="{FF2B5EF4-FFF2-40B4-BE49-F238E27FC236}">
+                  <a16:creationId xmlns:a16="http://schemas.microsoft.com/office/drawing/2014/main" id="{00F2C9E5-0213-418A-95BA-4F748030C7CC}"/>
+                </a:ext>
+              </a:extLst>
+            </p:cNvPr>
+            <p:cNvCxnSpPr>
+              <a:stCxn id="107" idx="0"/>
+              <a:endCxn id="107" idx="2"/>
+            </p:cNvCxnSpPr>
+            <p:nvPr/>
+          </p:nvCxnSpPr>
+          <p:spPr>
+            <a:xfrm>
+              <a:off x="4459373" y="2449004"/>
+              <a:ext cx="0" cy="855080"/>
+            </a:xfrm>
+            <a:prstGeom prst="line">
+              <a:avLst/>
+            </a:prstGeom>
+            <a:ln w="12700">
+              <a:solidFill>
+                <a:schemeClr val="tx1"/>
+              </a:solidFill>
+            </a:ln>
+          </p:spPr>
+          <p:style>
+            <a:lnRef idx="1">
+              <a:schemeClr val="accent1"/>
+            </a:lnRef>
+            <a:fillRef idx="0">
+              <a:schemeClr val="accent1"/>
+            </a:fillRef>
+            <a:effectRef idx="0">
+              <a:schemeClr val="accent1"/>
+            </a:effectRef>
+            <a:fontRef idx="minor">
+              <a:schemeClr val="tx1"/>
+            </a:fontRef>
+          </p:style>
+        </p:cxnSp>
+        <p:sp>
+          <p:nvSpPr>
+            <p:cNvPr id="110" name="文本框 109">
+              <a:extLst>
+                <a:ext uri="{FF2B5EF4-FFF2-40B4-BE49-F238E27FC236}">
+                  <a16:creationId xmlns:a16="http://schemas.microsoft.com/office/drawing/2014/main" id="{D87012FD-8130-4AE3-97CC-00C2C3A0E473}"/>
+                </a:ext>
+              </a:extLst>
+            </p:cNvPr>
+            <p:cNvSpPr txBox="1"/>
+            <p:nvPr/>
+          </p:nvSpPr>
+          <p:spPr>
+            <a:xfrm>
+              <a:off x="5365826" y="2715571"/>
+              <a:ext cx="877163" cy="369332"/>
+            </a:xfrm>
+            <a:prstGeom prst="rect">
+              <a:avLst/>
+            </a:prstGeom>
+            <a:noFill/>
+          </p:spPr>
+          <p:txBody>
+            <a:bodyPr wrap="none" rtlCol="0">
+              <a:spAutoFit/>
+            </a:bodyPr>
+            <a:lstStyle/>
+            <a:p>
+              <a:r>
+                <a:rPr lang="zh-CN" altLang="en-US" dirty="0"/>
+                <a:t>显示屏</a:t>
+              </a:r>
+            </a:p>
+          </p:txBody>
+        </p:sp>
+        <p:grpSp>
+          <p:nvGrpSpPr>
+            <p:cNvPr id="164" name="组合 163">
+              <a:extLst>
+                <a:ext uri="{FF2B5EF4-FFF2-40B4-BE49-F238E27FC236}">
+                  <a16:creationId xmlns:a16="http://schemas.microsoft.com/office/drawing/2014/main" id="{C7A222EE-D149-4602-9B8F-55C60F85B8C3}"/>
+                </a:ext>
+              </a:extLst>
+            </p:cNvPr>
+            <p:cNvGrpSpPr/>
+            <p:nvPr/>
+          </p:nvGrpSpPr>
+          <p:grpSpPr>
+            <a:xfrm rot="17402773">
+              <a:off x="2982132" y="3657633"/>
+              <a:ext cx="1463147" cy="125472"/>
+              <a:chOff x="7384398" y="3764789"/>
+              <a:chExt cx="1874896" cy="65830"/>
             </a:xfrm>
           </p:grpSpPr>
           <p:cxnSp>
             <p:nvCxnSpPr>
-              <p:cNvPr id="77" name="直接连接符 76">
+              <p:cNvPr id="112" name="直接连接符 111">
                 <a:extLst>
                   <a:ext uri="{FF2B5EF4-FFF2-40B4-BE49-F238E27FC236}">
-                    <a16:creationId xmlns:a16="http://schemas.microsoft.com/office/drawing/2014/main" id="{C8212331-E13D-40AB-AB1F-B8E96A46F003}"/>
+                    <a16:creationId xmlns:a16="http://schemas.microsoft.com/office/drawing/2014/main" id="{32A9CF0A-40D7-4E4F-9918-652E7FF3CF4F}"/>
                   </a:ext>
                 </a:extLst>
               </p:cNvPr>
-              <p:cNvCxnSpPr/>
+              <p:cNvCxnSpPr>
+                <a:cxnSpLocks/>
+              </p:cNvCxnSpPr>
               <p:nvPr/>
             </p:nvCxnSpPr>
             <p:spPr>
-              <a:xfrm>
-                <a:off x="6979641" y="3187212"/>
-                <a:ext cx="0" cy="127000"/>
+              <a:xfrm rot="21563125" flipV="1">
+                <a:off x="7384398" y="3784900"/>
+                <a:ext cx="0" cy="45719"/>
               </a:xfrm>
               <a:prstGeom prst="line">
                 <a:avLst/>
@@ -5695,20 +7051,22 @@
           </p:cxnSp>
           <p:cxnSp>
             <p:nvCxnSpPr>
-              <p:cNvPr id="78" name="直接连接符 77">
+              <p:cNvPr id="115" name="直接连接符 114">
                 <a:extLst>
                   <a:ext uri="{FF2B5EF4-FFF2-40B4-BE49-F238E27FC236}">
-                    <a16:creationId xmlns:a16="http://schemas.microsoft.com/office/drawing/2014/main" id="{91139B55-4B12-431D-B13C-F00305CF7F84}"/>
+                    <a16:creationId xmlns:a16="http://schemas.microsoft.com/office/drawing/2014/main" id="{59B4C7C9-D322-4BE5-BA2A-E05EAAB49814}"/>
                   </a:ext>
                 </a:extLst>
               </p:cNvPr>
-              <p:cNvCxnSpPr/>
+              <p:cNvCxnSpPr>
+                <a:cxnSpLocks/>
+              </p:cNvCxnSpPr>
               <p:nvPr/>
             </p:nvCxnSpPr>
             <p:spPr>
-              <a:xfrm>
-                <a:off x="7038878" y="3187212"/>
-                <a:ext cx="0" cy="127000"/>
+              <a:xfrm rot="21563125" flipV="1">
+                <a:off x="7483076" y="3783842"/>
+                <a:ext cx="0" cy="45719"/>
               </a:xfrm>
               <a:prstGeom prst="line">
                 <a:avLst/>
@@ -5736,20 +7094,22 @@
           </p:cxnSp>
           <p:cxnSp>
             <p:nvCxnSpPr>
-              <p:cNvPr id="79" name="直接连接符 78">
+              <p:cNvPr id="116" name="直接连接符 115">
                 <a:extLst>
                   <a:ext uri="{FF2B5EF4-FFF2-40B4-BE49-F238E27FC236}">
-                    <a16:creationId xmlns:a16="http://schemas.microsoft.com/office/drawing/2014/main" id="{D0088C40-454E-40FF-885D-F7C2F7C14759}"/>
+                    <a16:creationId xmlns:a16="http://schemas.microsoft.com/office/drawing/2014/main" id="{8448A6E2-FBFA-4384-9629-42FDDCD17B3D}"/>
                   </a:ext>
                 </a:extLst>
               </p:cNvPr>
-              <p:cNvCxnSpPr/>
+              <p:cNvCxnSpPr>
+                <a:cxnSpLocks/>
+              </p:cNvCxnSpPr>
               <p:nvPr/>
             </p:nvCxnSpPr>
             <p:spPr>
-              <a:xfrm>
-                <a:off x="7157352" y="3187212"/>
-                <a:ext cx="0" cy="127000"/>
+              <a:xfrm rot="21563125" flipV="1">
+                <a:off x="7581755" y="3782783"/>
+                <a:ext cx="0" cy="45719"/>
               </a:xfrm>
               <a:prstGeom prst="line">
                 <a:avLst/>
@@ -5777,20 +7137,22 @@
           </p:cxnSp>
           <p:cxnSp>
             <p:nvCxnSpPr>
-              <p:cNvPr id="80" name="直接连接符 79">
+              <p:cNvPr id="117" name="直接连接符 116">
                 <a:extLst>
                   <a:ext uri="{FF2B5EF4-FFF2-40B4-BE49-F238E27FC236}">
-                    <a16:creationId xmlns:a16="http://schemas.microsoft.com/office/drawing/2014/main" id="{924EFFFC-25A8-4DD1-A296-E74369025974}"/>
+                    <a16:creationId xmlns:a16="http://schemas.microsoft.com/office/drawing/2014/main" id="{84081B00-A8B5-43B6-9FA7-8D1ACB554D11}"/>
                   </a:ext>
                 </a:extLst>
               </p:cNvPr>
-              <p:cNvCxnSpPr/>
+              <p:cNvCxnSpPr>
+                <a:cxnSpLocks/>
+              </p:cNvCxnSpPr>
               <p:nvPr/>
             </p:nvCxnSpPr>
             <p:spPr>
-              <a:xfrm>
-                <a:off x="7275826" y="3187212"/>
-                <a:ext cx="0" cy="127000"/>
+              <a:xfrm rot="21563125" flipV="1">
+                <a:off x="7680434" y="3781725"/>
+                <a:ext cx="0" cy="45719"/>
               </a:xfrm>
               <a:prstGeom prst="line">
                 <a:avLst/>
@@ -5818,20 +7180,22 @@
           </p:cxnSp>
           <p:cxnSp>
             <p:nvCxnSpPr>
-              <p:cNvPr id="81" name="直接连接符 80">
+              <p:cNvPr id="118" name="直接连接符 117">
                 <a:extLst>
                   <a:ext uri="{FF2B5EF4-FFF2-40B4-BE49-F238E27FC236}">
-                    <a16:creationId xmlns:a16="http://schemas.microsoft.com/office/drawing/2014/main" id="{AF94EB76-333B-4FDD-AF3A-26B8E6657BEC}"/>
+                    <a16:creationId xmlns:a16="http://schemas.microsoft.com/office/drawing/2014/main" id="{13CBB153-2DB6-4150-B7AF-205A1703786A}"/>
                   </a:ext>
                 </a:extLst>
               </p:cNvPr>
-              <p:cNvCxnSpPr/>
+              <p:cNvCxnSpPr>
+                <a:cxnSpLocks/>
+              </p:cNvCxnSpPr>
               <p:nvPr/>
             </p:nvCxnSpPr>
             <p:spPr>
-              <a:xfrm>
-                <a:off x="7394300" y="3187212"/>
-                <a:ext cx="0" cy="127000"/>
+              <a:xfrm rot="21563125" flipV="1">
+                <a:off x="7779113" y="3780666"/>
+                <a:ext cx="0" cy="45719"/>
               </a:xfrm>
               <a:prstGeom prst="line">
                 <a:avLst/>
@@ -5859,20 +7223,22 @@
           </p:cxnSp>
           <p:cxnSp>
             <p:nvCxnSpPr>
-              <p:cNvPr id="82" name="直接连接符 81">
+              <p:cNvPr id="119" name="直接连接符 118">
                 <a:extLst>
                   <a:ext uri="{FF2B5EF4-FFF2-40B4-BE49-F238E27FC236}">
-                    <a16:creationId xmlns:a16="http://schemas.microsoft.com/office/drawing/2014/main" id="{6CC039DC-15EF-48C4-89E1-3E571BDF30B0}"/>
+                    <a16:creationId xmlns:a16="http://schemas.microsoft.com/office/drawing/2014/main" id="{CA1B496F-2063-44DB-930A-8AC60B806961}"/>
                   </a:ext>
                 </a:extLst>
               </p:cNvPr>
-              <p:cNvCxnSpPr/>
+              <p:cNvCxnSpPr>
+                <a:cxnSpLocks/>
+              </p:cNvCxnSpPr>
               <p:nvPr/>
             </p:nvCxnSpPr>
             <p:spPr>
-              <a:xfrm>
-                <a:off x="7512774" y="3187212"/>
-                <a:ext cx="0" cy="127000"/>
+              <a:xfrm rot="21563125" flipV="1">
+                <a:off x="7877791" y="3779608"/>
+                <a:ext cx="0" cy="45719"/>
               </a:xfrm>
               <a:prstGeom prst="line">
                 <a:avLst/>
@@ -5900,20 +7266,22 @@
           </p:cxnSp>
           <p:cxnSp>
             <p:nvCxnSpPr>
-              <p:cNvPr id="83" name="直接连接符 82">
+              <p:cNvPr id="120" name="直接连接符 119">
                 <a:extLst>
                   <a:ext uri="{FF2B5EF4-FFF2-40B4-BE49-F238E27FC236}">
-                    <a16:creationId xmlns:a16="http://schemas.microsoft.com/office/drawing/2014/main" id="{06D7AA48-EE5D-4425-8B39-039F4039C77C}"/>
+                    <a16:creationId xmlns:a16="http://schemas.microsoft.com/office/drawing/2014/main" id="{FED5F8DE-3D73-493D-A7FF-8BAFD926B4B0}"/>
                   </a:ext>
                 </a:extLst>
               </p:cNvPr>
-              <p:cNvCxnSpPr/>
+              <p:cNvCxnSpPr>
+                <a:cxnSpLocks/>
+              </p:cNvCxnSpPr>
               <p:nvPr/>
             </p:nvCxnSpPr>
             <p:spPr>
-              <a:xfrm>
-                <a:off x="7631248" y="3187212"/>
-                <a:ext cx="0" cy="127000"/>
+              <a:xfrm rot="21563125" flipV="1">
+                <a:off x="7976470" y="3778550"/>
+                <a:ext cx="0" cy="45719"/>
               </a:xfrm>
               <a:prstGeom prst="line">
                 <a:avLst/>
@@ -5941,20 +7309,22 @@
           </p:cxnSp>
           <p:cxnSp>
             <p:nvCxnSpPr>
-              <p:cNvPr id="84" name="直接连接符 83">
+              <p:cNvPr id="121" name="直接连接符 120">
                 <a:extLst>
                   <a:ext uri="{FF2B5EF4-FFF2-40B4-BE49-F238E27FC236}">
-                    <a16:creationId xmlns:a16="http://schemas.microsoft.com/office/drawing/2014/main" id="{DFADC9FC-3C24-400E-A360-CCC47EA82576}"/>
+                    <a16:creationId xmlns:a16="http://schemas.microsoft.com/office/drawing/2014/main" id="{224CBD9D-706C-4ECD-B15D-B6EA89C7499C}"/>
                   </a:ext>
                 </a:extLst>
               </p:cNvPr>
-              <p:cNvCxnSpPr/>
+              <p:cNvCxnSpPr>
+                <a:cxnSpLocks/>
+              </p:cNvCxnSpPr>
               <p:nvPr/>
             </p:nvCxnSpPr>
             <p:spPr>
-              <a:xfrm>
-                <a:off x="7749722" y="3187212"/>
-                <a:ext cx="0" cy="127000"/>
+              <a:xfrm rot="21563125" flipV="1">
+                <a:off x="8075149" y="3777491"/>
+                <a:ext cx="0" cy="45719"/>
               </a:xfrm>
               <a:prstGeom prst="line">
                 <a:avLst/>
@@ -5982,20 +7352,22 @@
           </p:cxnSp>
           <p:cxnSp>
             <p:nvCxnSpPr>
-              <p:cNvPr id="85" name="直接连接符 84">
+              <p:cNvPr id="122" name="直接连接符 121">
                 <a:extLst>
                   <a:ext uri="{FF2B5EF4-FFF2-40B4-BE49-F238E27FC236}">
-                    <a16:creationId xmlns:a16="http://schemas.microsoft.com/office/drawing/2014/main" id="{F1E3AE61-C3A7-4928-A755-45B9A26230F5}"/>
+                    <a16:creationId xmlns:a16="http://schemas.microsoft.com/office/drawing/2014/main" id="{EE450D27-E495-4882-B5F9-1F00A2684F3D}"/>
                   </a:ext>
                 </a:extLst>
               </p:cNvPr>
-              <p:cNvCxnSpPr/>
+              <p:cNvCxnSpPr>
+                <a:cxnSpLocks/>
+              </p:cNvCxnSpPr>
               <p:nvPr/>
             </p:nvCxnSpPr>
             <p:spPr>
-              <a:xfrm>
-                <a:off x="7098115" y="3187212"/>
-                <a:ext cx="0" cy="127000"/>
+              <a:xfrm rot="21563125" flipV="1">
+                <a:off x="8173828" y="3776433"/>
+                <a:ext cx="0" cy="45719"/>
               </a:xfrm>
               <a:prstGeom prst="line">
                 <a:avLst/>
@@ -6023,20 +7395,22 @@
           </p:cxnSp>
           <p:cxnSp>
             <p:nvCxnSpPr>
-              <p:cNvPr id="86" name="直接连接符 85">
+              <p:cNvPr id="123" name="直接连接符 122">
                 <a:extLst>
                   <a:ext uri="{FF2B5EF4-FFF2-40B4-BE49-F238E27FC236}">
-                    <a16:creationId xmlns:a16="http://schemas.microsoft.com/office/drawing/2014/main" id="{600AB604-1E11-4155-B290-7A39D7A7B363}"/>
+                    <a16:creationId xmlns:a16="http://schemas.microsoft.com/office/drawing/2014/main" id="{D7BF8FB1-1346-4168-92D4-507D24817FAF}"/>
                   </a:ext>
                 </a:extLst>
               </p:cNvPr>
-              <p:cNvCxnSpPr/>
+              <p:cNvCxnSpPr>
+                <a:cxnSpLocks/>
+              </p:cNvCxnSpPr>
               <p:nvPr/>
             </p:nvCxnSpPr>
             <p:spPr>
-              <a:xfrm>
-                <a:off x="7216589" y="3187212"/>
-                <a:ext cx="0" cy="127000"/>
+              <a:xfrm rot="21563125" flipV="1">
+                <a:off x="8272506" y="3775373"/>
+                <a:ext cx="0" cy="45719"/>
               </a:xfrm>
               <a:prstGeom prst="line">
                 <a:avLst/>
@@ -6064,20 +7438,22 @@
           </p:cxnSp>
           <p:cxnSp>
             <p:nvCxnSpPr>
-              <p:cNvPr id="87" name="直接连接符 86">
+              <p:cNvPr id="124" name="直接连接符 123">
                 <a:extLst>
                   <a:ext uri="{FF2B5EF4-FFF2-40B4-BE49-F238E27FC236}">
-                    <a16:creationId xmlns:a16="http://schemas.microsoft.com/office/drawing/2014/main" id="{2C2F0874-A668-4F00-A7AB-F64B50BAA4B9}"/>
+                    <a16:creationId xmlns:a16="http://schemas.microsoft.com/office/drawing/2014/main" id="{02E7D2A4-44B6-46E1-8B11-E981A6F876D6}"/>
                   </a:ext>
                 </a:extLst>
               </p:cNvPr>
-              <p:cNvCxnSpPr/>
+              <p:cNvCxnSpPr>
+                <a:cxnSpLocks/>
+              </p:cNvCxnSpPr>
               <p:nvPr/>
             </p:nvCxnSpPr>
             <p:spPr>
-              <a:xfrm>
-                <a:off x="7335063" y="3187212"/>
-                <a:ext cx="0" cy="127000"/>
+              <a:xfrm rot="21563125" flipV="1">
+                <a:off x="8371185" y="3774315"/>
+                <a:ext cx="0" cy="45719"/>
               </a:xfrm>
               <a:prstGeom prst="line">
                 <a:avLst/>
@@ -6105,20 +7481,22 @@
           </p:cxnSp>
           <p:cxnSp>
             <p:nvCxnSpPr>
-              <p:cNvPr id="88" name="直接连接符 87">
+              <p:cNvPr id="125" name="直接连接符 124">
                 <a:extLst>
                   <a:ext uri="{FF2B5EF4-FFF2-40B4-BE49-F238E27FC236}">
-                    <a16:creationId xmlns:a16="http://schemas.microsoft.com/office/drawing/2014/main" id="{F49A6702-DD2E-4371-96A7-1446D936300C}"/>
+                    <a16:creationId xmlns:a16="http://schemas.microsoft.com/office/drawing/2014/main" id="{F906DAE8-8B93-4BFD-A9BB-23F6B8C95EAA}"/>
                   </a:ext>
                 </a:extLst>
               </p:cNvPr>
-              <p:cNvCxnSpPr/>
+              <p:cNvCxnSpPr>
+                <a:cxnSpLocks/>
+              </p:cNvCxnSpPr>
               <p:nvPr/>
             </p:nvCxnSpPr>
             <p:spPr>
-              <a:xfrm>
-                <a:off x="7453537" y="3187212"/>
-                <a:ext cx="0" cy="127000"/>
+              <a:xfrm rot="21563125" flipV="1">
+                <a:off x="8469864" y="3773256"/>
+                <a:ext cx="0" cy="45719"/>
               </a:xfrm>
               <a:prstGeom prst="line">
                 <a:avLst/>
@@ -6146,20 +7524,22 @@
           </p:cxnSp>
           <p:cxnSp>
             <p:nvCxnSpPr>
-              <p:cNvPr id="89" name="直接连接符 88">
+              <p:cNvPr id="126" name="直接连接符 125">
                 <a:extLst>
                   <a:ext uri="{FF2B5EF4-FFF2-40B4-BE49-F238E27FC236}">
-                    <a16:creationId xmlns:a16="http://schemas.microsoft.com/office/drawing/2014/main" id="{10EE89D2-A4AF-48AB-B511-7A1D982D87B1}"/>
+                    <a16:creationId xmlns:a16="http://schemas.microsoft.com/office/drawing/2014/main" id="{8707715B-2C75-4AC1-9327-DCECAE7AFB4E}"/>
                   </a:ext>
                 </a:extLst>
               </p:cNvPr>
-              <p:cNvCxnSpPr/>
+              <p:cNvCxnSpPr>
+                <a:cxnSpLocks/>
+              </p:cNvCxnSpPr>
               <p:nvPr/>
             </p:nvCxnSpPr>
             <p:spPr>
-              <a:xfrm>
-                <a:off x="7572011" y="3187212"/>
-                <a:ext cx="0" cy="127000"/>
+              <a:xfrm rot="21563125" flipV="1">
+                <a:off x="8568542" y="3772198"/>
+                <a:ext cx="0" cy="45719"/>
               </a:xfrm>
               <a:prstGeom prst="line">
                 <a:avLst/>
@@ -6187,20 +7567,280 @@
           </p:cxnSp>
           <p:cxnSp>
             <p:nvCxnSpPr>
-              <p:cNvPr id="90" name="直接连接符 89">
+              <p:cNvPr id="127" name="直接连接符 126">
                 <a:extLst>
                   <a:ext uri="{FF2B5EF4-FFF2-40B4-BE49-F238E27FC236}">
-                    <a16:creationId xmlns:a16="http://schemas.microsoft.com/office/drawing/2014/main" id="{18800898-7A36-498B-99B8-874AC8B38AED}"/>
+                    <a16:creationId xmlns:a16="http://schemas.microsoft.com/office/drawing/2014/main" id="{8ECAC4DD-3B21-4090-9A51-9291AAD45B44}"/>
                   </a:ext>
                 </a:extLst>
               </p:cNvPr>
-              <p:cNvCxnSpPr/>
+              <p:cNvCxnSpPr>
+                <a:cxnSpLocks/>
+              </p:cNvCxnSpPr>
               <p:nvPr/>
             </p:nvCxnSpPr>
             <p:spPr>
-              <a:xfrm>
-                <a:off x="7690485" y="3187212"/>
-                <a:ext cx="0" cy="127000"/>
+              <a:xfrm rot="21563125" flipV="1">
+                <a:off x="8667222" y="3771139"/>
+                <a:ext cx="0" cy="45719"/>
+              </a:xfrm>
+              <a:prstGeom prst="line">
+                <a:avLst/>
+              </a:prstGeom>
+              <a:ln w="15875">
+                <a:solidFill>
+                  <a:schemeClr val="tx1"/>
+                </a:solidFill>
+              </a:ln>
+            </p:spPr>
+            <p:style>
+              <a:lnRef idx="1">
+                <a:schemeClr val="accent1"/>
+              </a:lnRef>
+              <a:fillRef idx="0">
+                <a:schemeClr val="accent1"/>
+              </a:fillRef>
+              <a:effectRef idx="0">
+                <a:schemeClr val="accent1"/>
+              </a:effectRef>
+              <a:fontRef idx="minor">
+                <a:schemeClr val="tx1"/>
+              </a:fontRef>
+            </p:style>
+          </p:cxnSp>
+          <p:cxnSp>
+            <p:nvCxnSpPr>
+              <p:cNvPr id="128" name="直接连接符 127">
+                <a:extLst>
+                  <a:ext uri="{FF2B5EF4-FFF2-40B4-BE49-F238E27FC236}">
+                    <a16:creationId xmlns:a16="http://schemas.microsoft.com/office/drawing/2014/main" id="{2DD1EF9E-0F2C-43ED-979E-C4FF95531B88}"/>
+                  </a:ext>
+                </a:extLst>
+              </p:cNvPr>
+              <p:cNvCxnSpPr>
+                <a:cxnSpLocks/>
+              </p:cNvCxnSpPr>
+              <p:nvPr/>
+            </p:nvCxnSpPr>
+            <p:spPr>
+              <a:xfrm rot="21563125" flipV="1">
+                <a:off x="8765900" y="3770081"/>
+                <a:ext cx="0" cy="45719"/>
+              </a:xfrm>
+              <a:prstGeom prst="line">
+                <a:avLst/>
+              </a:prstGeom>
+              <a:ln w="15875">
+                <a:solidFill>
+                  <a:schemeClr val="tx1"/>
+                </a:solidFill>
+              </a:ln>
+            </p:spPr>
+            <p:style>
+              <a:lnRef idx="1">
+                <a:schemeClr val="accent1"/>
+              </a:lnRef>
+              <a:fillRef idx="0">
+                <a:schemeClr val="accent1"/>
+              </a:fillRef>
+              <a:effectRef idx="0">
+                <a:schemeClr val="accent1"/>
+              </a:effectRef>
+              <a:fontRef idx="minor">
+                <a:schemeClr val="tx1"/>
+              </a:fontRef>
+            </p:style>
+          </p:cxnSp>
+          <p:cxnSp>
+            <p:nvCxnSpPr>
+              <p:cNvPr id="129" name="直接连接符 128">
+                <a:extLst>
+                  <a:ext uri="{FF2B5EF4-FFF2-40B4-BE49-F238E27FC236}">
+                    <a16:creationId xmlns:a16="http://schemas.microsoft.com/office/drawing/2014/main" id="{18BB17D1-F367-4DD1-8063-2E6CB8A29ABE}"/>
+                  </a:ext>
+                </a:extLst>
+              </p:cNvPr>
+              <p:cNvCxnSpPr>
+                <a:cxnSpLocks/>
+              </p:cNvCxnSpPr>
+              <p:nvPr/>
+            </p:nvCxnSpPr>
+            <p:spPr>
+              <a:xfrm rot="21563125" flipV="1">
+                <a:off x="8864579" y="3769023"/>
+                <a:ext cx="0" cy="45719"/>
+              </a:xfrm>
+              <a:prstGeom prst="line">
+                <a:avLst/>
+              </a:prstGeom>
+              <a:ln w="15875">
+                <a:solidFill>
+                  <a:schemeClr val="tx1"/>
+                </a:solidFill>
+              </a:ln>
+            </p:spPr>
+            <p:style>
+              <a:lnRef idx="1">
+                <a:schemeClr val="accent1"/>
+              </a:lnRef>
+              <a:fillRef idx="0">
+                <a:schemeClr val="accent1"/>
+              </a:fillRef>
+              <a:effectRef idx="0">
+                <a:schemeClr val="accent1"/>
+              </a:effectRef>
+              <a:fontRef idx="minor">
+                <a:schemeClr val="tx1"/>
+              </a:fontRef>
+            </p:style>
+          </p:cxnSp>
+          <p:cxnSp>
+            <p:nvCxnSpPr>
+              <p:cNvPr id="130" name="直接连接符 129">
+                <a:extLst>
+                  <a:ext uri="{FF2B5EF4-FFF2-40B4-BE49-F238E27FC236}">
+                    <a16:creationId xmlns:a16="http://schemas.microsoft.com/office/drawing/2014/main" id="{215BD167-5D3C-41D7-9CC6-5D2CDFA586B7}"/>
+                  </a:ext>
+                </a:extLst>
+              </p:cNvPr>
+              <p:cNvCxnSpPr>
+                <a:cxnSpLocks/>
+              </p:cNvCxnSpPr>
+              <p:nvPr/>
+            </p:nvCxnSpPr>
+            <p:spPr>
+              <a:xfrm rot="21563125" flipV="1">
+                <a:off x="8963258" y="3767964"/>
+                <a:ext cx="0" cy="45719"/>
+              </a:xfrm>
+              <a:prstGeom prst="line">
+                <a:avLst/>
+              </a:prstGeom>
+              <a:ln w="15875">
+                <a:solidFill>
+                  <a:schemeClr val="tx1"/>
+                </a:solidFill>
+              </a:ln>
+            </p:spPr>
+            <p:style>
+              <a:lnRef idx="1">
+                <a:schemeClr val="accent1"/>
+              </a:lnRef>
+              <a:fillRef idx="0">
+                <a:schemeClr val="accent1"/>
+              </a:fillRef>
+              <a:effectRef idx="0">
+                <a:schemeClr val="accent1"/>
+              </a:effectRef>
+              <a:fontRef idx="minor">
+                <a:schemeClr val="tx1"/>
+              </a:fontRef>
+            </p:style>
+          </p:cxnSp>
+          <p:cxnSp>
+            <p:nvCxnSpPr>
+              <p:cNvPr id="131" name="直接连接符 130">
+                <a:extLst>
+                  <a:ext uri="{FF2B5EF4-FFF2-40B4-BE49-F238E27FC236}">
+                    <a16:creationId xmlns:a16="http://schemas.microsoft.com/office/drawing/2014/main" id="{E5346DF6-6FDD-4D62-9D9D-F9942DDC1EC4}"/>
+                  </a:ext>
+                </a:extLst>
+              </p:cNvPr>
+              <p:cNvCxnSpPr>
+                <a:cxnSpLocks/>
+              </p:cNvCxnSpPr>
+              <p:nvPr/>
+            </p:nvCxnSpPr>
+            <p:spPr>
+              <a:xfrm rot="21563125" flipV="1">
+                <a:off x="9061937" y="3766906"/>
+                <a:ext cx="0" cy="45719"/>
+              </a:xfrm>
+              <a:prstGeom prst="line">
+                <a:avLst/>
+              </a:prstGeom>
+              <a:ln w="15875">
+                <a:solidFill>
+                  <a:schemeClr val="tx1"/>
+                </a:solidFill>
+              </a:ln>
+            </p:spPr>
+            <p:style>
+              <a:lnRef idx="1">
+                <a:schemeClr val="accent1"/>
+              </a:lnRef>
+              <a:fillRef idx="0">
+                <a:schemeClr val="accent1"/>
+              </a:fillRef>
+              <a:effectRef idx="0">
+                <a:schemeClr val="accent1"/>
+              </a:effectRef>
+              <a:fontRef idx="minor">
+                <a:schemeClr val="tx1"/>
+              </a:fontRef>
+            </p:style>
+          </p:cxnSp>
+          <p:cxnSp>
+            <p:nvCxnSpPr>
+              <p:cNvPr id="132" name="直接连接符 131">
+                <a:extLst>
+                  <a:ext uri="{FF2B5EF4-FFF2-40B4-BE49-F238E27FC236}">
+                    <a16:creationId xmlns:a16="http://schemas.microsoft.com/office/drawing/2014/main" id="{98B5870D-F2E3-4F4E-B9F9-930DC1567B82}"/>
+                  </a:ext>
+                </a:extLst>
+              </p:cNvPr>
+              <p:cNvCxnSpPr>
+                <a:cxnSpLocks/>
+              </p:cNvCxnSpPr>
+              <p:nvPr/>
+            </p:nvCxnSpPr>
+            <p:spPr>
+              <a:xfrm rot="21563125" flipV="1">
+                <a:off x="9160615" y="3765847"/>
+                <a:ext cx="0" cy="45719"/>
+              </a:xfrm>
+              <a:prstGeom prst="line">
+                <a:avLst/>
+              </a:prstGeom>
+              <a:ln w="15875">
+                <a:solidFill>
+                  <a:schemeClr val="tx1"/>
+                </a:solidFill>
+              </a:ln>
+            </p:spPr>
+            <p:style>
+              <a:lnRef idx="1">
+                <a:schemeClr val="accent1"/>
+              </a:lnRef>
+              <a:fillRef idx="0">
+                <a:schemeClr val="accent1"/>
+              </a:fillRef>
+              <a:effectRef idx="0">
+                <a:schemeClr val="accent1"/>
+              </a:effectRef>
+              <a:fontRef idx="minor">
+                <a:schemeClr val="tx1"/>
+              </a:fontRef>
+            </p:style>
+          </p:cxnSp>
+          <p:cxnSp>
+            <p:nvCxnSpPr>
+              <p:cNvPr id="133" name="直接连接符 132">
+                <a:extLst>
+                  <a:ext uri="{FF2B5EF4-FFF2-40B4-BE49-F238E27FC236}">
+                    <a16:creationId xmlns:a16="http://schemas.microsoft.com/office/drawing/2014/main" id="{394F85E8-3AB8-457B-AA37-A8E8172BF476}"/>
+                  </a:ext>
+                </a:extLst>
+              </p:cNvPr>
+              <p:cNvCxnSpPr>
+                <a:cxnSpLocks/>
+              </p:cNvCxnSpPr>
+              <p:nvPr/>
+            </p:nvCxnSpPr>
+            <p:spPr>
+              <a:xfrm rot="21563125" flipV="1">
+                <a:off x="9259294" y="3764789"/>
+                <a:ext cx="0" cy="45719"/>
               </a:xfrm>
               <a:prstGeom prst="line">
                 <a:avLst/>
@@ -6228,249 +7868,42 @@
           </p:cxnSp>
         </p:grpSp>
       </p:grpSp>
-      <p:sp>
-        <p:nvSpPr>
-          <p:cNvPr id="101" name="等腰三角形 100">
+    </p:spTree>
+    <p:extLst>
+      <p:ext uri="{BB962C8B-B14F-4D97-AF65-F5344CB8AC3E}">
+        <p14:creationId xmlns:p14="http://schemas.microsoft.com/office/powerpoint/2010/main" val="551038706"/>
+      </p:ext>
+    </p:extLst>
+  </p:cSld>
+  <p:clrMapOvr>
+    <a:masterClrMapping/>
+  </p:clrMapOvr>
+</p:sld>
+</file>
+
+<file path=ppt/slides/slide3.xml><?xml version="1.0" encoding="utf-8"?>
+<p:sld xmlns:a="http://schemas.openxmlformats.org/drawingml/2006/main" xmlns:r="http://schemas.openxmlformats.org/officeDocument/2006/relationships" xmlns:p="http://schemas.openxmlformats.org/presentationml/2006/main">
+  <p:cSld>
+    <p:spTree>
+      <p:nvGrpSpPr>
+        <p:cNvPr id="1" name=""/>
+        <p:cNvGrpSpPr/>
+        <p:nvPr/>
+      </p:nvGrpSpPr>
+      <p:grpSpPr>
+        <a:xfrm>
+          <a:off x="0" y="0"/>
+          <a:ext cx="0" cy="0"/>
+          <a:chOff x="0" y="0"/>
+          <a:chExt cx="0" cy="0"/>
+        </a:xfrm>
+      </p:grpSpPr>
+      <p:grpSp>
+        <p:nvGrpSpPr>
+          <p:cNvPr id="7" name="组合 6">
             <a:extLst>
               <a:ext uri="{FF2B5EF4-FFF2-40B4-BE49-F238E27FC236}">
-                <a16:creationId xmlns:a16="http://schemas.microsoft.com/office/drawing/2014/main" id="{D96419EF-6C63-4ECD-8142-475EFBE6E9D9}"/>
-              </a:ext>
-            </a:extLst>
-          </p:cNvPr>
-          <p:cNvSpPr/>
-          <p:nvPr/>
-        </p:nvSpPr>
-        <p:spPr>
-          <a:xfrm>
-            <a:off x="3825756" y="2752953"/>
-            <a:ext cx="219809" cy="263770"/>
-          </a:xfrm>
-          <a:prstGeom prst="triangle">
-            <a:avLst/>
-          </a:prstGeom>
-          <a:noFill/>
-          <a:ln w="31750">
-            <a:solidFill>
-              <a:schemeClr val="tx1"/>
-            </a:solidFill>
-            <a:prstDash val="sysDash"/>
-          </a:ln>
-        </p:spPr>
-        <p:style>
-          <a:lnRef idx="2">
-            <a:schemeClr val="accent1">
-              <a:shade val="50000"/>
-            </a:schemeClr>
-          </a:lnRef>
-          <a:fillRef idx="1">
-            <a:schemeClr val="accent1"/>
-          </a:fillRef>
-          <a:effectRef idx="0">
-            <a:schemeClr val="accent1"/>
-          </a:effectRef>
-          <a:fontRef idx="minor">
-            <a:schemeClr val="lt1"/>
-          </a:fontRef>
-        </p:style>
-        <p:txBody>
-          <a:bodyPr rtlCol="0" anchor="ctr"/>
-          <a:lstStyle/>
-          <a:p>
-            <a:pPr algn="ctr"/>
-            <a:endParaRPr lang="zh-CN" altLang="en-US"/>
-          </a:p>
-        </p:txBody>
-      </p:sp>
-      <p:sp>
-        <p:nvSpPr>
-          <p:cNvPr id="102" name="等腰三角形 101">
-            <a:extLst>
-              <a:ext uri="{FF2B5EF4-FFF2-40B4-BE49-F238E27FC236}">
-                <a16:creationId xmlns:a16="http://schemas.microsoft.com/office/drawing/2014/main" id="{01823FE9-62C8-40EB-9A70-2A0F38573982}"/>
-              </a:ext>
-            </a:extLst>
-          </p:cNvPr>
-          <p:cNvSpPr/>
-          <p:nvPr/>
-        </p:nvSpPr>
-        <p:spPr>
-          <a:xfrm>
-            <a:off x="4847988" y="2773153"/>
-            <a:ext cx="219809" cy="263770"/>
-          </a:xfrm>
-          <a:prstGeom prst="triangle">
-            <a:avLst/>
-          </a:prstGeom>
-          <a:noFill/>
-          <a:ln w="31750">
-            <a:solidFill>
-              <a:schemeClr val="tx1"/>
-            </a:solidFill>
-            <a:prstDash val="sysDash"/>
-          </a:ln>
-        </p:spPr>
-        <p:style>
-          <a:lnRef idx="2">
-            <a:schemeClr val="accent1">
-              <a:shade val="50000"/>
-            </a:schemeClr>
-          </a:lnRef>
-          <a:fillRef idx="1">
-            <a:schemeClr val="accent1"/>
-          </a:fillRef>
-          <a:effectRef idx="0">
-            <a:schemeClr val="accent1"/>
-          </a:effectRef>
-          <a:fontRef idx="minor">
-            <a:schemeClr val="lt1"/>
-          </a:fontRef>
-        </p:style>
-        <p:txBody>
-          <a:bodyPr rtlCol="0" anchor="ctr"/>
-          <a:lstStyle/>
-          <a:p>
-            <a:pPr algn="ctr"/>
-            <a:endParaRPr lang="zh-CN" altLang="en-US"/>
-          </a:p>
-        </p:txBody>
-      </p:sp>
-      <p:sp>
-        <p:nvSpPr>
-          <p:cNvPr id="107" name="矩形 106">
-            <a:extLst>
-              <a:ext uri="{FF2B5EF4-FFF2-40B4-BE49-F238E27FC236}">
-                <a16:creationId xmlns:a16="http://schemas.microsoft.com/office/drawing/2014/main" id="{642D30A8-0211-43B2-B255-672D6ADC8892}"/>
-              </a:ext>
-            </a:extLst>
-          </p:cNvPr>
-          <p:cNvSpPr/>
-          <p:nvPr/>
-        </p:nvSpPr>
-        <p:spPr>
-          <a:xfrm>
-            <a:off x="3633160" y="2449004"/>
-            <a:ext cx="1652425" cy="855080"/>
-          </a:xfrm>
-          <a:prstGeom prst="rect">
-            <a:avLst/>
-          </a:prstGeom>
-          <a:noFill/>
-          <a:ln w="19050">
-            <a:solidFill>
-              <a:schemeClr val="tx1"/>
-            </a:solidFill>
-          </a:ln>
-        </p:spPr>
-        <p:style>
-          <a:lnRef idx="2">
-            <a:schemeClr val="accent1">
-              <a:shade val="50000"/>
-            </a:schemeClr>
-          </a:lnRef>
-          <a:fillRef idx="1">
-            <a:schemeClr val="accent1"/>
-          </a:fillRef>
-          <a:effectRef idx="0">
-            <a:schemeClr val="accent1"/>
-          </a:effectRef>
-          <a:fontRef idx="minor">
-            <a:schemeClr val="lt1"/>
-          </a:fontRef>
-        </p:style>
-        <p:txBody>
-          <a:bodyPr rtlCol="0" anchor="ctr"/>
-          <a:lstStyle/>
-          <a:p>
-            <a:pPr algn="ctr"/>
-            <a:endParaRPr lang="zh-CN" altLang="en-US"/>
-          </a:p>
-        </p:txBody>
-      </p:sp>
-      <p:cxnSp>
-        <p:nvCxnSpPr>
-          <p:cNvPr id="109" name="直接连接符 108">
-            <a:extLst>
-              <a:ext uri="{FF2B5EF4-FFF2-40B4-BE49-F238E27FC236}">
-                <a16:creationId xmlns:a16="http://schemas.microsoft.com/office/drawing/2014/main" id="{00F2C9E5-0213-418A-95BA-4F748030C7CC}"/>
-              </a:ext>
-            </a:extLst>
-          </p:cNvPr>
-          <p:cNvCxnSpPr>
-            <a:stCxn id="107" idx="0"/>
-            <a:endCxn id="107" idx="2"/>
-          </p:cNvCxnSpPr>
-          <p:nvPr/>
-        </p:nvCxnSpPr>
-        <p:spPr>
-          <a:xfrm>
-            <a:off x="4459373" y="2449004"/>
-            <a:ext cx="0" cy="855080"/>
-          </a:xfrm>
-          <a:prstGeom prst="line">
-            <a:avLst/>
-          </a:prstGeom>
-          <a:ln w="12700">
-            <a:solidFill>
-              <a:schemeClr val="tx1"/>
-            </a:solidFill>
-          </a:ln>
-        </p:spPr>
-        <p:style>
-          <a:lnRef idx="1">
-            <a:schemeClr val="accent1"/>
-          </a:lnRef>
-          <a:fillRef idx="0">
-            <a:schemeClr val="accent1"/>
-          </a:fillRef>
-          <a:effectRef idx="0">
-            <a:schemeClr val="accent1"/>
-          </a:effectRef>
-          <a:fontRef idx="minor">
-            <a:schemeClr val="tx1"/>
-          </a:fontRef>
-        </p:style>
-      </p:cxnSp>
-      <p:sp>
-        <p:nvSpPr>
-          <p:cNvPr id="110" name="文本框 109">
-            <a:extLst>
-              <a:ext uri="{FF2B5EF4-FFF2-40B4-BE49-F238E27FC236}">
-                <a16:creationId xmlns:a16="http://schemas.microsoft.com/office/drawing/2014/main" id="{D87012FD-8130-4AE3-97CC-00C2C3A0E473}"/>
-              </a:ext>
-            </a:extLst>
-          </p:cNvPr>
-          <p:cNvSpPr txBox="1"/>
-          <p:nvPr/>
-        </p:nvSpPr>
-        <p:spPr>
-          <a:xfrm>
-            <a:off x="5365826" y="2715571"/>
-            <a:ext cx="877163" cy="369332"/>
-          </a:xfrm>
-          <a:prstGeom prst="rect">
-            <a:avLst/>
-          </a:prstGeom>
-          <a:noFill/>
-        </p:spPr>
-        <p:txBody>
-          <a:bodyPr wrap="none" rtlCol="0">
-            <a:spAutoFit/>
-          </a:bodyPr>
-          <a:lstStyle/>
-          <a:p>
-            <a:r>
-              <a:rPr lang="zh-CN" altLang="en-US" dirty="0"/>
-              <a:t>显示屏</a:t>
-            </a:r>
-          </a:p>
-        </p:txBody>
-      </p:sp>
-      <p:grpSp>
-        <p:nvGrpSpPr>
-          <p:cNvPr id="164" name="组合 163">
-            <a:extLst>
-              <a:ext uri="{FF2B5EF4-FFF2-40B4-BE49-F238E27FC236}">
-                <a16:creationId xmlns:a16="http://schemas.microsoft.com/office/drawing/2014/main" id="{C7A222EE-D149-4602-9B8F-55C60F85B8C3}"/>
+                <a16:creationId xmlns:a16="http://schemas.microsoft.com/office/drawing/2014/main" id="{5A8A557B-BACE-44FD-A5C2-3B5FCA4758A2}"/>
               </a:ext>
             </a:extLst>
           </p:cNvPr>
@@ -6478,856 +7911,1307 @@
           <p:nvPr/>
         </p:nvGrpSpPr>
         <p:grpSpPr>
-          <a:xfrm rot="17402773">
-            <a:off x="2982132" y="3657633"/>
-            <a:ext cx="1463147" cy="125472"/>
-            <a:chOff x="7384398" y="3764789"/>
-            <a:chExt cx="1874896" cy="65830"/>
+          <a:xfrm>
+            <a:off x="2422568" y="200819"/>
+            <a:ext cx="5253625" cy="6192590"/>
+            <a:chOff x="2422568" y="200819"/>
+            <a:chExt cx="5253625" cy="6192590"/>
           </a:xfrm>
         </p:grpSpPr>
+        <p:grpSp>
+          <p:nvGrpSpPr>
+            <p:cNvPr id="157" name="组合 156">
+              <a:extLst>
+                <a:ext uri="{FF2B5EF4-FFF2-40B4-BE49-F238E27FC236}">
+                  <a16:creationId xmlns:a16="http://schemas.microsoft.com/office/drawing/2014/main" id="{B92CA534-983D-41D7-B409-4DE45940E5B0}"/>
+                </a:ext>
+              </a:extLst>
+            </p:cNvPr>
+            <p:cNvGrpSpPr/>
+            <p:nvPr/>
+          </p:nvGrpSpPr>
+          <p:grpSpPr>
+            <a:xfrm>
+              <a:off x="2422568" y="200819"/>
+              <a:ext cx="5253625" cy="6192590"/>
+              <a:chOff x="2422568" y="-76702"/>
+              <a:chExt cx="5253625" cy="6192590"/>
+            </a:xfrm>
+          </p:grpSpPr>
+          <p:grpSp>
+            <p:nvGrpSpPr>
+              <p:cNvPr id="30" name="组合 29">
+                <a:extLst>
+                  <a:ext uri="{FF2B5EF4-FFF2-40B4-BE49-F238E27FC236}">
+                    <a16:creationId xmlns:a16="http://schemas.microsoft.com/office/drawing/2014/main" id="{5A17F1AA-B601-43DC-A108-6CE141DF918E}"/>
+                  </a:ext>
+                </a:extLst>
+              </p:cNvPr>
+              <p:cNvGrpSpPr/>
+              <p:nvPr/>
+            </p:nvGrpSpPr>
+            <p:grpSpPr>
+              <a:xfrm>
+                <a:off x="2533840" y="3094915"/>
+                <a:ext cx="3962511" cy="2050480"/>
+                <a:chOff x="2437324" y="2985671"/>
+                <a:chExt cx="4867716" cy="2518896"/>
+              </a:xfrm>
+            </p:grpSpPr>
+            <p:cxnSp>
+              <p:nvCxnSpPr>
+                <p:cNvPr id="109" name="直接连接符 108">
+                  <a:extLst>
+                    <a:ext uri="{FF2B5EF4-FFF2-40B4-BE49-F238E27FC236}">
+                      <a16:creationId xmlns:a16="http://schemas.microsoft.com/office/drawing/2014/main" id="{00F2C9E5-0213-418A-95BA-4F748030C7CC}"/>
+                    </a:ext>
+                  </a:extLst>
+                </p:cNvPr>
+                <p:cNvCxnSpPr>
+                  <a:cxnSpLocks/>
+                </p:cNvCxnSpPr>
+                <p:nvPr/>
+              </p:nvCxnSpPr>
+              <p:spPr>
+                <a:xfrm>
+                  <a:off x="4871182" y="2985671"/>
+                  <a:ext cx="0" cy="2518896"/>
+                </a:xfrm>
+                <a:prstGeom prst="line">
+                  <a:avLst/>
+                </a:prstGeom>
+                <a:ln w="12700">
+                  <a:solidFill>
+                    <a:schemeClr val="tx1"/>
+                  </a:solidFill>
+                </a:ln>
+              </p:spPr>
+              <p:style>
+                <a:lnRef idx="1">
+                  <a:schemeClr val="accent1"/>
+                </a:lnRef>
+                <a:fillRef idx="0">
+                  <a:schemeClr val="accent1"/>
+                </a:fillRef>
+                <a:effectRef idx="0">
+                  <a:schemeClr val="accent1"/>
+                </a:effectRef>
+                <a:fontRef idx="minor">
+                  <a:schemeClr val="tx1"/>
+                </a:fontRef>
+              </p:style>
+            </p:cxnSp>
+            <p:grpSp>
+              <p:nvGrpSpPr>
+                <p:cNvPr id="29" name="组合 28">
+                  <a:extLst>
+                    <a:ext uri="{FF2B5EF4-FFF2-40B4-BE49-F238E27FC236}">
+                      <a16:creationId xmlns:a16="http://schemas.microsoft.com/office/drawing/2014/main" id="{11F2054B-8758-4ABB-AF39-724DBD95DB55}"/>
+                    </a:ext>
+                  </a:extLst>
+                </p:cNvPr>
+                <p:cNvGrpSpPr/>
+                <p:nvPr/>
+              </p:nvGrpSpPr>
+              <p:grpSpPr>
+                <a:xfrm>
+                  <a:off x="2437324" y="2985671"/>
+                  <a:ext cx="4867716" cy="2518896"/>
+                  <a:chOff x="2437324" y="2985671"/>
+                  <a:chExt cx="4867716" cy="2518896"/>
+                </a:xfrm>
+              </p:grpSpPr>
+              <p:sp>
+                <p:nvSpPr>
+                  <p:cNvPr id="107" name="矩形 106">
+                    <a:extLst>
+                      <a:ext uri="{FF2B5EF4-FFF2-40B4-BE49-F238E27FC236}">
+                        <a16:creationId xmlns:a16="http://schemas.microsoft.com/office/drawing/2014/main" id="{642D30A8-0211-43B2-B255-672D6ADC8892}"/>
+                      </a:ext>
+                    </a:extLst>
+                  </p:cNvPr>
+                  <p:cNvSpPr/>
+                  <p:nvPr/>
+                </p:nvSpPr>
+                <p:spPr>
+                  <a:xfrm>
+                    <a:off x="2437324" y="2985671"/>
+                    <a:ext cx="4867716" cy="2518896"/>
+                  </a:xfrm>
+                  <a:prstGeom prst="rect">
+                    <a:avLst/>
+                  </a:prstGeom>
+                  <a:noFill/>
+                  <a:ln w="19050">
+                    <a:solidFill>
+                      <a:schemeClr val="tx1"/>
+                    </a:solidFill>
+                  </a:ln>
+                </p:spPr>
+                <p:style>
+                  <a:lnRef idx="2">
+                    <a:schemeClr val="accent1">
+                      <a:shade val="50000"/>
+                    </a:schemeClr>
+                  </a:lnRef>
+                  <a:fillRef idx="1">
+                    <a:schemeClr val="accent1"/>
+                  </a:fillRef>
+                  <a:effectRef idx="0">
+                    <a:schemeClr val="accent1"/>
+                  </a:effectRef>
+                  <a:fontRef idx="minor">
+                    <a:schemeClr val="lt1"/>
+                  </a:fontRef>
+                </p:style>
+                <p:txBody>
+                  <a:bodyPr rtlCol="0" anchor="ctr"/>
+                  <a:lstStyle/>
+                  <a:p>
+                    <a:pPr algn="ctr"/>
+                    <a:endParaRPr lang="zh-CN" altLang="en-US"/>
+                  </a:p>
+                </p:txBody>
+              </p:sp>
+              <p:grpSp>
+                <p:nvGrpSpPr>
+                  <p:cNvPr id="25" name="组合 24">
+                    <a:extLst>
+                      <a:ext uri="{FF2B5EF4-FFF2-40B4-BE49-F238E27FC236}">
+                        <a16:creationId xmlns:a16="http://schemas.microsoft.com/office/drawing/2014/main" id="{E757AA8F-23F9-41F0-8923-E3CF1566BEA1}"/>
+                      </a:ext>
+                    </a:extLst>
+                  </p:cNvPr>
+                  <p:cNvGrpSpPr/>
+                  <p:nvPr/>
+                </p:nvGrpSpPr>
+                <p:grpSpPr>
+                  <a:xfrm>
+                    <a:off x="3377176" y="3968042"/>
+                    <a:ext cx="554154" cy="554154"/>
+                    <a:chOff x="9139119" y="1868366"/>
+                    <a:chExt cx="782515" cy="782515"/>
+                  </a:xfrm>
+                </p:grpSpPr>
+                <p:cxnSp>
+                  <p:nvCxnSpPr>
+                    <p:cNvPr id="19" name="直接连接符 18">
+                      <a:extLst>
+                        <a:ext uri="{FF2B5EF4-FFF2-40B4-BE49-F238E27FC236}">
+                          <a16:creationId xmlns:a16="http://schemas.microsoft.com/office/drawing/2014/main" id="{12B1CEA6-21AD-4C03-B658-B5D6BD925372}"/>
+                        </a:ext>
+                      </a:extLst>
+                    </p:cNvPr>
+                    <p:cNvCxnSpPr/>
+                    <p:nvPr/>
+                  </p:nvCxnSpPr>
+                  <p:spPr>
+                    <a:xfrm>
+                      <a:off x="9139119" y="2259624"/>
+                      <a:ext cx="782515" cy="0"/>
+                    </a:xfrm>
+                    <a:prstGeom prst="line">
+                      <a:avLst/>
+                    </a:prstGeom>
+                    <a:ln>
+                      <a:solidFill>
+                        <a:schemeClr val="tx1"/>
+                      </a:solidFill>
+                    </a:ln>
+                  </p:spPr>
+                  <p:style>
+                    <a:lnRef idx="1">
+                      <a:schemeClr val="accent1"/>
+                    </a:lnRef>
+                    <a:fillRef idx="0">
+                      <a:schemeClr val="accent1"/>
+                    </a:fillRef>
+                    <a:effectRef idx="0">
+                      <a:schemeClr val="accent1"/>
+                    </a:effectRef>
+                    <a:fontRef idx="minor">
+                      <a:schemeClr val="tx1"/>
+                    </a:fontRef>
+                  </p:style>
+                </p:cxnSp>
+                <p:cxnSp>
+                  <p:nvCxnSpPr>
+                    <p:cNvPr id="66" name="直接连接符 65">
+                      <a:extLst>
+                        <a:ext uri="{FF2B5EF4-FFF2-40B4-BE49-F238E27FC236}">
+                          <a16:creationId xmlns:a16="http://schemas.microsoft.com/office/drawing/2014/main" id="{40BD99BB-B17D-47FF-A419-F95EE2BEFE68}"/>
+                        </a:ext>
+                      </a:extLst>
+                    </p:cNvPr>
+                    <p:cNvCxnSpPr>
+                      <a:cxnSpLocks/>
+                    </p:cNvCxnSpPr>
+                    <p:nvPr/>
+                  </p:nvCxnSpPr>
+                  <p:spPr>
+                    <a:xfrm rot="5400000">
+                      <a:off x="9139119" y="2259624"/>
+                      <a:ext cx="782515" cy="0"/>
+                    </a:xfrm>
+                    <a:prstGeom prst="line">
+                      <a:avLst/>
+                    </a:prstGeom>
+                    <a:ln>
+                      <a:solidFill>
+                        <a:schemeClr val="tx1"/>
+                      </a:solidFill>
+                    </a:ln>
+                  </p:spPr>
+                  <p:style>
+                    <a:lnRef idx="1">
+                      <a:schemeClr val="accent1"/>
+                    </a:lnRef>
+                    <a:fillRef idx="0">
+                      <a:schemeClr val="accent1"/>
+                    </a:fillRef>
+                    <a:effectRef idx="0">
+                      <a:schemeClr val="accent1"/>
+                    </a:effectRef>
+                    <a:fontRef idx="minor">
+                      <a:schemeClr val="tx1"/>
+                    </a:fontRef>
+                  </p:style>
+                </p:cxnSp>
+                <p:sp>
+                  <p:nvSpPr>
+                    <p:cNvPr id="23" name="椭圆 22">
+                      <a:extLst>
+                        <a:ext uri="{FF2B5EF4-FFF2-40B4-BE49-F238E27FC236}">
+                          <a16:creationId xmlns:a16="http://schemas.microsoft.com/office/drawing/2014/main" id="{01FA4BCE-B5C3-4137-86E1-CF1D121CDDA7}"/>
+                        </a:ext>
+                      </a:extLst>
+                    </p:cNvPr>
+                    <p:cNvSpPr/>
+                    <p:nvPr/>
+                  </p:nvSpPr>
+                  <p:spPr>
+                    <a:xfrm>
+                      <a:off x="9489739" y="2218986"/>
+                      <a:ext cx="81274" cy="81274"/>
+                    </a:xfrm>
+                    <a:prstGeom prst="ellipse">
+                      <a:avLst/>
+                    </a:prstGeom>
+                    <a:solidFill>
+                      <a:schemeClr val="bg1"/>
+                    </a:solidFill>
+                    <a:ln w="9525">
+                      <a:solidFill>
+                        <a:schemeClr val="tx1"/>
+                      </a:solidFill>
+                    </a:ln>
+                  </p:spPr>
+                  <p:style>
+                    <a:lnRef idx="2">
+                      <a:schemeClr val="accent1">
+                        <a:shade val="50000"/>
+                      </a:schemeClr>
+                    </a:lnRef>
+                    <a:fillRef idx="1">
+                      <a:schemeClr val="accent1"/>
+                    </a:fillRef>
+                    <a:effectRef idx="0">
+                      <a:schemeClr val="accent1"/>
+                    </a:effectRef>
+                    <a:fontRef idx="minor">
+                      <a:schemeClr val="lt1"/>
+                    </a:fontRef>
+                  </p:style>
+                  <p:txBody>
+                    <a:bodyPr rtlCol="0" anchor="ctr"/>
+                    <a:lstStyle/>
+                    <a:p>
+                      <a:pPr algn="ctr"/>
+                      <a:endParaRPr lang="zh-CN" altLang="en-US" dirty="0"/>
+                    </a:p>
+                  </p:txBody>
+                </p:sp>
+              </p:grpSp>
+              <p:grpSp>
+                <p:nvGrpSpPr>
+                  <p:cNvPr id="75" name="组合 74">
+                    <a:extLst>
+                      <a:ext uri="{FF2B5EF4-FFF2-40B4-BE49-F238E27FC236}">
+                        <a16:creationId xmlns:a16="http://schemas.microsoft.com/office/drawing/2014/main" id="{184B83C4-C185-4EF5-9682-1F072C80E9BD}"/>
+                      </a:ext>
+                    </a:extLst>
+                  </p:cNvPr>
+                  <p:cNvGrpSpPr/>
+                  <p:nvPr/>
+                </p:nvGrpSpPr>
+                <p:grpSpPr>
+                  <a:xfrm>
+                    <a:off x="5811034" y="3968041"/>
+                    <a:ext cx="554154" cy="554154"/>
+                    <a:chOff x="9139119" y="1868366"/>
+                    <a:chExt cx="782515" cy="782515"/>
+                  </a:xfrm>
+                </p:grpSpPr>
+                <p:cxnSp>
+                  <p:nvCxnSpPr>
+                    <p:cNvPr id="76" name="直接连接符 75">
+                      <a:extLst>
+                        <a:ext uri="{FF2B5EF4-FFF2-40B4-BE49-F238E27FC236}">
+                          <a16:creationId xmlns:a16="http://schemas.microsoft.com/office/drawing/2014/main" id="{2C5E3550-B0C0-456C-BFD4-88AC347B5562}"/>
+                        </a:ext>
+                      </a:extLst>
+                    </p:cNvPr>
+                    <p:cNvCxnSpPr/>
+                    <p:nvPr/>
+                  </p:nvCxnSpPr>
+                  <p:spPr>
+                    <a:xfrm>
+                      <a:off x="9139119" y="2259624"/>
+                      <a:ext cx="782515" cy="0"/>
+                    </a:xfrm>
+                    <a:prstGeom prst="line">
+                      <a:avLst/>
+                    </a:prstGeom>
+                    <a:ln>
+                      <a:solidFill>
+                        <a:schemeClr val="tx1"/>
+                      </a:solidFill>
+                    </a:ln>
+                  </p:spPr>
+                  <p:style>
+                    <a:lnRef idx="1">
+                      <a:schemeClr val="accent1"/>
+                    </a:lnRef>
+                    <a:fillRef idx="0">
+                      <a:schemeClr val="accent1"/>
+                    </a:fillRef>
+                    <a:effectRef idx="0">
+                      <a:schemeClr val="accent1"/>
+                    </a:effectRef>
+                    <a:fontRef idx="minor">
+                      <a:schemeClr val="tx1"/>
+                    </a:fontRef>
+                  </p:style>
+                </p:cxnSp>
+                <p:cxnSp>
+                  <p:nvCxnSpPr>
+                    <p:cNvPr id="94" name="直接连接符 93">
+                      <a:extLst>
+                        <a:ext uri="{FF2B5EF4-FFF2-40B4-BE49-F238E27FC236}">
+                          <a16:creationId xmlns:a16="http://schemas.microsoft.com/office/drawing/2014/main" id="{8C688264-A467-45F2-A1F3-7114F9892E92}"/>
+                        </a:ext>
+                      </a:extLst>
+                    </p:cNvPr>
+                    <p:cNvCxnSpPr>
+                      <a:cxnSpLocks/>
+                    </p:cNvCxnSpPr>
+                    <p:nvPr/>
+                  </p:nvCxnSpPr>
+                  <p:spPr>
+                    <a:xfrm rot="5400000">
+                      <a:off x="9139119" y="2259624"/>
+                      <a:ext cx="782515" cy="0"/>
+                    </a:xfrm>
+                    <a:prstGeom prst="line">
+                      <a:avLst/>
+                    </a:prstGeom>
+                    <a:ln>
+                      <a:solidFill>
+                        <a:schemeClr val="tx1"/>
+                      </a:solidFill>
+                    </a:ln>
+                  </p:spPr>
+                  <p:style>
+                    <a:lnRef idx="1">
+                      <a:schemeClr val="accent1"/>
+                    </a:lnRef>
+                    <a:fillRef idx="0">
+                      <a:schemeClr val="accent1"/>
+                    </a:fillRef>
+                    <a:effectRef idx="0">
+                      <a:schemeClr val="accent1"/>
+                    </a:effectRef>
+                    <a:fontRef idx="minor">
+                      <a:schemeClr val="tx1"/>
+                    </a:fontRef>
+                  </p:style>
+                </p:cxnSp>
+                <p:sp>
+                  <p:nvSpPr>
+                    <p:cNvPr id="95" name="椭圆 94">
+                      <a:extLst>
+                        <a:ext uri="{FF2B5EF4-FFF2-40B4-BE49-F238E27FC236}">
+                          <a16:creationId xmlns:a16="http://schemas.microsoft.com/office/drawing/2014/main" id="{A694FB2A-E305-476B-81E7-E3EE2123FDF9}"/>
+                        </a:ext>
+                      </a:extLst>
+                    </p:cNvPr>
+                    <p:cNvSpPr/>
+                    <p:nvPr/>
+                  </p:nvSpPr>
+                  <p:spPr>
+                    <a:xfrm>
+                      <a:off x="9489739" y="2218986"/>
+                      <a:ext cx="81274" cy="81274"/>
+                    </a:xfrm>
+                    <a:prstGeom prst="ellipse">
+                      <a:avLst/>
+                    </a:prstGeom>
+                    <a:solidFill>
+                      <a:schemeClr val="bg1"/>
+                    </a:solidFill>
+                    <a:ln w="9525">
+                      <a:solidFill>
+                        <a:schemeClr val="tx1"/>
+                      </a:solidFill>
+                    </a:ln>
+                  </p:spPr>
+                  <p:style>
+                    <a:lnRef idx="2">
+                      <a:schemeClr val="accent1">
+                        <a:shade val="50000"/>
+                      </a:schemeClr>
+                    </a:lnRef>
+                    <a:fillRef idx="1">
+                      <a:schemeClr val="accent1"/>
+                    </a:fillRef>
+                    <a:effectRef idx="0">
+                      <a:schemeClr val="accent1"/>
+                    </a:effectRef>
+                    <a:fontRef idx="minor">
+                      <a:schemeClr val="lt1"/>
+                    </a:fontRef>
+                  </p:style>
+                  <p:txBody>
+                    <a:bodyPr rtlCol="0" anchor="ctr"/>
+                    <a:lstStyle/>
+                    <a:p>
+                      <a:pPr algn="ctr"/>
+                      <a:endParaRPr lang="zh-CN" altLang="en-US"/>
+                    </a:p>
+                  </p:txBody>
+                </p:sp>
+              </p:grpSp>
+            </p:grpSp>
+          </p:grpSp>
+          <p:sp>
+            <p:nvSpPr>
+              <p:cNvPr id="27" name="文本框 26">
+                <a:extLst>
+                  <a:ext uri="{FF2B5EF4-FFF2-40B4-BE49-F238E27FC236}">
+                    <a16:creationId xmlns:a16="http://schemas.microsoft.com/office/drawing/2014/main" id="{C0DC3415-C0A1-406F-9957-D4818583EAAB}"/>
+                  </a:ext>
+                </a:extLst>
+              </p:cNvPr>
+              <p:cNvSpPr txBox="1"/>
+              <p:nvPr/>
+            </p:nvSpPr>
+            <p:spPr>
+              <a:xfrm flipH="1">
+                <a:off x="6537048" y="4891978"/>
+                <a:ext cx="1139145" cy="369332"/>
+              </a:xfrm>
+              <a:prstGeom prst="rect">
+                <a:avLst/>
+              </a:prstGeom>
+              <a:noFill/>
+            </p:spPr>
+            <p:txBody>
+              <a:bodyPr wrap="square" rtlCol="0">
+                <a:spAutoFit/>
+              </a:bodyPr>
+              <a:lstStyle/>
+              <a:p>
+                <a:r>
+                  <a:rPr lang="zh-CN" altLang="en-US" dirty="0"/>
+                  <a:t>实际屏幕</a:t>
+                </a:r>
+              </a:p>
+            </p:txBody>
+          </p:sp>
+          <p:sp>
+            <p:nvSpPr>
+              <p:cNvPr id="28" name="文本框 27">
+                <a:extLst>
+                  <a:ext uri="{FF2B5EF4-FFF2-40B4-BE49-F238E27FC236}">
+                    <a16:creationId xmlns:a16="http://schemas.microsoft.com/office/drawing/2014/main" id="{E6FAA64D-D311-4327-AE9B-1BDB11CEAEEE}"/>
+                  </a:ext>
+                </a:extLst>
+              </p:cNvPr>
+              <p:cNvSpPr txBox="1"/>
+              <p:nvPr/>
+            </p:nvSpPr>
+            <p:spPr>
+              <a:xfrm flipH="1">
+                <a:off x="3122471" y="3894603"/>
+                <a:ext cx="330201" cy="461665"/>
+              </a:xfrm>
+              <a:prstGeom prst="rect">
+                <a:avLst/>
+              </a:prstGeom>
+              <a:noFill/>
+            </p:spPr>
+            <p:txBody>
+              <a:bodyPr wrap="square" rtlCol="0">
+                <a:spAutoFit/>
+              </a:bodyPr>
+              <a:lstStyle/>
+              <a:p>
+                <a:r>
+                  <a:rPr lang="en-US" altLang="zh-CN" sz="2400" b="1" dirty="0"/>
+                  <a:t>A</a:t>
+                </a:r>
+                <a:endParaRPr lang="en-US" altLang="zh-CN" b="1" dirty="0"/>
+              </a:p>
+            </p:txBody>
+          </p:sp>
+          <p:sp>
+            <p:nvSpPr>
+              <p:cNvPr id="96" name="文本框 95">
+                <a:extLst>
+                  <a:ext uri="{FF2B5EF4-FFF2-40B4-BE49-F238E27FC236}">
+                    <a16:creationId xmlns:a16="http://schemas.microsoft.com/office/drawing/2014/main" id="{555DCB61-5219-47A4-9E44-2000D93A255D}"/>
+                  </a:ext>
+                </a:extLst>
+              </p:cNvPr>
+              <p:cNvSpPr txBox="1"/>
+              <p:nvPr/>
+            </p:nvSpPr>
+            <p:spPr>
+              <a:xfrm flipH="1">
+                <a:off x="4753898" y="3894603"/>
+                <a:ext cx="330201" cy="461665"/>
+              </a:xfrm>
+              <a:prstGeom prst="rect">
+                <a:avLst/>
+              </a:prstGeom>
+              <a:noFill/>
+            </p:spPr>
+            <p:txBody>
+              <a:bodyPr wrap="square" rtlCol="0">
+                <a:spAutoFit/>
+              </a:bodyPr>
+              <a:lstStyle/>
+              <a:p>
+                <a:r>
+                  <a:rPr lang="en-US" altLang="zh-CN" sz="2400" b="1" dirty="0"/>
+                  <a:t>A</a:t>
+                </a:r>
+                <a:endParaRPr lang="en-US" altLang="zh-CN" b="1" dirty="0"/>
+              </a:p>
+            </p:txBody>
+          </p:sp>
+          <p:grpSp>
+            <p:nvGrpSpPr>
+              <p:cNvPr id="97" name="组合 96">
+                <a:extLst>
+                  <a:ext uri="{FF2B5EF4-FFF2-40B4-BE49-F238E27FC236}">
+                    <a16:creationId xmlns:a16="http://schemas.microsoft.com/office/drawing/2014/main" id="{F5F54D79-6B84-4FD6-B694-430059BBACC8}"/>
+                  </a:ext>
+                </a:extLst>
+              </p:cNvPr>
+              <p:cNvGrpSpPr/>
+              <p:nvPr/>
+            </p:nvGrpSpPr>
+            <p:grpSpPr>
+              <a:xfrm>
+                <a:off x="4238018" y="1010394"/>
+                <a:ext cx="554154" cy="554154"/>
+                <a:chOff x="9139119" y="1868366"/>
+                <a:chExt cx="782515" cy="782515"/>
+              </a:xfrm>
+            </p:grpSpPr>
+            <p:cxnSp>
+              <p:nvCxnSpPr>
+                <p:cNvPr id="98" name="直接连接符 97">
+                  <a:extLst>
+                    <a:ext uri="{FF2B5EF4-FFF2-40B4-BE49-F238E27FC236}">
+                      <a16:creationId xmlns:a16="http://schemas.microsoft.com/office/drawing/2014/main" id="{662E09D7-0F8C-47C3-9E9C-AF9A083B548E}"/>
+                    </a:ext>
+                  </a:extLst>
+                </p:cNvPr>
+                <p:cNvCxnSpPr/>
+                <p:nvPr/>
+              </p:nvCxnSpPr>
+              <p:spPr>
+                <a:xfrm>
+                  <a:off x="9139119" y="2259624"/>
+                  <a:ext cx="782515" cy="0"/>
+                </a:xfrm>
+                <a:prstGeom prst="line">
+                  <a:avLst/>
+                </a:prstGeom>
+                <a:ln>
+                  <a:solidFill>
+                    <a:schemeClr val="tx1"/>
+                  </a:solidFill>
+                </a:ln>
+              </p:spPr>
+              <p:style>
+                <a:lnRef idx="1">
+                  <a:schemeClr val="accent1"/>
+                </a:lnRef>
+                <a:fillRef idx="0">
+                  <a:schemeClr val="accent1"/>
+                </a:fillRef>
+                <a:effectRef idx="0">
+                  <a:schemeClr val="accent1"/>
+                </a:effectRef>
+                <a:fontRef idx="minor">
+                  <a:schemeClr val="tx1"/>
+                </a:fontRef>
+              </p:style>
+            </p:cxnSp>
+            <p:cxnSp>
+              <p:nvCxnSpPr>
+                <p:cNvPr id="99" name="直接连接符 98">
+                  <a:extLst>
+                    <a:ext uri="{FF2B5EF4-FFF2-40B4-BE49-F238E27FC236}">
+                      <a16:creationId xmlns:a16="http://schemas.microsoft.com/office/drawing/2014/main" id="{6217F4F6-2743-49D0-903A-1E7E404F757B}"/>
+                    </a:ext>
+                  </a:extLst>
+                </p:cNvPr>
+                <p:cNvCxnSpPr>
+                  <a:cxnSpLocks/>
+                </p:cNvCxnSpPr>
+                <p:nvPr/>
+              </p:nvCxnSpPr>
+              <p:spPr>
+                <a:xfrm rot="5400000">
+                  <a:off x="9139119" y="2259624"/>
+                  <a:ext cx="782515" cy="0"/>
+                </a:xfrm>
+                <a:prstGeom prst="line">
+                  <a:avLst/>
+                </a:prstGeom>
+                <a:ln>
+                  <a:solidFill>
+                    <a:schemeClr val="tx1"/>
+                  </a:solidFill>
+                </a:ln>
+              </p:spPr>
+              <p:style>
+                <a:lnRef idx="1">
+                  <a:schemeClr val="accent1"/>
+                </a:lnRef>
+                <a:fillRef idx="0">
+                  <a:schemeClr val="accent1"/>
+                </a:fillRef>
+                <a:effectRef idx="0">
+                  <a:schemeClr val="accent1"/>
+                </a:effectRef>
+                <a:fontRef idx="minor">
+                  <a:schemeClr val="tx1"/>
+                </a:fontRef>
+              </p:style>
+            </p:cxnSp>
+            <p:sp>
+              <p:nvSpPr>
+                <p:cNvPr id="100" name="椭圆 99">
+                  <a:extLst>
+                    <a:ext uri="{FF2B5EF4-FFF2-40B4-BE49-F238E27FC236}">
+                      <a16:creationId xmlns:a16="http://schemas.microsoft.com/office/drawing/2014/main" id="{CF09C606-5A39-4E5B-A113-0108983B04C5}"/>
+                    </a:ext>
+                  </a:extLst>
+                </p:cNvPr>
+                <p:cNvSpPr/>
+                <p:nvPr/>
+              </p:nvSpPr>
+              <p:spPr>
+                <a:xfrm>
+                  <a:off x="9489739" y="2218986"/>
+                  <a:ext cx="81274" cy="81274"/>
+                </a:xfrm>
+                <a:prstGeom prst="ellipse">
+                  <a:avLst/>
+                </a:prstGeom>
+                <a:solidFill>
+                  <a:schemeClr val="bg1"/>
+                </a:solidFill>
+                <a:ln w="9525">
+                  <a:solidFill>
+                    <a:schemeClr val="tx1"/>
+                  </a:solidFill>
+                </a:ln>
+              </p:spPr>
+              <p:style>
+                <a:lnRef idx="2">
+                  <a:schemeClr val="accent1">
+                    <a:shade val="50000"/>
+                  </a:schemeClr>
+                </a:lnRef>
+                <a:fillRef idx="1">
+                  <a:schemeClr val="accent1"/>
+                </a:fillRef>
+                <a:effectRef idx="0">
+                  <a:schemeClr val="accent1"/>
+                </a:effectRef>
+                <a:fontRef idx="minor">
+                  <a:schemeClr val="lt1"/>
+                </a:fontRef>
+              </p:style>
+              <p:txBody>
+                <a:bodyPr rtlCol="0" anchor="ctr"/>
+                <a:lstStyle/>
+                <a:p>
+                  <a:pPr algn="ctr"/>
+                  <a:endParaRPr lang="zh-CN" altLang="en-US" dirty="0"/>
+                </a:p>
+              </p:txBody>
+            </p:sp>
+          </p:grpSp>
+          <p:sp>
+            <p:nvSpPr>
+              <p:cNvPr id="103" name="文本框 102">
+                <a:extLst>
+                  <a:ext uri="{FF2B5EF4-FFF2-40B4-BE49-F238E27FC236}">
+                    <a16:creationId xmlns:a16="http://schemas.microsoft.com/office/drawing/2014/main" id="{72D7828F-9281-4E68-AC92-7F8E1BA24EF0}"/>
+                  </a:ext>
+                </a:extLst>
+              </p:cNvPr>
+              <p:cNvSpPr txBox="1"/>
+              <p:nvPr/>
+            </p:nvSpPr>
+            <p:spPr>
+              <a:xfrm flipH="1">
+                <a:off x="3486131" y="2138561"/>
+                <a:ext cx="330201" cy="523220"/>
+              </a:xfrm>
+              <a:prstGeom prst="rect">
+                <a:avLst/>
+              </a:prstGeom>
+              <a:noFill/>
+            </p:spPr>
+            <p:txBody>
+              <a:bodyPr wrap="square" rtlCol="0">
+                <a:spAutoFit/>
+              </a:bodyPr>
+              <a:lstStyle/>
+              <a:p>
+                <a:r>
+                  <a:rPr lang="en-US" altLang="zh-CN" sz="2800" b="1" dirty="0"/>
+                  <a:t>A</a:t>
+                </a:r>
+                <a:endParaRPr lang="en-US" altLang="zh-CN" sz="1400" b="1" dirty="0"/>
+              </a:p>
+            </p:txBody>
+          </p:sp>
+          <p:cxnSp>
+            <p:nvCxnSpPr>
+              <p:cNvPr id="65" name="直接连接符 64">
+                <a:extLst>
+                  <a:ext uri="{FF2B5EF4-FFF2-40B4-BE49-F238E27FC236}">
+                    <a16:creationId xmlns:a16="http://schemas.microsoft.com/office/drawing/2014/main" id="{3D7BEA16-88E8-4F98-AF6F-F51D4F358AAA}"/>
+                  </a:ext>
+                </a:extLst>
+              </p:cNvPr>
+              <p:cNvCxnSpPr>
+                <a:cxnSpLocks/>
+                <a:stCxn id="100" idx="1"/>
+              </p:cNvCxnSpPr>
+              <p:nvPr/>
+            </p:nvCxnSpPr>
+            <p:spPr>
+              <a:xfrm flipH="1">
+                <a:off x="2992141" y="1267122"/>
+                <a:ext cx="1502605" cy="4402158"/>
+              </a:xfrm>
+              <a:prstGeom prst="line">
+                <a:avLst/>
+              </a:prstGeom>
+              <a:ln>
+                <a:solidFill>
+                  <a:schemeClr val="tx1"/>
+                </a:solidFill>
+                <a:prstDash val="dash"/>
+                <a:tailEnd type="oval"/>
+              </a:ln>
+            </p:spPr>
+            <p:style>
+              <a:lnRef idx="1">
+                <a:schemeClr val="accent1"/>
+              </a:lnRef>
+              <a:fillRef idx="0">
+                <a:schemeClr val="accent1"/>
+              </a:fillRef>
+              <a:effectRef idx="0">
+                <a:schemeClr val="accent1"/>
+              </a:effectRef>
+              <a:fontRef idx="minor">
+                <a:schemeClr val="tx1"/>
+              </a:fontRef>
+            </p:style>
+          </p:cxnSp>
+          <p:cxnSp>
+            <p:nvCxnSpPr>
+              <p:cNvPr id="104" name="直接连接符 103">
+                <a:extLst>
+                  <a:ext uri="{FF2B5EF4-FFF2-40B4-BE49-F238E27FC236}">
+                    <a16:creationId xmlns:a16="http://schemas.microsoft.com/office/drawing/2014/main" id="{DFE48597-2170-4A2D-A827-98210818B97D}"/>
+                  </a:ext>
+                </a:extLst>
+              </p:cNvPr>
+              <p:cNvCxnSpPr>
+                <a:cxnSpLocks/>
+                <a:stCxn id="100" idx="7"/>
+              </p:cNvCxnSpPr>
+              <p:nvPr/>
+            </p:nvCxnSpPr>
+            <p:spPr>
+              <a:xfrm>
+                <a:off x="4535444" y="1267122"/>
+                <a:ext cx="1469488" cy="4332185"/>
+              </a:xfrm>
+              <a:prstGeom prst="line">
+                <a:avLst/>
+              </a:prstGeom>
+              <a:ln>
+                <a:solidFill>
+                  <a:schemeClr val="tx1"/>
+                </a:solidFill>
+                <a:prstDash val="dash"/>
+                <a:tailEnd type="oval"/>
+              </a:ln>
+            </p:spPr>
+            <p:style>
+              <a:lnRef idx="1">
+                <a:schemeClr val="accent1"/>
+              </a:lnRef>
+              <a:fillRef idx="0">
+                <a:schemeClr val="accent1"/>
+              </a:fillRef>
+              <a:effectRef idx="0">
+                <a:schemeClr val="accent1"/>
+              </a:effectRef>
+              <a:fontRef idx="minor">
+                <a:schemeClr val="tx1"/>
+              </a:fontRef>
+            </p:style>
+          </p:cxnSp>
+          <p:sp>
+            <p:nvSpPr>
+              <p:cNvPr id="105" name="文本框 104">
+                <a:extLst>
+                  <a:ext uri="{FF2B5EF4-FFF2-40B4-BE49-F238E27FC236}">
+                    <a16:creationId xmlns:a16="http://schemas.microsoft.com/office/drawing/2014/main" id="{936D3D60-8932-44E8-95D8-DDD590BA743A}"/>
+                  </a:ext>
+                </a:extLst>
+              </p:cNvPr>
+              <p:cNvSpPr txBox="1"/>
+              <p:nvPr/>
+            </p:nvSpPr>
+            <p:spPr>
+              <a:xfrm flipH="1">
+                <a:off x="2422568" y="5746556"/>
+                <a:ext cx="1139145" cy="369332"/>
+              </a:xfrm>
+              <a:prstGeom prst="rect">
+                <a:avLst/>
+              </a:prstGeom>
+              <a:noFill/>
+            </p:spPr>
+            <p:txBody>
+              <a:bodyPr wrap="square" rtlCol="0">
+                <a:spAutoFit/>
+              </a:bodyPr>
+              <a:lstStyle/>
+              <a:p>
+                <a:r>
+                  <a:rPr lang="zh-CN" altLang="en-US" dirty="0"/>
+                  <a:t>左观测点</a:t>
+                </a:r>
+                <a:endParaRPr lang="en-US" altLang="zh-CN" dirty="0"/>
+              </a:p>
+            </p:txBody>
+          </p:sp>
+          <p:sp>
+            <p:nvSpPr>
+              <p:cNvPr id="106" name="文本框 105">
+                <a:extLst>
+                  <a:ext uri="{FF2B5EF4-FFF2-40B4-BE49-F238E27FC236}">
+                    <a16:creationId xmlns:a16="http://schemas.microsoft.com/office/drawing/2014/main" id="{B48F3D5C-BB99-47EA-931D-1A452B6F68C2}"/>
+                  </a:ext>
+                </a:extLst>
+              </p:cNvPr>
+              <p:cNvSpPr txBox="1"/>
+              <p:nvPr/>
+            </p:nvSpPr>
+            <p:spPr>
+              <a:xfrm flipH="1">
+                <a:off x="5435359" y="5746556"/>
+                <a:ext cx="1139145" cy="369332"/>
+              </a:xfrm>
+              <a:prstGeom prst="rect">
+                <a:avLst/>
+              </a:prstGeom>
+              <a:noFill/>
+            </p:spPr>
+            <p:txBody>
+              <a:bodyPr wrap="square" rtlCol="0">
+                <a:spAutoFit/>
+              </a:bodyPr>
+              <a:lstStyle/>
+              <a:p>
+                <a:r>
+                  <a:rPr lang="zh-CN" altLang="en-US" dirty="0"/>
+                  <a:t>右观测点</a:t>
+                </a:r>
+                <a:endParaRPr lang="en-US" altLang="zh-CN" dirty="0"/>
+              </a:p>
+            </p:txBody>
+          </p:sp>
+          <p:cxnSp>
+            <p:nvCxnSpPr>
+              <p:cNvPr id="108" name="直接连接符 107">
+                <a:extLst>
+                  <a:ext uri="{FF2B5EF4-FFF2-40B4-BE49-F238E27FC236}">
+                    <a16:creationId xmlns:a16="http://schemas.microsoft.com/office/drawing/2014/main" id="{064EE4A8-C820-4EDA-8804-D6DD3A1FEE51}"/>
+                  </a:ext>
+                </a:extLst>
+              </p:cNvPr>
+              <p:cNvCxnSpPr>
+                <a:cxnSpLocks/>
+              </p:cNvCxnSpPr>
+              <p:nvPr/>
+            </p:nvCxnSpPr>
+            <p:spPr>
+              <a:xfrm flipH="1">
+                <a:off x="2992140" y="2407920"/>
+                <a:ext cx="702927" cy="3261360"/>
+              </a:xfrm>
+              <a:prstGeom prst="line">
+                <a:avLst/>
+              </a:prstGeom>
+              <a:ln>
+                <a:solidFill>
+                  <a:schemeClr val="tx1"/>
+                </a:solidFill>
+                <a:prstDash val="dash"/>
+                <a:tailEnd type="oval"/>
+              </a:ln>
+            </p:spPr>
+            <p:style>
+              <a:lnRef idx="1">
+                <a:schemeClr val="accent1"/>
+              </a:lnRef>
+              <a:fillRef idx="0">
+                <a:schemeClr val="accent1"/>
+              </a:fillRef>
+              <a:effectRef idx="0">
+                <a:schemeClr val="accent1"/>
+              </a:effectRef>
+              <a:fontRef idx="minor">
+                <a:schemeClr val="tx1"/>
+              </a:fontRef>
+            </p:style>
+          </p:cxnSp>
+          <p:cxnSp>
+            <p:nvCxnSpPr>
+              <p:cNvPr id="134" name="直接连接符 133">
+                <a:extLst>
+                  <a:ext uri="{FF2B5EF4-FFF2-40B4-BE49-F238E27FC236}">
+                    <a16:creationId xmlns:a16="http://schemas.microsoft.com/office/drawing/2014/main" id="{DA3F7910-7CEC-47A6-B2D5-3C59BD50A67A}"/>
+                  </a:ext>
+                </a:extLst>
+              </p:cNvPr>
+              <p:cNvCxnSpPr>
+                <a:cxnSpLocks/>
+              </p:cNvCxnSpPr>
+              <p:nvPr/>
+            </p:nvCxnSpPr>
+            <p:spPr>
+              <a:xfrm>
+                <a:off x="3688876" y="2407920"/>
+                <a:ext cx="2316055" cy="3199816"/>
+              </a:xfrm>
+              <a:prstGeom prst="line">
+                <a:avLst/>
+              </a:prstGeom>
+              <a:ln>
+                <a:solidFill>
+                  <a:schemeClr val="tx1"/>
+                </a:solidFill>
+                <a:prstDash val="dash"/>
+                <a:tailEnd type="oval"/>
+              </a:ln>
+            </p:spPr>
+            <p:style>
+              <a:lnRef idx="1">
+                <a:schemeClr val="accent1"/>
+              </a:lnRef>
+              <a:fillRef idx="0">
+                <a:schemeClr val="accent1"/>
+              </a:fillRef>
+              <a:effectRef idx="0">
+                <a:schemeClr val="accent1"/>
+              </a:effectRef>
+              <a:fontRef idx="minor">
+                <a:schemeClr val="tx1"/>
+              </a:fontRef>
+            </p:style>
+          </p:cxnSp>
+          <p:sp>
+            <p:nvSpPr>
+              <p:cNvPr id="139" name="文本框 138">
+                <a:extLst>
+                  <a:ext uri="{FF2B5EF4-FFF2-40B4-BE49-F238E27FC236}">
+                    <a16:creationId xmlns:a16="http://schemas.microsoft.com/office/drawing/2014/main" id="{968A27D3-D317-4E7F-B65A-033FF3D3CEE4}"/>
+                  </a:ext>
+                </a:extLst>
+              </p:cNvPr>
+              <p:cNvSpPr txBox="1"/>
+              <p:nvPr/>
+            </p:nvSpPr>
+            <p:spPr>
+              <a:xfrm flipH="1">
+                <a:off x="3607652" y="3894603"/>
+                <a:ext cx="330201" cy="461665"/>
+              </a:xfrm>
+              <a:prstGeom prst="rect">
+                <a:avLst/>
+              </a:prstGeom>
+              <a:noFill/>
+            </p:spPr>
+            <p:txBody>
+              <a:bodyPr wrap="square" rtlCol="0">
+                <a:spAutoFit/>
+              </a:bodyPr>
+              <a:lstStyle/>
+              <a:p>
+                <a:r>
+                  <a:rPr lang="en-US" altLang="zh-CN" sz="2400" b="1" dirty="0"/>
+                  <a:t>B</a:t>
+                </a:r>
+                <a:endParaRPr lang="en-US" altLang="zh-CN" b="1" dirty="0"/>
+              </a:p>
+            </p:txBody>
+          </p:sp>
+          <p:cxnSp>
+            <p:nvCxnSpPr>
+              <p:cNvPr id="140" name="直接连接符 139">
+                <a:extLst>
+                  <a:ext uri="{FF2B5EF4-FFF2-40B4-BE49-F238E27FC236}">
+                    <a16:creationId xmlns:a16="http://schemas.microsoft.com/office/drawing/2014/main" id="{C19479F1-7774-4A3D-AC22-EA25FB460722}"/>
+                  </a:ext>
+                </a:extLst>
+              </p:cNvPr>
+              <p:cNvCxnSpPr>
+                <a:cxnSpLocks/>
+              </p:cNvCxnSpPr>
+              <p:nvPr/>
+            </p:nvCxnSpPr>
+            <p:spPr>
+              <a:xfrm flipH="1">
+                <a:off x="2990707" y="162560"/>
+                <a:ext cx="2904976" cy="5506720"/>
+              </a:xfrm>
+              <a:prstGeom prst="line">
+                <a:avLst/>
+              </a:prstGeom>
+              <a:ln>
+                <a:solidFill>
+                  <a:schemeClr val="tx1"/>
+                </a:solidFill>
+                <a:prstDash val="dash"/>
+                <a:tailEnd type="oval"/>
+              </a:ln>
+            </p:spPr>
+            <p:style>
+              <a:lnRef idx="1">
+                <a:schemeClr val="accent1"/>
+              </a:lnRef>
+              <a:fillRef idx="0">
+                <a:schemeClr val="accent1"/>
+              </a:fillRef>
+              <a:effectRef idx="0">
+                <a:schemeClr val="accent1"/>
+              </a:effectRef>
+              <a:fontRef idx="minor">
+                <a:schemeClr val="tx1"/>
+              </a:fontRef>
+            </p:style>
+          </p:cxnSp>
+          <p:sp>
+            <p:nvSpPr>
+              <p:cNvPr id="143" name="文本框 142">
+                <a:extLst>
+                  <a:ext uri="{FF2B5EF4-FFF2-40B4-BE49-F238E27FC236}">
+                    <a16:creationId xmlns:a16="http://schemas.microsoft.com/office/drawing/2014/main" id="{795428BA-DC8F-4D7B-9C51-DE0538A26D48}"/>
+                  </a:ext>
+                </a:extLst>
+              </p:cNvPr>
+              <p:cNvSpPr txBox="1"/>
+              <p:nvPr/>
+            </p:nvSpPr>
+            <p:spPr>
+              <a:xfrm flipH="1">
+                <a:off x="5811806" y="3894603"/>
+                <a:ext cx="330201" cy="461665"/>
+              </a:xfrm>
+              <a:prstGeom prst="rect">
+                <a:avLst/>
+              </a:prstGeom>
+              <a:noFill/>
+            </p:spPr>
+            <p:txBody>
+              <a:bodyPr wrap="square" rtlCol="0">
+                <a:spAutoFit/>
+              </a:bodyPr>
+              <a:lstStyle/>
+              <a:p>
+                <a:r>
+                  <a:rPr lang="en-US" altLang="zh-CN" sz="2400" b="1" dirty="0"/>
+                  <a:t>B</a:t>
+                </a:r>
+                <a:endParaRPr lang="en-US" altLang="zh-CN" b="1" dirty="0"/>
+              </a:p>
+            </p:txBody>
+          </p:sp>
+          <p:cxnSp>
+            <p:nvCxnSpPr>
+              <p:cNvPr id="144" name="直接连接符 143">
+                <a:extLst>
+                  <a:ext uri="{FF2B5EF4-FFF2-40B4-BE49-F238E27FC236}">
+                    <a16:creationId xmlns:a16="http://schemas.microsoft.com/office/drawing/2014/main" id="{CD0C8BD1-E300-48E7-8E03-1B8F8B2D68E4}"/>
+                  </a:ext>
+                </a:extLst>
+              </p:cNvPr>
+              <p:cNvCxnSpPr>
+                <a:cxnSpLocks/>
+              </p:cNvCxnSpPr>
+              <p:nvPr/>
+            </p:nvCxnSpPr>
+            <p:spPr>
+              <a:xfrm>
+                <a:off x="5924461" y="162560"/>
+                <a:ext cx="94674" cy="5436747"/>
+              </a:xfrm>
+              <a:prstGeom prst="line">
+                <a:avLst/>
+              </a:prstGeom>
+              <a:ln>
+                <a:solidFill>
+                  <a:schemeClr val="tx1"/>
+                </a:solidFill>
+                <a:prstDash val="dash"/>
+                <a:tailEnd type="oval"/>
+              </a:ln>
+            </p:spPr>
+            <p:style>
+              <a:lnRef idx="1">
+                <a:schemeClr val="accent1"/>
+              </a:lnRef>
+              <a:fillRef idx="0">
+                <a:schemeClr val="accent1"/>
+              </a:fillRef>
+              <a:effectRef idx="0">
+                <a:schemeClr val="accent1"/>
+              </a:effectRef>
+              <a:fontRef idx="minor">
+                <a:schemeClr val="tx1"/>
+              </a:fontRef>
+            </p:style>
+          </p:cxnSp>
+          <p:sp>
+            <p:nvSpPr>
+              <p:cNvPr id="148" name="文本框 147">
+                <a:extLst>
+                  <a:ext uri="{FF2B5EF4-FFF2-40B4-BE49-F238E27FC236}">
+                    <a16:creationId xmlns:a16="http://schemas.microsoft.com/office/drawing/2014/main" id="{62279C0F-209F-42A2-AD6B-CFE4F1D4AE4F}"/>
+                  </a:ext>
+                </a:extLst>
+              </p:cNvPr>
+              <p:cNvSpPr txBox="1"/>
+              <p:nvPr/>
+            </p:nvSpPr>
+            <p:spPr>
+              <a:xfrm flipH="1">
+                <a:off x="5730582" y="-76702"/>
+                <a:ext cx="330201" cy="461665"/>
+              </a:xfrm>
+              <a:prstGeom prst="rect">
+                <a:avLst/>
+              </a:prstGeom>
+              <a:noFill/>
+            </p:spPr>
+            <p:txBody>
+              <a:bodyPr wrap="square" rtlCol="0">
+                <a:spAutoFit/>
+              </a:bodyPr>
+              <a:lstStyle/>
+              <a:p>
+                <a:r>
+                  <a:rPr lang="en-US" altLang="zh-CN" sz="2400" b="1" dirty="0"/>
+                  <a:t>B</a:t>
+                </a:r>
+              </a:p>
+            </p:txBody>
+          </p:sp>
+          <p:sp>
+            <p:nvSpPr>
+              <p:cNvPr id="34" name="文本框 33">
+                <a:extLst>
+                  <a:ext uri="{FF2B5EF4-FFF2-40B4-BE49-F238E27FC236}">
+                    <a16:creationId xmlns:a16="http://schemas.microsoft.com/office/drawing/2014/main" id="{0BB38539-625A-4E24-8C90-8DA3FFF40E8E}"/>
+                  </a:ext>
+                </a:extLst>
+              </p:cNvPr>
+              <p:cNvSpPr txBox="1"/>
+              <p:nvPr/>
+            </p:nvSpPr>
+            <p:spPr>
+              <a:xfrm flipH="1">
+                <a:off x="6496351" y="1114611"/>
+                <a:ext cx="1139145" cy="369332"/>
+              </a:xfrm>
+              <a:prstGeom prst="rect">
+                <a:avLst/>
+              </a:prstGeom>
+              <a:noFill/>
+            </p:spPr>
+            <p:txBody>
+              <a:bodyPr wrap="square" rtlCol="0">
+                <a:spAutoFit/>
+              </a:bodyPr>
+              <a:lstStyle/>
+              <a:p>
+                <a:r>
+                  <a:rPr lang="zh-CN" altLang="en-US" dirty="0"/>
+                  <a:t>感知屏幕</a:t>
+                </a:r>
+              </a:p>
+            </p:txBody>
+          </p:sp>
+        </p:grpSp>
         <p:cxnSp>
           <p:nvCxnSpPr>
-            <p:cNvPr id="112" name="直接连接符 111">
+            <p:cNvPr id="35" name="直接连接符 34">
               <a:extLst>
                 <a:ext uri="{FF2B5EF4-FFF2-40B4-BE49-F238E27FC236}">
-                  <a16:creationId xmlns:a16="http://schemas.microsoft.com/office/drawing/2014/main" id="{32A9CF0A-40D7-4E4F-9918-652E7FF3CF4F}"/>
+                  <a16:creationId xmlns:a16="http://schemas.microsoft.com/office/drawing/2014/main" id="{DC7D6AA5-1452-4DFC-B57C-B77DF122B97E}"/>
                 </a:ext>
               </a:extLst>
             </p:cNvPr>
             <p:cNvCxnSpPr>
               <a:cxnSpLocks/>
+              <a:stCxn id="100" idx="7"/>
+              <a:endCxn id="34" idx="3"/>
             </p:cNvCxnSpPr>
             <p:nvPr/>
           </p:nvCxnSpPr>
           <p:spPr>
-            <a:xfrm rot="21563125" flipV="1">
-              <a:off x="7384398" y="3784900"/>
-              <a:ext cx="0" cy="45719"/>
+            <a:xfrm>
+              <a:off x="4535444" y="1544643"/>
+              <a:ext cx="1960907" cy="32155"/>
             </a:xfrm>
             <a:prstGeom prst="line">
               <a:avLst/>
             </a:prstGeom>
-            <a:ln w="15875">
+            <a:ln>
               <a:solidFill>
                 <a:schemeClr val="tx1"/>
               </a:solidFill>
-            </a:ln>
-          </p:spPr>
-          <p:style>
-            <a:lnRef idx="1">
-              <a:schemeClr val="accent1"/>
-            </a:lnRef>
-            <a:fillRef idx="0">
-              <a:schemeClr val="accent1"/>
-            </a:fillRef>
-            <a:effectRef idx="0">
-              <a:schemeClr val="accent1"/>
-            </a:effectRef>
-            <a:fontRef idx="minor">
-              <a:schemeClr val="tx1"/>
-            </a:fontRef>
-          </p:style>
-        </p:cxnSp>
-        <p:cxnSp>
-          <p:nvCxnSpPr>
-            <p:cNvPr id="115" name="直接连接符 114">
-              <a:extLst>
-                <a:ext uri="{FF2B5EF4-FFF2-40B4-BE49-F238E27FC236}">
-                  <a16:creationId xmlns:a16="http://schemas.microsoft.com/office/drawing/2014/main" id="{59B4C7C9-D322-4BE5-BA2A-E05EAAB49814}"/>
-                </a:ext>
-              </a:extLst>
-            </p:cNvPr>
-            <p:cNvCxnSpPr>
-              <a:cxnSpLocks/>
-            </p:cNvCxnSpPr>
-            <p:nvPr/>
-          </p:nvCxnSpPr>
-          <p:spPr>
-            <a:xfrm rot="21563125" flipV="1">
-              <a:off x="7483076" y="3783842"/>
-              <a:ext cx="0" cy="45719"/>
-            </a:xfrm>
-            <a:prstGeom prst="line">
-              <a:avLst/>
-            </a:prstGeom>
-            <a:ln w="15875">
-              <a:solidFill>
-                <a:schemeClr val="tx1"/>
-              </a:solidFill>
-            </a:ln>
-          </p:spPr>
-          <p:style>
-            <a:lnRef idx="1">
-              <a:schemeClr val="accent1"/>
-            </a:lnRef>
-            <a:fillRef idx="0">
-              <a:schemeClr val="accent1"/>
-            </a:fillRef>
-            <a:effectRef idx="0">
-              <a:schemeClr val="accent1"/>
-            </a:effectRef>
-            <a:fontRef idx="minor">
-              <a:schemeClr val="tx1"/>
-            </a:fontRef>
-          </p:style>
-        </p:cxnSp>
-        <p:cxnSp>
-          <p:nvCxnSpPr>
-            <p:cNvPr id="116" name="直接连接符 115">
-              <a:extLst>
-                <a:ext uri="{FF2B5EF4-FFF2-40B4-BE49-F238E27FC236}">
-                  <a16:creationId xmlns:a16="http://schemas.microsoft.com/office/drawing/2014/main" id="{8448A6E2-FBFA-4384-9629-42FDDCD17B3D}"/>
-                </a:ext>
-              </a:extLst>
-            </p:cNvPr>
-            <p:cNvCxnSpPr>
-              <a:cxnSpLocks/>
-            </p:cNvCxnSpPr>
-            <p:nvPr/>
-          </p:nvCxnSpPr>
-          <p:spPr>
-            <a:xfrm rot="21563125" flipV="1">
-              <a:off x="7581755" y="3782783"/>
-              <a:ext cx="0" cy="45719"/>
-            </a:xfrm>
-            <a:prstGeom prst="line">
-              <a:avLst/>
-            </a:prstGeom>
-            <a:ln w="15875">
-              <a:solidFill>
-                <a:schemeClr val="tx1"/>
-              </a:solidFill>
-            </a:ln>
-          </p:spPr>
-          <p:style>
-            <a:lnRef idx="1">
-              <a:schemeClr val="accent1"/>
-            </a:lnRef>
-            <a:fillRef idx="0">
-              <a:schemeClr val="accent1"/>
-            </a:fillRef>
-            <a:effectRef idx="0">
-              <a:schemeClr val="accent1"/>
-            </a:effectRef>
-            <a:fontRef idx="minor">
-              <a:schemeClr val="tx1"/>
-            </a:fontRef>
-          </p:style>
-        </p:cxnSp>
-        <p:cxnSp>
-          <p:nvCxnSpPr>
-            <p:cNvPr id="117" name="直接连接符 116">
-              <a:extLst>
-                <a:ext uri="{FF2B5EF4-FFF2-40B4-BE49-F238E27FC236}">
-                  <a16:creationId xmlns:a16="http://schemas.microsoft.com/office/drawing/2014/main" id="{84081B00-A8B5-43B6-9FA7-8D1ACB554D11}"/>
-                </a:ext>
-              </a:extLst>
-            </p:cNvPr>
-            <p:cNvCxnSpPr>
-              <a:cxnSpLocks/>
-            </p:cNvCxnSpPr>
-            <p:nvPr/>
-          </p:nvCxnSpPr>
-          <p:spPr>
-            <a:xfrm rot="21563125" flipV="1">
-              <a:off x="7680434" y="3781725"/>
-              <a:ext cx="0" cy="45719"/>
-            </a:xfrm>
-            <a:prstGeom prst="line">
-              <a:avLst/>
-            </a:prstGeom>
-            <a:ln w="15875">
-              <a:solidFill>
-                <a:schemeClr val="tx1"/>
-              </a:solidFill>
-            </a:ln>
-          </p:spPr>
-          <p:style>
-            <a:lnRef idx="1">
-              <a:schemeClr val="accent1"/>
-            </a:lnRef>
-            <a:fillRef idx="0">
-              <a:schemeClr val="accent1"/>
-            </a:fillRef>
-            <a:effectRef idx="0">
-              <a:schemeClr val="accent1"/>
-            </a:effectRef>
-            <a:fontRef idx="minor">
-              <a:schemeClr val="tx1"/>
-            </a:fontRef>
-          </p:style>
-        </p:cxnSp>
-        <p:cxnSp>
-          <p:nvCxnSpPr>
-            <p:cNvPr id="118" name="直接连接符 117">
-              <a:extLst>
-                <a:ext uri="{FF2B5EF4-FFF2-40B4-BE49-F238E27FC236}">
-                  <a16:creationId xmlns:a16="http://schemas.microsoft.com/office/drawing/2014/main" id="{13CBB153-2DB6-4150-B7AF-205A1703786A}"/>
-                </a:ext>
-              </a:extLst>
-            </p:cNvPr>
-            <p:cNvCxnSpPr>
-              <a:cxnSpLocks/>
-            </p:cNvCxnSpPr>
-            <p:nvPr/>
-          </p:nvCxnSpPr>
-          <p:spPr>
-            <a:xfrm rot="21563125" flipV="1">
-              <a:off x="7779113" y="3780666"/>
-              <a:ext cx="0" cy="45719"/>
-            </a:xfrm>
-            <a:prstGeom prst="line">
-              <a:avLst/>
-            </a:prstGeom>
-            <a:ln w="15875">
-              <a:solidFill>
-                <a:schemeClr val="tx1"/>
-              </a:solidFill>
-            </a:ln>
-          </p:spPr>
-          <p:style>
-            <a:lnRef idx="1">
-              <a:schemeClr val="accent1"/>
-            </a:lnRef>
-            <a:fillRef idx="0">
-              <a:schemeClr val="accent1"/>
-            </a:fillRef>
-            <a:effectRef idx="0">
-              <a:schemeClr val="accent1"/>
-            </a:effectRef>
-            <a:fontRef idx="minor">
-              <a:schemeClr val="tx1"/>
-            </a:fontRef>
-          </p:style>
-        </p:cxnSp>
-        <p:cxnSp>
-          <p:nvCxnSpPr>
-            <p:cNvPr id="119" name="直接连接符 118">
-              <a:extLst>
-                <a:ext uri="{FF2B5EF4-FFF2-40B4-BE49-F238E27FC236}">
-                  <a16:creationId xmlns:a16="http://schemas.microsoft.com/office/drawing/2014/main" id="{CA1B496F-2063-44DB-930A-8AC60B806961}"/>
-                </a:ext>
-              </a:extLst>
-            </p:cNvPr>
-            <p:cNvCxnSpPr>
-              <a:cxnSpLocks/>
-            </p:cNvCxnSpPr>
-            <p:nvPr/>
-          </p:nvCxnSpPr>
-          <p:spPr>
-            <a:xfrm rot="21563125" flipV="1">
-              <a:off x="7877791" y="3779608"/>
-              <a:ext cx="0" cy="45719"/>
-            </a:xfrm>
-            <a:prstGeom prst="line">
-              <a:avLst/>
-            </a:prstGeom>
-            <a:ln w="15875">
-              <a:solidFill>
-                <a:schemeClr val="tx1"/>
-              </a:solidFill>
-            </a:ln>
-          </p:spPr>
-          <p:style>
-            <a:lnRef idx="1">
-              <a:schemeClr val="accent1"/>
-            </a:lnRef>
-            <a:fillRef idx="0">
-              <a:schemeClr val="accent1"/>
-            </a:fillRef>
-            <a:effectRef idx="0">
-              <a:schemeClr val="accent1"/>
-            </a:effectRef>
-            <a:fontRef idx="minor">
-              <a:schemeClr val="tx1"/>
-            </a:fontRef>
-          </p:style>
-        </p:cxnSp>
-        <p:cxnSp>
-          <p:nvCxnSpPr>
-            <p:cNvPr id="120" name="直接连接符 119">
-              <a:extLst>
-                <a:ext uri="{FF2B5EF4-FFF2-40B4-BE49-F238E27FC236}">
-                  <a16:creationId xmlns:a16="http://schemas.microsoft.com/office/drawing/2014/main" id="{FED5F8DE-3D73-493D-A7FF-8BAFD926B4B0}"/>
-                </a:ext>
-              </a:extLst>
-            </p:cNvPr>
-            <p:cNvCxnSpPr>
-              <a:cxnSpLocks/>
-            </p:cNvCxnSpPr>
-            <p:nvPr/>
-          </p:nvCxnSpPr>
-          <p:spPr>
-            <a:xfrm rot="21563125" flipV="1">
-              <a:off x="7976470" y="3778550"/>
-              <a:ext cx="0" cy="45719"/>
-            </a:xfrm>
-            <a:prstGeom prst="line">
-              <a:avLst/>
-            </a:prstGeom>
-            <a:ln w="15875">
-              <a:solidFill>
-                <a:schemeClr val="tx1"/>
-              </a:solidFill>
-            </a:ln>
-          </p:spPr>
-          <p:style>
-            <a:lnRef idx="1">
-              <a:schemeClr val="accent1"/>
-            </a:lnRef>
-            <a:fillRef idx="0">
-              <a:schemeClr val="accent1"/>
-            </a:fillRef>
-            <a:effectRef idx="0">
-              <a:schemeClr val="accent1"/>
-            </a:effectRef>
-            <a:fontRef idx="minor">
-              <a:schemeClr val="tx1"/>
-            </a:fontRef>
-          </p:style>
-        </p:cxnSp>
-        <p:cxnSp>
-          <p:nvCxnSpPr>
-            <p:cNvPr id="121" name="直接连接符 120">
-              <a:extLst>
-                <a:ext uri="{FF2B5EF4-FFF2-40B4-BE49-F238E27FC236}">
-                  <a16:creationId xmlns:a16="http://schemas.microsoft.com/office/drawing/2014/main" id="{224CBD9D-706C-4ECD-B15D-B6EA89C7499C}"/>
-                </a:ext>
-              </a:extLst>
-            </p:cNvPr>
-            <p:cNvCxnSpPr>
-              <a:cxnSpLocks/>
-            </p:cNvCxnSpPr>
-            <p:nvPr/>
-          </p:nvCxnSpPr>
-          <p:spPr>
-            <a:xfrm rot="21563125" flipV="1">
-              <a:off x="8075149" y="3777491"/>
-              <a:ext cx="0" cy="45719"/>
-            </a:xfrm>
-            <a:prstGeom prst="line">
-              <a:avLst/>
-            </a:prstGeom>
-            <a:ln w="15875">
-              <a:solidFill>
-                <a:schemeClr val="tx1"/>
-              </a:solidFill>
-            </a:ln>
-          </p:spPr>
-          <p:style>
-            <a:lnRef idx="1">
-              <a:schemeClr val="accent1"/>
-            </a:lnRef>
-            <a:fillRef idx="0">
-              <a:schemeClr val="accent1"/>
-            </a:fillRef>
-            <a:effectRef idx="0">
-              <a:schemeClr val="accent1"/>
-            </a:effectRef>
-            <a:fontRef idx="minor">
-              <a:schemeClr val="tx1"/>
-            </a:fontRef>
-          </p:style>
-        </p:cxnSp>
-        <p:cxnSp>
-          <p:nvCxnSpPr>
-            <p:cNvPr id="122" name="直接连接符 121">
-              <a:extLst>
-                <a:ext uri="{FF2B5EF4-FFF2-40B4-BE49-F238E27FC236}">
-                  <a16:creationId xmlns:a16="http://schemas.microsoft.com/office/drawing/2014/main" id="{EE450D27-E495-4882-B5F9-1F00A2684F3D}"/>
-                </a:ext>
-              </a:extLst>
-            </p:cNvPr>
-            <p:cNvCxnSpPr>
-              <a:cxnSpLocks/>
-            </p:cNvCxnSpPr>
-            <p:nvPr/>
-          </p:nvCxnSpPr>
-          <p:spPr>
-            <a:xfrm rot="21563125" flipV="1">
-              <a:off x="8173828" y="3776433"/>
-              <a:ext cx="0" cy="45719"/>
-            </a:xfrm>
-            <a:prstGeom prst="line">
-              <a:avLst/>
-            </a:prstGeom>
-            <a:ln w="15875">
-              <a:solidFill>
-                <a:schemeClr val="tx1"/>
-              </a:solidFill>
-            </a:ln>
-          </p:spPr>
-          <p:style>
-            <a:lnRef idx="1">
-              <a:schemeClr val="accent1"/>
-            </a:lnRef>
-            <a:fillRef idx="0">
-              <a:schemeClr val="accent1"/>
-            </a:fillRef>
-            <a:effectRef idx="0">
-              <a:schemeClr val="accent1"/>
-            </a:effectRef>
-            <a:fontRef idx="minor">
-              <a:schemeClr val="tx1"/>
-            </a:fontRef>
-          </p:style>
-        </p:cxnSp>
-        <p:cxnSp>
-          <p:nvCxnSpPr>
-            <p:cNvPr id="123" name="直接连接符 122">
-              <a:extLst>
-                <a:ext uri="{FF2B5EF4-FFF2-40B4-BE49-F238E27FC236}">
-                  <a16:creationId xmlns:a16="http://schemas.microsoft.com/office/drawing/2014/main" id="{D7BF8FB1-1346-4168-92D4-507D24817FAF}"/>
-                </a:ext>
-              </a:extLst>
-            </p:cNvPr>
-            <p:cNvCxnSpPr>
-              <a:cxnSpLocks/>
-            </p:cNvCxnSpPr>
-            <p:nvPr/>
-          </p:nvCxnSpPr>
-          <p:spPr>
-            <a:xfrm rot="21563125" flipV="1">
-              <a:off x="8272506" y="3775373"/>
-              <a:ext cx="0" cy="45719"/>
-            </a:xfrm>
-            <a:prstGeom prst="line">
-              <a:avLst/>
-            </a:prstGeom>
-            <a:ln w="15875">
-              <a:solidFill>
-                <a:schemeClr val="tx1"/>
-              </a:solidFill>
-            </a:ln>
-          </p:spPr>
-          <p:style>
-            <a:lnRef idx="1">
-              <a:schemeClr val="accent1"/>
-            </a:lnRef>
-            <a:fillRef idx="0">
-              <a:schemeClr val="accent1"/>
-            </a:fillRef>
-            <a:effectRef idx="0">
-              <a:schemeClr val="accent1"/>
-            </a:effectRef>
-            <a:fontRef idx="minor">
-              <a:schemeClr val="tx1"/>
-            </a:fontRef>
-          </p:style>
-        </p:cxnSp>
-        <p:cxnSp>
-          <p:nvCxnSpPr>
-            <p:cNvPr id="124" name="直接连接符 123">
-              <a:extLst>
-                <a:ext uri="{FF2B5EF4-FFF2-40B4-BE49-F238E27FC236}">
-                  <a16:creationId xmlns:a16="http://schemas.microsoft.com/office/drawing/2014/main" id="{02E7D2A4-44B6-46E1-8B11-E981A6F876D6}"/>
-                </a:ext>
-              </a:extLst>
-            </p:cNvPr>
-            <p:cNvCxnSpPr>
-              <a:cxnSpLocks/>
-            </p:cNvCxnSpPr>
-            <p:nvPr/>
-          </p:nvCxnSpPr>
-          <p:spPr>
-            <a:xfrm rot="21563125" flipV="1">
-              <a:off x="8371185" y="3774315"/>
-              <a:ext cx="0" cy="45719"/>
-            </a:xfrm>
-            <a:prstGeom prst="line">
-              <a:avLst/>
-            </a:prstGeom>
-            <a:ln w="15875">
-              <a:solidFill>
-                <a:schemeClr val="tx1"/>
-              </a:solidFill>
-            </a:ln>
-          </p:spPr>
-          <p:style>
-            <a:lnRef idx="1">
-              <a:schemeClr val="accent1"/>
-            </a:lnRef>
-            <a:fillRef idx="0">
-              <a:schemeClr val="accent1"/>
-            </a:fillRef>
-            <a:effectRef idx="0">
-              <a:schemeClr val="accent1"/>
-            </a:effectRef>
-            <a:fontRef idx="minor">
-              <a:schemeClr val="tx1"/>
-            </a:fontRef>
-          </p:style>
-        </p:cxnSp>
-        <p:cxnSp>
-          <p:nvCxnSpPr>
-            <p:cNvPr id="125" name="直接连接符 124">
-              <a:extLst>
-                <a:ext uri="{FF2B5EF4-FFF2-40B4-BE49-F238E27FC236}">
-                  <a16:creationId xmlns:a16="http://schemas.microsoft.com/office/drawing/2014/main" id="{F906DAE8-8B93-4BFD-A9BB-23F6B8C95EAA}"/>
-                </a:ext>
-              </a:extLst>
-            </p:cNvPr>
-            <p:cNvCxnSpPr>
-              <a:cxnSpLocks/>
-            </p:cNvCxnSpPr>
-            <p:nvPr/>
-          </p:nvCxnSpPr>
-          <p:spPr>
-            <a:xfrm rot="21563125" flipV="1">
-              <a:off x="8469864" y="3773256"/>
-              <a:ext cx="0" cy="45719"/>
-            </a:xfrm>
-            <a:prstGeom prst="line">
-              <a:avLst/>
-            </a:prstGeom>
-            <a:ln w="15875">
-              <a:solidFill>
-                <a:schemeClr val="tx1"/>
-              </a:solidFill>
-            </a:ln>
-          </p:spPr>
-          <p:style>
-            <a:lnRef idx="1">
-              <a:schemeClr val="accent1"/>
-            </a:lnRef>
-            <a:fillRef idx="0">
-              <a:schemeClr val="accent1"/>
-            </a:fillRef>
-            <a:effectRef idx="0">
-              <a:schemeClr val="accent1"/>
-            </a:effectRef>
-            <a:fontRef idx="minor">
-              <a:schemeClr val="tx1"/>
-            </a:fontRef>
-          </p:style>
-        </p:cxnSp>
-        <p:cxnSp>
-          <p:nvCxnSpPr>
-            <p:cNvPr id="126" name="直接连接符 125">
-              <a:extLst>
-                <a:ext uri="{FF2B5EF4-FFF2-40B4-BE49-F238E27FC236}">
-                  <a16:creationId xmlns:a16="http://schemas.microsoft.com/office/drawing/2014/main" id="{8707715B-2C75-4AC1-9327-DCECAE7AFB4E}"/>
-                </a:ext>
-              </a:extLst>
-            </p:cNvPr>
-            <p:cNvCxnSpPr>
-              <a:cxnSpLocks/>
-            </p:cNvCxnSpPr>
-            <p:nvPr/>
-          </p:nvCxnSpPr>
-          <p:spPr>
-            <a:xfrm rot="21563125" flipV="1">
-              <a:off x="8568542" y="3772198"/>
-              <a:ext cx="0" cy="45719"/>
-            </a:xfrm>
-            <a:prstGeom prst="line">
-              <a:avLst/>
-            </a:prstGeom>
-            <a:ln w="15875">
-              <a:solidFill>
-                <a:schemeClr val="tx1"/>
-              </a:solidFill>
-            </a:ln>
-          </p:spPr>
-          <p:style>
-            <a:lnRef idx="1">
-              <a:schemeClr val="accent1"/>
-            </a:lnRef>
-            <a:fillRef idx="0">
-              <a:schemeClr val="accent1"/>
-            </a:fillRef>
-            <a:effectRef idx="0">
-              <a:schemeClr val="accent1"/>
-            </a:effectRef>
-            <a:fontRef idx="minor">
-              <a:schemeClr val="tx1"/>
-            </a:fontRef>
-          </p:style>
-        </p:cxnSp>
-        <p:cxnSp>
-          <p:nvCxnSpPr>
-            <p:cNvPr id="127" name="直接连接符 126">
-              <a:extLst>
-                <a:ext uri="{FF2B5EF4-FFF2-40B4-BE49-F238E27FC236}">
-                  <a16:creationId xmlns:a16="http://schemas.microsoft.com/office/drawing/2014/main" id="{8ECAC4DD-3B21-4090-9A51-9291AAD45B44}"/>
-                </a:ext>
-              </a:extLst>
-            </p:cNvPr>
-            <p:cNvCxnSpPr>
-              <a:cxnSpLocks/>
-            </p:cNvCxnSpPr>
-            <p:nvPr/>
-          </p:nvCxnSpPr>
-          <p:spPr>
-            <a:xfrm rot="21563125" flipV="1">
-              <a:off x="8667222" y="3771139"/>
-              <a:ext cx="0" cy="45719"/>
-            </a:xfrm>
-            <a:prstGeom prst="line">
-              <a:avLst/>
-            </a:prstGeom>
-            <a:ln w="15875">
-              <a:solidFill>
-                <a:schemeClr val="tx1"/>
-              </a:solidFill>
-            </a:ln>
-          </p:spPr>
-          <p:style>
-            <a:lnRef idx="1">
-              <a:schemeClr val="accent1"/>
-            </a:lnRef>
-            <a:fillRef idx="0">
-              <a:schemeClr val="accent1"/>
-            </a:fillRef>
-            <a:effectRef idx="0">
-              <a:schemeClr val="accent1"/>
-            </a:effectRef>
-            <a:fontRef idx="minor">
-              <a:schemeClr val="tx1"/>
-            </a:fontRef>
-          </p:style>
-        </p:cxnSp>
-        <p:cxnSp>
-          <p:nvCxnSpPr>
-            <p:cNvPr id="128" name="直接连接符 127">
-              <a:extLst>
-                <a:ext uri="{FF2B5EF4-FFF2-40B4-BE49-F238E27FC236}">
-                  <a16:creationId xmlns:a16="http://schemas.microsoft.com/office/drawing/2014/main" id="{2DD1EF9E-0F2C-43ED-979E-C4FF95531B88}"/>
-                </a:ext>
-              </a:extLst>
-            </p:cNvPr>
-            <p:cNvCxnSpPr>
-              <a:cxnSpLocks/>
-            </p:cNvCxnSpPr>
-            <p:nvPr/>
-          </p:nvCxnSpPr>
-          <p:spPr>
-            <a:xfrm rot="21563125" flipV="1">
-              <a:off x="8765900" y="3770081"/>
-              <a:ext cx="0" cy="45719"/>
-            </a:xfrm>
-            <a:prstGeom prst="line">
-              <a:avLst/>
-            </a:prstGeom>
-            <a:ln w="15875">
-              <a:solidFill>
-                <a:schemeClr val="tx1"/>
-              </a:solidFill>
-            </a:ln>
-          </p:spPr>
-          <p:style>
-            <a:lnRef idx="1">
-              <a:schemeClr val="accent1"/>
-            </a:lnRef>
-            <a:fillRef idx="0">
-              <a:schemeClr val="accent1"/>
-            </a:fillRef>
-            <a:effectRef idx="0">
-              <a:schemeClr val="accent1"/>
-            </a:effectRef>
-            <a:fontRef idx="minor">
-              <a:schemeClr val="tx1"/>
-            </a:fontRef>
-          </p:style>
-        </p:cxnSp>
-        <p:cxnSp>
-          <p:nvCxnSpPr>
-            <p:cNvPr id="129" name="直接连接符 128">
-              <a:extLst>
-                <a:ext uri="{FF2B5EF4-FFF2-40B4-BE49-F238E27FC236}">
-                  <a16:creationId xmlns:a16="http://schemas.microsoft.com/office/drawing/2014/main" id="{18BB17D1-F367-4DD1-8063-2E6CB8A29ABE}"/>
-                </a:ext>
-              </a:extLst>
-            </p:cNvPr>
-            <p:cNvCxnSpPr>
-              <a:cxnSpLocks/>
-            </p:cNvCxnSpPr>
-            <p:nvPr/>
-          </p:nvCxnSpPr>
-          <p:spPr>
-            <a:xfrm rot="21563125" flipV="1">
-              <a:off x="8864579" y="3769023"/>
-              <a:ext cx="0" cy="45719"/>
-            </a:xfrm>
-            <a:prstGeom prst="line">
-              <a:avLst/>
-            </a:prstGeom>
-            <a:ln w="15875">
-              <a:solidFill>
-                <a:schemeClr val="tx1"/>
-              </a:solidFill>
-            </a:ln>
-          </p:spPr>
-          <p:style>
-            <a:lnRef idx="1">
-              <a:schemeClr val="accent1"/>
-            </a:lnRef>
-            <a:fillRef idx="0">
-              <a:schemeClr val="accent1"/>
-            </a:fillRef>
-            <a:effectRef idx="0">
-              <a:schemeClr val="accent1"/>
-            </a:effectRef>
-            <a:fontRef idx="minor">
-              <a:schemeClr val="tx1"/>
-            </a:fontRef>
-          </p:style>
-        </p:cxnSp>
-        <p:cxnSp>
-          <p:nvCxnSpPr>
-            <p:cNvPr id="130" name="直接连接符 129">
-              <a:extLst>
-                <a:ext uri="{FF2B5EF4-FFF2-40B4-BE49-F238E27FC236}">
-                  <a16:creationId xmlns:a16="http://schemas.microsoft.com/office/drawing/2014/main" id="{215BD167-5D3C-41D7-9CC6-5D2CDFA586B7}"/>
-                </a:ext>
-              </a:extLst>
-            </p:cNvPr>
-            <p:cNvCxnSpPr>
-              <a:cxnSpLocks/>
-            </p:cNvCxnSpPr>
-            <p:nvPr/>
-          </p:nvCxnSpPr>
-          <p:spPr>
-            <a:xfrm rot="21563125" flipV="1">
-              <a:off x="8963258" y="3767964"/>
-              <a:ext cx="0" cy="45719"/>
-            </a:xfrm>
-            <a:prstGeom prst="line">
-              <a:avLst/>
-            </a:prstGeom>
-            <a:ln w="15875">
-              <a:solidFill>
-                <a:schemeClr val="tx1"/>
-              </a:solidFill>
-            </a:ln>
-          </p:spPr>
-          <p:style>
-            <a:lnRef idx="1">
-              <a:schemeClr val="accent1"/>
-            </a:lnRef>
-            <a:fillRef idx="0">
-              <a:schemeClr val="accent1"/>
-            </a:fillRef>
-            <a:effectRef idx="0">
-              <a:schemeClr val="accent1"/>
-            </a:effectRef>
-            <a:fontRef idx="minor">
-              <a:schemeClr val="tx1"/>
-            </a:fontRef>
-          </p:style>
-        </p:cxnSp>
-        <p:cxnSp>
-          <p:nvCxnSpPr>
-            <p:cNvPr id="131" name="直接连接符 130">
-              <a:extLst>
-                <a:ext uri="{FF2B5EF4-FFF2-40B4-BE49-F238E27FC236}">
-                  <a16:creationId xmlns:a16="http://schemas.microsoft.com/office/drawing/2014/main" id="{E5346DF6-6FDD-4D62-9D9D-F9942DDC1EC4}"/>
-                </a:ext>
-              </a:extLst>
-            </p:cNvPr>
-            <p:cNvCxnSpPr>
-              <a:cxnSpLocks/>
-            </p:cNvCxnSpPr>
-            <p:nvPr/>
-          </p:nvCxnSpPr>
-          <p:spPr>
-            <a:xfrm rot="21563125" flipV="1">
-              <a:off x="9061937" y="3766906"/>
-              <a:ext cx="0" cy="45719"/>
-            </a:xfrm>
-            <a:prstGeom prst="line">
-              <a:avLst/>
-            </a:prstGeom>
-            <a:ln w="15875">
-              <a:solidFill>
-                <a:schemeClr val="tx1"/>
-              </a:solidFill>
-            </a:ln>
-          </p:spPr>
-          <p:style>
-            <a:lnRef idx="1">
-              <a:schemeClr val="accent1"/>
-            </a:lnRef>
-            <a:fillRef idx="0">
-              <a:schemeClr val="accent1"/>
-            </a:fillRef>
-            <a:effectRef idx="0">
-              <a:schemeClr val="accent1"/>
-            </a:effectRef>
-            <a:fontRef idx="minor">
-              <a:schemeClr val="tx1"/>
-            </a:fontRef>
-          </p:style>
-        </p:cxnSp>
-        <p:cxnSp>
-          <p:nvCxnSpPr>
-            <p:cNvPr id="132" name="直接连接符 131">
-              <a:extLst>
-                <a:ext uri="{FF2B5EF4-FFF2-40B4-BE49-F238E27FC236}">
-                  <a16:creationId xmlns:a16="http://schemas.microsoft.com/office/drawing/2014/main" id="{98B5870D-F2E3-4F4E-B9F9-930DC1567B82}"/>
-                </a:ext>
-              </a:extLst>
-            </p:cNvPr>
-            <p:cNvCxnSpPr>
-              <a:cxnSpLocks/>
-            </p:cNvCxnSpPr>
-            <p:nvPr/>
-          </p:nvCxnSpPr>
-          <p:spPr>
-            <a:xfrm rot="21563125" flipV="1">
-              <a:off x="9160615" y="3765847"/>
-              <a:ext cx="0" cy="45719"/>
-            </a:xfrm>
-            <a:prstGeom prst="line">
-              <a:avLst/>
-            </a:prstGeom>
-            <a:ln w="15875">
-              <a:solidFill>
-                <a:schemeClr val="tx1"/>
-              </a:solidFill>
-            </a:ln>
-          </p:spPr>
-          <p:style>
-            <a:lnRef idx="1">
-              <a:schemeClr val="accent1"/>
-            </a:lnRef>
-            <a:fillRef idx="0">
-              <a:schemeClr val="accent1"/>
-            </a:fillRef>
-            <a:effectRef idx="0">
-              <a:schemeClr val="accent1"/>
-            </a:effectRef>
-            <a:fontRef idx="minor">
-              <a:schemeClr val="tx1"/>
-            </a:fontRef>
-          </p:style>
-        </p:cxnSp>
-        <p:cxnSp>
-          <p:nvCxnSpPr>
-            <p:cNvPr id="133" name="直接连接符 132">
-              <a:extLst>
-                <a:ext uri="{FF2B5EF4-FFF2-40B4-BE49-F238E27FC236}">
-                  <a16:creationId xmlns:a16="http://schemas.microsoft.com/office/drawing/2014/main" id="{394F85E8-3AB8-457B-AA37-A8E8172BF476}"/>
-                </a:ext>
-              </a:extLst>
-            </p:cNvPr>
-            <p:cNvCxnSpPr>
-              <a:cxnSpLocks/>
-            </p:cNvCxnSpPr>
-            <p:nvPr/>
-          </p:nvCxnSpPr>
-          <p:spPr>
-            <a:xfrm rot="21563125" flipV="1">
-              <a:off x="9259294" y="3764789"/>
-              <a:ext cx="0" cy="45719"/>
-            </a:xfrm>
-            <a:prstGeom prst="line">
-              <a:avLst/>
-            </a:prstGeom>
-            <a:ln w="15875">
-              <a:solidFill>
-                <a:schemeClr val="tx1"/>
-              </a:solidFill>
+              <a:prstDash val="dash"/>
+              <a:tailEnd type="oval"/>
             </a:ln>
           </p:spPr>
           <p:style>
@@ -7349,7 +9233,7 @@
     </p:spTree>
     <p:extLst>
       <p:ext uri="{BB962C8B-B14F-4D97-AF65-F5344CB8AC3E}">
-        <p14:creationId xmlns:p14="http://schemas.microsoft.com/office/powerpoint/2010/main" val="551038706"/>
+        <p14:creationId xmlns:p14="http://schemas.microsoft.com/office/powerpoint/2010/main" val="219919632"/>
       </p:ext>
     </p:extLst>
   </p:cSld>

--- a/文档/各种图.pptx
+++ b/文档/各种图.pptx
@@ -8,6 +8,7 @@
     <p:sldId id="256" r:id="rId2"/>
     <p:sldId id="257" r:id="rId3"/>
     <p:sldId id="258" r:id="rId4"/>
+    <p:sldId id="259" r:id="rId5"/>
   </p:sldIdLst>
   <p:sldSz cx="12192000" cy="6858000"/>
   <p:notesSz cx="6858000" cy="9144000"/>
@@ -119,7 +120,7 @@
   <pc:docChgLst>
     <pc:chgData name="王 家才" userId="863c4bbfb9f47078" providerId="LiveId" clId="{3EB35533-EDE6-4421-9AB6-CD29FFE35FE3}"/>
     <pc:docChg chg="undo custSel addSld modSld">
-      <pc:chgData name="王 家才" userId="863c4bbfb9f47078" providerId="LiveId" clId="{3EB35533-EDE6-4421-9AB6-CD29FFE35FE3}" dt="2019-05-31T06:42:28.580" v="591" actId="164"/>
+      <pc:chgData name="王 家才" userId="863c4bbfb9f47078" providerId="LiveId" clId="{3EB35533-EDE6-4421-9AB6-CD29FFE35FE3}" dt="2019-06-02T06:47:05.258" v="645" actId="1076"/>
       <pc:docMkLst>
         <pc:docMk/>
       </pc:docMkLst>
@@ -1644,6 +1645,221 @@
           <ac:cxnSpMkLst>
             <pc:docMk/>
             <pc:sldMk cId="219919632" sldId="258"/>
+            <ac:cxnSpMk id="144" creationId="{CD0C8BD1-E300-48E7-8E03-1B8F8B2D68E4}"/>
+          </ac:cxnSpMkLst>
+        </pc:cxnChg>
+      </pc:sldChg>
+      <pc:sldChg chg="addSp delSp modSp add">
+        <pc:chgData name="王 家才" userId="863c4bbfb9f47078" providerId="LiveId" clId="{3EB35533-EDE6-4421-9AB6-CD29FFE35FE3}" dt="2019-06-02T06:47:05.258" v="645" actId="1076"/>
+        <pc:sldMkLst>
+          <pc:docMk/>
+          <pc:sldMk cId="1732317470" sldId="259"/>
+        </pc:sldMkLst>
+        <pc:spChg chg="add mod">
+          <ac:chgData name="王 家才" userId="863c4bbfb9f47078" providerId="LiveId" clId="{3EB35533-EDE6-4421-9AB6-CD29FFE35FE3}" dt="2019-06-02T05:59:39.701" v="612" actId="1076"/>
+          <ac:spMkLst>
+            <pc:docMk/>
+            <pc:sldMk cId="1732317470" sldId="259"/>
+            <ac:spMk id="2" creationId="{5BB1BDA9-CBBA-4E64-9EE4-38B7BBAE54EA}"/>
+          </ac:spMkLst>
+        </pc:spChg>
+        <pc:spChg chg="del mod topLvl">
+          <ac:chgData name="王 家才" userId="863c4bbfb9f47078" providerId="LiveId" clId="{3EB35533-EDE6-4421-9AB6-CD29FFE35FE3}" dt="2019-06-02T05:58:24.917" v="604" actId="478"/>
+          <ac:spMkLst>
+            <pc:docMk/>
+            <pc:sldMk cId="1732317470" sldId="259"/>
+            <ac:spMk id="27" creationId="{C0DC3415-C0A1-406F-9957-D4818583EAAB}"/>
+          </ac:spMkLst>
+        </pc:spChg>
+        <pc:spChg chg="mod topLvl">
+          <ac:chgData name="王 家才" userId="863c4bbfb9f47078" providerId="LiveId" clId="{3EB35533-EDE6-4421-9AB6-CD29FFE35FE3}" dt="2019-06-02T05:57:49.373" v="595" actId="165"/>
+          <ac:spMkLst>
+            <pc:docMk/>
+            <pc:sldMk cId="1732317470" sldId="259"/>
+            <ac:spMk id="28" creationId="{E6FAA64D-D311-4327-AE9B-1BDB11CEAEEE}"/>
+          </ac:spMkLst>
+        </pc:spChg>
+        <pc:spChg chg="del mod topLvl">
+          <ac:chgData name="王 家才" userId="863c4bbfb9f47078" providerId="LiveId" clId="{3EB35533-EDE6-4421-9AB6-CD29FFE35FE3}" dt="2019-06-02T05:58:10.647" v="596" actId="478"/>
+          <ac:spMkLst>
+            <pc:docMk/>
+            <pc:sldMk cId="1732317470" sldId="259"/>
+            <ac:spMk id="34" creationId="{0BB38539-625A-4E24-8C90-8DA3FFF40E8E}"/>
+          </ac:spMkLst>
+        </pc:spChg>
+        <pc:spChg chg="add mod">
+          <ac:chgData name="王 家才" userId="863c4bbfb9f47078" providerId="LiveId" clId="{3EB35533-EDE6-4421-9AB6-CD29FFE35FE3}" dt="2019-06-02T05:59:57.091" v="616" actId="1076"/>
+          <ac:spMkLst>
+            <pc:docMk/>
+            <pc:sldMk cId="1732317470" sldId="259"/>
+            <ac:spMk id="38" creationId="{AA5B5F11-4895-4039-840F-F18349AC67DF}"/>
+          </ac:spMkLst>
+        </pc:spChg>
+        <pc:spChg chg="add mod">
+          <ac:chgData name="王 家才" userId="863c4bbfb9f47078" providerId="LiveId" clId="{3EB35533-EDE6-4421-9AB6-CD29FFE35FE3}" dt="2019-06-02T06:01:08.526" v="620" actId="1076"/>
+          <ac:spMkLst>
+            <pc:docMk/>
+            <pc:sldMk cId="1732317470" sldId="259"/>
+            <ac:spMk id="39" creationId="{483AD69A-961E-48C5-8B19-C9450CAF90C6}"/>
+          </ac:spMkLst>
+        </pc:spChg>
+        <pc:spChg chg="add mod">
+          <ac:chgData name="王 家才" userId="863c4bbfb9f47078" providerId="LiveId" clId="{3EB35533-EDE6-4421-9AB6-CD29FFE35FE3}" dt="2019-06-02T06:46:54.481" v="637"/>
+          <ac:spMkLst>
+            <pc:docMk/>
+            <pc:sldMk cId="1732317470" sldId="259"/>
+            <ac:spMk id="40" creationId="{23808076-1FE3-492D-B76A-7DAF92BFE28B}"/>
+          </ac:spMkLst>
+        </pc:spChg>
+        <pc:spChg chg="add mod">
+          <ac:chgData name="王 家才" userId="863c4bbfb9f47078" providerId="LiveId" clId="{3EB35533-EDE6-4421-9AB6-CD29FFE35FE3}" dt="2019-06-02T06:47:05.258" v="645" actId="1076"/>
+          <ac:spMkLst>
+            <pc:docMk/>
+            <pc:sldMk cId="1732317470" sldId="259"/>
+            <ac:spMk id="41" creationId="{8DAE2531-A3D6-4E6F-8E1D-4D5597A8E093}"/>
+          </ac:spMkLst>
+        </pc:spChg>
+        <pc:spChg chg="mod topLvl">
+          <ac:chgData name="王 家才" userId="863c4bbfb9f47078" providerId="LiveId" clId="{3EB35533-EDE6-4421-9AB6-CD29FFE35FE3}" dt="2019-06-02T05:57:49.373" v="595" actId="165"/>
+          <ac:spMkLst>
+            <pc:docMk/>
+            <pc:sldMk cId="1732317470" sldId="259"/>
+            <ac:spMk id="96" creationId="{555DCB61-5219-47A4-9E44-2000D93A255D}"/>
+          </ac:spMkLst>
+        </pc:spChg>
+        <pc:spChg chg="del mod topLvl">
+          <ac:chgData name="王 家才" userId="863c4bbfb9f47078" providerId="LiveId" clId="{3EB35533-EDE6-4421-9AB6-CD29FFE35FE3}" dt="2019-06-02T05:58:10.647" v="596" actId="478"/>
+          <ac:spMkLst>
+            <pc:docMk/>
+            <pc:sldMk cId="1732317470" sldId="259"/>
+            <ac:spMk id="103" creationId="{72D7828F-9281-4E68-AC92-7F8E1BA24EF0}"/>
+          </ac:spMkLst>
+        </pc:spChg>
+        <pc:spChg chg="del mod topLvl">
+          <ac:chgData name="王 家才" userId="863c4bbfb9f47078" providerId="LiveId" clId="{3EB35533-EDE6-4421-9AB6-CD29FFE35FE3}" dt="2019-06-02T05:58:14.602" v="597" actId="478"/>
+          <ac:spMkLst>
+            <pc:docMk/>
+            <pc:sldMk cId="1732317470" sldId="259"/>
+            <ac:spMk id="105" creationId="{936D3D60-8932-44E8-95D8-DDD590BA743A}"/>
+          </ac:spMkLst>
+        </pc:spChg>
+        <pc:spChg chg="del mod topLvl">
+          <ac:chgData name="王 家才" userId="863c4bbfb9f47078" providerId="LiveId" clId="{3EB35533-EDE6-4421-9AB6-CD29FFE35FE3}" dt="2019-06-02T05:58:14.602" v="597" actId="478"/>
+          <ac:spMkLst>
+            <pc:docMk/>
+            <pc:sldMk cId="1732317470" sldId="259"/>
+            <ac:spMk id="106" creationId="{B48F3D5C-BB99-47EA-931D-1A452B6F68C2}"/>
+          </ac:spMkLst>
+        </pc:spChg>
+        <pc:spChg chg="mod topLvl">
+          <ac:chgData name="王 家才" userId="863c4bbfb9f47078" providerId="LiveId" clId="{3EB35533-EDE6-4421-9AB6-CD29FFE35FE3}" dt="2019-06-02T05:57:49.373" v="595" actId="165"/>
+          <ac:spMkLst>
+            <pc:docMk/>
+            <pc:sldMk cId="1732317470" sldId="259"/>
+            <ac:spMk id="139" creationId="{968A27D3-D317-4E7F-B65A-033FF3D3CEE4}"/>
+          </ac:spMkLst>
+        </pc:spChg>
+        <pc:spChg chg="mod topLvl">
+          <ac:chgData name="王 家才" userId="863c4bbfb9f47078" providerId="LiveId" clId="{3EB35533-EDE6-4421-9AB6-CD29FFE35FE3}" dt="2019-06-02T05:57:49.373" v="595" actId="165"/>
+          <ac:spMkLst>
+            <pc:docMk/>
+            <pc:sldMk cId="1732317470" sldId="259"/>
+            <ac:spMk id="143" creationId="{795428BA-DC8F-4D7B-9C51-DE0538A26D48}"/>
+          </ac:spMkLst>
+        </pc:spChg>
+        <pc:spChg chg="del mod topLvl">
+          <ac:chgData name="王 家才" userId="863c4bbfb9f47078" providerId="LiveId" clId="{3EB35533-EDE6-4421-9AB6-CD29FFE35FE3}" dt="2019-06-02T05:58:10.647" v="596" actId="478"/>
+          <ac:spMkLst>
+            <pc:docMk/>
+            <pc:sldMk cId="1732317470" sldId="259"/>
+            <ac:spMk id="148" creationId="{62279C0F-209F-42A2-AD6B-CFE4F1D4AE4F}"/>
+          </ac:spMkLst>
+        </pc:spChg>
+        <pc:grpChg chg="del mod">
+          <ac:chgData name="王 家才" userId="863c4bbfb9f47078" providerId="LiveId" clId="{3EB35533-EDE6-4421-9AB6-CD29FFE35FE3}" dt="2019-06-02T05:57:44.182" v="594" actId="165"/>
+          <ac:grpSpMkLst>
+            <pc:docMk/>
+            <pc:sldMk cId="1732317470" sldId="259"/>
+            <ac:grpSpMk id="7" creationId="{5A8A557B-BACE-44FD-A5C2-3B5FCA4758A2}"/>
+          </ac:grpSpMkLst>
+        </pc:grpChg>
+        <pc:grpChg chg="mod topLvl">
+          <ac:chgData name="王 家才" userId="863c4bbfb9f47078" providerId="LiveId" clId="{3EB35533-EDE6-4421-9AB6-CD29FFE35FE3}" dt="2019-06-02T05:59:46.783" v="615" actId="1076"/>
+          <ac:grpSpMkLst>
+            <pc:docMk/>
+            <pc:sldMk cId="1732317470" sldId="259"/>
+            <ac:grpSpMk id="30" creationId="{5A17F1AA-B601-43DC-A108-6CE141DF918E}"/>
+          </ac:grpSpMkLst>
+        </pc:grpChg>
+        <pc:grpChg chg="del mod topLvl">
+          <ac:chgData name="王 家才" userId="863c4bbfb9f47078" providerId="LiveId" clId="{3EB35533-EDE6-4421-9AB6-CD29FFE35FE3}" dt="2019-06-02T05:58:10.647" v="596" actId="478"/>
+          <ac:grpSpMkLst>
+            <pc:docMk/>
+            <pc:sldMk cId="1732317470" sldId="259"/>
+            <ac:grpSpMk id="97" creationId="{F5F54D79-6B84-4FD6-B694-430059BBACC8}"/>
+          </ac:grpSpMkLst>
+        </pc:grpChg>
+        <pc:grpChg chg="del mod topLvl">
+          <ac:chgData name="王 家才" userId="863c4bbfb9f47078" providerId="LiveId" clId="{3EB35533-EDE6-4421-9AB6-CD29FFE35FE3}" dt="2019-06-02T05:57:49.373" v="595" actId="165"/>
+          <ac:grpSpMkLst>
+            <pc:docMk/>
+            <pc:sldMk cId="1732317470" sldId="259"/>
+            <ac:grpSpMk id="157" creationId="{B92CA534-983D-41D7-B409-4DE45940E5B0}"/>
+          </ac:grpSpMkLst>
+        </pc:grpChg>
+        <pc:cxnChg chg="del mod topLvl">
+          <ac:chgData name="王 家才" userId="863c4bbfb9f47078" providerId="LiveId" clId="{3EB35533-EDE6-4421-9AB6-CD29FFE35FE3}" dt="2019-06-02T05:58:10.647" v="596" actId="478"/>
+          <ac:cxnSpMkLst>
+            <pc:docMk/>
+            <pc:sldMk cId="1732317470" sldId="259"/>
+            <ac:cxnSpMk id="35" creationId="{DC7D6AA5-1452-4DFC-B57C-B77DF122B97E}"/>
+          </ac:cxnSpMkLst>
+        </pc:cxnChg>
+        <pc:cxnChg chg="del mod topLvl">
+          <ac:chgData name="王 家才" userId="863c4bbfb9f47078" providerId="LiveId" clId="{3EB35533-EDE6-4421-9AB6-CD29FFE35FE3}" dt="2019-06-02T05:58:10.647" v="596" actId="478"/>
+          <ac:cxnSpMkLst>
+            <pc:docMk/>
+            <pc:sldMk cId="1732317470" sldId="259"/>
+            <ac:cxnSpMk id="65" creationId="{3D7BEA16-88E8-4F98-AF6F-F51D4F358AAA}"/>
+          </ac:cxnSpMkLst>
+        </pc:cxnChg>
+        <pc:cxnChg chg="del mod topLvl">
+          <ac:chgData name="王 家才" userId="863c4bbfb9f47078" providerId="LiveId" clId="{3EB35533-EDE6-4421-9AB6-CD29FFE35FE3}" dt="2019-06-02T05:58:10.647" v="596" actId="478"/>
+          <ac:cxnSpMkLst>
+            <pc:docMk/>
+            <pc:sldMk cId="1732317470" sldId="259"/>
+            <ac:cxnSpMk id="104" creationId="{DFE48597-2170-4A2D-A827-98210818B97D}"/>
+          </ac:cxnSpMkLst>
+        </pc:cxnChg>
+        <pc:cxnChg chg="del mod topLvl">
+          <ac:chgData name="王 家才" userId="863c4bbfb9f47078" providerId="LiveId" clId="{3EB35533-EDE6-4421-9AB6-CD29FFE35FE3}" dt="2019-06-02T05:58:10.647" v="596" actId="478"/>
+          <ac:cxnSpMkLst>
+            <pc:docMk/>
+            <pc:sldMk cId="1732317470" sldId="259"/>
+            <ac:cxnSpMk id="108" creationId="{064EE4A8-C820-4EDA-8804-D6DD3A1FEE51}"/>
+          </ac:cxnSpMkLst>
+        </pc:cxnChg>
+        <pc:cxnChg chg="del mod topLvl">
+          <ac:chgData name="王 家才" userId="863c4bbfb9f47078" providerId="LiveId" clId="{3EB35533-EDE6-4421-9AB6-CD29FFE35FE3}" dt="2019-06-02T05:58:10.647" v="596" actId="478"/>
+          <ac:cxnSpMkLst>
+            <pc:docMk/>
+            <pc:sldMk cId="1732317470" sldId="259"/>
+            <ac:cxnSpMk id="134" creationId="{DA3F7910-7CEC-47A6-B2D5-3C59BD50A67A}"/>
+          </ac:cxnSpMkLst>
+        </pc:cxnChg>
+        <pc:cxnChg chg="del mod topLvl">
+          <ac:chgData name="王 家才" userId="863c4bbfb9f47078" providerId="LiveId" clId="{3EB35533-EDE6-4421-9AB6-CD29FFE35FE3}" dt="2019-06-02T05:58:10.647" v="596" actId="478"/>
+          <ac:cxnSpMkLst>
+            <pc:docMk/>
+            <pc:sldMk cId="1732317470" sldId="259"/>
+            <ac:cxnSpMk id="140" creationId="{C19479F1-7774-4A3D-AC22-EA25FB460722}"/>
+          </ac:cxnSpMkLst>
+        </pc:cxnChg>
+        <pc:cxnChg chg="del mod topLvl">
+          <ac:chgData name="王 家才" userId="863c4bbfb9f47078" providerId="LiveId" clId="{3EB35533-EDE6-4421-9AB6-CD29FFE35FE3}" dt="2019-06-02T05:58:10.647" v="596" actId="478"/>
+          <ac:cxnSpMkLst>
+            <pc:docMk/>
+            <pc:sldMk cId="1732317470" sldId="259"/>
             <ac:cxnSpMk id="144" creationId="{CD0C8BD1-E300-48E7-8E03-1B8F8B2D68E4}"/>
           </ac:cxnSpMkLst>
         </pc:cxnChg>
@@ -1800,7 +2016,7 @@
           <a:p>
             <a:fld id="{9ED08F6C-622D-44ED-AB5D-DC05AC4CB8EE}" type="datetimeFigureOut">
               <a:rPr lang="zh-CN" altLang="en-US" smtClean="0"/>
-              <a:t>2019/5/31</a:t>
+              <a:t>2019/6/2</a:t>
             </a:fld>
             <a:endParaRPr lang="zh-CN" altLang="en-US"/>
           </a:p>
@@ -1998,7 +2214,7 @@
           <a:p>
             <a:fld id="{9ED08F6C-622D-44ED-AB5D-DC05AC4CB8EE}" type="datetimeFigureOut">
               <a:rPr lang="zh-CN" altLang="en-US" smtClean="0"/>
-              <a:t>2019/5/31</a:t>
+              <a:t>2019/6/2</a:t>
             </a:fld>
             <a:endParaRPr lang="zh-CN" altLang="en-US"/>
           </a:p>
@@ -2206,7 +2422,7 @@
           <a:p>
             <a:fld id="{9ED08F6C-622D-44ED-AB5D-DC05AC4CB8EE}" type="datetimeFigureOut">
               <a:rPr lang="zh-CN" altLang="en-US" smtClean="0"/>
-              <a:t>2019/5/31</a:t>
+              <a:t>2019/6/2</a:t>
             </a:fld>
             <a:endParaRPr lang="zh-CN" altLang="en-US"/>
           </a:p>
@@ -2404,7 +2620,7 @@
           <a:p>
             <a:fld id="{9ED08F6C-622D-44ED-AB5D-DC05AC4CB8EE}" type="datetimeFigureOut">
               <a:rPr lang="zh-CN" altLang="en-US" smtClean="0"/>
-              <a:t>2019/5/31</a:t>
+              <a:t>2019/6/2</a:t>
             </a:fld>
             <a:endParaRPr lang="zh-CN" altLang="en-US"/>
           </a:p>
@@ -2679,7 +2895,7 @@
           <a:p>
             <a:fld id="{9ED08F6C-622D-44ED-AB5D-DC05AC4CB8EE}" type="datetimeFigureOut">
               <a:rPr lang="zh-CN" altLang="en-US" smtClean="0"/>
-              <a:t>2019/5/31</a:t>
+              <a:t>2019/6/2</a:t>
             </a:fld>
             <a:endParaRPr lang="zh-CN" altLang="en-US"/>
           </a:p>
@@ -2944,7 +3160,7 @@
           <a:p>
             <a:fld id="{9ED08F6C-622D-44ED-AB5D-DC05AC4CB8EE}" type="datetimeFigureOut">
               <a:rPr lang="zh-CN" altLang="en-US" smtClean="0"/>
-              <a:t>2019/5/31</a:t>
+              <a:t>2019/6/2</a:t>
             </a:fld>
             <a:endParaRPr lang="zh-CN" altLang="en-US"/>
           </a:p>
@@ -3356,7 +3572,7 @@
           <a:p>
             <a:fld id="{9ED08F6C-622D-44ED-AB5D-DC05AC4CB8EE}" type="datetimeFigureOut">
               <a:rPr lang="zh-CN" altLang="en-US" smtClean="0"/>
-              <a:t>2019/5/31</a:t>
+              <a:t>2019/6/2</a:t>
             </a:fld>
             <a:endParaRPr lang="zh-CN" altLang="en-US"/>
           </a:p>
@@ -3497,7 +3713,7 @@
           <a:p>
             <a:fld id="{9ED08F6C-622D-44ED-AB5D-DC05AC4CB8EE}" type="datetimeFigureOut">
               <a:rPr lang="zh-CN" altLang="en-US" smtClean="0"/>
-              <a:t>2019/5/31</a:t>
+              <a:t>2019/6/2</a:t>
             </a:fld>
             <a:endParaRPr lang="zh-CN" altLang="en-US"/>
           </a:p>
@@ -3610,7 +3826,7 @@
           <a:p>
             <a:fld id="{9ED08F6C-622D-44ED-AB5D-DC05AC4CB8EE}" type="datetimeFigureOut">
               <a:rPr lang="zh-CN" altLang="en-US" smtClean="0"/>
-              <a:t>2019/5/31</a:t>
+              <a:t>2019/6/2</a:t>
             </a:fld>
             <a:endParaRPr lang="zh-CN" altLang="en-US"/>
           </a:p>
@@ -3921,7 +4137,7 @@
           <a:p>
             <a:fld id="{9ED08F6C-622D-44ED-AB5D-DC05AC4CB8EE}" type="datetimeFigureOut">
               <a:rPr lang="zh-CN" altLang="en-US" smtClean="0"/>
-              <a:t>2019/5/31</a:t>
+              <a:t>2019/6/2</a:t>
             </a:fld>
             <a:endParaRPr lang="zh-CN" altLang="en-US"/>
           </a:p>
@@ -4209,7 +4425,7 @@
           <a:p>
             <a:fld id="{9ED08F6C-622D-44ED-AB5D-DC05AC4CB8EE}" type="datetimeFigureOut">
               <a:rPr lang="zh-CN" altLang="en-US" smtClean="0"/>
-              <a:t>2019/5/31</a:t>
+              <a:t>2019/6/2</a:t>
             </a:fld>
             <a:endParaRPr lang="zh-CN" altLang="en-US"/>
           </a:p>
@@ -4450,7 +4666,7 @@
           <a:p>
             <a:fld id="{9ED08F6C-622D-44ED-AB5D-DC05AC4CB8EE}" type="datetimeFigureOut">
               <a:rPr lang="zh-CN" altLang="en-US" smtClean="0"/>
-              <a:t>2019/5/31</a:t>
+              <a:t>2019/6/2</a:t>
             </a:fld>
             <a:endParaRPr lang="zh-CN" altLang="en-US"/>
           </a:p>
@@ -9243,6 +9459,863 @@
 </p:sld>
 </file>
 
+<file path=ppt/slides/slide4.xml><?xml version="1.0" encoding="utf-8"?>
+<p:sld xmlns:a="http://schemas.openxmlformats.org/drawingml/2006/main" xmlns:r="http://schemas.openxmlformats.org/officeDocument/2006/relationships" xmlns:p="http://schemas.openxmlformats.org/presentationml/2006/main">
+  <p:cSld>
+    <p:spTree>
+      <p:nvGrpSpPr>
+        <p:cNvPr id="1" name=""/>
+        <p:cNvGrpSpPr/>
+        <p:nvPr/>
+      </p:nvGrpSpPr>
+      <p:grpSpPr>
+        <a:xfrm>
+          <a:off x="0" y="0"/>
+          <a:ext cx="0" cy="0"/>
+          <a:chOff x="0" y="0"/>
+          <a:chExt cx="0" cy="0"/>
+        </a:xfrm>
+      </p:grpSpPr>
+      <p:grpSp>
+        <p:nvGrpSpPr>
+          <p:cNvPr id="30" name="组合 29">
+            <a:extLst>
+              <a:ext uri="{FF2B5EF4-FFF2-40B4-BE49-F238E27FC236}">
+                <a16:creationId xmlns:a16="http://schemas.microsoft.com/office/drawing/2014/main" id="{5A17F1AA-B601-43DC-A108-6CE141DF918E}"/>
+              </a:ext>
+            </a:extLst>
+          </p:cNvPr>
+          <p:cNvGrpSpPr/>
+          <p:nvPr/>
+        </p:nvGrpSpPr>
+        <p:grpSpPr>
+          <a:xfrm>
+            <a:off x="2533840" y="3328475"/>
+            <a:ext cx="3962511" cy="2050480"/>
+            <a:chOff x="2437324" y="2985671"/>
+            <a:chExt cx="4867716" cy="2518896"/>
+          </a:xfrm>
+        </p:grpSpPr>
+        <p:cxnSp>
+          <p:nvCxnSpPr>
+            <p:cNvPr id="109" name="直接连接符 108">
+              <a:extLst>
+                <a:ext uri="{FF2B5EF4-FFF2-40B4-BE49-F238E27FC236}">
+                  <a16:creationId xmlns:a16="http://schemas.microsoft.com/office/drawing/2014/main" id="{00F2C9E5-0213-418A-95BA-4F748030C7CC}"/>
+                </a:ext>
+              </a:extLst>
+            </p:cNvPr>
+            <p:cNvCxnSpPr>
+              <a:cxnSpLocks/>
+            </p:cNvCxnSpPr>
+            <p:nvPr/>
+          </p:nvCxnSpPr>
+          <p:spPr>
+            <a:xfrm>
+              <a:off x="4871182" y="2985671"/>
+              <a:ext cx="0" cy="2518896"/>
+            </a:xfrm>
+            <a:prstGeom prst="line">
+              <a:avLst/>
+            </a:prstGeom>
+            <a:ln w="12700">
+              <a:solidFill>
+                <a:schemeClr val="tx1"/>
+              </a:solidFill>
+            </a:ln>
+          </p:spPr>
+          <p:style>
+            <a:lnRef idx="1">
+              <a:schemeClr val="accent1"/>
+            </a:lnRef>
+            <a:fillRef idx="0">
+              <a:schemeClr val="accent1"/>
+            </a:fillRef>
+            <a:effectRef idx="0">
+              <a:schemeClr val="accent1"/>
+            </a:effectRef>
+            <a:fontRef idx="minor">
+              <a:schemeClr val="tx1"/>
+            </a:fontRef>
+          </p:style>
+        </p:cxnSp>
+        <p:grpSp>
+          <p:nvGrpSpPr>
+            <p:cNvPr id="29" name="组合 28">
+              <a:extLst>
+                <a:ext uri="{FF2B5EF4-FFF2-40B4-BE49-F238E27FC236}">
+                  <a16:creationId xmlns:a16="http://schemas.microsoft.com/office/drawing/2014/main" id="{11F2054B-8758-4ABB-AF39-724DBD95DB55}"/>
+                </a:ext>
+              </a:extLst>
+            </p:cNvPr>
+            <p:cNvGrpSpPr/>
+            <p:nvPr/>
+          </p:nvGrpSpPr>
+          <p:grpSpPr>
+            <a:xfrm>
+              <a:off x="2437324" y="2985671"/>
+              <a:ext cx="4867716" cy="2518896"/>
+              <a:chOff x="2437324" y="2985671"/>
+              <a:chExt cx="4867716" cy="2518896"/>
+            </a:xfrm>
+          </p:grpSpPr>
+          <p:sp>
+            <p:nvSpPr>
+              <p:cNvPr id="107" name="矩形 106">
+                <a:extLst>
+                  <a:ext uri="{FF2B5EF4-FFF2-40B4-BE49-F238E27FC236}">
+                    <a16:creationId xmlns:a16="http://schemas.microsoft.com/office/drawing/2014/main" id="{642D30A8-0211-43B2-B255-672D6ADC8892}"/>
+                  </a:ext>
+                </a:extLst>
+              </p:cNvPr>
+              <p:cNvSpPr/>
+              <p:nvPr/>
+            </p:nvSpPr>
+            <p:spPr>
+              <a:xfrm>
+                <a:off x="2437324" y="2985671"/>
+                <a:ext cx="4867716" cy="2518896"/>
+              </a:xfrm>
+              <a:prstGeom prst="rect">
+                <a:avLst/>
+              </a:prstGeom>
+              <a:noFill/>
+              <a:ln w="19050">
+                <a:solidFill>
+                  <a:schemeClr val="tx1"/>
+                </a:solidFill>
+              </a:ln>
+            </p:spPr>
+            <p:style>
+              <a:lnRef idx="2">
+                <a:schemeClr val="accent1">
+                  <a:shade val="50000"/>
+                </a:schemeClr>
+              </a:lnRef>
+              <a:fillRef idx="1">
+                <a:schemeClr val="accent1"/>
+              </a:fillRef>
+              <a:effectRef idx="0">
+                <a:schemeClr val="accent1"/>
+              </a:effectRef>
+              <a:fontRef idx="minor">
+                <a:schemeClr val="lt1"/>
+              </a:fontRef>
+            </p:style>
+            <p:txBody>
+              <a:bodyPr rtlCol="0" anchor="ctr"/>
+              <a:lstStyle/>
+              <a:p>
+                <a:pPr algn="ctr"/>
+                <a:endParaRPr lang="zh-CN" altLang="en-US"/>
+              </a:p>
+            </p:txBody>
+          </p:sp>
+          <p:grpSp>
+            <p:nvGrpSpPr>
+              <p:cNvPr id="25" name="组合 24">
+                <a:extLst>
+                  <a:ext uri="{FF2B5EF4-FFF2-40B4-BE49-F238E27FC236}">
+                    <a16:creationId xmlns:a16="http://schemas.microsoft.com/office/drawing/2014/main" id="{E757AA8F-23F9-41F0-8923-E3CF1566BEA1}"/>
+                  </a:ext>
+                </a:extLst>
+              </p:cNvPr>
+              <p:cNvGrpSpPr/>
+              <p:nvPr/>
+            </p:nvGrpSpPr>
+            <p:grpSpPr>
+              <a:xfrm>
+                <a:off x="3377176" y="3968042"/>
+                <a:ext cx="554154" cy="554154"/>
+                <a:chOff x="9139119" y="1868366"/>
+                <a:chExt cx="782515" cy="782515"/>
+              </a:xfrm>
+            </p:grpSpPr>
+            <p:cxnSp>
+              <p:nvCxnSpPr>
+                <p:cNvPr id="19" name="直接连接符 18">
+                  <a:extLst>
+                    <a:ext uri="{FF2B5EF4-FFF2-40B4-BE49-F238E27FC236}">
+                      <a16:creationId xmlns:a16="http://schemas.microsoft.com/office/drawing/2014/main" id="{12B1CEA6-21AD-4C03-B658-B5D6BD925372}"/>
+                    </a:ext>
+                  </a:extLst>
+                </p:cNvPr>
+                <p:cNvCxnSpPr/>
+                <p:nvPr/>
+              </p:nvCxnSpPr>
+              <p:spPr>
+                <a:xfrm>
+                  <a:off x="9139119" y="2259624"/>
+                  <a:ext cx="782515" cy="0"/>
+                </a:xfrm>
+                <a:prstGeom prst="line">
+                  <a:avLst/>
+                </a:prstGeom>
+                <a:ln>
+                  <a:solidFill>
+                    <a:schemeClr val="tx1"/>
+                  </a:solidFill>
+                </a:ln>
+              </p:spPr>
+              <p:style>
+                <a:lnRef idx="1">
+                  <a:schemeClr val="accent1"/>
+                </a:lnRef>
+                <a:fillRef idx="0">
+                  <a:schemeClr val="accent1"/>
+                </a:fillRef>
+                <a:effectRef idx="0">
+                  <a:schemeClr val="accent1"/>
+                </a:effectRef>
+                <a:fontRef idx="minor">
+                  <a:schemeClr val="tx1"/>
+                </a:fontRef>
+              </p:style>
+            </p:cxnSp>
+            <p:cxnSp>
+              <p:nvCxnSpPr>
+                <p:cNvPr id="66" name="直接连接符 65">
+                  <a:extLst>
+                    <a:ext uri="{FF2B5EF4-FFF2-40B4-BE49-F238E27FC236}">
+                      <a16:creationId xmlns:a16="http://schemas.microsoft.com/office/drawing/2014/main" id="{40BD99BB-B17D-47FF-A419-F95EE2BEFE68}"/>
+                    </a:ext>
+                  </a:extLst>
+                </p:cNvPr>
+                <p:cNvCxnSpPr>
+                  <a:cxnSpLocks/>
+                </p:cNvCxnSpPr>
+                <p:nvPr/>
+              </p:nvCxnSpPr>
+              <p:spPr>
+                <a:xfrm rot="5400000">
+                  <a:off x="9139119" y="2259624"/>
+                  <a:ext cx="782515" cy="0"/>
+                </a:xfrm>
+                <a:prstGeom prst="line">
+                  <a:avLst/>
+                </a:prstGeom>
+                <a:ln>
+                  <a:solidFill>
+                    <a:schemeClr val="tx1"/>
+                  </a:solidFill>
+                </a:ln>
+              </p:spPr>
+              <p:style>
+                <a:lnRef idx="1">
+                  <a:schemeClr val="accent1"/>
+                </a:lnRef>
+                <a:fillRef idx="0">
+                  <a:schemeClr val="accent1"/>
+                </a:fillRef>
+                <a:effectRef idx="0">
+                  <a:schemeClr val="accent1"/>
+                </a:effectRef>
+                <a:fontRef idx="minor">
+                  <a:schemeClr val="tx1"/>
+                </a:fontRef>
+              </p:style>
+            </p:cxnSp>
+            <p:sp>
+              <p:nvSpPr>
+                <p:cNvPr id="23" name="椭圆 22">
+                  <a:extLst>
+                    <a:ext uri="{FF2B5EF4-FFF2-40B4-BE49-F238E27FC236}">
+                      <a16:creationId xmlns:a16="http://schemas.microsoft.com/office/drawing/2014/main" id="{01FA4BCE-B5C3-4137-86E1-CF1D121CDDA7}"/>
+                    </a:ext>
+                  </a:extLst>
+                </p:cNvPr>
+                <p:cNvSpPr/>
+                <p:nvPr/>
+              </p:nvSpPr>
+              <p:spPr>
+                <a:xfrm>
+                  <a:off x="9489739" y="2218986"/>
+                  <a:ext cx="81274" cy="81274"/>
+                </a:xfrm>
+                <a:prstGeom prst="ellipse">
+                  <a:avLst/>
+                </a:prstGeom>
+                <a:solidFill>
+                  <a:schemeClr val="bg1"/>
+                </a:solidFill>
+                <a:ln w="9525">
+                  <a:solidFill>
+                    <a:schemeClr val="tx1"/>
+                  </a:solidFill>
+                </a:ln>
+              </p:spPr>
+              <p:style>
+                <a:lnRef idx="2">
+                  <a:schemeClr val="accent1">
+                    <a:shade val="50000"/>
+                  </a:schemeClr>
+                </a:lnRef>
+                <a:fillRef idx="1">
+                  <a:schemeClr val="accent1"/>
+                </a:fillRef>
+                <a:effectRef idx="0">
+                  <a:schemeClr val="accent1"/>
+                </a:effectRef>
+                <a:fontRef idx="minor">
+                  <a:schemeClr val="lt1"/>
+                </a:fontRef>
+              </p:style>
+              <p:txBody>
+                <a:bodyPr rtlCol="0" anchor="ctr"/>
+                <a:lstStyle/>
+                <a:p>
+                  <a:pPr algn="ctr"/>
+                  <a:endParaRPr lang="zh-CN" altLang="en-US" dirty="0"/>
+                </a:p>
+              </p:txBody>
+            </p:sp>
+          </p:grpSp>
+          <p:grpSp>
+            <p:nvGrpSpPr>
+              <p:cNvPr id="75" name="组合 74">
+                <a:extLst>
+                  <a:ext uri="{FF2B5EF4-FFF2-40B4-BE49-F238E27FC236}">
+                    <a16:creationId xmlns:a16="http://schemas.microsoft.com/office/drawing/2014/main" id="{184B83C4-C185-4EF5-9682-1F072C80E9BD}"/>
+                  </a:ext>
+                </a:extLst>
+              </p:cNvPr>
+              <p:cNvGrpSpPr/>
+              <p:nvPr/>
+            </p:nvGrpSpPr>
+            <p:grpSpPr>
+              <a:xfrm>
+                <a:off x="5811034" y="3968041"/>
+                <a:ext cx="554154" cy="554154"/>
+                <a:chOff x="9139119" y="1868366"/>
+                <a:chExt cx="782515" cy="782515"/>
+              </a:xfrm>
+            </p:grpSpPr>
+            <p:cxnSp>
+              <p:nvCxnSpPr>
+                <p:cNvPr id="76" name="直接连接符 75">
+                  <a:extLst>
+                    <a:ext uri="{FF2B5EF4-FFF2-40B4-BE49-F238E27FC236}">
+                      <a16:creationId xmlns:a16="http://schemas.microsoft.com/office/drawing/2014/main" id="{2C5E3550-B0C0-456C-BFD4-88AC347B5562}"/>
+                    </a:ext>
+                  </a:extLst>
+                </p:cNvPr>
+                <p:cNvCxnSpPr/>
+                <p:nvPr/>
+              </p:nvCxnSpPr>
+              <p:spPr>
+                <a:xfrm>
+                  <a:off x="9139119" y="2259624"/>
+                  <a:ext cx="782515" cy="0"/>
+                </a:xfrm>
+                <a:prstGeom prst="line">
+                  <a:avLst/>
+                </a:prstGeom>
+                <a:ln>
+                  <a:solidFill>
+                    <a:schemeClr val="tx1"/>
+                  </a:solidFill>
+                </a:ln>
+              </p:spPr>
+              <p:style>
+                <a:lnRef idx="1">
+                  <a:schemeClr val="accent1"/>
+                </a:lnRef>
+                <a:fillRef idx="0">
+                  <a:schemeClr val="accent1"/>
+                </a:fillRef>
+                <a:effectRef idx="0">
+                  <a:schemeClr val="accent1"/>
+                </a:effectRef>
+                <a:fontRef idx="minor">
+                  <a:schemeClr val="tx1"/>
+                </a:fontRef>
+              </p:style>
+            </p:cxnSp>
+            <p:cxnSp>
+              <p:nvCxnSpPr>
+                <p:cNvPr id="94" name="直接连接符 93">
+                  <a:extLst>
+                    <a:ext uri="{FF2B5EF4-FFF2-40B4-BE49-F238E27FC236}">
+                      <a16:creationId xmlns:a16="http://schemas.microsoft.com/office/drawing/2014/main" id="{8C688264-A467-45F2-A1F3-7114F9892E92}"/>
+                    </a:ext>
+                  </a:extLst>
+                </p:cNvPr>
+                <p:cNvCxnSpPr>
+                  <a:cxnSpLocks/>
+                </p:cNvCxnSpPr>
+                <p:nvPr/>
+              </p:nvCxnSpPr>
+              <p:spPr>
+                <a:xfrm rot="5400000">
+                  <a:off x="9139119" y="2259624"/>
+                  <a:ext cx="782515" cy="0"/>
+                </a:xfrm>
+                <a:prstGeom prst="line">
+                  <a:avLst/>
+                </a:prstGeom>
+                <a:ln>
+                  <a:solidFill>
+                    <a:schemeClr val="tx1"/>
+                  </a:solidFill>
+                </a:ln>
+              </p:spPr>
+              <p:style>
+                <a:lnRef idx="1">
+                  <a:schemeClr val="accent1"/>
+                </a:lnRef>
+                <a:fillRef idx="0">
+                  <a:schemeClr val="accent1"/>
+                </a:fillRef>
+                <a:effectRef idx="0">
+                  <a:schemeClr val="accent1"/>
+                </a:effectRef>
+                <a:fontRef idx="minor">
+                  <a:schemeClr val="tx1"/>
+                </a:fontRef>
+              </p:style>
+            </p:cxnSp>
+            <p:sp>
+              <p:nvSpPr>
+                <p:cNvPr id="95" name="椭圆 94">
+                  <a:extLst>
+                    <a:ext uri="{FF2B5EF4-FFF2-40B4-BE49-F238E27FC236}">
+                      <a16:creationId xmlns:a16="http://schemas.microsoft.com/office/drawing/2014/main" id="{A694FB2A-E305-476B-81E7-E3EE2123FDF9}"/>
+                    </a:ext>
+                  </a:extLst>
+                </p:cNvPr>
+                <p:cNvSpPr/>
+                <p:nvPr/>
+              </p:nvSpPr>
+              <p:spPr>
+                <a:xfrm>
+                  <a:off x="9489739" y="2218986"/>
+                  <a:ext cx="81274" cy="81274"/>
+                </a:xfrm>
+                <a:prstGeom prst="ellipse">
+                  <a:avLst/>
+                </a:prstGeom>
+                <a:solidFill>
+                  <a:schemeClr val="bg1"/>
+                </a:solidFill>
+                <a:ln w="9525">
+                  <a:solidFill>
+                    <a:schemeClr val="tx1"/>
+                  </a:solidFill>
+                </a:ln>
+              </p:spPr>
+              <p:style>
+                <a:lnRef idx="2">
+                  <a:schemeClr val="accent1">
+                    <a:shade val="50000"/>
+                  </a:schemeClr>
+                </a:lnRef>
+                <a:fillRef idx="1">
+                  <a:schemeClr val="accent1"/>
+                </a:fillRef>
+                <a:effectRef idx="0">
+                  <a:schemeClr val="accent1"/>
+                </a:effectRef>
+                <a:fontRef idx="minor">
+                  <a:schemeClr val="lt1"/>
+                </a:fontRef>
+              </p:style>
+              <p:txBody>
+                <a:bodyPr rtlCol="0" anchor="ctr"/>
+                <a:lstStyle/>
+                <a:p>
+                  <a:pPr algn="ctr"/>
+                  <a:endParaRPr lang="zh-CN" altLang="en-US"/>
+                </a:p>
+              </p:txBody>
+            </p:sp>
+          </p:grpSp>
+        </p:grpSp>
+      </p:grpSp>
+      <p:sp>
+        <p:nvSpPr>
+          <p:cNvPr id="28" name="文本框 27">
+            <a:extLst>
+              <a:ext uri="{FF2B5EF4-FFF2-40B4-BE49-F238E27FC236}">
+                <a16:creationId xmlns:a16="http://schemas.microsoft.com/office/drawing/2014/main" id="{E6FAA64D-D311-4327-AE9B-1BDB11CEAEEE}"/>
+              </a:ext>
+            </a:extLst>
+          </p:cNvPr>
+          <p:cNvSpPr txBox="1"/>
+          <p:nvPr/>
+        </p:nvSpPr>
+        <p:spPr>
+          <a:xfrm flipH="1">
+            <a:off x="3122471" y="4128163"/>
+            <a:ext cx="330201" cy="461665"/>
+          </a:xfrm>
+          <a:prstGeom prst="rect">
+            <a:avLst/>
+          </a:prstGeom>
+          <a:noFill/>
+        </p:spPr>
+        <p:txBody>
+          <a:bodyPr wrap="square" rtlCol="0">
+            <a:spAutoFit/>
+          </a:bodyPr>
+          <a:lstStyle/>
+          <a:p>
+            <a:r>
+              <a:rPr lang="en-US" altLang="zh-CN" sz="2400" b="1" dirty="0"/>
+              <a:t>A</a:t>
+            </a:r>
+            <a:endParaRPr lang="en-US" altLang="zh-CN" b="1" dirty="0"/>
+          </a:p>
+        </p:txBody>
+      </p:sp>
+      <p:sp>
+        <p:nvSpPr>
+          <p:cNvPr id="96" name="文本框 95">
+            <a:extLst>
+              <a:ext uri="{FF2B5EF4-FFF2-40B4-BE49-F238E27FC236}">
+                <a16:creationId xmlns:a16="http://schemas.microsoft.com/office/drawing/2014/main" id="{555DCB61-5219-47A4-9E44-2000D93A255D}"/>
+              </a:ext>
+            </a:extLst>
+          </p:cNvPr>
+          <p:cNvSpPr txBox="1"/>
+          <p:nvPr/>
+        </p:nvSpPr>
+        <p:spPr>
+          <a:xfrm flipH="1">
+            <a:off x="4753898" y="4128163"/>
+            <a:ext cx="330201" cy="461665"/>
+          </a:xfrm>
+          <a:prstGeom prst="rect">
+            <a:avLst/>
+          </a:prstGeom>
+          <a:noFill/>
+        </p:spPr>
+        <p:txBody>
+          <a:bodyPr wrap="square" rtlCol="0">
+            <a:spAutoFit/>
+          </a:bodyPr>
+          <a:lstStyle/>
+          <a:p>
+            <a:r>
+              <a:rPr lang="en-US" altLang="zh-CN" sz="2400" b="1" dirty="0"/>
+              <a:t>A</a:t>
+            </a:r>
+            <a:endParaRPr lang="en-US" altLang="zh-CN" b="1" dirty="0"/>
+          </a:p>
+        </p:txBody>
+      </p:sp>
+      <p:sp>
+        <p:nvSpPr>
+          <p:cNvPr id="139" name="文本框 138">
+            <a:extLst>
+              <a:ext uri="{FF2B5EF4-FFF2-40B4-BE49-F238E27FC236}">
+                <a16:creationId xmlns:a16="http://schemas.microsoft.com/office/drawing/2014/main" id="{968A27D3-D317-4E7F-B65A-033FF3D3CEE4}"/>
+              </a:ext>
+            </a:extLst>
+          </p:cNvPr>
+          <p:cNvSpPr txBox="1"/>
+          <p:nvPr/>
+        </p:nvSpPr>
+        <p:spPr>
+          <a:xfrm flipH="1">
+            <a:off x="3607652" y="4128163"/>
+            <a:ext cx="330201" cy="461665"/>
+          </a:xfrm>
+          <a:prstGeom prst="rect">
+            <a:avLst/>
+          </a:prstGeom>
+          <a:noFill/>
+        </p:spPr>
+        <p:txBody>
+          <a:bodyPr wrap="square" rtlCol="0">
+            <a:spAutoFit/>
+          </a:bodyPr>
+          <a:lstStyle/>
+          <a:p>
+            <a:r>
+              <a:rPr lang="en-US" altLang="zh-CN" sz="2400" b="1" dirty="0"/>
+              <a:t>B</a:t>
+            </a:r>
+            <a:endParaRPr lang="en-US" altLang="zh-CN" b="1" dirty="0"/>
+          </a:p>
+        </p:txBody>
+      </p:sp>
+      <p:sp>
+        <p:nvSpPr>
+          <p:cNvPr id="143" name="文本框 142">
+            <a:extLst>
+              <a:ext uri="{FF2B5EF4-FFF2-40B4-BE49-F238E27FC236}">
+                <a16:creationId xmlns:a16="http://schemas.microsoft.com/office/drawing/2014/main" id="{795428BA-DC8F-4D7B-9C51-DE0538A26D48}"/>
+              </a:ext>
+            </a:extLst>
+          </p:cNvPr>
+          <p:cNvSpPr txBox="1"/>
+          <p:nvPr/>
+        </p:nvSpPr>
+        <p:spPr>
+          <a:xfrm flipH="1">
+            <a:off x="5811806" y="4128163"/>
+            <a:ext cx="330201" cy="461665"/>
+          </a:xfrm>
+          <a:prstGeom prst="rect">
+            <a:avLst/>
+          </a:prstGeom>
+          <a:noFill/>
+        </p:spPr>
+        <p:txBody>
+          <a:bodyPr wrap="square" rtlCol="0">
+            <a:spAutoFit/>
+          </a:bodyPr>
+          <a:lstStyle/>
+          <a:p>
+            <a:r>
+              <a:rPr lang="en-US" altLang="zh-CN" sz="2400" b="1" dirty="0"/>
+              <a:t>B</a:t>
+            </a:r>
+            <a:endParaRPr lang="en-US" altLang="zh-CN" b="1" dirty="0"/>
+          </a:p>
+        </p:txBody>
+      </p:sp>
+      <p:sp>
+        <p:nvSpPr>
+          <p:cNvPr id="2" name="矩形 1">
+            <a:extLst>
+              <a:ext uri="{FF2B5EF4-FFF2-40B4-BE49-F238E27FC236}">
+                <a16:creationId xmlns:a16="http://schemas.microsoft.com/office/drawing/2014/main" id="{5BB1BDA9-CBBA-4E64-9EE4-38B7BBAE54EA}"/>
+              </a:ext>
+            </a:extLst>
+          </p:cNvPr>
+          <p:cNvSpPr/>
+          <p:nvPr/>
+        </p:nvSpPr>
+        <p:spPr>
+          <a:xfrm>
+            <a:off x="3186028" y="4165871"/>
+            <a:ext cx="246380" cy="375686"/>
+          </a:xfrm>
+          <a:prstGeom prst="rect">
+            <a:avLst/>
+          </a:prstGeom>
+          <a:noFill/>
+          <a:ln w="28575">
+            <a:solidFill>
+              <a:srgbClr val="00B050"/>
+            </a:solidFill>
+          </a:ln>
+        </p:spPr>
+        <p:style>
+          <a:lnRef idx="2">
+            <a:schemeClr val="accent1">
+              <a:shade val="50000"/>
+            </a:schemeClr>
+          </a:lnRef>
+          <a:fillRef idx="1">
+            <a:schemeClr val="accent1"/>
+          </a:fillRef>
+          <a:effectRef idx="0">
+            <a:schemeClr val="accent1"/>
+          </a:effectRef>
+          <a:fontRef idx="minor">
+            <a:schemeClr val="lt1"/>
+          </a:fontRef>
+        </p:style>
+        <p:txBody>
+          <a:bodyPr rtlCol="0" anchor="ctr"/>
+          <a:lstStyle/>
+          <a:p>
+            <a:pPr algn="ctr"/>
+            <a:endParaRPr lang="zh-CN" altLang="en-US"/>
+          </a:p>
+        </p:txBody>
+      </p:sp>
+      <p:sp>
+        <p:nvSpPr>
+          <p:cNvPr id="38" name="矩形 37">
+            <a:extLst>
+              <a:ext uri="{FF2B5EF4-FFF2-40B4-BE49-F238E27FC236}">
+                <a16:creationId xmlns:a16="http://schemas.microsoft.com/office/drawing/2014/main" id="{AA5B5F11-4895-4039-840F-F18349AC67DF}"/>
+              </a:ext>
+            </a:extLst>
+          </p:cNvPr>
+          <p:cNvSpPr/>
+          <p:nvPr/>
+        </p:nvSpPr>
+        <p:spPr>
+          <a:xfrm>
+            <a:off x="4817464" y="4155378"/>
+            <a:ext cx="246380" cy="375686"/>
+          </a:xfrm>
+          <a:prstGeom prst="rect">
+            <a:avLst/>
+          </a:prstGeom>
+          <a:noFill/>
+          <a:ln w="28575">
+            <a:solidFill>
+              <a:srgbClr val="00B050"/>
+            </a:solidFill>
+          </a:ln>
+        </p:spPr>
+        <p:style>
+          <a:lnRef idx="2">
+            <a:schemeClr val="accent1">
+              <a:shade val="50000"/>
+            </a:schemeClr>
+          </a:lnRef>
+          <a:fillRef idx="1">
+            <a:schemeClr val="accent1"/>
+          </a:fillRef>
+          <a:effectRef idx="0">
+            <a:schemeClr val="accent1"/>
+          </a:effectRef>
+          <a:fontRef idx="minor">
+            <a:schemeClr val="lt1"/>
+          </a:fontRef>
+        </p:style>
+        <p:txBody>
+          <a:bodyPr rtlCol="0" anchor="ctr"/>
+          <a:lstStyle/>
+          <a:p>
+            <a:pPr algn="ctr"/>
+            <a:endParaRPr lang="zh-CN" altLang="en-US"/>
+          </a:p>
+        </p:txBody>
+      </p:sp>
+      <p:sp>
+        <p:nvSpPr>
+          <p:cNvPr id="39" name="矩形 38">
+            <a:extLst>
+              <a:ext uri="{FF2B5EF4-FFF2-40B4-BE49-F238E27FC236}">
+                <a16:creationId xmlns:a16="http://schemas.microsoft.com/office/drawing/2014/main" id="{483AD69A-961E-48C5-8B19-C9450CAF90C6}"/>
+              </a:ext>
+            </a:extLst>
+          </p:cNvPr>
+          <p:cNvSpPr/>
+          <p:nvPr/>
+        </p:nvSpPr>
+        <p:spPr>
+          <a:xfrm>
+            <a:off x="5808191" y="4089378"/>
+            <a:ext cx="246380" cy="375686"/>
+          </a:xfrm>
+          <a:prstGeom prst="rect">
+            <a:avLst/>
+          </a:prstGeom>
+          <a:noFill/>
+          <a:ln w="28575">
+            <a:solidFill>
+              <a:srgbClr val="FF0000"/>
+            </a:solidFill>
+          </a:ln>
+        </p:spPr>
+        <p:style>
+          <a:lnRef idx="2">
+            <a:schemeClr val="accent1">
+              <a:shade val="50000"/>
+            </a:schemeClr>
+          </a:lnRef>
+          <a:fillRef idx="1">
+            <a:schemeClr val="accent1"/>
+          </a:fillRef>
+          <a:effectRef idx="0">
+            <a:schemeClr val="accent1"/>
+          </a:effectRef>
+          <a:fontRef idx="minor">
+            <a:schemeClr val="lt1"/>
+          </a:fontRef>
+        </p:style>
+        <p:txBody>
+          <a:bodyPr rtlCol="0" anchor="ctr"/>
+          <a:lstStyle/>
+          <a:p>
+            <a:pPr algn="ctr"/>
+            <a:endParaRPr lang="zh-CN" altLang="en-US"/>
+          </a:p>
+        </p:txBody>
+      </p:sp>
+      <p:sp>
+        <p:nvSpPr>
+          <p:cNvPr id="40" name="文本框 39">
+            <a:extLst>
+              <a:ext uri="{FF2B5EF4-FFF2-40B4-BE49-F238E27FC236}">
+                <a16:creationId xmlns:a16="http://schemas.microsoft.com/office/drawing/2014/main" id="{23808076-1FE3-492D-B76A-7DAF92BFE28B}"/>
+              </a:ext>
+            </a:extLst>
+          </p:cNvPr>
+          <p:cNvSpPr txBox="1"/>
+          <p:nvPr/>
+        </p:nvSpPr>
+        <p:spPr>
+          <a:xfrm flipH="1">
+            <a:off x="2468507" y="5466568"/>
+            <a:ext cx="1139145" cy="369332"/>
+          </a:xfrm>
+          <a:prstGeom prst="rect">
+            <a:avLst/>
+          </a:prstGeom>
+          <a:noFill/>
+        </p:spPr>
+        <p:txBody>
+          <a:bodyPr wrap="square" rtlCol="0">
+            <a:spAutoFit/>
+          </a:bodyPr>
+          <a:lstStyle/>
+          <a:p>
+            <a:r>
+              <a:rPr lang="zh-CN" altLang="en-US" dirty="0"/>
+              <a:t>左画面</a:t>
+            </a:r>
+            <a:endParaRPr lang="en-US" altLang="zh-CN" dirty="0"/>
+          </a:p>
+        </p:txBody>
+      </p:sp>
+      <p:sp>
+        <p:nvSpPr>
+          <p:cNvPr id="41" name="文本框 40">
+            <a:extLst>
+              <a:ext uri="{FF2B5EF4-FFF2-40B4-BE49-F238E27FC236}">
+                <a16:creationId xmlns:a16="http://schemas.microsoft.com/office/drawing/2014/main" id="{8DAE2531-A3D6-4E6F-8E1D-4D5597A8E093}"/>
+              </a:ext>
+            </a:extLst>
+          </p:cNvPr>
+          <p:cNvSpPr txBox="1"/>
+          <p:nvPr/>
+        </p:nvSpPr>
+        <p:spPr>
+          <a:xfrm flipH="1">
+            <a:off x="5731275" y="5466568"/>
+            <a:ext cx="1139145" cy="369332"/>
+          </a:xfrm>
+          <a:prstGeom prst="rect">
+            <a:avLst/>
+          </a:prstGeom>
+          <a:noFill/>
+        </p:spPr>
+        <p:txBody>
+          <a:bodyPr wrap="square" rtlCol="0">
+            <a:spAutoFit/>
+          </a:bodyPr>
+          <a:lstStyle/>
+          <a:p>
+            <a:r>
+              <a:rPr lang="zh-CN" altLang="en-US" dirty="0"/>
+              <a:t>右画面</a:t>
+            </a:r>
+            <a:endParaRPr lang="en-US" altLang="zh-CN" dirty="0"/>
+          </a:p>
+        </p:txBody>
+      </p:sp>
+    </p:spTree>
+    <p:extLst>
+      <p:ext uri="{BB962C8B-B14F-4D97-AF65-F5344CB8AC3E}">
+        <p14:creationId xmlns:p14="http://schemas.microsoft.com/office/powerpoint/2010/main" val="1732317470"/>
+      </p:ext>
+    </p:extLst>
+  </p:cSld>
+  <p:clrMapOvr>
+    <a:masterClrMapping/>
+  </p:clrMapOvr>
+</p:sld>
+</file>
+
 <file path=ppt/theme/theme1.xml><?xml version="1.0" encoding="utf-8"?>
 <a:theme xmlns:a="http://schemas.openxmlformats.org/drawingml/2006/main" name="Office 主题​​">
   <a:themeElements>

--- a/文档/各种图.pptx
+++ b/文档/各种图.pptx
@@ -9,6 +9,7 @@
     <p:sldId id="257" r:id="rId3"/>
     <p:sldId id="258" r:id="rId4"/>
     <p:sldId id="259" r:id="rId5"/>
+    <p:sldId id="260" r:id="rId6"/>
   </p:sldIdLst>
   <p:sldSz cx="12192000" cy="6858000"/>
   <p:notesSz cx="6858000" cy="9144000"/>
@@ -120,7 +121,7 @@
   <pc:docChgLst>
     <pc:chgData name="王 家才" userId="863c4bbfb9f47078" providerId="LiveId" clId="{3EB35533-EDE6-4421-9AB6-CD29FFE35FE3}"/>
     <pc:docChg chg="undo custSel addSld modSld">
-      <pc:chgData name="王 家才" userId="863c4bbfb9f47078" providerId="LiveId" clId="{3EB35533-EDE6-4421-9AB6-CD29FFE35FE3}" dt="2019-06-02T06:47:05.258" v="645" actId="1076"/>
+      <pc:chgData name="王 家才" userId="863c4bbfb9f47078" providerId="LiveId" clId="{3EB35533-EDE6-4421-9AB6-CD29FFE35FE3}" dt="2019-06-03T06:48:07.942" v="1446" actId="1076"/>
       <pc:docMkLst>
         <pc:docMk/>
       </pc:docMkLst>
@@ -1861,6 +1862,253 @@
             <pc:docMk/>
             <pc:sldMk cId="1732317470" sldId="259"/>
             <ac:cxnSpMk id="144" creationId="{CD0C8BD1-E300-48E7-8E03-1B8F8B2D68E4}"/>
+          </ac:cxnSpMkLst>
+        </pc:cxnChg>
+      </pc:sldChg>
+      <pc:sldChg chg="addSp delSp modSp add">
+        <pc:chgData name="王 家才" userId="863c4bbfb9f47078" providerId="LiveId" clId="{3EB35533-EDE6-4421-9AB6-CD29FFE35FE3}" dt="2019-06-03T06:48:07.942" v="1446" actId="1076"/>
+        <pc:sldMkLst>
+          <pc:docMk/>
+          <pc:sldMk cId="1552464670" sldId="260"/>
+        </pc:sldMkLst>
+        <pc:spChg chg="del">
+          <ac:chgData name="王 家才" userId="863c4bbfb9f47078" providerId="LiveId" clId="{3EB35533-EDE6-4421-9AB6-CD29FFE35FE3}" dt="2019-06-03T03:09:50.354" v="647" actId="478"/>
+          <ac:spMkLst>
+            <pc:docMk/>
+            <pc:sldMk cId="1552464670" sldId="260"/>
+            <ac:spMk id="2" creationId="{8BC19218-6FC0-48C3-A533-A0D69BFB2A93}"/>
+          </ac:spMkLst>
+        </pc:spChg>
+        <pc:spChg chg="del">
+          <ac:chgData name="王 家才" userId="863c4bbfb9f47078" providerId="LiveId" clId="{3EB35533-EDE6-4421-9AB6-CD29FFE35FE3}" dt="2019-06-03T03:09:50.354" v="647" actId="478"/>
+          <ac:spMkLst>
+            <pc:docMk/>
+            <pc:sldMk cId="1552464670" sldId="260"/>
+            <ac:spMk id="3" creationId="{61B7DE5B-ED4B-4914-B41E-93B99D4BE87F}"/>
+          </ac:spMkLst>
+        </pc:spChg>
+        <pc:spChg chg="add mod">
+          <ac:chgData name="王 家才" userId="863c4bbfb9f47078" providerId="LiveId" clId="{3EB35533-EDE6-4421-9AB6-CD29FFE35FE3}" dt="2019-06-03T06:47:57.492" v="1445" actId="164"/>
+          <ac:spMkLst>
+            <pc:docMk/>
+            <pc:sldMk cId="1552464670" sldId="260"/>
+            <ac:spMk id="4" creationId="{9CD1AEBE-C60D-4602-B0E4-D3E6E6E90982}"/>
+          </ac:spMkLst>
+        </pc:spChg>
+        <pc:spChg chg="add del mod">
+          <ac:chgData name="王 家才" userId="863c4bbfb9f47078" providerId="LiveId" clId="{3EB35533-EDE6-4421-9AB6-CD29FFE35FE3}" dt="2019-06-03T03:15:41.535" v="716" actId="478"/>
+          <ac:spMkLst>
+            <pc:docMk/>
+            <pc:sldMk cId="1552464670" sldId="260"/>
+            <ac:spMk id="5" creationId="{E1CC6844-05CD-4015-B150-4E0B87ABE9AD}"/>
+          </ac:spMkLst>
+        </pc:spChg>
+        <pc:spChg chg="add del mod">
+          <ac:chgData name="王 家才" userId="863c4bbfb9f47078" providerId="LiveId" clId="{3EB35533-EDE6-4421-9AB6-CD29FFE35FE3}" dt="2019-06-03T03:17:04.202" v="721" actId="478"/>
+          <ac:spMkLst>
+            <pc:docMk/>
+            <pc:sldMk cId="1552464670" sldId="260"/>
+            <ac:spMk id="6" creationId="{B56D4419-87BE-4C12-8805-8795C6433A09}"/>
+          </ac:spMkLst>
+        </pc:spChg>
+        <pc:spChg chg="add mod">
+          <ac:chgData name="王 家才" userId="863c4bbfb9f47078" providerId="LiveId" clId="{3EB35533-EDE6-4421-9AB6-CD29FFE35FE3}" dt="2019-06-03T06:47:57.492" v="1445" actId="164"/>
+          <ac:spMkLst>
+            <pc:docMk/>
+            <pc:sldMk cId="1552464670" sldId="260"/>
+            <ac:spMk id="7" creationId="{D28CD098-E8AC-46AC-8162-7638FDE2B721}"/>
+          </ac:spMkLst>
+        </pc:spChg>
+        <pc:spChg chg="add mod">
+          <ac:chgData name="王 家才" userId="863c4bbfb9f47078" providerId="LiveId" clId="{3EB35533-EDE6-4421-9AB6-CD29FFE35FE3}" dt="2019-06-03T06:47:57.492" v="1445" actId="164"/>
+          <ac:spMkLst>
+            <pc:docMk/>
+            <pc:sldMk cId="1552464670" sldId="260"/>
+            <ac:spMk id="11" creationId="{5F7AA3C2-CC91-4DAD-91A1-3BCAD97A3F05}"/>
+          </ac:spMkLst>
+        </pc:spChg>
+        <pc:spChg chg="add mod">
+          <ac:chgData name="王 家才" userId="863c4bbfb9f47078" providerId="LiveId" clId="{3EB35533-EDE6-4421-9AB6-CD29FFE35FE3}" dt="2019-06-03T06:47:57.492" v="1445" actId="164"/>
+          <ac:spMkLst>
+            <pc:docMk/>
+            <pc:sldMk cId="1552464670" sldId="260"/>
+            <ac:spMk id="16" creationId="{94793DFF-97C8-4CB4-89AB-13C65021C0C7}"/>
+          </ac:spMkLst>
+        </pc:spChg>
+        <pc:spChg chg="add mod">
+          <ac:chgData name="王 家才" userId="863c4bbfb9f47078" providerId="LiveId" clId="{3EB35533-EDE6-4421-9AB6-CD29FFE35FE3}" dt="2019-06-03T06:47:57.492" v="1445" actId="164"/>
+          <ac:spMkLst>
+            <pc:docMk/>
+            <pc:sldMk cId="1552464670" sldId="260"/>
+            <ac:spMk id="17" creationId="{2D80F416-B69C-4E4B-9C9B-12BA6751FB24}"/>
+          </ac:spMkLst>
+        </pc:spChg>
+        <pc:spChg chg="add del mod">
+          <ac:chgData name="王 家才" userId="863c4bbfb9f47078" providerId="LiveId" clId="{3EB35533-EDE6-4421-9AB6-CD29FFE35FE3}" dt="2019-06-03T06:33:17.709" v="1141" actId="478"/>
+          <ac:spMkLst>
+            <pc:docMk/>
+            <pc:sldMk cId="1552464670" sldId="260"/>
+            <ac:spMk id="18" creationId="{36643A26-2892-427B-BE5D-72978C5ECF3D}"/>
+          </ac:spMkLst>
+        </pc:spChg>
+        <pc:spChg chg="add mod">
+          <ac:chgData name="王 家才" userId="863c4bbfb9f47078" providerId="LiveId" clId="{3EB35533-EDE6-4421-9AB6-CD29FFE35FE3}" dt="2019-06-03T06:47:57.492" v="1445" actId="164"/>
+          <ac:spMkLst>
+            <pc:docMk/>
+            <pc:sldMk cId="1552464670" sldId="260"/>
+            <ac:spMk id="19" creationId="{F299C681-8244-4239-BD81-144C4A1E1CC1}"/>
+          </ac:spMkLst>
+        </pc:spChg>
+        <pc:spChg chg="add mod">
+          <ac:chgData name="王 家才" userId="863c4bbfb9f47078" providerId="LiveId" clId="{3EB35533-EDE6-4421-9AB6-CD29FFE35FE3}" dt="2019-06-03T06:47:57.492" v="1445" actId="164"/>
+          <ac:spMkLst>
+            <pc:docMk/>
+            <pc:sldMk cId="1552464670" sldId="260"/>
+            <ac:spMk id="20" creationId="{49D32B47-5A3B-4B9D-B4AC-574DDCF91005}"/>
+          </ac:spMkLst>
+        </pc:spChg>
+        <pc:spChg chg="add mod">
+          <ac:chgData name="王 家才" userId="863c4bbfb9f47078" providerId="LiveId" clId="{3EB35533-EDE6-4421-9AB6-CD29FFE35FE3}" dt="2019-06-03T06:47:57.492" v="1445" actId="164"/>
+          <ac:spMkLst>
+            <pc:docMk/>
+            <pc:sldMk cId="1552464670" sldId="260"/>
+            <ac:spMk id="34" creationId="{37F4B872-B8EF-4DE1-A76C-F58C0A78642B}"/>
+          </ac:spMkLst>
+        </pc:spChg>
+        <pc:spChg chg="add mod">
+          <ac:chgData name="王 家才" userId="863c4bbfb9f47078" providerId="LiveId" clId="{3EB35533-EDE6-4421-9AB6-CD29FFE35FE3}" dt="2019-06-03T06:47:57.492" v="1445" actId="164"/>
+          <ac:spMkLst>
+            <pc:docMk/>
+            <pc:sldMk cId="1552464670" sldId="260"/>
+            <ac:spMk id="39" creationId="{8CA195C5-1673-437B-AB47-261C08E0171C}"/>
+          </ac:spMkLst>
+        </pc:spChg>
+        <pc:spChg chg="add mod">
+          <ac:chgData name="王 家才" userId="863c4bbfb9f47078" providerId="LiveId" clId="{3EB35533-EDE6-4421-9AB6-CD29FFE35FE3}" dt="2019-06-03T06:47:57.492" v="1445" actId="164"/>
+          <ac:spMkLst>
+            <pc:docMk/>
+            <pc:sldMk cId="1552464670" sldId="260"/>
+            <ac:spMk id="63" creationId="{A30CD564-B937-43F4-8AB0-5BE5E0DA3E99}"/>
+          </ac:spMkLst>
+        </pc:spChg>
+        <pc:spChg chg="add del mod">
+          <ac:chgData name="王 家才" userId="863c4bbfb9f47078" providerId="LiveId" clId="{3EB35533-EDE6-4421-9AB6-CD29FFE35FE3}" dt="2019-06-03T06:42:18.375" v="1405" actId="478"/>
+          <ac:spMkLst>
+            <pc:docMk/>
+            <pc:sldMk cId="1552464670" sldId="260"/>
+            <ac:spMk id="64" creationId="{613693FC-7D2B-40A8-BF86-19AFF94329EE}"/>
+          </ac:spMkLst>
+        </pc:spChg>
+        <pc:spChg chg="add mod">
+          <ac:chgData name="王 家才" userId="863c4bbfb9f47078" providerId="LiveId" clId="{3EB35533-EDE6-4421-9AB6-CD29FFE35FE3}" dt="2019-06-03T06:47:57.492" v="1445" actId="164"/>
+          <ac:spMkLst>
+            <pc:docMk/>
+            <pc:sldMk cId="1552464670" sldId="260"/>
+            <ac:spMk id="66" creationId="{00EBE4E9-4129-4D56-872C-9178041FE557}"/>
+          </ac:spMkLst>
+        </pc:spChg>
+        <pc:spChg chg="add mod">
+          <ac:chgData name="王 家才" userId="863c4bbfb9f47078" providerId="LiveId" clId="{3EB35533-EDE6-4421-9AB6-CD29FFE35FE3}" dt="2019-06-03T06:47:57.492" v="1445" actId="164"/>
+          <ac:spMkLst>
+            <pc:docMk/>
+            <pc:sldMk cId="1552464670" sldId="260"/>
+            <ac:spMk id="81" creationId="{2DF79092-98EC-47DE-9B9F-2B0044529B62}"/>
+          </ac:spMkLst>
+        </pc:spChg>
+        <pc:grpChg chg="add mod">
+          <ac:chgData name="王 家才" userId="863c4bbfb9f47078" providerId="LiveId" clId="{3EB35533-EDE6-4421-9AB6-CD29FFE35FE3}" dt="2019-06-03T06:48:07.942" v="1446" actId="1076"/>
+          <ac:grpSpMkLst>
+            <pc:docMk/>
+            <pc:sldMk cId="1552464670" sldId="260"/>
+            <ac:grpSpMk id="82" creationId="{AB12717B-DE97-4625-A588-81E92C3928C6}"/>
+          </ac:grpSpMkLst>
+        </pc:grpChg>
+        <pc:cxnChg chg="add mod">
+          <ac:chgData name="王 家才" userId="863c4bbfb9f47078" providerId="LiveId" clId="{3EB35533-EDE6-4421-9AB6-CD29FFE35FE3}" dt="2019-06-03T06:47:57.492" v="1445" actId="164"/>
+          <ac:cxnSpMkLst>
+            <pc:docMk/>
+            <pc:sldMk cId="1552464670" sldId="260"/>
+            <ac:cxnSpMk id="9" creationId="{2DEC604A-92A6-4223-8408-A8234D479034}"/>
+          </ac:cxnSpMkLst>
+        </pc:cxnChg>
+        <pc:cxnChg chg="add mod">
+          <ac:chgData name="王 家才" userId="863c4bbfb9f47078" providerId="LiveId" clId="{3EB35533-EDE6-4421-9AB6-CD29FFE35FE3}" dt="2019-06-03T06:47:57.492" v="1445" actId="164"/>
+          <ac:cxnSpMkLst>
+            <pc:docMk/>
+            <pc:sldMk cId="1552464670" sldId="260"/>
+            <ac:cxnSpMk id="15" creationId="{98E34BC5-9A56-48D4-B6DD-9CDA7C13FCF0}"/>
+          </ac:cxnSpMkLst>
+        </pc:cxnChg>
+        <pc:cxnChg chg="add mod">
+          <ac:chgData name="王 家才" userId="863c4bbfb9f47078" providerId="LiveId" clId="{3EB35533-EDE6-4421-9AB6-CD29FFE35FE3}" dt="2019-06-03T06:47:57.492" v="1445" actId="164"/>
+          <ac:cxnSpMkLst>
+            <pc:docMk/>
+            <pc:sldMk cId="1552464670" sldId="260"/>
+            <ac:cxnSpMk id="22" creationId="{A33EBF94-EEEA-4483-981F-FF1F20DE16BD}"/>
+          </ac:cxnSpMkLst>
+        </pc:cxnChg>
+        <pc:cxnChg chg="add mod">
+          <ac:chgData name="王 家才" userId="863c4bbfb9f47078" providerId="LiveId" clId="{3EB35533-EDE6-4421-9AB6-CD29FFE35FE3}" dt="2019-06-03T06:47:57.492" v="1445" actId="164"/>
+          <ac:cxnSpMkLst>
+            <pc:docMk/>
+            <pc:sldMk cId="1552464670" sldId="260"/>
+            <ac:cxnSpMk id="24" creationId="{CA57E3D3-EBAE-4F6C-9E2C-A4EF2D80ADC7}"/>
+          </ac:cxnSpMkLst>
+        </pc:cxnChg>
+        <pc:cxnChg chg="add mod">
+          <ac:chgData name="王 家才" userId="863c4bbfb9f47078" providerId="LiveId" clId="{3EB35533-EDE6-4421-9AB6-CD29FFE35FE3}" dt="2019-06-03T06:47:57.492" v="1445" actId="164"/>
+          <ac:cxnSpMkLst>
+            <pc:docMk/>
+            <pc:sldMk cId="1552464670" sldId="260"/>
+            <ac:cxnSpMk id="26" creationId="{0C40CA20-89BA-4438-B6CB-EC683B2AF37A}"/>
+          </ac:cxnSpMkLst>
+        </pc:cxnChg>
+        <pc:cxnChg chg="add mod">
+          <ac:chgData name="王 家才" userId="863c4bbfb9f47078" providerId="LiveId" clId="{3EB35533-EDE6-4421-9AB6-CD29FFE35FE3}" dt="2019-06-03T06:47:57.492" v="1445" actId="164"/>
+          <ac:cxnSpMkLst>
+            <pc:docMk/>
+            <pc:sldMk cId="1552464670" sldId="260"/>
+            <ac:cxnSpMk id="28" creationId="{E09A0009-3893-496A-A447-1A6AE5281118}"/>
+          </ac:cxnSpMkLst>
+        </pc:cxnChg>
+        <pc:cxnChg chg="add mod">
+          <ac:chgData name="王 家才" userId="863c4bbfb9f47078" providerId="LiveId" clId="{3EB35533-EDE6-4421-9AB6-CD29FFE35FE3}" dt="2019-06-03T06:47:57.492" v="1445" actId="164"/>
+          <ac:cxnSpMkLst>
+            <pc:docMk/>
+            <pc:sldMk cId="1552464670" sldId="260"/>
+            <ac:cxnSpMk id="30" creationId="{BC43D687-6AA5-4B91-8A0D-AEC87A5979EF}"/>
+          </ac:cxnSpMkLst>
+        </pc:cxnChg>
+        <pc:cxnChg chg="add del mod">
+          <ac:chgData name="王 家才" userId="863c4bbfb9f47078" providerId="LiveId" clId="{3EB35533-EDE6-4421-9AB6-CD29FFE35FE3}" dt="2019-06-03T06:43:48.592" v="1437" actId="478"/>
+          <ac:cxnSpMkLst>
+            <pc:docMk/>
+            <pc:sldMk cId="1552464670" sldId="260"/>
+            <ac:cxnSpMk id="71" creationId="{F2E685E1-6392-4AD6-9623-F4E5CAA33D6E}"/>
+          </ac:cxnSpMkLst>
+        </pc:cxnChg>
+        <pc:cxnChg chg="add mod">
+          <ac:chgData name="王 家才" userId="863c4bbfb9f47078" providerId="LiveId" clId="{3EB35533-EDE6-4421-9AB6-CD29FFE35FE3}" dt="2019-06-03T06:47:57.492" v="1445" actId="164"/>
+          <ac:cxnSpMkLst>
+            <pc:docMk/>
+            <pc:sldMk cId="1552464670" sldId="260"/>
+            <ac:cxnSpMk id="74" creationId="{9477C589-FAD8-4F8D-9F60-D5554493C07E}"/>
+          </ac:cxnSpMkLst>
+        </pc:cxnChg>
+        <pc:cxnChg chg="add mod">
+          <ac:chgData name="王 家才" userId="863c4bbfb9f47078" providerId="LiveId" clId="{3EB35533-EDE6-4421-9AB6-CD29FFE35FE3}" dt="2019-06-03T06:47:57.492" v="1445" actId="164"/>
+          <ac:cxnSpMkLst>
+            <pc:docMk/>
+            <pc:sldMk cId="1552464670" sldId="260"/>
+            <ac:cxnSpMk id="76" creationId="{ECBD8B59-EAC7-4464-A7F1-FC3D99CA8E4C}"/>
+          </ac:cxnSpMkLst>
+        </pc:cxnChg>
+        <pc:cxnChg chg="add mod">
+          <ac:chgData name="王 家才" userId="863c4bbfb9f47078" providerId="LiveId" clId="{3EB35533-EDE6-4421-9AB6-CD29FFE35FE3}" dt="2019-06-03T06:47:57.492" v="1445" actId="164"/>
+          <ac:cxnSpMkLst>
+            <pc:docMk/>
+            <pc:sldMk cId="1552464670" sldId="260"/>
+            <ac:cxnSpMk id="80" creationId="{09821886-8A33-40FD-8C08-4C3D20D9F9BC}"/>
           </ac:cxnSpMkLst>
         </pc:cxnChg>
       </pc:sldChg>
@@ -2016,7 +2264,7 @@
           <a:p>
             <a:fld id="{9ED08F6C-622D-44ED-AB5D-DC05AC4CB8EE}" type="datetimeFigureOut">
               <a:rPr lang="zh-CN" altLang="en-US" smtClean="0"/>
-              <a:t>2019/6/2</a:t>
+              <a:t>2019/6/3</a:t>
             </a:fld>
             <a:endParaRPr lang="zh-CN" altLang="en-US"/>
           </a:p>
@@ -2214,7 +2462,7 @@
           <a:p>
             <a:fld id="{9ED08F6C-622D-44ED-AB5D-DC05AC4CB8EE}" type="datetimeFigureOut">
               <a:rPr lang="zh-CN" altLang="en-US" smtClean="0"/>
-              <a:t>2019/6/2</a:t>
+              <a:t>2019/6/3</a:t>
             </a:fld>
             <a:endParaRPr lang="zh-CN" altLang="en-US"/>
           </a:p>
@@ -2422,7 +2670,7 @@
           <a:p>
             <a:fld id="{9ED08F6C-622D-44ED-AB5D-DC05AC4CB8EE}" type="datetimeFigureOut">
               <a:rPr lang="zh-CN" altLang="en-US" smtClean="0"/>
-              <a:t>2019/6/2</a:t>
+              <a:t>2019/6/3</a:t>
             </a:fld>
             <a:endParaRPr lang="zh-CN" altLang="en-US"/>
           </a:p>
@@ -2620,7 +2868,7 @@
           <a:p>
             <a:fld id="{9ED08F6C-622D-44ED-AB5D-DC05AC4CB8EE}" type="datetimeFigureOut">
               <a:rPr lang="zh-CN" altLang="en-US" smtClean="0"/>
-              <a:t>2019/6/2</a:t>
+              <a:t>2019/6/3</a:t>
             </a:fld>
             <a:endParaRPr lang="zh-CN" altLang="en-US"/>
           </a:p>
@@ -2895,7 +3143,7 @@
           <a:p>
             <a:fld id="{9ED08F6C-622D-44ED-AB5D-DC05AC4CB8EE}" type="datetimeFigureOut">
               <a:rPr lang="zh-CN" altLang="en-US" smtClean="0"/>
-              <a:t>2019/6/2</a:t>
+              <a:t>2019/6/3</a:t>
             </a:fld>
             <a:endParaRPr lang="zh-CN" altLang="en-US"/>
           </a:p>
@@ -3160,7 +3408,7 @@
           <a:p>
             <a:fld id="{9ED08F6C-622D-44ED-AB5D-DC05AC4CB8EE}" type="datetimeFigureOut">
               <a:rPr lang="zh-CN" altLang="en-US" smtClean="0"/>
-              <a:t>2019/6/2</a:t>
+              <a:t>2019/6/3</a:t>
             </a:fld>
             <a:endParaRPr lang="zh-CN" altLang="en-US"/>
           </a:p>
@@ -3572,7 +3820,7 @@
           <a:p>
             <a:fld id="{9ED08F6C-622D-44ED-AB5D-DC05AC4CB8EE}" type="datetimeFigureOut">
               <a:rPr lang="zh-CN" altLang="en-US" smtClean="0"/>
-              <a:t>2019/6/2</a:t>
+              <a:t>2019/6/3</a:t>
             </a:fld>
             <a:endParaRPr lang="zh-CN" altLang="en-US"/>
           </a:p>
@@ -3713,7 +3961,7 @@
           <a:p>
             <a:fld id="{9ED08F6C-622D-44ED-AB5D-DC05AC4CB8EE}" type="datetimeFigureOut">
               <a:rPr lang="zh-CN" altLang="en-US" smtClean="0"/>
-              <a:t>2019/6/2</a:t>
+              <a:t>2019/6/3</a:t>
             </a:fld>
             <a:endParaRPr lang="zh-CN" altLang="en-US"/>
           </a:p>
@@ -3826,7 +4074,7 @@
           <a:p>
             <a:fld id="{9ED08F6C-622D-44ED-AB5D-DC05AC4CB8EE}" type="datetimeFigureOut">
               <a:rPr lang="zh-CN" altLang="en-US" smtClean="0"/>
-              <a:t>2019/6/2</a:t>
+              <a:t>2019/6/3</a:t>
             </a:fld>
             <a:endParaRPr lang="zh-CN" altLang="en-US"/>
           </a:p>
@@ -4137,7 +4385,7 @@
           <a:p>
             <a:fld id="{9ED08F6C-622D-44ED-AB5D-DC05AC4CB8EE}" type="datetimeFigureOut">
               <a:rPr lang="zh-CN" altLang="en-US" smtClean="0"/>
-              <a:t>2019/6/2</a:t>
+              <a:t>2019/6/3</a:t>
             </a:fld>
             <a:endParaRPr lang="zh-CN" altLang="en-US"/>
           </a:p>
@@ -4425,7 +4673,7 @@
           <a:p>
             <a:fld id="{9ED08F6C-622D-44ED-AB5D-DC05AC4CB8EE}" type="datetimeFigureOut">
               <a:rPr lang="zh-CN" altLang="en-US" smtClean="0"/>
-              <a:t>2019/6/2</a:t>
+              <a:t>2019/6/3</a:t>
             </a:fld>
             <a:endParaRPr lang="zh-CN" altLang="en-US"/>
           </a:p>
@@ -4666,7 +4914,7 @@
           <a:p>
             <a:fld id="{9ED08F6C-622D-44ED-AB5D-DC05AC4CB8EE}" type="datetimeFigureOut">
               <a:rPr lang="zh-CN" altLang="en-US" smtClean="0"/>
-              <a:t>2019/6/2</a:t>
+              <a:t>2019/6/3</a:t>
             </a:fld>
             <a:endParaRPr lang="zh-CN" altLang="en-US"/>
           </a:p>
@@ -10316,6 +10564,1042 @@
 </p:sld>
 </file>
 
+<file path=ppt/slides/slide5.xml><?xml version="1.0" encoding="utf-8"?>
+<p:sld xmlns:a="http://schemas.openxmlformats.org/drawingml/2006/main" xmlns:r="http://schemas.openxmlformats.org/officeDocument/2006/relationships" xmlns:p="http://schemas.openxmlformats.org/presentationml/2006/main">
+  <p:cSld>
+    <p:spTree>
+      <p:nvGrpSpPr>
+        <p:cNvPr id="1" name=""/>
+        <p:cNvGrpSpPr/>
+        <p:nvPr/>
+      </p:nvGrpSpPr>
+      <p:grpSpPr>
+        <a:xfrm>
+          <a:off x="0" y="0"/>
+          <a:ext cx="0" cy="0"/>
+          <a:chOff x="0" y="0"/>
+          <a:chExt cx="0" cy="0"/>
+        </a:xfrm>
+      </p:grpSpPr>
+      <p:grpSp>
+        <p:nvGrpSpPr>
+          <p:cNvPr id="82" name="组合 81">
+            <a:extLst>
+              <a:ext uri="{FF2B5EF4-FFF2-40B4-BE49-F238E27FC236}">
+                <a16:creationId xmlns:a16="http://schemas.microsoft.com/office/drawing/2014/main" id="{AB12717B-DE97-4625-A588-81E92C3928C6}"/>
+              </a:ext>
+            </a:extLst>
+          </p:cNvPr>
+          <p:cNvGrpSpPr/>
+          <p:nvPr/>
+        </p:nvGrpSpPr>
+        <p:grpSpPr>
+          <a:xfrm>
+            <a:off x="3370749" y="762746"/>
+            <a:ext cx="6151274" cy="5332508"/>
+            <a:chOff x="1638664" y="417634"/>
+            <a:chExt cx="6151274" cy="5332508"/>
+          </a:xfrm>
+        </p:grpSpPr>
+        <p:sp>
+          <p:nvSpPr>
+            <p:cNvPr id="4" name="流程图: 终止 3">
+              <a:extLst>
+                <a:ext uri="{FF2B5EF4-FFF2-40B4-BE49-F238E27FC236}">
+                  <a16:creationId xmlns:a16="http://schemas.microsoft.com/office/drawing/2014/main" id="{9CD1AEBE-C60D-4602-B0E4-D3E6E6E90982}"/>
+                </a:ext>
+              </a:extLst>
+            </p:cNvPr>
+            <p:cNvSpPr/>
+            <p:nvPr/>
+          </p:nvSpPr>
+          <p:spPr>
+            <a:xfrm>
+              <a:off x="2591536" y="417634"/>
+              <a:ext cx="1022096" cy="408843"/>
+            </a:xfrm>
+            <a:prstGeom prst="flowChartTerminator">
+              <a:avLst/>
+            </a:prstGeom>
+            <a:ln/>
+          </p:spPr>
+          <p:style>
+            <a:lnRef idx="2">
+              <a:schemeClr val="dk1"/>
+            </a:lnRef>
+            <a:fillRef idx="1">
+              <a:schemeClr val="lt1"/>
+            </a:fillRef>
+            <a:effectRef idx="0">
+              <a:schemeClr val="dk1"/>
+            </a:effectRef>
+            <a:fontRef idx="minor">
+              <a:schemeClr val="dk1"/>
+            </a:fontRef>
+          </p:style>
+          <p:txBody>
+            <a:bodyPr rtlCol="0" anchor="ctr"/>
+            <a:lstStyle/>
+            <a:p>
+              <a:pPr algn="ctr"/>
+              <a:r>
+                <a:rPr lang="zh-CN" altLang="en-US" dirty="0"/>
+                <a:t>开始</a:t>
+              </a:r>
+            </a:p>
+          </p:txBody>
+        </p:sp>
+        <p:sp>
+          <p:nvSpPr>
+            <p:cNvPr id="7" name="流程图: 数据 6">
+              <a:extLst>
+                <a:ext uri="{FF2B5EF4-FFF2-40B4-BE49-F238E27FC236}">
+                  <a16:creationId xmlns:a16="http://schemas.microsoft.com/office/drawing/2014/main" id="{D28CD098-E8AC-46AC-8162-7638FDE2B721}"/>
+                </a:ext>
+              </a:extLst>
+            </p:cNvPr>
+            <p:cNvSpPr/>
+            <p:nvPr/>
+          </p:nvSpPr>
+          <p:spPr>
+            <a:xfrm>
+              <a:off x="2111251" y="1050680"/>
+              <a:ext cx="1982666" cy="408843"/>
+            </a:xfrm>
+            <a:prstGeom prst="flowChartInputOutput">
+              <a:avLst/>
+            </a:prstGeom>
+          </p:spPr>
+          <p:style>
+            <a:lnRef idx="2">
+              <a:schemeClr val="dk1"/>
+            </a:lnRef>
+            <a:fillRef idx="1">
+              <a:schemeClr val="lt1"/>
+            </a:fillRef>
+            <a:effectRef idx="0">
+              <a:schemeClr val="dk1"/>
+            </a:effectRef>
+            <a:fontRef idx="minor">
+              <a:schemeClr val="dk1"/>
+            </a:fontRef>
+          </p:style>
+          <p:txBody>
+            <a:bodyPr rtlCol="0" anchor="ctr"/>
+            <a:lstStyle/>
+            <a:p>
+              <a:pPr algn="ctr"/>
+              <a:r>
+                <a:rPr lang="zh-CN" altLang="en-US" dirty="0"/>
+                <a:t>输入视频</a:t>
+              </a:r>
+            </a:p>
+          </p:txBody>
+        </p:sp>
+        <p:cxnSp>
+          <p:nvCxnSpPr>
+            <p:cNvPr id="9" name="直接箭头连接符 8">
+              <a:extLst>
+                <a:ext uri="{FF2B5EF4-FFF2-40B4-BE49-F238E27FC236}">
+                  <a16:creationId xmlns:a16="http://schemas.microsoft.com/office/drawing/2014/main" id="{2DEC604A-92A6-4223-8408-A8234D479034}"/>
+                </a:ext>
+              </a:extLst>
+            </p:cNvPr>
+            <p:cNvCxnSpPr>
+              <a:cxnSpLocks/>
+              <a:stCxn id="4" idx="2"/>
+              <a:endCxn id="7" idx="1"/>
+            </p:cNvCxnSpPr>
+            <p:nvPr/>
+          </p:nvCxnSpPr>
+          <p:spPr>
+            <a:xfrm>
+              <a:off x="3102584" y="826477"/>
+              <a:ext cx="0" cy="224203"/>
+            </a:xfrm>
+            <a:prstGeom prst="straightConnector1">
+              <a:avLst/>
+            </a:prstGeom>
+            <a:ln>
+              <a:tailEnd type="triangle"/>
+            </a:ln>
+          </p:spPr>
+          <p:style>
+            <a:lnRef idx="1">
+              <a:schemeClr val="dk1"/>
+            </a:lnRef>
+            <a:fillRef idx="0">
+              <a:schemeClr val="dk1"/>
+            </a:fillRef>
+            <a:effectRef idx="0">
+              <a:schemeClr val="dk1"/>
+            </a:effectRef>
+            <a:fontRef idx="minor">
+              <a:schemeClr val="tx1"/>
+            </a:fontRef>
+          </p:style>
+        </p:cxnSp>
+        <p:sp>
+          <p:nvSpPr>
+            <p:cNvPr id="11" name="流程图: 过程 10">
+              <a:extLst>
+                <a:ext uri="{FF2B5EF4-FFF2-40B4-BE49-F238E27FC236}">
+                  <a16:creationId xmlns:a16="http://schemas.microsoft.com/office/drawing/2014/main" id="{5F7AA3C2-CC91-4DAD-91A1-3BCAD97A3F05}"/>
+                </a:ext>
+              </a:extLst>
+            </p:cNvPr>
+            <p:cNvSpPr/>
+            <p:nvPr/>
+          </p:nvSpPr>
+          <p:spPr>
+            <a:xfrm>
+              <a:off x="2270612" y="1703509"/>
+              <a:ext cx="1663944" cy="408843"/>
+            </a:xfrm>
+            <a:prstGeom prst="flowChartProcess">
+              <a:avLst/>
+            </a:prstGeom>
+          </p:spPr>
+          <p:style>
+            <a:lnRef idx="2">
+              <a:schemeClr val="dk1"/>
+            </a:lnRef>
+            <a:fillRef idx="1">
+              <a:schemeClr val="lt1"/>
+            </a:fillRef>
+            <a:effectRef idx="0">
+              <a:schemeClr val="dk1"/>
+            </a:effectRef>
+            <a:fontRef idx="minor">
+              <a:schemeClr val="dk1"/>
+            </a:fontRef>
+          </p:style>
+          <p:txBody>
+            <a:bodyPr rtlCol="0" anchor="ctr"/>
+            <a:lstStyle/>
+            <a:p>
+              <a:pPr algn="ctr"/>
+              <a:r>
+                <a:rPr lang="zh-CN" altLang="en-US" dirty="0"/>
+                <a:t>定位到第一帧</a:t>
+              </a:r>
+            </a:p>
+          </p:txBody>
+        </p:sp>
+        <p:cxnSp>
+          <p:nvCxnSpPr>
+            <p:cNvPr id="15" name="直接箭头连接符 14">
+              <a:extLst>
+                <a:ext uri="{FF2B5EF4-FFF2-40B4-BE49-F238E27FC236}">
+                  <a16:creationId xmlns:a16="http://schemas.microsoft.com/office/drawing/2014/main" id="{98E34BC5-9A56-48D4-B6DD-9CDA7C13FCF0}"/>
+                </a:ext>
+              </a:extLst>
+            </p:cNvPr>
+            <p:cNvCxnSpPr>
+              <a:stCxn id="7" idx="4"/>
+              <a:endCxn id="11" idx="0"/>
+            </p:cNvCxnSpPr>
+            <p:nvPr/>
+          </p:nvCxnSpPr>
+          <p:spPr>
+            <a:xfrm>
+              <a:off x="3102584" y="1459523"/>
+              <a:ext cx="0" cy="243986"/>
+            </a:xfrm>
+            <a:prstGeom prst="straightConnector1">
+              <a:avLst/>
+            </a:prstGeom>
+            <a:ln>
+              <a:tailEnd type="triangle"/>
+            </a:ln>
+          </p:spPr>
+          <p:style>
+            <a:lnRef idx="1">
+              <a:schemeClr val="dk1"/>
+            </a:lnRef>
+            <a:fillRef idx="0">
+              <a:schemeClr val="dk1"/>
+            </a:fillRef>
+            <a:effectRef idx="0">
+              <a:schemeClr val="dk1"/>
+            </a:effectRef>
+            <a:fontRef idx="minor">
+              <a:schemeClr val="tx1"/>
+            </a:fontRef>
+          </p:style>
+        </p:cxnSp>
+        <p:sp>
+          <p:nvSpPr>
+            <p:cNvPr id="16" name="流程图: 决策 15">
+              <a:extLst>
+                <a:ext uri="{FF2B5EF4-FFF2-40B4-BE49-F238E27FC236}">
+                  <a16:creationId xmlns:a16="http://schemas.microsoft.com/office/drawing/2014/main" id="{94793DFF-97C8-4CB4-89AB-13C65021C0C7}"/>
+                </a:ext>
+              </a:extLst>
+            </p:cNvPr>
+            <p:cNvSpPr/>
+            <p:nvPr/>
+          </p:nvSpPr>
+          <p:spPr>
+            <a:xfrm>
+              <a:off x="1889245" y="2453054"/>
+              <a:ext cx="2426679" cy="633046"/>
+            </a:xfrm>
+            <a:prstGeom prst="flowChartDecision">
+              <a:avLst/>
+            </a:prstGeom>
+          </p:spPr>
+          <p:style>
+            <a:lnRef idx="2">
+              <a:schemeClr val="dk1"/>
+            </a:lnRef>
+            <a:fillRef idx="1">
+              <a:schemeClr val="lt1"/>
+            </a:fillRef>
+            <a:effectRef idx="0">
+              <a:schemeClr val="dk1"/>
+            </a:effectRef>
+            <a:fontRef idx="minor">
+              <a:schemeClr val="dk1"/>
+            </a:fontRef>
+          </p:style>
+          <p:txBody>
+            <a:bodyPr rtlCol="0" anchor="ctr"/>
+            <a:lstStyle/>
+            <a:p>
+              <a:pPr algn="ctr"/>
+              <a:r>
+                <a:rPr lang="zh-CN" altLang="en-US" sz="1600" dirty="0"/>
+                <a:t>到达视频尾？</a:t>
+              </a:r>
+            </a:p>
+          </p:txBody>
+        </p:sp>
+        <p:sp>
+          <p:nvSpPr>
+            <p:cNvPr id="17" name="流程图: 过程 16">
+              <a:extLst>
+                <a:ext uri="{FF2B5EF4-FFF2-40B4-BE49-F238E27FC236}">
+                  <a16:creationId xmlns:a16="http://schemas.microsoft.com/office/drawing/2014/main" id="{2D80F416-B69C-4E4B-9C9B-12BA6751FB24}"/>
+                </a:ext>
+              </a:extLst>
+            </p:cNvPr>
+            <p:cNvSpPr/>
+            <p:nvPr/>
+          </p:nvSpPr>
+          <p:spPr>
+            <a:xfrm>
+              <a:off x="1638664" y="3316900"/>
+              <a:ext cx="2927840" cy="633046"/>
+            </a:xfrm>
+            <a:prstGeom prst="flowChartProcess">
+              <a:avLst/>
+            </a:prstGeom>
+          </p:spPr>
+          <p:style>
+            <a:lnRef idx="2">
+              <a:schemeClr val="dk1"/>
+            </a:lnRef>
+            <a:fillRef idx="1">
+              <a:schemeClr val="lt1"/>
+            </a:fillRef>
+            <a:effectRef idx="0">
+              <a:schemeClr val="dk1"/>
+            </a:effectRef>
+            <a:fontRef idx="minor">
+              <a:schemeClr val="dk1"/>
+            </a:fontRef>
+          </p:style>
+          <p:txBody>
+            <a:bodyPr rtlCol="0" anchor="ctr"/>
+            <a:lstStyle/>
+            <a:p>
+              <a:pPr algn="ctr"/>
+              <a:r>
+                <a:rPr lang="zh-CN" altLang="en-US" sz="1600" dirty="0"/>
+                <a:t>调用</a:t>
+              </a:r>
+              <a:r>
+                <a:rPr lang="en-US" altLang="zh-CN" sz="1600" dirty="0"/>
+                <a:t>OpenCV </a:t>
+              </a:r>
+              <a:r>
+                <a:rPr lang="zh-CN" altLang="en-US" sz="1600" dirty="0"/>
+                <a:t>提取该帧视差，与上一帧比对， 提取运动矢量</a:t>
+              </a:r>
+            </a:p>
+          </p:txBody>
+        </p:sp>
+        <p:sp>
+          <p:nvSpPr>
+            <p:cNvPr id="19" name="流程图: 过程 18">
+              <a:extLst>
+                <a:ext uri="{FF2B5EF4-FFF2-40B4-BE49-F238E27FC236}">
+                  <a16:creationId xmlns:a16="http://schemas.microsoft.com/office/drawing/2014/main" id="{F299C681-8244-4239-BD81-144C4A1E1CC1}"/>
+                </a:ext>
+              </a:extLst>
+            </p:cNvPr>
+            <p:cNvSpPr/>
+            <p:nvPr/>
+          </p:nvSpPr>
+          <p:spPr>
+            <a:xfrm>
+              <a:off x="1785660" y="4218115"/>
+              <a:ext cx="2633848" cy="648431"/>
+            </a:xfrm>
+            <a:prstGeom prst="flowChartProcess">
+              <a:avLst/>
+            </a:prstGeom>
+          </p:spPr>
+          <p:style>
+            <a:lnRef idx="2">
+              <a:schemeClr val="dk1"/>
+            </a:lnRef>
+            <a:fillRef idx="1">
+              <a:schemeClr val="lt1"/>
+            </a:fillRef>
+            <a:effectRef idx="0">
+              <a:schemeClr val="dk1"/>
+            </a:effectRef>
+            <a:fontRef idx="minor">
+              <a:schemeClr val="dk1"/>
+            </a:fontRef>
+          </p:style>
+          <p:txBody>
+            <a:bodyPr rtlCol="0" anchor="ctr"/>
+            <a:lstStyle/>
+            <a:p>
+              <a:pPr algn="ctr"/>
+              <a:r>
+                <a:rPr lang="zh-CN" altLang="en-US" sz="1600" dirty="0"/>
+                <a:t>结合视差与运动计算统计学特征，计算该帧舒适度</a:t>
+              </a:r>
+            </a:p>
+          </p:txBody>
+        </p:sp>
+        <p:sp>
+          <p:nvSpPr>
+            <p:cNvPr id="20" name="流程图: 过程 19">
+              <a:extLst>
+                <a:ext uri="{FF2B5EF4-FFF2-40B4-BE49-F238E27FC236}">
+                  <a16:creationId xmlns:a16="http://schemas.microsoft.com/office/drawing/2014/main" id="{49D32B47-5A3B-4B9D-B4AC-574DDCF91005}"/>
+                </a:ext>
+              </a:extLst>
+            </p:cNvPr>
+            <p:cNvSpPr/>
+            <p:nvPr/>
+          </p:nvSpPr>
+          <p:spPr>
+            <a:xfrm>
+              <a:off x="2028137" y="5134716"/>
+              <a:ext cx="2148895" cy="448400"/>
+            </a:xfrm>
+            <a:prstGeom prst="flowChartProcess">
+              <a:avLst/>
+            </a:prstGeom>
+          </p:spPr>
+          <p:style>
+            <a:lnRef idx="2">
+              <a:schemeClr val="dk1"/>
+            </a:lnRef>
+            <a:fillRef idx="1">
+              <a:schemeClr val="lt1"/>
+            </a:fillRef>
+            <a:effectRef idx="0">
+              <a:schemeClr val="dk1"/>
+            </a:effectRef>
+            <a:fontRef idx="minor">
+              <a:schemeClr val="dk1"/>
+            </a:fontRef>
+          </p:style>
+          <p:txBody>
+            <a:bodyPr rtlCol="0" anchor="ctr"/>
+            <a:lstStyle/>
+            <a:p>
+              <a:pPr algn="ctr"/>
+              <a:r>
+                <a:rPr lang="zh-CN" altLang="en-US" dirty="0"/>
+                <a:t>定位到</a:t>
+              </a:r>
+              <a:r>
+                <a:rPr lang="en-US" altLang="zh-CN" dirty="0"/>
+                <a:t>0.2</a:t>
+              </a:r>
+              <a:r>
+                <a:rPr lang="zh-CN" altLang="en-US" dirty="0"/>
+                <a:t>秒后的帧</a:t>
+              </a:r>
+            </a:p>
+          </p:txBody>
+        </p:sp>
+        <p:cxnSp>
+          <p:nvCxnSpPr>
+            <p:cNvPr id="22" name="直接箭头连接符 21">
+              <a:extLst>
+                <a:ext uri="{FF2B5EF4-FFF2-40B4-BE49-F238E27FC236}">
+                  <a16:creationId xmlns:a16="http://schemas.microsoft.com/office/drawing/2014/main" id="{A33EBF94-EEEA-4483-981F-FF1F20DE16BD}"/>
+                </a:ext>
+              </a:extLst>
+            </p:cNvPr>
+            <p:cNvCxnSpPr>
+              <a:stCxn id="11" idx="2"/>
+              <a:endCxn id="16" idx="0"/>
+            </p:cNvCxnSpPr>
+            <p:nvPr/>
+          </p:nvCxnSpPr>
+          <p:spPr>
+            <a:xfrm>
+              <a:off x="3102584" y="2112352"/>
+              <a:ext cx="1" cy="340702"/>
+            </a:xfrm>
+            <a:prstGeom prst="straightConnector1">
+              <a:avLst/>
+            </a:prstGeom>
+            <a:ln>
+              <a:tailEnd type="triangle"/>
+            </a:ln>
+          </p:spPr>
+          <p:style>
+            <a:lnRef idx="1">
+              <a:schemeClr val="dk1"/>
+            </a:lnRef>
+            <a:fillRef idx="0">
+              <a:schemeClr val="dk1"/>
+            </a:fillRef>
+            <a:effectRef idx="0">
+              <a:schemeClr val="dk1"/>
+            </a:effectRef>
+            <a:fontRef idx="minor">
+              <a:schemeClr val="tx1"/>
+            </a:fontRef>
+          </p:style>
+        </p:cxnSp>
+        <p:cxnSp>
+          <p:nvCxnSpPr>
+            <p:cNvPr id="24" name="直接箭头连接符 23">
+              <a:extLst>
+                <a:ext uri="{FF2B5EF4-FFF2-40B4-BE49-F238E27FC236}">
+                  <a16:creationId xmlns:a16="http://schemas.microsoft.com/office/drawing/2014/main" id="{CA57E3D3-EBAE-4F6C-9E2C-A4EF2D80ADC7}"/>
+                </a:ext>
+              </a:extLst>
+            </p:cNvPr>
+            <p:cNvCxnSpPr>
+              <a:stCxn id="16" idx="2"/>
+              <a:endCxn id="17" idx="0"/>
+            </p:cNvCxnSpPr>
+            <p:nvPr/>
+          </p:nvCxnSpPr>
+          <p:spPr>
+            <a:xfrm flipH="1">
+              <a:off x="3102584" y="3086100"/>
+              <a:ext cx="1" cy="230800"/>
+            </a:xfrm>
+            <a:prstGeom prst="straightConnector1">
+              <a:avLst/>
+            </a:prstGeom>
+            <a:ln>
+              <a:tailEnd type="triangle"/>
+            </a:ln>
+          </p:spPr>
+          <p:style>
+            <a:lnRef idx="1">
+              <a:schemeClr val="dk1"/>
+            </a:lnRef>
+            <a:fillRef idx="0">
+              <a:schemeClr val="dk1"/>
+            </a:fillRef>
+            <a:effectRef idx="0">
+              <a:schemeClr val="dk1"/>
+            </a:effectRef>
+            <a:fontRef idx="minor">
+              <a:schemeClr val="tx1"/>
+            </a:fontRef>
+          </p:style>
+        </p:cxnSp>
+        <p:cxnSp>
+          <p:nvCxnSpPr>
+            <p:cNvPr id="26" name="直接箭头连接符 25">
+              <a:extLst>
+                <a:ext uri="{FF2B5EF4-FFF2-40B4-BE49-F238E27FC236}">
+                  <a16:creationId xmlns:a16="http://schemas.microsoft.com/office/drawing/2014/main" id="{0C40CA20-89BA-4438-B6CB-EC683B2AF37A}"/>
+                </a:ext>
+              </a:extLst>
+            </p:cNvPr>
+            <p:cNvCxnSpPr>
+              <a:stCxn id="17" idx="2"/>
+              <a:endCxn id="19" idx="0"/>
+            </p:cNvCxnSpPr>
+            <p:nvPr/>
+          </p:nvCxnSpPr>
+          <p:spPr>
+            <a:xfrm>
+              <a:off x="3102584" y="3949946"/>
+              <a:ext cx="0" cy="268169"/>
+            </a:xfrm>
+            <a:prstGeom prst="straightConnector1">
+              <a:avLst/>
+            </a:prstGeom>
+            <a:ln>
+              <a:tailEnd type="triangle"/>
+            </a:ln>
+          </p:spPr>
+          <p:style>
+            <a:lnRef idx="1">
+              <a:schemeClr val="dk1"/>
+            </a:lnRef>
+            <a:fillRef idx="0">
+              <a:schemeClr val="dk1"/>
+            </a:fillRef>
+            <a:effectRef idx="0">
+              <a:schemeClr val="dk1"/>
+            </a:effectRef>
+            <a:fontRef idx="minor">
+              <a:schemeClr val="tx1"/>
+            </a:fontRef>
+          </p:style>
+        </p:cxnSp>
+        <p:cxnSp>
+          <p:nvCxnSpPr>
+            <p:cNvPr id="28" name="直接箭头连接符 27">
+              <a:extLst>
+                <a:ext uri="{FF2B5EF4-FFF2-40B4-BE49-F238E27FC236}">
+                  <a16:creationId xmlns:a16="http://schemas.microsoft.com/office/drawing/2014/main" id="{E09A0009-3893-496A-A447-1A6AE5281118}"/>
+                </a:ext>
+              </a:extLst>
+            </p:cNvPr>
+            <p:cNvCxnSpPr>
+              <a:stCxn id="19" idx="2"/>
+              <a:endCxn id="20" idx="0"/>
+            </p:cNvCxnSpPr>
+            <p:nvPr/>
+          </p:nvCxnSpPr>
+          <p:spPr>
+            <a:xfrm>
+              <a:off x="3102584" y="4866546"/>
+              <a:ext cx="1" cy="268170"/>
+            </a:xfrm>
+            <a:prstGeom prst="straightConnector1">
+              <a:avLst/>
+            </a:prstGeom>
+            <a:ln>
+              <a:tailEnd type="triangle"/>
+            </a:ln>
+          </p:spPr>
+          <p:style>
+            <a:lnRef idx="1">
+              <a:schemeClr val="dk1"/>
+            </a:lnRef>
+            <a:fillRef idx="0">
+              <a:schemeClr val="dk1"/>
+            </a:fillRef>
+            <a:effectRef idx="0">
+              <a:schemeClr val="dk1"/>
+            </a:effectRef>
+            <a:fontRef idx="minor">
+              <a:schemeClr val="tx1"/>
+            </a:fontRef>
+          </p:style>
+        </p:cxnSp>
+        <p:cxnSp>
+          <p:nvCxnSpPr>
+            <p:cNvPr id="30" name="连接符: 肘形 29">
+              <a:extLst>
+                <a:ext uri="{FF2B5EF4-FFF2-40B4-BE49-F238E27FC236}">
+                  <a16:creationId xmlns:a16="http://schemas.microsoft.com/office/drawing/2014/main" id="{BC43D687-6AA5-4B91-8A0D-AEC87A5979EF}"/>
+                </a:ext>
+              </a:extLst>
+            </p:cNvPr>
+            <p:cNvCxnSpPr>
+              <a:cxnSpLocks/>
+              <a:stCxn id="20" idx="2"/>
+            </p:cNvCxnSpPr>
+            <p:nvPr/>
+          </p:nvCxnSpPr>
+          <p:spPr>
+            <a:xfrm rot="5400000" flipH="1">
+              <a:off x="1432046" y="3912577"/>
+              <a:ext cx="3334728" cy="6351"/>
+            </a:xfrm>
+            <a:prstGeom prst="bentConnector5">
+              <a:avLst>
+                <a:gd name="adj1" fmla="val -6855"/>
+                <a:gd name="adj2" fmla="val 26193214"/>
+                <a:gd name="adj3" fmla="val 99962"/>
+              </a:avLst>
+            </a:prstGeom>
+            <a:ln>
+              <a:tailEnd type="triangle"/>
+            </a:ln>
+          </p:spPr>
+          <p:style>
+            <a:lnRef idx="1">
+              <a:schemeClr val="dk1"/>
+            </a:lnRef>
+            <a:fillRef idx="0">
+              <a:schemeClr val="dk1"/>
+            </a:fillRef>
+            <a:effectRef idx="0">
+              <a:schemeClr val="dk1"/>
+            </a:effectRef>
+            <a:fontRef idx="minor">
+              <a:schemeClr val="tx1"/>
+            </a:fontRef>
+          </p:style>
+        </p:cxnSp>
+        <p:sp>
+          <p:nvSpPr>
+            <p:cNvPr id="34" name="文本框 33">
+              <a:extLst>
+                <a:ext uri="{FF2B5EF4-FFF2-40B4-BE49-F238E27FC236}">
+                  <a16:creationId xmlns:a16="http://schemas.microsoft.com/office/drawing/2014/main" id="{37F4B872-B8EF-4DE1-A76C-F58C0A78642B}"/>
+                </a:ext>
+              </a:extLst>
+            </p:cNvPr>
+            <p:cNvSpPr txBox="1"/>
+            <p:nvPr/>
+          </p:nvSpPr>
+          <p:spPr>
+            <a:xfrm>
+              <a:off x="3115285" y="2998149"/>
+              <a:ext cx="239811" cy="369332"/>
+            </a:xfrm>
+            <a:prstGeom prst="rect">
+              <a:avLst/>
+            </a:prstGeom>
+            <a:noFill/>
+          </p:spPr>
+          <p:txBody>
+            <a:bodyPr wrap="square" rtlCol="0">
+              <a:spAutoFit/>
+            </a:bodyPr>
+            <a:lstStyle/>
+            <a:p>
+              <a:r>
+                <a:rPr lang="en-US" altLang="zh-CN" dirty="0"/>
+                <a:t>N</a:t>
+              </a:r>
+              <a:endParaRPr lang="zh-CN" altLang="en-US" dirty="0"/>
+            </a:p>
+          </p:txBody>
+        </p:sp>
+        <p:sp>
+          <p:nvSpPr>
+            <p:cNvPr id="39" name="流程图: 过程 38">
+              <a:extLst>
+                <a:ext uri="{FF2B5EF4-FFF2-40B4-BE49-F238E27FC236}">
+                  <a16:creationId xmlns:a16="http://schemas.microsoft.com/office/drawing/2014/main" id="{8CA195C5-1673-437B-AB47-261C08E0171C}"/>
+                </a:ext>
+              </a:extLst>
+            </p:cNvPr>
+            <p:cNvSpPr/>
+            <p:nvPr/>
+          </p:nvSpPr>
+          <p:spPr>
+            <a:xfrm>
+              <a:off x="5384021" y="3521318"/>
+              <a:ext cx="1828800" cy="536331"/>
+            </a:xfrm>
+            <a:prstGeom prst="flowChartProcess">
+              <a:avLst/>
+            </a:prstGeom>
+          </p:spPr>
+          <p:style>
+            <a:lnRef idx="2">
+              <a:schemeClr val="dk1"/>
+            </a:lnRef>
+            <a:fillRef idx="1">
+              <a:schemeClr val="lt1"/>
+            </a:fillRef>
+            <a:effectRef idx="0">
+              <a:schemeClr val="dk1"/>
+            </a:effectRef>
+            <a:fontRef idx="minor">
+              <a:schemeClr val="dk1"/>
+            </a:fontRef>
+          </p:style>
+          <p:txBody>
+            <a:bodyPr rtlCol="0" anchor="ctr"/>
+            <a:lstStyle/>
+            <a:p>
+              <a:pPr algn="ctr"/>
+              <a:r>
+                <a:rPr lang="zh-CN" altLang="en-US" dirty="0"/>
+                <a:t>统计已计算帧的舒适度平均值</a:t>
+              </a:r>
+            </a:p>
+          </p:txBody>
+        </p:sp>
+        <p:sp>
+          <p:nvSpPr>
+            <p:cNvPr id="63" name="流程图: 数据 62">
+              <a:extLst>
+                <a:ext uri="{FF2B5EF4-FFF2-40B4-BE49-F238E27FC236}">
+                  <a16:creationId xmlns:a16="http://schemas.microsoft.com/office/drawing/2014/main" id="{A30CD564-B937-43F4-8AB0-5BE5E0DA3E99}"/>
+                </a:ext>
+              </a:extLst>
+            </p:cNvPr>
+            <p:cNvSpPr/>
+            <p:nvPr/>
+          </p:nvSpPr>
+          <p:spPr>
+            <a:xfrm>
+              <a:off x="4806904" y="4374172"/>
+              <a:ext cx="2983034" cy="633046"/>
+            </a:xfrm>
+            <a:prstGeom prst="flowChartInputOutput">
+              <a:avLst/>
+            </a:prstGeom>
+          </p:spPr>
+          <p:style>
+            <a:lnRef idx="2">
+              <a:schemeClr val="dk1"/>
+            </a:lnRef>
+            <a:fillRef idx="1">
+              <a:schemeClr val="lt1"/>
+            </a:fillRef>
+            <a:effectRef idx="0">
+              <a:schemeClr val="dk1"/>
+            </a:effectRef>
+            <a:fontRef idx="minor">
+              <a:schemeClr val="dk1"/>
+            </a:fontRef>
+          </p:style>
+          <p:txBody>
+            <a:bodyPr rtlCol="0" anchor="ctr"/>
+            <a:lstStyle/>
+            <a:p>
+              <a:pPr algn="ctr"/>
+              <a:r>
+                <a:rPr lang="zh-CN" altLang="en-US" dirty="0"/>
+                <a:t>输出该视频客观舒适度估计值</a:t>
+              </a:r>
+            </a:p>
+          </p:txBody>
+        </p:sp>
+        <p:sp>
+          <p:nvSpPr>
+            <p:cNvPr id="66" name="流程图: 终止 65">
+              <a:extLst>
+                <a:ext uri="{FF2B5EF4-FFF2-40B4-BE49-F238E27FC236}">
+                  <a16:creationId xmlns:a16="http://schemas.microsoft.com/office/drawing/2014/main" id="{00EBE4E9-4129-4D56-872C-9178041FE557}"/>
+                </a:ext>
+              </a:extLst>
+            </p:cNvPr>
+            <p:cNvSpPr/>
+            <p:nvPr/>
+          </p:nvSpPr>
+          <p:spPr>
+            <a:xfrm>
+              <a:off x="5787373" y="5341299"/>
+              <a:ext cx="1022096" cy="408843"/>
+            </a:xfrm>
+            <a:prstGeom prst="flowChartTerminator">
+              <a:avLst/>
+            </a:prstGeom>
+            <a:ln/>
+          </p:spPr>
+          <p:style>
+            <a:lnRef idx="2">
+              <a:schemeClr val="dk1"/>
+            </a:lnRef>
+            <a:fillRef idx="1">
+              <a:schemeClr val="lt1"/>
+            </a:fillRef>
+            <a:effectRef idx="0">
+              <a:schemeClr val="dk1"/>
+            </a:effectRef>
+            <a:fontRef idx="minor">
+              <a:schemeClr val="dk1"/>
+            </a:fontRef>
+          </p:style>
+          <p:txBody>
+            <a:bodyPr rtlCol="0" anchor="ctr"/>
+            <a:lstStyle/>
+            <a:p>
+              <a:pPr algn="ctr"/>
+              <a:r>
+                <a:rPr lang="zh-CN" altLang="en-US" dirty="0"/>
+                <a:t>结束</a:t>
+              </a:r>
+            </a:p>
+          </p:txBody>
+        </p:sp>
+        <p:cxnSp>
+          <p:nvCxnSpPr>
+            <p:cNvPr id="74" name="直接箭头连接符 73">
+              <a:extLst>
+                <a:ext uri="{FF2B5EF4-FFF2-40B4-BE49-F238E27FC236}">
+                  <a16:creationId xmlns:a16="http://schemas.microsoft.com/office/drawing/2014/main" id="{9477C589-FAD8-4F8D-9F60-D5554493C07E}"/>
+                </a:ext>
+              </a:extLst>
+            </p:cNvPr>
+            <p:cNvCxnSpPr>
+              <a:stCxn id="39" idx="2"/>
+              <a:endCxn id="63" idx="1"/>
+            </p:cNvCxnSpPr>
+            <p:nvPr/>
+          </p:nvCxnSpPr>
+          <p:spPr>
+            <a:xfrm>
+              <a:off x="6298421" y="4057649"/>
+              <a:ext cx="0" cy="316523"/>
+            </a:xfrm>
+            <a:prstGeom prst="straightConnector1">
+              <a:avLst/>
+            </a:prstGeom>
+            <a:ln>
+              <a:tailEnd type="triangle"/>
+            </a:ln>
+          </p:spPr>
+          <p:style>
+            <a:lnRef idx="1">
+              <a:schemeClr val="dk1"/>
+            </a:lnRef>
+            <a:fillRef idx="0">
+              <a:schemeClr val="dk1"/>
+            </a:fillRef>
+            <a:effectRef idx="0">
+              <a:schemeClr val="dk1"/>
+            </a:effectRef>
+            <a:fontRef idx="minor">
+              <a:schemeClr val="tx1"/>
+            </a:fontRef>
+          </p:style>
+        </p:cxnSp>
+        <p:cxnSp>
+          <p:nvCxnSpPr>
+            <p:cNvPr id="76" name="直接箭头连接符 75">
+              <a:extLst>
+                <a:ext uri="{FF2B5EF4-FFF2-40B4-BE49-F238E27FC236}">
+                  <a16:creationId xmlns:a16="http://schemas.microsoft.com/office/drawing/2014/main" id="{ECBD8B59-EAC7-4464-A7F1-FC3D99CA8E4C}"/>
+                </a:ext>
+              </a:extLst>
+            </p:cNvPr>
+            <p:cNvCxnSpPr>
+              <a:stCxn id="63" idx="4"/>
+              <a:endCxn id="66" idx="0"/>
+            </p:cNvCxnSpPr>
+            <p:nvPr/>
+          </p:nvCxnSpPr>
+          <p:spPr>
+            <a:xfrm>
+              <a:off x="6298421" y="5007218"/>
+              <a:ext cx="0" cy="334081"/>
+            </a:xfrm>
+            <a:prstGeom prst="straightConnector1">
+              <a:avLst/>
+            </a:prstGeom>
+            <a:ln>
+              <a:tailEnd type="triangle"/>
+            </a:ln>
+          </p:spPr>
+          <p:style>
+            <a:lnRef idx="1">
+              <a:schemeClr val="dk1"/>
+            </a:lnRef>
+            <a:fillRef idx="0">
+              <a:schemeClr val="dk1"/>
+            </a:fillRef>
+            <a:effectRef idx="0">
+              <a:schemeClr val="dk1"/>
+            </a:effectRef>
+            <a:fontRef idx="minor">
+              <a:schemeClr val="tx1"/>
+            </a:fontRef>
+          </p:style>
+        </p:cxnSp>
+        <p:cxnSp>
+          <p:nvCxnSpPr>
+            <p:cNvPr id="80" name="连接符: 肘形 79">
+              <a:extLst>
+                <a:ext uri="{FF2B5EF4-FFF2-40B4-BE49-F238E27FC236}">
+                  <a16:creationId xmlns:a16="http://schemas.microsoft.com/office/drawing/2014/main" id="{09821886-8A33-40FD-8C08-4C3D20D9F9BC}"/>
+                </a:ext>
+              </a:extLst>
+            </p:cNvPr>
+            <p:cNvCxnSpPr>
+              <a:stCxn id="16" idx="3"/>
+              <a:endCxn id="39" idx="0"/>
+            </p:cNvCxnSpPr>
+            <p:nvPr/>
+          </p:nvCxnSpPr>
+          <p:spPr>
+            <a:xfrm>
+              <a:off x="4315924" y="2769577"/>
+              <a:ext cx="1982497" cy="751741"/>
+            </a:xfrm>
+            <a:prstGeom prst="bentConnector2">
+              <a:avLst/>
+            </a:prstGeom>
+            <a:ln>
+              <a:tailEnd type="triangle"/>
+            </a:ln>
+          </p:spPr>
+          <p:style>
+            <a:lnRef idx="1">
+              <a:schemeClr val="dk1"/>
+            </a:lnRef>
+            <a:fillRef idx="0">
+              <a:schemeClr val="dk1"/>
+            </a:fillRef>
+            <a:effectRef idx="0">
+              <a:schemeClr val="dk1"/>
+            </a:effectRef>
+            <a:fontRef idx="minor">
+              <a:schemeClr val="tx1"/>
+            </a:fontRef>
+          </p:style>
+        </p:cxnSp>
+        <p:sp>
+          <p:nvSpPr>
+            <p:cNvPr id="81" name="文本框 80">
+              <a:extLst>
+                <a:ext uri="{FF2B5EF4-FFF2-40B4-BE49-F238E27FC236}">
+                  <a16:creationId xmlns:a16="http://schemas.microsoft.com/office/drawing/2014/main" id="{2DF79092-98EC-47DE-9B9F-2B0044529B62}"/>
+                </a:ext>
+              </a:extLst>
+            </p:cNvPr>
+            <p:cNvSpPr txBox="1"/>
+            <p:nvPr/>
+          </p:nvSpPr>
+          <p:spPr>
+            <a:xfrm>
+              <a:off x="4445903" y="2400245"/>
+              <a:ext cx="239811" cy="369332"/>
+            </a:xfrm>
+            <a:prstGeom prst="rect">
+              <a:avLst/>
+            </a:prstGeom>
+            <a:noFill/>
+          </p:spPr>
+          <p:txBody>
+            <a:bodyPr wrap="square" rtlCol="0">
+              <a:spAutoFit/>
+            </a:bodyPr>
+            <a:lstStyle/>
+            <a:p>
+              <a:r>
+                <a:rPr lang="en-US" altLang="zh-CN" dirty="0"/>
+                <a:t>Y</a:t>
+              </a:r>
+              <a:endParaRPr lang="zh-CN" altLang="en-US" dirty="0"/>
+            </a:p>
+          </p:txBody>
+        </p:sp>
+      </p:grpSp>
+    </p:spTree>
+    <p:extLst>
+      <p:ext uri="{BB962C8B-B14F-4D97-AF65-F5344CB8AC3E}">
+        <p14:creationId xmlns:p14="http://schemas.microsoft.com/office/powerpoint/2010/main" val="1552464670"/>
+      </p:ext>
+    </p:extLst>
+  </p:cSld>
+  <p:clrMapOvr>
+    <a:masterClrMapping/>
+  </p:clrMapOvr>
+</p:sld>
+</file>
+
 <file path=ppt/theme/theme1.xml><?xml version="1.0" encoding="utf-8"?>
 <a:theme xmlns:a="http://schemas.openxmlformats.org/drawingml/2006/main" name="Office 主题​​">
   <a:themeElements>

--- a/文档/各种图.pptx
+++ b/文档/各种图.pptx
@@ -10,6 +10,7 @@
     <p:sldId id="258" r:id="rId4"/>
     <p:sldId id="259" r:id="rId5"/>
     <p:sldId id="260" r:id="rId6"/>
+    <p:sldId id="261" r:id="rId7"/>
   </p:sldIdLst>
   <p:sldSz cx="12192000" cy="6858000"/>
   <p:notesSz cx="6858000" cy="9144000"/>
@@ -120,13 +121,13 @@
 <pc:chgInfo xmlns:a="http://schemas.openxmlformats.org/drawingml/2006/main" xmlns:r="http://schemas.openxmlformats.org/officeDocument/2006/relationships" xmlns:ac="http://schemas.microsoft.com/office/drawing/2013/main/command" xmlns:pc="http://schemas.microsoft.com/office/powerpoint/2013/main/command">
   <pc:docChgLst>
     <pc:chgData name="王 家才" userId="863c4bbfb9f47078" providerId="LiveId" clId="{3EB35533-EDE6-4421-9AB6-CD29FFE35FE3}"/>
-    <pc:docChg chg="undo custSel addSld modSld">
-      <pc:chgData name="王 家才" userId="863c4bbfb9f47078" providerId="LiveId" clId="{3EB35533-EDE6-4421-9AB6-CD29FFE35FE3}" dt="2019-06-03T06:48:07.942" v="1446" actId="1076"/>
+    <pc:docChg chg="undo redo custSel addSld delSld modSld">
+      <pc:chgData name="王 家才" userId="863c4bbfb9f47078" providerId="LiveId" clId="{3EB35533-EDE6-4421-9AB6-CD29FFE35FE3}" dt="2019-06-04T03:15:36.103" v="1482" actId="1076"/>
       <pc:docMkLst>
         <pc:docMk/>
       </pc:docMkLst>
-      <pc:sldChg chg="addSp modSp">
-        <pc:chgData name="王 家才" userId="863c4bbfb9f47078" providerId="LiveId" clId="{3EB35533-EDE6-4421-9AB6-CD29FFE35FE3}" dt="2019-05-31T06:15:33.869" v="519" actId="164"/>
+      <pc:sldChg chg="addSp modSp add del">
+        <pc:chgData name="王 家才" userId="863c4bbfb9f47078" providerId="LiveId" clId="{3EB35533-EDE6-4421-9AB6-CD29FFE35FE3}" dt="2019-06-04T03:08:34.259" v="1458" actId="2696"/>
         <pc:sldMkLst>
           <pc:docMk/>
           <pc:sldMk cId="1663696670" sldId="256"/>
@@ -236,8 +237,8 @@
           </ac:cxnSpMkLst>
         </pc:cxnChg>
       </pc:sldChg>
-      <pc:sldChg chg="addSp delSp modSp add">
-        <pc:chgData name="王 家才" userId="863c4bbfb9f47078" providerId="LiveId" clId="{3EB35533-EDE6-4421-9AB6-CD29FFE35FE3}" dt="2019-05-31T06:15:30.547" v="518" actId="164"/>
+      <pc:sldChg chg="addSp delSp modSp add del">
+        <pc:chgData name="王 家才" userId="863c4bbfb9f47078" providerId="LiveId" clId="{3EB35533-EDE6-4421-9AB6-CD29FFE35FE3}" dt="2019-06-04T03:08:34.256" v="1457" actId="2696"/>
         <pc:sldMkLst>
           <pc:docMk/>
           <pc:sldMk cId="551038706" sldId="257"/>
@@ -1251,8 +1252,8 @@
           </ac:cxnSpMkLst>
         </pc:cxnChg>
       </pc:sldChg>
-      <pc:sldChg chg="addSp delSp modSp add">
-        <pc:chgData name="王 家才" userId="863c4bbfb9f47078" providerId="LiveId" clId="{3EB35533-EDE6-4421-9AB6-CD29FFE35FE3}" dt="2019-05-31T06:42:28.580" v="591" actId="164"/>
+      <pc:sldChg chg="addSp delSp modSp add del">
+        <pc:chgData name="王 家才" userId="863c4bbfb9f47078" providerId="LiveId" clId="{3EB35533-EDE6-4421-9AB6-CD29FFE35FE3}" dt="2019-06-04T03:08:34.254" v="1456" actId="2696"/>
         <pc:sldMkLst>
           <pc:docMk/>
           <pc:sldMk cId="219919632" sldId="258"/>
@@ -1650,8 +1651,8 @@
           </ac:cxnSpMkLst>
         </pc:cxnChg>
       </pc:sldChg>
-      <pc:sldChg chg="addSp delSp modSp add">
-        <pc:chgData name="王 家才" userId="863c4bbfb9f47078" providerId="LiveId" clId="{3EB35533-EDE6-4421-9AB6-CD29FFE35FE3}" dt="2019-06-02T06:47:05.258" v="645" actId="1076"/>
+      <pc:sldChg chg="addSp delSp modSp add del">
+        <pc:chgData name="王 家才" userId="863c4bbfb9f47078" providerId="LiveId" clId="{3EB35533-EDE6-4421-9AB6-CD29FFE35FE3}" dt="2019-06-04T03:08:34.252" v="1455" actId="2696"/>
         <pc:sldMkLst>
           <pc:docMk/>
           <pc:sldMk cId="1732317470" sldId="259"/>
@@ -1865,8 +1866,8 @@
           </ac:cxnSpMkLst>
         </pc:cxnChg>
       </pc:sldChg>
-      <pc:sldChg chg="addSp delSp modSp add">
-        <pc:chgData name="王 家才" userId="863c4bbfb9f47078" providerId="LiveId" clId="{3EB35533-EDE6-4421-9AB6-CD29FFE35FE3}" dt="2019-06-03T06:48:07.942" v="1446" actId="1076"/>
+      <pc:sldChg chg="addSp delSp modSp add del">
+        <pc:chgData name="王 家才" userId="863c4bbfb9f47078" providerId="LiveId" clId="{3EB35533-EDE6-4421-9AB6-CD29FFE35FE3}" dt="2019-06-04T03:08:34.249" v="1454" actId="2696"/>
         <pc:sldMkLst>
           <pc:docMk/>
           <pc:sldMk cId="1552464670" sldId="260"/>
@@ -2111,6 +2112,61 @@
             <ac:cxnSpMk id="80" creationId="{09821886-8A33-40FD-8C08-4C3D20D9F9BC}"/>
           </ac:cxnSpMkLst>
         </pc:cxnChg>
+      </pc:sldChg>
+      <pc:sldChg chg="addSp delSp modSp add del">
+        <pc:chgData name="王 家才" userId="863c4bbfb9f47078" providerId="LiveId" clId="{3EB35533-EDE6-4421-9AB6-CD29FFE35FE3}" dt="2019-06-04T03:15:36.103" v="1482" actId="1076"/>
+        <pc:sldMkLst>
+          <pc:docMk/>
+          <pc:sldMk cId="643669222" sldId="261"/>
+        </pc:sldMkLst>
+        <pc:spChg chg="add del">
+          <ac:chgData name="王 家才" userId="863c4bbfb9f47078" providerId="LiveId" clId="{3EB35533-EDE6-4421-9AB6-CD29FFE35FE3}" dt="2019-06-04T03:10:53.785" v="1466" actId="478"/>
+          <ac:spMkLst>
+            <pc:docMk/>
+            <pc:sldMk cId="643669222" sldId="261"/>
+            <ac:spMk id="2" creationId="{CC1114B3-E896-48BD-A690-75935CFA82C6}"/>
+          </ac:spMkLst>
+        </pc:spChg>
+        <pc:spChg chg="add del">
+          <ac:chgData name="王 家才" userId="863c4bbfb9f47078" providerId="LiveId" clId="{3EB35533-EDE6-4421-9AB6-CD29FFE35FE3}" dt="2019-06-04T03:10:53.785" v="1466" actId="478"/>
+          <ac:spMkLst>
+            <pc:docMk/>
+            <pc:sldMk cId="643669222" sldId="261"/>
+            <ac:spMk id="3" creationId="{3B525C5E-E008-47D8-A331-C6C823B8C337}"/>
+          </ac:spMkLst>
+        </pc:spChg>
+        <pc:spChg chg="add del">
+          <ac:chgData name="王 家才" userId="863c4bbfb9f47078" providerId="LiveId" clId="{3EB35533-EDE6-4421-9AB6-CD29FFE35FE3}" dt="2019-06-04T03:10:52.055" v="1464"/>
+          <ac:spMkLst>
+            <pc:docMk/>
+            <pc:sldMk cId="643669222" sldId="261"/>
+            <ac:spMk id="4" creationId="{926FCEF5-C5F3-4564-A140-E10845A09334}"/>
+          </ac:spMkLst>
+        </pc:spChg>
+        <pc:spChg chg="add del">
+          <ac:chgData name="王 家才" userId="863c4bbfb9f47078" providerId="LiveId" clId="{3EB35533-EDE6-4421-9AB6-CD29FFE35FE3}" dt="2019-06-04T03:10:51.287" v="1463"/>
+          <ac:spMkLst>
+            <pc:docMk/>
+            <pc:sldMk cId="643669222" sldId="261"/>
+            <ac:spMk id="5" creationId="{50F8A18F-088D-45F6-B644-B9CD537AC40E}"/>
+          </ac:spMkLst>
+        </pc:spChg>
+        <pc:spChg chg="add mod ord">
+          <ac:chgData name="王 家才" userId="863c4bbfb9f47078" providerId="LiveId" clId="{3EB35533-EDE6-4421-9AB6-CD29FFE35FE3}" dt="2019-06-04T03:15:36.103" v="1482" actId="1076"/>
+          <ac:spMkLst>
+            <pc:docMk/>
+            <pc:sldMk cId="643669222" sldId="261"/>
+            <ac:spMk id="7" creationId="{BF9D5213-BA16-4538-8067-145F8434124B}"/>
+          </ac:spMkLst>
+        </pc:spChg>
+        <pc:picChg chg="add mod">
+          <ac:chgData name="王 家才" userId="863c4bbfb9f47078" providerId="LiveId" clId="{3EB35533-EDE6-4421-9AB6-CD29FFE35FE3}" dt="2019-06-04T03:15:32.846" v="1481" actId="1076"/>
+          <ac:picMkLst>
+            <pc:docMk/>
+            <pc:sldMk cId="643669222" sldId="261"/>
+            <ac:picMk id="6" creationId="{02CE63FD-4283-4BBF-9934-74E9FFE34B86}"/>
+          </ac:picMkLst>
+        </pc:picChg>
       </pc:sldChg>
     </pc:docChg>
   </pc:docChgLst>
@@ -2264,7 +2320,7 @@
           <a:p>
             <a:fld id="{9ED08F6C-622D-44ED-AB5D-DC05AC4CB8EE}" type="datetimeFigureOut">
               <a:rPr lang="zh-CN" altLang="en-US" smtClean="0"/>
-              <a:t>2019/6/3</a:t>
+              <a:t>2019/6/4</a:t>
             </a:fld>
             <a:endParaRPr lang="zh-CN" altLang="en-US"/>
           </a:p>
@@ -2462,7 +2518,7 @@
           <a:p>
             <a:fld id="{9ED08F6C-622D-44ED-AB5D-DC05AC4CB8EE}" type="datetimeFigureOut">
               <a:rPr lang="zh-CN" altLang="en-US" smtClean="0"/>
-              <a:t>2019/6/3</a:t>
+              <a:t>2019/6/4</a:t>
             </a:fld>
             <a:endParaRPr lang="zh-CN" altLang="en-US"/>
           </a:p>
@@ -2670,7 +2726,7 @@
           <a:p>
             <a:fld id="{9ED08F6C-622D-44ED-AB5D-DC05AC4CB8EE}" type="datetimeFigureOut">
               <a:rPr lang="zh-CN" altLang="en-US" smtClean="0"/>
-              <a:t>2019/6/3</a:t>
+              <a:t>2019/6/4</a:t>
             </a:fld>
             <a:endParaRPr lang="zh-CN" altLang="en-US"/>
           </a:p>
@@ -2868,7 +2924,7 @@
           <a:p>
             <a:fld id="{9ED08F6C-622D-44ED-AB5D-DC05AC4CB8EE}" type="datetimeFigureOut">
               <a:rPr lang="zh-CN" altLang="en-US" smtClean="0"/>
-              <a:t>2019/6/3</a:t>
+              <a:t>2019/6/4</a:t>
             </a:fld>
             <a:endParaRPr lang="zh-CN" altLang="en-US"/>
           </a:p>
@@ -3143,7 +3199,7 @@
           <a:p>
             <a:fld id="{9ED08F6C-622D-44ED-AB5D-DC05AC4CB8EE}" type="datetimeFigureOut">
               <a:rPr lang="zh-CN" altLang="en-US" smtClean="0"/>
-              <a:t>2019/6/3</a:t>
+              <a:t>2019/6/4</a:t>
             </a:fld>
             <a:endParaRPr lang="zh-CN" altLang="en-US"/>
           </a:p>
@@ -3408,7 +3464,7 @@
           <a:p>
             <a:fld id="{9ED08F6C-622D-44ED-AB5D-DC05AC4CB8EE}" type="datetimeFigureOut">
               <a:rPr lang="zh-CN" altLang="en-US" smtClean="0"/>
-              <a:t>2019/6/3</a:t>
+              <a:t>2019/6/4</a:t>
             </a:fld>
             <a:endParaRPr lang="zh-CN" altLang="en-US"/>
           </a:p>
@@ -3820,7 +3876,7 @@
           <a:p>
             <a:fld id="{9ED08F6C-622D-44ED-AB5D-DC05AC4CB8EE}" type="datetimeFigureOut">
               <a:rPr lang="zh-CN" altLang="en-US" smtClean="0"/>
-              <a:t>2019/6/3</a:t>
+              <a:t>2019/6/4</a:t>
             </a:fld>
             <a:endParaRPr lang="zh-CN" altLang="en-US"/>
           </a:p>
@@ -3961,7 +4017,7 @@
           <a:p>
             <a:fld id="{9ED08F6C-622D-44ED-AB5D-DC05AC4CB8EE}" type="datetimeFigureOut">
               <a:rPr lang="zh-CN" altLang="en-US" smtClean="0"/>
-              <a:t>2019/6/3</a:t>
+              <a:t>2019/6/4</a:t>
             </a:fld>
             <a:endParaRPr lang="zh-CN" altLang="en-US"/>
           </a:p>
@@ -4074,7 +4130,7 @@
           <a:p>
             <a:fld id="{9ED08F6C-622D-44ED-AB5D-DC05AC4CB8EE}" type="datetimeFigureOut">
               <a:rPr lang="zh-CN" altLang="en-US" smtClean="0"/>
-              <a:t>2019/6/3</a:t>
+              <a:t>2019/6/4</a:t>
             </a:fld>
             <a:endParaRPr lang="zh-CN" altLang="en-US"/>
           </a:p>
@@ -4385,7 +4441,7 @@
           <a:p>
             <a:fld id="{9ED08F6C-622D-44ED-AB5D-DC05AC4CB8EE}" type="datetimeFigureOut">
               <a:rPr lang="zh-CN" altLang="en-US" smtClean="0"/>
-              <a:t>2019/6/3</a:t>
+              <a:t>2019/6/4</a:t>
             </a:fld>
             <a:endParaRPr lang="zh-CN" altLang="en-US"/>
           </a:p>
@@ -4673,7 +4729,7 @@
           <a:p>
             <a:fld id="{9ED08F6C-622D-44ED-AB5D-DC05AC4CB8EE}" type="datetimeFigureOut">
               <a:rPr lang="zh-CN" altLang="en-US" smtClean="0"/>
-              <a:t>2019/6/3</a:t>
+              <a:t>2019/6/4</a:t>
             </a:fld>
             <a:endParaRPr lang="zh-CN" altLang="en-US"/>
           </a:p>
@@ -4914,7 +4970,7 @@
           <a:p>
             <a:fld id="{9ED08F6C-622D-44ED-AB5D-DC05AC4CB8EE}" type="datetimeFigureOut">
               <a:rPr lang="zh-CN" altLang="en-US" smtClean="0"/>
-              <a:t>2019/6/3</a:t>
+              <a:t>2019/6/4</a:t>
             </a:fld>
             <a:endParaRPr lang="zh-CN" altLang="en-US"/>
           </a:p>
@@ -11600,6 +11656,118 @@
 </p:sld>
 </file>
 
+<file path=ppt/slides/slide6.xml><?xml version="1.0" encoding="utf-8"?>
+<p:sld xmlns:a="http://schemas.openxmlformats.org/drawingml/2006/main" xmlns:r="http://schemas.openxmlformats.org/officeDocument/2006/relationships" xmlns:p="http://schemas.openxmlformats.org/presentationml/2006/main">
+  <p:cSld>
+    <p:spTree>
+      <p:nvGrpSpPr>
+        <p:cNvPr id="1" name=""/>
+        <p:cNvGrpSpPr/>
+        <p:nvPr/>
+      </p:nvGrpSpPr>
+      <p:grpSpPr>
+        <a:xfrm>
+          <a:off x="0" y="0"/>
+          <a:ext cx="0" cy="0"/>
+          <a:chOff x="0" y="0"/>
+          <a:chExt cx="0" cy="0"/>
+        </a:xfrm>
+      </p:grpSpPr>
+      <p:pic>
+        <p:nvPicPr>
+          <p:cNvPr id="6" name="图片 5">
+            <a:extLst>
+              <a:ext uri="{FF2B5EF4-FFF2-40B4-BE49-F238E27FC236}">
+                <a16:creationId xmlns:a16="http://schemas.microsoft.com/office/drawing/2014/main" id="{02CE63FD-4283-4BBF-9934-74E9FFE34B86}"/>
+              </a:ext>
+            </a:extLst>
+          </p:cNvPr>
+          <p:cNvPicPr>
+            <a:picLocks noChangeAspect="1"/>
+          </p:cNvPicPr>
+          <p:nvPr/>
+        </p:nvPicPr>
+        <p:blipFill>
+          <a:blip r:embed="rId2"/>
+          <a:stretch>
+            <a:fillRect/>
+          </a:stretch>
+        </p:blipFill>
+        <p:spPr>
+          <a:xfrm>
+            <a:off x="2283922" y="316522"/>
+            <a:ext cx="5756203" cy="5425106"/>
+          </a:xfrm>
+          <a:prstGeom prst="rect">
+            <a:avLst/>
+          </a:prstGeom>
+        </p:spPr>
+      </p:pic>
+      <p:sp>
+        <p:nvSpPr>
+          <p:cNvPr id="7" name="矩形 6">
+            <a:extLst>
+              <a:ext uri="{FF2B5EF4-FFF2-40B4-BE49-F238E27FC236}">
+                <a16:creationId xmlns:a16="http://schemas.microsoft.com/office/drawing/2014/main" id="{BF9D5213-BA16-4538-8067-145F8434124B}"/>
+              </a:ext>
+            </a:extLst>
+          </p:cNvPr>
+          <p:cNvSpPr/>
+          <p:nvPr/>
+        </p:nvSpPr>
+        <p:spPr>
+          <a:xfrm>
+            <a:off x="4388300" y="598128"/>
+            <a:ext cx="4431323" cy="4431323"/>
+          </a:xfrm>
+          <a:prstGeom prst="rect">
+            <a:avLst/>
+          </a:prstGeom>
+          <a:noFill/>
+          <a:ln w="28575">
+            <a:solidFill>
+              <a:schemeClr val="tx1"/>
+            </a:solidFill>
+          </a:ln>
+        </p:spPr>
+        <p:style>
+          <a:lnRef idx="2">
+            <a:schemeClr val="accent1">
+              <a:shade val="50000"/>
+            </a:schemeClr>
+          </a:lnRef>
+          <a:fillRef idx="1">
+            <a:schemeClr val="accent1"/>
+          </a:fillRef>
+          <a:effectRef idx="0">
+            <a:schemeClr val="accent1"/>
+          </a:effectRef>
+          <a:fontRef idx="minor">
+            <a:schemeClr val="lt1"/>
+          </a:fontRef>
+        </p:style>
+        <p:txBody>
+          <a:bodyPr rtlCol="0" anchor="ctr"/>
+          <a:lstStyle/>
+          <a:p>
+            <a:pPr algn="ctr"/>
+            <a:endParaRPr lang="zh-CN" altLang="en-US"/>
+          </a:p>
+        </p:txBody>
+      </p:sp>
+    </p:spTree>
+    <p:extLst>
+      <p:ext uri="{BB962C8B-B14F-4D97-AF65-F5344CB8AC3E}">
+        <p14:creationId xmlns:p14="http://schemas.microsoft.com/office/powerpoint/2010/main" val="643669222"/>
+      </p:ext>
+    </p:extLst>
+  </p:cSld>
+  <p:clrMapOvr>
+    <a:masterClrMapping/>
+  </p:clrMapOvr>
+</p:sld>
+</file>
+
 <file path=ppt/theme/theme1.xml><?xml version="1.0" encoding="utf-8"?>
 <a:theme xmlns:a="http://schemas.openxmlformats.org/drawingml/2006/main" name="Office 主题​​">
   <a:themeElements>
